--- a/Servidor/Temas/1_9 - DWES Trabajando con Servlets.pptx
+++ b/Servidor/Temas/1_9 - DWES Trabajando con Servlets.pptx
@@ -2,35 +2,36 @@
 <file path=ppt/presentation.xml><?xml version="1.0" encoding="utf-8"?>
 <p:presentation xmlns:a="http://schemas.openxmlformats.org/drawingml/2006/main" xmlns:r="http://schemas.openxmlformats.org/officeDocument/2006/relationships" xmlns:mc="http://schemas.openxmlformats.org/markup-compatibility/2006" xmlns:mv="urn:schemas-microsoft-com:mac:vml" xmlns:p="http://schemas.openxmlformats.org/presentationml/2006/main" xmlns:c="http://schemas.openxmlformats.org/drawingml/2006/chart" xmlns:dgm="http://schemas.openxmlformats.org/drawingml/2006/diagram" xmlns:o="urn:schemas-microsoft-com:office:office" xmlns:v="urn:schemas-microsoft-com:vml" xmlns:pvml="urn:schemas-microsoft-com:office:powerpoint" xmlns:com="http://schemas.openxmlformats.org/drawingml/2006/compatibility" xmlns:p14="http://schemas.microsoft.com/office/powerpoint/2010/main" autoCompressPictures="0" embedTrueTypeFonts="1" strictFirstAndLastChars="0" saveSubsetFonts="1">
   <p:sldMasterIdLst>
-    <p:sldMasterId id="2147483654" r:id="rId3"/>
+    <p:sldMasterId id="2147483654" r:id="rId4"/>
   </p:sldMasterIdLst>
   <p:notesMasterIdLst>
-    <p:notesMasterId r:id="rId4"/>
+    <p:notesMasterId r:id="rId5"/>
   </p:notesMasterIdLst>
   <p:sldIdLst>
-    <p:sldId id="256" r:id="rId5"/>
-    <p:sldId id="257" r:id="rId6"/>
-    <p:sldId id="258" r:id="rId7"/>
-    <p:sldId id="259" r:id="rId8"/>
-    <p:sldId id="260" r:id="rId9"/>
-    <p:sldId id="261" r:id="rId10"/>
-    <p:sldId id="262" r:id="rId11"/>
-    <p:sldId id="263" r:id="rId12"/>
-    <p:sldId id="264" r:id="rId13"/>
-    <p:sldId id="265" r:id="rId14"/>
-    <p:sldId id="266" r:id="rId15"/>
-    <p:sldId id="267" r:id="rId16"/>
-    <p:sldId id="268" r:id="rId17"/>
-    <p:sldId id="269" r:id="rId18"/>
-    <p:sldId id="270" r:id="rId19"/>
+    <p:sldId id="256" r:id="rId6"/>
+    <p:sldId id="257" r:id="rId7"/>
+    <p:sldId id="258" r:id="rId8"/>
+    <p:sldId id="259" r:id="rId9"/>
+    <p:sldId id="260" r:id="rId10"/>
+    <p:sldId id="261" r:id="rId11"/>
+    <p:sldId id="262" r:id="rId12"/>
+    <p:sldId id="263" r:id="rId13"/>
+    <p:sldId id="264" r:id="rId14"/>
+    <p:sldId id="265" r:id="rId15"/>
+    <p:sldId id="266" r:id="rId16"/>
+    <p:sldId id="267" r:id="rId17"/>
+    <p:sldId id="268" r:id="rId18"/>
+    <p:sldId id="269" r:id="rId19"/>
+    <p:sldId id="270" r:id="rId20"/>
+    <p:sldId id="271" r:id="rId21"/>
   </p:sldIdLst>
   <p:sldSz cy="5143500" cx="9144000"/>
   <p:notesSz cx="6858000" cy="9144000"/>
   <p:embeddedFontLst>
     <p:embeddedFont>
       <p:font typeface="Source Code Pro"/>
-      <p:regular r:id="rId20"/>
-      <p:bold r:id="rId21"/>
+      <p:regular r:id="rId22"/>
+      <p:bold r:id="rId23"/>
     </p:embeddedFont>
   </p:embeddedFontLst>
   <p:defaultTextStyle>
@@ -1020,6 +1021,101 @@
       <p:sp>
         <p:nvSpPr>
           <p:cNvPr id="130" name="Shape 130"/>
+          <p:cNvSpPr txBox="1"/>
+          <p:nvPr>
+            <p:ph idx="1" type="body"/>
+          </p:nvPr>
+        </p:nvSpPr>
+        <p:spPr>
+          <a:xfrm>
+            <a:off x="685800" y="4343400"/>
+            <a:ext cx="5486399" cy="4114800"/>
+          </a:xfrm>
+          <a:prstGeom prst="rect">
+            <a:avLst/>
+          </a:prstGeom>
+        </p:spPr>
+        <p:txBody>
+          <a:bodyPr anchorCtr="0" anchor="t" bIns="91425" lIns="91425" rIns="91425" tIns="91425">
+            <a:noAutofit/>
+          </a:bodyPr>
+          <a:lstStyle/>
+          <a:p>
+            <a:pPr lvl="0">
+              <a:spcBef>
+                <a:spcPts val="0"/>
+              </a:spcBef>
+              <a:buNone/>
+            </a:pPr>
+            <a:r>
+              <a:t/>
+            </a:r>
+            <a:endParaRPr/>
+          </a:p>
+        </p:txBody>
+      </p:sp>
+    </p:spTree>
+  </p:cSld>
+  <p:clrMapOvr>
+    <a:masterClrMapping/>
+  </p:clrMapOvr>
+</p:notes>
+</file>
+
+<file path=ppt/notesSlides/notesSlide15.xml><?xml version="1.0" encoding="utf-8"?>
+<p:notes xmlns:a="http://schemas.openxmlformats.org/drawingml/2006/main" xmlns:r="http://schemas.openxmlformats.org/officeDocument/2006/relationships" xmlns:mc="http://schemas.openxmlformats.org/markup-compatibility/2006" xmlns:mv="urn:schemas-microsoft-com:mac:vml" xmlns:p="http://schemas.openxmlformats.org/presentationml/2006/main" xmlns:c="http://schemas.openxmlformats.org/drawingml/2006/chart" xmlns:dgm="http://schemas.openxmlformats.org/drawingml/2006/diagram" xmlns:o="urn:schemas-microsoft-com:office:office" xmlns:v="urn:schemas-microsoft-com:vml" xmlns:pvml="urn:schemas-microsoft-com:office:powerpoint" xmlns:com="http://schemas.openxmlformats.org/drawingml/2006/compatibility" xmlns:p14="http://schemas.microsoft.com/office/powerpoint/2010/main" showMasterPhAnim="0" showMasterSp="0">
+  <p:cSld>
+    <p:spTree>
+      <p:nvGrpSpPr>
+        <p:cNvPr id="134" name="Shape 134"/>
+        <p:cNvGrpSpPr/>
+        <p:nvPr/>
+      </p:nvGrpSpPr>
+      <p:grpSpPr>
+        <a:xfrm>
+          <a:off x="0" y="0"/>
+          <a:ext cx="0" cy="0"/>
+          <a:chOff x="0" y="0"/>
+          <a:chExt cx="0" cy="0"/>
+        </a:xfrm>
+      </p:grpSpPr>
+      <p:sp>
+        <p:nvSpPr>
+          <p:cNvPr id="135" name="Shape 135"/>
+          <p:cNvSpPr/>
+          <p:nvPr>
+            <p:ph idx="2" type="sldImg"/>
+          </p:nvPr>
+        </p:nvSpPr>
+        <p:spPr>
+          <a:xfrm>
+            <a:off x="381187" y="685800"/>
+            <a:ext cx="6096299" cy="3429000"/>
+          </a:xfrm>
+          <a:custGeom>
+            <a:pathLst>
+              <a:path extrusionOk="0" h="120000" w="120000">
+                <a:moveTo>
+                  <a:pt x="0" y="0"/>
+                </a:moveTo>
+                <a:lnTo>
+                  <a:pt x="120000" y="0"/>
+                </a:lnTo>
+                <a:lnTo>
+                  <a:pt x="120000" y="120000"/>
+                </a:lnTo>
+                <a:lnTo>
+                  <a:pt x="0" y="120000"/>
+                </a:lnTo>
+                <a:close/>
+              </a:path>
+            </a:pathLst>
+          </a:custGeom>
+        </p:spPr>
+      </p:sp>
+      <p:sp>
+        <p:nvSpPr>
+          <p:cNvPr id="136" name="Shape 136"/>
           <p:cNvSpPr txBox="1"/>
           <p:nvPr>
             <p:ph idx="1" type="body"/>
@@ -6562,6 +6658,427 @@
 </p:sld>
 </file>
 
+<file path=ppt/slides/slide15.xml><?xml version="1.0" encoding="utf-8"?>
+<p:sld xmlns:a="http://schemas.openxmlformats.org/drawingml/2006/main" xmlns:r="http://schemas.openxmlformats.org/officeDocument/2006/relationships" xmlns:mc="http://schemas.openxmlformats.org/markup-compatibility/2006" xmlns:mv="urn:schemas-microsoft-com:mac:vml" xmlns:p="http://schemas.openxmlformats.org/presentationml/2006/main" xmlns:c="http://schemas.openxmlformats.org/drawingml/2006/chart" xmlns:dgm="http://schemas.openxmlformats.org/drawingml/2006/diagram" xmlns:o="urn:schemas-microsoft-com:office:office" xmlns:v="urn:schemas-microsoft-com:vml" xmlns:pvml="urn:schemas-microsoft-com:office:powerpoint" xmlns:com="http://schemas.openxmlformats.org/drawingml/2006/compatibility" xmlns:p14="http://schemas.microsoft.com/office/powerpoint/2010/main">
+  <p:cSld>
+    <p:spTree>
+      <p:nvGrpSpPr>
+        <p:cNvPr id="137" name="Shape 137"/>
+        <p:cNvGrpSpPr/>
+        <p:nvPr/>
+      </p:nvGrpSpPr>
+      <p:grpSpPr>
+        <a:xfrm>
+          <a:off x="0" y="0"/>
+          <a:ext cx="0" cy="0"/>
+          <a:chOff x="0" y="0"/>
+          <a:chExt cx="0" cy="0"/>
+        </a:xfrm>
+      </p:grpSpPr>
+      <p:sp>
+        <p:nvSpPr>
+          <p:cNvPr id="138" name="Shape 138"/>
+          <p:cNvSpPr txBox="1"/>
+          <p:nvPr>
+            <p:ph type="title"/>
+          </p:nvPr>
+        </p:nvSpPr>
+        <p:spPr>
+          <a:xfrm>
+            <a:off x="457200" y="139527"/>
+            <a:ext cx="8229600" cy="857400"/>
+          </a:xfrm>
+          <a:prstGeom prst="rect">
+            <a:avLst/>
+          </a:prstGeom>
+        </p:spPr>
+        <p:txBody>
+          <a:bodyPr anchorCtr="0" anchor="b" bIns="91425" lIns="91425" rIns="91425" tIns="91425">
+            <a:noAutofit/>
+          </a:bodyPr>
+          <a:lstStyle/>
+          <a:p>
+            <a:pPr lvl="0">
+              <a:spcBef>
+                <a:spcPts val="0"/>
+              </a:spcBef>
+              <a:buNone/>
+            </a:pPr>
+            <a:r>
+              <a:rPr lang="es"/>
+              <a:t>Apéndice 1: Map vs. arrays PHP</a:t>
+            </a:r>
+          </a:p>
+        </p:txBody>
+      </p:sp>
+      <p:graphicFrame>
+        <p:nvGraphicFramePr>
+          <p:cNvPr id="139" name="Shape 139"/>
+          <p:cNvGraphicFramePr/>
+          <p:nvPr/>
+        </p:nvGraphicFramePr>
+        <p:xfrm>
+          <a:off x="952500" y="1238250"/>
+          <a:ext cx="3000000" cy="3000000"/>
+        </p:xfrm>
+        <a:graphic>
+          <a:graphicData uri="http://schemas.openxmlformats.org/drawingml/2006/table">
+            <a:tbl>
+              <a:tblPr>
+                <a:noFill/>
+                <a:tableStyleId>{656947E3-BED7-40ED-9F38-A1E5EAD9CEBA}</a:tableStyleId>
+              </a:tblPr>
+              <a:tblGrid>
+                <a:gridCol w="2680900"/>
+                <a:gridCol w="4558100"/>
+              </a:tblGrid>
+              <a:tr h="381000">
+                <a:tc>
+                  <a:txBody>
+                    <a:bodyPr>
+                      <a:noAutofit/>
+                    </a:bodyPr>
+                    <a:lstStyle/>
+                    <a:p>
+                      <a:pPr lvl="0" algn="ctr">
+                        <a:spcBef>
+                          <a:spcPts val="0"/>
+                        </a:spcBef>
+                        <a:buNone/>
+                      </a:pPr>
+                      <a:r>
+                        <a:rPr b="1" lang="es"/>
+                        <a:t>PHP</a:t>
+                      </a:r>
+                    </a:p>
+                  </a:txBody>
+                  <a:tcPr marT="91425" marB="91425" marR="91425" marL="91425">
+                    <a:solidFill>
+                      <a:srgbClr val="F9CB9C"/>
+                    </a:solidFill>
+                  </a:tcPr>
+                </a:tc>
+                <a:tc>
+                  <a:txBody>
+                    <a:bodyPr>
+                      <a:noAutofit/>
+                    </a:bodyPr>
+                    <a:lstStyle/>
+                    <a:p>
+                      <a:pPr lvl="0" algn="ctr">
+                        <a:spcBef>
+                          <a:spcPts val="0"/>
+                        </a:spcBef>
+                        <a:buNone/>
+                      </a:pPr>
+                      <a:r>
+                        <a:rPr b="1" lang="es"/>
+                        <a:t>JAVA</a:t>
+                      </a:r>
+                    </a:p>
+                  </a:txBody>
+                  <a:tcPr marT="91425" marB="91425" marR="91425" marL="91425">
+                    <a:solidFill>
+                      <a:srgbClr val="F9CB9C"/>
+                    </a:solidFill>
+                  </a:tcPr>
+                </a:tc>
+              </a:tr>
+              <a:tr h="381000">
+                <a:tc>
+                  <a:txBody>
+                    <a:bodyPr>
+                      <a:noAutofit/>
+                    </a:bodyPr>
+                    <a:lstStyle/>
+                    <a:p>
+                      <a:pPr lvl="0">
+                        <a:spcBef>
+                          <a:spcPts val="0"/>
+                        </a:spcBef>
+                        <a:buNone/>
+                      </a:pPr>
+                      <a:r>
+                        <a:rPr lang="es" sz="1600"/>
+                        <a:t>$comida =[ ]</a:t>
+                      </a:r>
+                    </a:p>
+                  </a:txBody>
+                  <a:tcPr marT="91425" marB="91425" marR="91425" marL="91425"/>
+                </a:tc>
+                <a:tc>
+                  <a:txBody>
+                    <a:bodyPr>
+                      <a:noAutofit/>
+                    </a:bodyPr>
+                    <a:lstStyle/>
+                    <a:p>
+                      <a:pPr lvl="0" rtl="0">
+                        <a:spcBef>
+                          <a:spcPts val="0"/>
+                        </a:spcBef>
+                        <a:buNone/>
+                      </a:pPr>
+                      <a:r>
+                        <a:rPr lang="es" sz="1600"/>
+                        <a:t>Map&lt;String,String&gt; comida=</a:t>
+                      </a:r>
+                    </a:p>
+                    <a:p>
+                      <a:pPr lvl="0">
+                        <a:spcBef>
+                          <a:spcPts val="0"/>
+                        </a:spcBef>
+                        <a:buNone/>
+                      </a:pPr>
+                      <a:r>
+                        <a:rPr lang="es" sz="1600"/>
+                        <a:t>    new HashMap&lt;String,String&gt;()</a:t>
+                      </a:r>
+                    </a:p>
+                  </a:txBody>
+                  <a:tcPr marT="91425" marB="91425" marR="91425" marL="91425"/>
+                </a:tc>
+              </a:tr>
+              <a:tr h="381000">
+                <a:tc>
+                  <a:txBody>
+                    <a:bodyPr>
+                      <a:noAutofit/>
+                    </a:bodyPr>
+                    <a:lstStyle/>
+                    <a:p>
+                      <a:pPr lvl="0">
+                        <a:spcBef>
+                          <a:spcPts val="0"/>
+                        </a:spcBef>
+                        <a:buNone/>
+                      </a:pPr>
+                      <a:r>
+                        <a:rPr lang="es" sz="1600"/>
+                        <a:t>$comida['pepe']='fabada'</a:t>
+                      </a:r>
+                    </a:p>
+                  </a:txBody>
+                  <a:tcPr marT="91425" marB="91425" marR="91425" marL="91425"/>
+                </a:tc>
+                <a:tc>
+                  <a:txBody>
+                    <a:bodyPr>
+                      <a:noAutofit/>
+                    </a:bodyPr>
+                    <a:lstStyle/>
+                    <a:p>
+                      <a:pPr lvl="0">
+                        <a:spcBef>
+                          <a:spcPts val="0"/>
+                        </a:spcBef>
+                        <a:buNone/>
+                      </a:pPr>
+                      <a:r>
+                        <a:rPr lang="es" sz="1600"/>
+                        <a:t>comida.put("pepe","fabada")</a:t>
+                      </a:r>
+                    </a:p>
+                  </a:txBody>
+                  <a:tcPr marT="91425" marB="91425" marR="91425" marL="91425"/>
+                </a:tc>
+              </a:tr>
+              <a:tr h="381000">
+                <a:tc>
+                  <a:txBody>
+                    <a:bodyPr>
+                      <a:noAutofit/>
+                    </a:bodyPr>
+                    <a:lstStyle/>
+                    <a:p>
+                      <a:pPr lvl="0">
+                        <a:spcBef>
+                          <a:spcPts val="0"/>
+                        </a:spcBef>
+                        <a:buNone/>
+                      </a:pPr>
+                      <a:r>
+                        <a:rPr lang="es" sz="1600"/>
+                        <a:t>echo $comida['pepe']</a:t>
+                      </a:r>
+                    </a:p>
+                  </a:txBody>
+                  <a:tcPr marT="91425" marB="91425" marR="91425" marL="91425"/>
+                </a:tc>
+                <a:tc>
+                  <a:txBody>
+                    <a:bodyPr>
+                      <a:noAutofit/>
+                    </a:bodyPr>
+                    <a:lstStyle/>
+                    <a:p>
+                      <a:pPr lvl="0">
+                        <a:spcBef>
+                          <a:spcPts val="0"/>
+                        </a:spcBef>
+                        <a:buNone/>
+                      </a:pPr>
+                      <a:r>
+                        <a:rPr lang="es" sz="1600"/>
+                        <a:t>System.out.println(comida.get("pepe"))</a:t>
+                      </a:r>
+                    </a:p>
+                  </a:txBody>
+                  <a:tcPr marT="91425" marB="91425" marR="91425" marL="91425"/>
+                </a:tc>
+              </a:tr>
+              <a:tr h="381000">
+                <a:tc>
+                  <a:txBody>
+                    <a:bodyPr>
+                      <a:noAutofit/>
+                    </a:bodyPr>
+                    <a:lstStyle/>
+                    <a:p>
+                      <a:pPr lvl="0" rtl="0">
+                        <a:spcBef>
+                          <a:spcPts val="0"/>
+                        </a:spcBef>
+                        <a:buNone/>
+                      </a:pPr>
+                      <a:r>
+                        <a:rPr lang="es" sz="1600"/>
+                        <a:t>for ($comida as $c) {</a:t>
+                      </a:r>
+                    </a:p>
+                    <a:p>
+                      <a:pPr lvl="0" rtl="0">
+                        <a:spcBef>
+                          <a:spcPts val="0"/>
+                        </a:spcBef>
+                        <a:buNone/>
+                      </a:pPr>
+                      <a:r>
+                        <a:rPr lang="es" sz="1600"/>
+                        <a:t>    echo "$c";}</a:t>
+                      </a:r>
+                    </a:p>
+                  </a:txBody>
+                  <a:tcPr marT="91425" marB="91425" marR="91425" marL="91425"/>
+                </a:tc>
+                <a:tc>
+                  <a:txBody>
+                    <a:bodyPr>
+                      <a:noAutofit/>
+                    </a:bodyPr>
+                    <a:lstStyle/>
+                    <a:p>
+                      <a:pPr lvl="0" rtl="0">
+                        <a:spcBef>
+                          <a:spcPts val="0"/>
+                        </a:spcBef>
+                        <a:buNone/>
+                      </a:pPr>
+                      <a:r>
+                        <a:rPr lang="es" sz="1600"/>
+                        <a:t>for (String c:comida.values()) {</a:t>
+                      </a:r>
+                    </a:p>
+                    <a:p>
+                      <a:pPr lvl="0" rtl="0">
+                        <a:spcBef>
+                          <a:spcPts val="0"/>
+                        </a:spcBef>
+                        <a:buNone/>
+                      </a:pPr>
+                      <a:r>
+                        <a:rPr lang="es" sz="1600"/>
+                        <a:t>	System.out.println(c); }</a:t>
+                      </a:r>
+                    </a:p>
+                  </a:txBody>
+                  <a:tcPr marT="91425" marB="91425" marR="91425" marL="91425"/>
+                </a:tc>
+              </a:tr>
+              <a:tr h="381000">
+                <a:tc>
+                  <a:txBody>
+                    <a:bodyPr>
+                      <a:noAutofit/>
+                    </a:bodyPr>
+                    <a:lstStyle/>
+                    <a:p>
+                      <a:pPr lvl="0" rtl="0">
+                        <a:spcBef>
+                          <a:spcPts val="0"/>
+                        </a:spcBef>
+                        <a:buNone/>
+                      </a:pPr>
+                      <a:r>
+                        <a:rPr lang="es" sz="1600"/>
+                        <a:t>for ($comida as $k =&gt; $v) {</a:t>
+                      </a:r>
+                    </a:p>
+                    <a:p>
+                      <a:pPr lvl="0">
+                        <a:spcBef>
+                          <a:spcPts val="0"/>
+                        </a:spcBef>
+                        <a:buNone/>
+                      </a:pPr>
+                      <a:r>
+                        <a:rPr lang="es" sz="1600"/>
+                        <a:t>    echo "$k $v";}</a:t>
+                      </a:r>
+                    </a:p>
+                  </a:txBody>
+                  <a:tcPr marT="91425" marB="91425" marR="91425" marL="91425"/>
+                </a:tc>
+                <a:tc>
+                  <a:txBody>
+                    <a:bodyPr>
+                      <a:noAutofit/>
+                    </a:bodyPr>
+                    <a:lstStyle/>
+                    <a:p>
+                      <a:pPr lvl="0" rtl="0">
+                        <a:spcBef>
+                          <a:spcPts val="0"/>
+                        </a:spcBef>
+                        <a:buNone/>
+                      </a:pPr>
+                      <a:r>
+                        <a:rPr lang="es" sz="1600"/>
+                        <a:t>for (String k:comida.keySet()) {</a:t>
+                      </a:r>
+                    </a:p>
+                    <a:p>
+                      <a:pPr lvl="0">
+                        <a:spcBef>
+                          <a:spcPts val="0"/>
+                        </a:spcBef>
+                        <a:buNone/>
+                      </a:pPr>
+                      <a:r>
+                        <a:rPr lang="es" sz="1600"/>
+                        <a:t>	System.out.println(k+" "+comida.get(k)); }</a:t>
+                      </a:r>
+                    </a:p>
+                  </a:txBody>
+                  <a:tcPr marT="91425" marB="91425" marR="91425" marL="91425"/>
+                </a:tc>
+              </a:tr>
+            </a:tbl>
+          </a:graphicData>
+        </a:graphic>
+      </p:graphicFrame>
+    </p:spTree>
+  </p:cSld>
+  <p:clrMapOvr>
+    <a:masterClrMapping/>
+  </p:clrMapOvr>
+  <p:transition spd="slow">
+    <p:cut/>
+  </p:transition>
+</p:sld>
+</file>
+
 <file path=ppt/slides/slide2.xml><?xml version="1.0" encoding="utf-8"?>
 <p:sld xmlns:a="http://schemas.openxmlformats.org/drawingml/2006/main" xmlns:r="http://schemas.openxmlformats.org/officeDocument/2006/relationships" xmlns:mc="http://schemas.openxmlformats.org/markup-compatibility/2006" xmlns:mv="urn:schemas-microsoft-com:mac:vml" xmlns:p="http://schemas.openxmlformats.org/presentationml/2006/main" xmlns:c="http://schemas.openxmlformats.org/drawingml/2006/chart" xmlns:dgm="http://schemas.openxmlformats.org/drawingml/2006/diagram" xmlns:o="urn:schemas-microsoft-com:office:office" xmlns:v="urn:schemas-microsoft-com:vml" xmlns:pvml="urn:schemas-microsoft-com:office:powerpoint" xmlns:com="http://schemas.openxmlformats.org/drawingml/2006/compatibility" xmlns:p14="http://schemas.microsoft.com/office/powerpoint/2010/main">
   <p:cSld>
@@ -6658,7 +7175,7 @@
             </a:pPr>
             <a:r>
               <a:rPr lang="es" sz="1900"/>
-              <a:t>Usualmente, éste servidor es un servidor web, y el servlet es capaz de procesar peticiones HTTP.</a:t>
+              <a:t>Usualmente, este servidor es un servidor web, y el servlet es capaz de procesar peticiones HTTP.</a:t>
             </a:r>
           </a:p>
           <a:p>
@@ -6870,7 +7387,7 @@
             </a:r>
             <a:r>
               <a:rPr lang="es" sz="1600"/>
-              <a:t>() Se ejecuta cuando se recibe una solicitud por el método POST. Este método debe ser sobreescrito para personalizar nuestro sevlet.</a:t>
+              <a:t>() Se ejecuta cuando se recibe una solicitud por el método POST. Este método debe ser sobreescrito para personalizar nuestro servlet.</a:t>
             </a:r>
           </a:p>
           <a:p>
@@ -8539,6 +9056,285 @@
 </file>
 
 <file path=ppt/theme/theme.xml><?xml version="1.0" encoding="utf-8"?>
+<a:theme xmlns:a="http://schemas.openxmlformats.org/drawingml/2006/main" xmlns:r="http://schemas.openxmlformats.org/officeDocument/2006/relationships" name="label">
+  <a:themeElements>
+    <a:clrScheme name="Custom 352">
+      <a:dk1>
+        <a:srgbClr val="333333"/>
+      </a:dk1>
+      <a:lt1>
+        <a:srgbClr val="FFFFFF"/>
+      </a:lt1>
+      <a:dk2>
+        <a:srgbClr val="800000"/>
+      </a:dk2>
+      <a:lt2>
+        <a:srgbClr val="CCCCCC"/>
+      </a:lt2>
+      <a:accent1>
+        <a:srgbClr val="0E427E"/>
+      </a:accent1>
+      <a:accent2>
+        <a:srgbClr val="C5AF48"/>
+      </a:accent2>
+      <a:accent3>
+        <a:srgbClr val="327C56"/>
+      </a:accent3>
+      <a:accent4>
+        <a:srgbClr val="387B7D"/>
+      </a:accent4>
+      <a:accent5>
+        <a:srgbClr val="BA7436"/>
+      </a:accent5>
+      <a:accent6>
+        <a:srgbClr val="804000"/>
+      </a:accent6>
+      <a:hlink>
+        <a:srgbClr val="1D6B8D"/>
+      </a:hlink>
+      <a:folHlink>
+        <a:srgbClr val="103B46"/>
+      </a:folHlink>
+    </a:clrScheme>
+    <a:fontScheme name="Office">
+      <a:majorFont>
+        <a:latin typeface="Arial"/>
+        <a:ea typeface=""/>
+        <a:cs typeface=""/>
+        <a:font script="Jpan" typeface="ＭＳ Ｐゴシック"/>
+        <a:font script="Hang" typeface="맑은 고딕"/>
+        <a:font script="Hans" typeface="宋体"/>
+        <a:font script="Hant" typeface="新細明體"/>
+        <a:font script="Arab" typeface="Times New Roman"/>
+        <a:font script="Hebr" typeface="Times New Roman"/>
+        <a:font script="Thai" typeface="Angsana New"/>
+        <a:font script="Ethi" typeface="Nyala"/>
+        <a:font script="Beng" typeface="Vrinda"/>
+        <a:font script="Gujr" typeface="Shruti"/>
+        <a:font script="Khmr" typeface="MoolBoran"/>
+        <a:font script="Knda" typeface="Tunga"/>
+        <a:font script="Guru" typeface="Raavi"/>
+        <a:font script="Cans" typeface="Euphemia"/>
+        <a:font script="Cher" typeface="Plantagenet Cherokee"/>
+        <a:font script="Yiii" typeface="Microsoft Yi Baiti"/>
+        <a:font script="Tibt" typeface="Microsoft Himalaya"/>
+        <a:font script="Thaa" typeface="MV Boli"/>
+        <a:font script="Deva" typeface="Mangal"/>
+        <a:font script="Telu" typeface="Gautami"/>
+        <a:font script="Taml" typeface="Latha"/>
+        <a:font script="Syrc" typeface="Estrangelo Edessa"/>
+        <a:font script="Orya" typeface="Kalinga"/>
+        <a:font script="Mlym" typeface="Kartika"/>
+        <a:font script="Laoo" typeface="DokChampa"/>
+        <a:font script="Sinh" typeface="Iskoola Pota"/>
+        <a:font script="Mong" typeface="Mongolian Baiti"/>
+        <a:font script="Viet" typeface="Times New Roman"/>
+        <a:font script="Uigh" typeface="Microsoft Uighur"/>
+        <a:font script="Geor" typeface="Sylfaen"/>
+      </a:majorFont>
+      <a:minorFont>
+        <a:latin typeface="Arial"/>
+        <a:ea typeface=""/>
+        <a:cs typeface=""/>
+        <a:font script="Jpan" typeface="ＭＳ Ｐゴシック"/>
+        <a:font script="Hang" typeface="맑은 고딕"/>
+        <a:font script="Hans" typeface="宋体"/>
+        <a:font script="Hant" typeface="新細明體"/>
+        <a:font script="Arab" typeface="Arial"/>
+        <a:font script="Hebr" typeface="Arial"/>
+        <a:font script="Thai" typeface="Cordia New"/>
+        <a:font script="Ethi" typeface="Nyala"/>
+        <a:font script="Beng" typeface="Vrinda"/>
+        <a:font script="Gujr" typeface="Shruti"/>
+        <a:font script="Khmr" typeface="DaunPenh"/>
+        <a:font script="Knda" typeface="Tunga"/>
+        <a:font script="Guru" typeface="Raavi"/>
+        <a:font script="Cans" typeface="Euphemia"/>
+        <a:font script="Cher" typeface="Plantagenet Cherokee"/>
+        <a:font script="Yiii" typeface="Microsoft Yi Baiti"/>
+        <a:font script="Tibt" typeface="Microsoft Himalaya"/>
+        <a:font script="Thaa" typeface="MV Boli"/>
+        <a:font script="Deva" typeface="Mangal"/>
+        <a:font script="Telu" typeface="Gautami"/>
+        <a:font script="Taml" typeface="Latha"/>
+        <a:font script="Syrc" typeface="Estrangelo Edessa"/>
+        <a:font script="Orya" typeface="Kalinga"/>
+        <a:font script="Mlym" typeface="Kartika"/>
+        <a:font script="Laoo" typeface="DokChampa"/>
+        <a:font script="Sinh" typeface="Iskoola Pota"/>
+        <a:font script="Mong" typeface="Mongolian Baiti"/>
+        <a:font script="Viet" typeface="Arial"/>
+        <a:font script="Uigh" typeface="Microsoft Uighur"/>
+        <a:font script="Geor" typeface="Sylfaen"/>
+      </a:minorFont>
+    </a:fontScheme>
+    <a:fmtScheme name="Office">
+      <a:fillStyleLst>
+        <a:solidFill>
+          <a:schemeClr val="phClr"/>
+        </a:solidFill>
+        <a:gradFill rotWithShape="1">
+          <a:gsLst>
+            <a:gs pos="0">
+              <a:schemeClr val="phClr">
+                <a:tint val="50000"/>
+                <a:satMod val="300000"/>
+              </a:schemeClr>
+            </a:gs>
+            <a:gs pos="35000">
+              <a:schemeClr val="phClr">
+                <a:tint val="37000"/>
+                <a:satMod val="300000"/>
+              </a:schemeClr>
+            </a:gs>
+            <a:gs pos="100000">
+              <a:schemeClr val="phClr">
+                <a:tint val="15000"/>
+                <a:satMod val="350000"/>
+              </a:schemeClr>
+            </a:gs>
+          </a:gsLst>
+          <a:lin ang="16200000" scaled="1"/>
+        </a:gradFill>
+        <a:gradFill rotWithShape="1">
+          <a:gsLst>
+            <a:gs pos="0">
+              <a:schemeClr val="phClr">
+                <a:tint val="100000"/>
+                <a:shade val="100000"/>
+                <a:satMod val="130000"/>
+              </a:schemeClr>
+            </a:gs>
+            <a:gs pos="100000">
+              <a:schemeClr val="phClr">
+                <a:tint val="50000"/>
+                <a:shade val="100000"/>
+                <a:satMod val="350000"/>
+              </a:schemeClr>
+            </a:gs>
+          </a:gsLst>
+          <a:lin ang="16200000" scaled="0"/>
+        </a:gradFill>
+      </a:fillStyleLst>
+      <a:lnStyleLst>
+        <a:ln w="9525" cap="flat" cmpd="sng" algn="ctr">
+          <a:solidFill>
+            <a:schemeClr val="phClr">
+              <a:shade val="95000"/>
+              <a:satMod val="105000"/>
+            </a:schemeClr>
+          </a:solidFill>
+          <a:prstDash val="solid"/>
+        </a:ln>
+        <a:ln w="25400" cap="flat" cmpd="sng" algn="ctr">
+          <a:solidFill>
+            <a:schemeClr val="phClr"/>
+          </a:solidFill>
+          <a:prstDash val="solid"/>
+        </a:ln>
+        <a:ln w="38100" cap="flat" cmpd="sng" algn="ctr">
+          <a:solidFill>
+            <a:schemeClr val="phClr"/>
+          </a:solidFill>
+          <a:prstDash val="solid"/>
+        </a:ln>
+      </a:lnStyleLst>
+      <a:effectStyleLst>
+        <a:effectStyle>
+          <a:effectLst>
+            <a:outerShdw blurRad="40000" dist="20000" dir="5400000" rotWithShape="0">
+              <a:srgbClr val="000000">
+                <a:alpha val="38000"/>
+              </a:srgbClr>
+            </a:outerShdw>
+          </a:effectLst>
+        </a:effectStyle>
+        <a:effectStyle>
+          <a:effectLst>
+            <a:outerShdw blurRad="40000" dist="23000" dir="5400000" rotWithShape="0">
+              <a:srgbClr val="000000">
+                <a:alpha val="35000"/>
+              </a:srgbClr>
+            </a:outerShdw>
+          </a:effectLst>
+        </a:effectStyle>
+        <a:effectStyle>
+          <a:effectLst>
+            <a:outerShdw blurRad="40000" dist="23000" dir="5400000" rotWithShape="0">
+              <a:srgbClr val="000000">
+                <a:alpha val="35000"/>
+              </a:srgbClr>
+            </a:outerShdw>
+          </a:effectLst>
+          <a:scene3d>
+            <a:camera prst="orthographicFront">
+              <a:rot lat="0" lon="0" rev="0"/>
+            </a:camera>
+            <a:lightRig rig="threePt" dir="t">
+              <a:rot lat="0" lon="0" rev="1200000"/>
+            </a:lightRig>
+          </a:scene3d>
+          <a:sp3d>
+            <a:bevelT w="63500" h="25400"/>
+          </a:sp3d>
+        </a:effectStyle>
+      </a:effectStyleLst>
+      <a:bgFillStyleLst>
+        <a:solidFill>
+          <a:schemeClr val="phClr"/>
+        </a:solidFill>
+        <a:gradFill rotWithShape="1">
+          <a:gsLst>
+            <a:gs pos="0">
+              <a:schemeClr val="phClr">
+                <a:tint val="40000"/>
+                <a:satMod val="350000"/>
+              </a:schemeClr>
+            </a:gs>
+            <a:gs pos="40000">
+              <a:schemeClr val="phClr">
+                <a:tint val="45000"/>
+                <a:shade val="99000"/>
+                <a:satMod val="350000"/>
+              </a:schemeClr>
+            </a:gs>
+            <a:gs pos="100000">
+              <a:schemeClr val="phClr">
+                <a:shade val="20000"/>
+                <a:satMod val="255000"/>
+              </a:schemeClr>
+            </a:gs>
+          </a:gsLst>
+          <a:path path="circle">
+            <a:fillToRect l="50000" t="-80000" r="50000" b="180000"/>
+          </a:path>
+        </a:gradFill>
+        <a:gradFill rotWithShape="1">
+          <a:gsLst>
+            <a:gs pos="0">
+              <a:schemeClr val="phClr">
+                <a:tint val="80000"/>
+                <a:satMod val="300000"/>
+              </a:schemeClr>
+            </a:gs>
+            <a:gs pos="100000">
+              <a:schemeClr val="phClr">
+                <a:shade val="30000"/>
+                <a:satMod val="200000"/>
+              </a:schemeClr>
+            </a:gs>
+          </a:gsLst>
+          <a:path path="circle">
+            <a:fillToRect l="50000" t="50000" r="50000" b="50000"/>
+          </a:path>
+        </a:gradFill>
+      </a:bgFillStyleLst>
+    </a:fmtScheme>
+  </a:themeElements>
+</a:theme>
+</file>
+
+<file path=ppt/theme/theme1.xml><?xml version="1.0" encoding="utf-8"?>
 <a:theme xmlns:a="http://schemas.openxmlformats.org/drawingml/2006/main" xmlns:r="http://schemas.openxmlformats.org/officeDocument/2006/relationships" name="Custom Theme">
   <a:themeElements>
     <a:clrScheme name="Default">
@@ -8815,283 +9611,4 @@
     </a:fmtScheme>
   </a:themeElements>
 </a:theme>
-</file>
-
-<file path=ppt/theme/theme1.xml><?xml version="1.0" encoding="utf-8"?>
-<a:theme xmlns:a="http://schemas.openxmlformats.org/drawingml/2006/main" xmlns:r="http://schemas.openxmlformats.org/officeDocument/2006/relationships" name="label">
-  <a:themeElements>
-    <a:clrScheme name="Custom 352">
-      <a:dk1>
-        <a:srgbClr val="333333"/>
-      </a:dk1>
-      <a:lt1>
-        <a:srgbClr val="FFFFFF"/>
-      </a:lt1>
-      <a:dk2>
-        <a:srgbClr val="800000"/>
-      </a:dk2>
-      <a:lt2>
-        <a:srgbClr val="CCCCCC"/>
-      </a:lt2>
-      <a:accent1>
-        <a:srgbClr val="0E427E"/>
-      </a:accent1>
-      <a:accent2>
-        <a:srgbClr val="C5AF48"/>
-      </a:accent2>
-      <a:accent3>
-        <a:srgbClr val="327C56"/>
-      </a:accent3>
-      <a:accent4>
-        <a:srgbClr val="387B7D"/>
-      </a:accent4>
-      <a:accent5>
-        <a:srgbClr val="BA7436"/>
-      </a:accent5>
-      <a:accent6>
-        <a:srgbClr val="804000"/>
-      </a:accent6>
-      <a:hlink>
-        <a:srgbClr val="1D6B8D"/>
-      </a:hlink>
-      <a:folHlink>
-        <a:srgbClr val="103B46"/>
-      </a:folHlink>
-    </a:clrScheme>
-    <a:fontScheme name="Office">
-      <a:majorFont>
-        <a:latin typeface="Arial"/>
-        <a:ea typeface=""/>
-        <a:cs typeface=""/>
-        <a:font script="Jpan" typeface="ＭＳ Ｐゴシック"/>
-        <a:font script="Hang" typeface="맑은 고딕"/>
-        <a:font script="Hans" typeface="宋体"/>
-        <a:font script="Hant" typeface="新細明體"/>
-        <a:font script="Arab" typeface="Times New Roman"/>
-        <a:font script="Hebr" typeface="Times New Roman"/>
-        <a:font script="Thai" typeface="Angsana New"/>
-        <a:font script="Ethi" typeface="Nyala"/>
-        <a:font script="Beng" typeface="Vrinda"/>
-        <a:font script="Gujr" typeface="Shruti"/>
-        <a:font script="Khmr" typeface="MoolBoran"/>
-        <a:font script="Knda" typeface="Tunga"/>
-        <a:font script="Guru" typeface="Raavi"/>
-        <a:font script="Cans" typeface="Euphemia"/>
-        <a:font script="Cher" typeface="Plantagenet Cherokee"/>
-        <a:font script="Yiii" typeface="Microsoft Yi Baiti"/>
-        <a:font script="Tibt" typeface="Microsoft Himalaya"/>
-        <a:font script="Thaa" typeface="MV Boli"/>
-        <a:font script="Deva" typeface="Mangal"/>
-        <a:font script="Telu" typeface="Gautami"/>
-        <a:font script="Taml" typeface="Latha"/>
-        <a:font script="Syrc" typeface="Estrangelo Edessa"/>
-        <a:font script="Orya" typeface="Kalinga"/>
-        <a:font script="Mlym" typeface="Kartika"/>
-        <a:font script="Laoo" typeface="DokChampa"/>
-        <a:font script="Sinh" typeface="Iskoola Pota"/>
-        <a:font script="Mong" typeface="Mongolian Baiti"/>
-        <a:font script="Viet" typeface="Times New Roman"/>
-        <a:font script="Uigh" typeface="Microsoft Uighur"/>
-        <a:font script="Geor" typeface="Sylfaen"/>
-      </a:majorFont>
-      <a:minorFont>
-        <a:latin typeface="Arial"/>
-        <a:ea typeface=""/>
-        <a:cs typeface=""/>
-        <a:font script="Jpan" typeface="ＭＳ Ｐゴシック"/>
-        <a:font script="Hang" typeface="맑은 고딕"/>
-        <a:font script="Hans" typeface="宋体"/>
-        <a:font script="Hant" typeface="新細明體"/>
-        <a:font script="Arab" typeface="Arial"/>
-        <a:font script="Hebr" typeface="Arial"/>
-        <a:font script="Thai" typeface="Cordia New"/>
-        <a:font script="Ethi" typeface="Nyala"/>
-        <a:font script="Beng" typeface="Vrinda"/>
-        <a:font script="Gujr" typeface="Shruti"/>
-        <a:font script="Khmr" typeface="DaunPenh"/>
-        <a:font script="Knda" typeface="Tunga"/>
-        <a:font script="Guru" typeface="Raavi"/>
-        <a:font script="Cans" typeface="Euphemia"/>
-        <a:font script="Cher" typeface="Plantagenet Cherokee"/>
-        <a:font script="Yiii" typeface="Microsoft Yi Baiti"/>
-        <a:font script="Tibt" typeface="Microsoft Himalaya"/>
-        <a:font script="Thaa" typeface="MV Boli"/>
-        <a:font script="Deva" typeface="Mangal"/>
-        <a:font script="Telu" typeface="Gautami"/>
-        <a:font script="Taml" typeface="Latha"/>
-        <a:font script="Syrc" typeface="Estrangelo Edessa"/>
-        <a:font script="Orya" typeface="Kalinga"/>
-        <a:font script="Mlym" typeface="Kartika"/>
-        <a:font script="Laoo" typeface="DokChampa"/>
-        <a:font script="Sinh" typeface="Iskoola Pota"/>
-        <a:font script="Mong" typeface="Mongolian Baiti"/>
-        <a:font script="Viet" typeface="Arial"/>
-        <a:font script="Uigh" typeface="Microsoft Uighur"/>
-        <a:font script="Geor" typeface="Sylfaen"/>
-      </a:minorFont>
-    </a:fontScheme>
-    <a:fmtScheme name="Office">
-      <a:fillStyleLst>
-        <a:solidFill>
-          <a:schemeClr val="phClr"/>
-        </a:solidFill>
-        <a:gradFill rotWithShape="1">
-          <a:gsLst>
-            <a:gs pos="0">
-              <a:schemeClr val="phClr">
-                <a:tint val="50000"/>
-                <a:satMod val="300000"/>
-              </a:schemeClr>
-            </a:gs>
-            <a:gs pos="35000">
-              <a:schemeClr val="phClr">
-                <a:tint val="37000"/>
-                <a:satMod val="300000"/>
-              </a:schemeClr>
-            </a:gs>
-            <a:gs pos="100000">
-              <a:schemeClr val="phClr">
-                <a:tint val="15000"/>
-                <a:satMod val="350000"/>
-              </a:schemeClr>
-            </a:gs>
-          </a:gsLst>
-          <a:lin ang="16200000" scaled="1"/>
-        </a:gradFill>
-        <a:gradFill rotWithShape="1">
-          <a:gsLst>
-            <a:gs pos="0">
-              <a:schemeClr val="phClr">
-                <a:tint val="100000"/>
-                <a:shade val="100000"/>
-                <a:satMod val="130000"/>
-              </a:schemeClr>
-            </a:gs>
-            <a:gs pos="100000">
-              <a:schemeClr val="phClr">
-                <a:tint val="50000"/>
-                <a:shade val="100000"/>
-                <a:satMod val="350000"/>
-              </a:schemeClr>
-            </a:gs>
-          </a:gsLst>
-          <a:lin ang="16200000" scaled="0"/>
-        </a:gradFill>
-      </a:fillStyleLst>
-      <a:lnStyleLst>
-        <a:ln w="9525" cap="flat" cmpd="sng" algn="ctr">
-          <a:solidFill>
-            <a:schemeClr val="phClr">
-              <a:shade val="95000"/>
-              <a:satMod val="105000"/>
-            </a:schemeClr>
-          </a:solidFill>
-          <a:prstDash val="solid"/>
-        </a:ln>
-        <a:ln w="25400" cap="flat" cmpd="sng" algn="ctr">
-          <a:solidFill>
-            <a:schemeClr val="phClr"/>
-          </a:solidFill>
-          <a:prstDash val="solid"/>
-        </a:ln>
-        <a:ln w="38100" cap="flat" cmpd="sng" algn="ctr">
-          <a:solidFill>
-            <a:schemeClr val="phClr"/>
-          </a:solidFill>
-          <a:prstDash val="solid"/>
-        </a:ln>
-      </a:lnStyleLst>
-      <a:effectStyleLst>
-        <a:effectStyle>
-          <a:effectLst>
-            <a:outerShdw blurRad="40000" dist="20000" dir="5400000" rotWithShape="0">
-              <a:srgbClr val="000000">
-                <a:alpha val="38000"/>
-              </a:srgbClr>
-            </a:outerShdw>
-          </a:effectLst>
-        </a:effectStyle>
-        <a:effectStyle>
-          <a:effectLst>
-            <a:outerShdw blurRad="40000" dist="23000" dir="5400000" rotWithShape="0">
-              <a:srgbClr val="000000">
-                <a:alpha val="35000"/>
-              </a:srgbClr>
-            </a:outerShdw>
-          </a:effectLst>
-        </a:effectStyle>
-        <a:effectStyle>
-          <a:effectLst>
-            <a:outerShdw blurRad="40000" dist="23000" dir="5400000" rotWithShape="0">
-              <a:srgbClr val="000000">
-                <a:alpha val="35000"/>
-              </a:srgbClr>
-            </a:outerShdw>
-          </a:effectLst>
-          <a:scene3d>
-            <a:camera prst="orthographicFront">
-              <a:rot lat="0" lon="0" rev="0"/>
-            </a:camera>
-            <a:lightRig rig="threePt" dir="t">
-              <a:rot lat="0" lon="0" rev="1200000"/>
-            </a:lightRig>
-          </a:scene3d>
-          <a:sp3d>
-            <a:bevelT w="63500" h="25400"/>
-          </a:sp3d>
-        </a:effectStyle>
-      </a:effectStyleLst>
-      <a:bgFillStyleLst>
-        <a:solidFill>
-          <a:schemeClr val="phClr"/>
-        </a:solidFill>
-        <a:gradFill rotWithShape="1">
-          <a:gsLst>
-            <a:gs pos="0">
-              <a:schemeClr val="phClr">
-                <a:tint val="40000"/>
-                <a:satMod val="350000"/>
-              </a:schemeClr>
-            </a:gs>
-            <a:gs pos="40000">
-              <a:schemeClr val="phClr">
-                <a:tint val="45000"/>
-                <a:shade val="99000"/>
-                <a:satMod val="350000"/>
-              </a:schemeClr>
-            </a:gs>
-            <a:gs pos="100000">
-              <a:schemeClr val="phClr">
-                <a:shade val="20000"/>
-                <a:satMod val="255000"/>
-              </a:schemeClr>
-            </a:gs>
-          </a:gsLst>
-          <a:path path="circle">
-            <a:fillToRect l="50000" t="-80000" r="50000" b="180000"/>
-          </a:path>
-        </a:gradFill>
-        <a:gradFill rotWithShape="1">
-          <a:gsLst>
-            <a:gs pos="0">
-              <a:schemeClr val="phClr">
-                <a:tint val="80000"/>
-                <a:satMod val="300000"/>
-              </a:schemeClr>
-            </a:gs>
-            <a:gs pos="100000">
-              <a:schemeClr val="phClr">
-                <a:shade val="30000"/>
-                <a:satMod val="200000"/>
-              </a:schemeClr>
-            </a:gs>
-          </a:gsLst>
-          <a:path path="circle">
-            <a:fillToRect l="50000" t="50000" r="50000" b="50000"/>
-          </a:path>
-        </a:gradFill>
-      </a:bgFillStyleLst>
-    </a:fmtScheme>
-  </a:themeElements>
-</a:theme>
 </file>
--- a/Servidor/Temas/1_9 - DWES Trabajando con Servlets.pptx
+++ b/Servidor/Temas/1_9 - DWES Trabajando con Servlets.pptx
@@ -1,41 +1,41 @@
 
 <file path=ppt/presentation.xml><?xml version="1.0" encoding="utf-8"?>
-<p:presentation xmlns:a="http://schemas.openxmlformats.org/drawingml/2006/main" xmlns:r="http://schemas.openxmlformats.org/officeDocument/2006/relationships" xmlns:mc="http://schemas.openxmlformats.org/markup-compatibility/2006" xmlns:mv="urn:schemas-microsoft-com:mac:vml" xmlns:p="http://schemas.openxmlformats.org/presentationml/2006/main" xmlns:c="http://schemas.openxmlformats.org/drawingml/2006/chart" xmlns:dgm="http://schemas.openxmlformats.org/drawingml/2006/diagram" xmlns:o="urn:schemas-microsoft-com:office:office" xmlns:v="urn:schemas-microsoft-com:vml" xmlns:pvml="urn:schemas-microsoft-com:office:powerpoint" xmlns:com="http://schemas.openxmlformats.org/drawingml/2006/compatibility" xmlns:p14="http://schemas.microsoft.com/office/powerpoint/2010/main" autoCompressPictures="0" embedTrueTypeFonts="1" strictFirstAndLastChars="0" saveSubsetFonts="1">
+<p:presentation xmlns:a="http://schemas.openxmlformats.org/drawingml/2006/main" xmlns:r="http://schemas.openxmlformats.org/officeDocument/2006/relationships" xmlns:p="http://schemas.openxmlformats.org/presentationml/2006/main" strictFirstAndLastChars="0" embedTrueTypeFonts="1" saveSubsetFonts="1" autoCompressPictures="0">
   <p:sldMasterIdLst>
-    <p:sldMasterId id="2147483654" r:id="rId4"/>
+    <p:sldMasterId id="2147483654" r:id="rId1"/>
   </p:sldMasterIdLst>
   <p:notesMasterIdLst>
-    <p:notesMasterId r:id="rId5"/>
+    <p:notesMasterId r:id="rId18"/>
   </p:notesMasterIdLst>
   <p:sldIdLst>
-    <p:sldId id="256" r:id="rId6"/>
-    <p:sldId id="257" r:id="rId7"/>
-    <p:sldId id="258" r:id="rId8"/>
-    <p:sldId id="259" r:id="rId9"/>
-    <p:sldId id="260" r:id="rId10"/>
-    <p:sldId id="261" r:id="rId11"/>
-    <p:sldId id="262" r:id="rId12"/>
-    <p:sldId id="263" r:id="rId13"/>
-    <p:sldId id="264" r:id="rId14"/>
-    <p:sldId id="265" r:id="rId15"/>
-    <p:sldId id="266" r:id="rId16"/>
-    <p:sldId id="267" r:id="rId17"/>
-    <p:sldId id="268" r:id="rId18"/>
-    <p:sldId id="269" r:id="rId19"/>
-    <p:sldId id="270" r:id="rId20"/>
-    <p:sldId id="271" r:id="rId21"/>
+    <p:sldId id="256" r:id="rId2"/>
+    <p:sldId id="257" r:id="rId3"/>
+    <p:sldId id="258" r:id="rId4"/>
+    <p:sldId id="259" r:id="rId5"/>
+    <p:sldId id="260" r:id="rId6"/>
+    <p:sldId id="261" r:id="rId7"/>
+    <p:sldId id="262" r:id="rId8"/>
+    <p:sldId id="263" r:id="rId9"/>
+    <p:sldId id="264" r:id="rId10"/>
+    <p:sldId id="265" r:id="rId11"/>
+    <p:sldId id="266" r:id="rId12"/>
+    <p:sldId id="267" r:id="rId13"/>
+    <p:sldId id="268" r:id="rId14"/>
+    <p:sldId id="269" r:id="rId15"/>
+    <p:sldId id="270" r:id="rId16"/>
+    <p:sldId id="271" r:id="rId17"/>
   </p:sldIdLst>
-  <p:sldSz cy="5143500" cx="9144000"/>
+  <p:sldSz cx="9144000" cy="5143500" type="screen16x9"/>
   <p:notesSz cx="6858000" cy="9144000"/>
   <p:embeddedFontLst>
     <p:embeddedFont>
-      <p:font typeface="Source Code Pro"/>
-      <p:regular r:id="rId22"/>
-      <p:bold r:id="rId23"/>
+      <p:font typeface="Source Code Pro" charset="0"/>
+      <p:regular r:id="rId19"/>
+      <p:bold r:id="rId20"/>
     </p:embeddedFont>
   </p:embeddedFontLst>
   <p:defaultTextStyle>
-    <a:defPPr lvl="0" marR="0" rtl="0" algn="l">
+    <a:defPPr marR="0" lvl="0" algn="l" rtl="0">
       <a:lnSpc>
         <a:spcPct val="100000"/>
       </a:lnSpc>
@@ -46,7 +46,7 @@
         <a:spcPts val="0"/>
       </a:spcAft>
     </a:defPPr>
-    <a:lvl1pPr lvl="0" marR="0" rtl="0" algn="l">
+    <a:lvl1pPr marR="0" lvl="0" algn="l" rtl="0">
       <a:lnSpc>
         <a:spcPct val="100000"/>
       </a:lnSpc>
@@ -57,7 +57,7 @@
         <a:spcPts val="0"/>
       </a:spcAft>
       <a:buNone/>
-      <a:defRPr b="0" i="0" sz="1400" u="none" cap="none" strike="noStrike">
+      <a:defRPr sz="1400" b="0" i="0" u="none" strike="noStrike" cap="none">
         <a:solidFill>
           <a:srgbClr val="000000"/>
         </a:solidFill>
@@ -68,7 +68,7 @@
         <a:rtl val="0"/>
       </a:defRPr>
     </a:lvl1pPr>
-    <a:lvl2pPr lvl="1" marR="0" rtl="0" algn="l">
+    <a:lvl2pPr marR="0" lvl="1" algn="l" rtl="0">
       <a:lnSpc>
         <a:spcPct val="100000"/>
       </a:lnSpc>
@@ -79,7 +79,7 @@
         <a:spcPts val="0"/>
       </a:spcAft>
       <a:buNone/>
-      <a:defRPr b="0" i="0" sz="1400" u="none" cap="none" strike="noStrike">
+      <a:defRPr sz="1400" b="0" i="0" u="none" strike="noStrike" cap="none">
         <a:solidFill>
           <a:srgbClr val="000000"/>
         </a:solidFill>
@@ -90,7 +90,7 @@
         <a:rtl val="0"/>
       </a:defRPr>
     </a:lvl2pPr>
-    <a:lvl3pPr lvl="2" marR="0" rtl="0" algn="l">
+    <a:lvl3pPr marR="0" lvl="2" algn="l" rtl="0">
       <a:lnSpc>
         <a:spcPct val="100000"/>
       </a:lnSpc>
@@ -101,7 +101,7 @@
         <a:spcPts val="0"/>
       </a:spcAft>
       <a:buNone/>
-      <a:defRPr b="0" i="0" sz="1400" u="none" cap="none" strike="noStrike">
+      <a:defRPr sz="1400" b="0" i="0" u="none" strike="noStrike" cap="none">
         <a:solidFill>
           <a:srgbClr val="000000"/>
         </a:solidFill>
@@ -112,7 +112,7 @@
         <a:rtl val="0"/>
       </a:defRPr>
     </a:lvl3pPr>
-    <a:lvl4pPr lvl="3" marR="0" rtl="0" algn="l">
+    <a:lvl4pPr marR="0" lvl="3" algn="l" rtl="0">
       <a:lnSpc>
         <a:spcPct val="100000"/>
       </a:lnSpc>
@@ -123,7 +123,7 @@
         <a:spcPts val="0"/>
       </a:spcAft>
       <a:buNone/>
-      <a:defRPr b="0" i="0" sz="1400" u="none" cap="none" strike="noStrike">
+      <a:defRPr sz="1400" b="0" i="0" u="none" strike="noStrike" cap="none">
         <a:solidFill>
           <a:srgbClr val="000000"/>
         </a:solidFill>
@@ -134,7 +134,7 @@
         <a:rtl val="0"/>
       </a:defRPr>
     </a:lvl4pPr>
-    <a:lvl5pPr lvl="4" marR="0" rtl="0" algn="l">
+    <a:lvl5pPr marR="0" lvl="4" algn="l" rtl="0">
       <a:lnSpc>
         <a:spcPct val="100000"/>
       </a:lnSpc>
@@ -145,7 +145,7 @@
         <a:spcPts val="0"/>
       </a:spcAft>
       <a:buNone/>
-      <a:defRPr b="0" i="0" sz="1400" u="none" cap="none" strike="noStrike">
+      <a:defRPr sz="1400" b="0" i="0" u="none" strike="noStrike" cap="none">
         <a:solidFill>
           <a:srgbClr val="000000"/>
         </a:solidFill>
@@ -156,7 +156,7 @@
         <a:rtl val="0"/>
       </a:defRPr>
     </a:lvl5pPr>
-    <a:lvl6pPr lvl="5" marR="0" rtl="0" algn="l">
+    <a:lvl6pPr marR="0" lvl="5" algn="l" rtl="0">
       <a:lnSpc>
         <a:spcPct val="100000"/>
       </a:lnSpc>
@@ -167,7 +167,7 @@
         <a:spcPts val="0"/>
       </a:spcAft>
       <a:buNone/>
-      <a:defRPr b="0" i="0" sz="1400" u="none" cap="none" strike="noStrike">
+      <a:defRPr sz="1400" b="0" i="0" u="none" strike="noStrike" cap="none">
         <a:solidFill>
           <a:srgbClr val="000000"/>
         </a:solidFill>
@@ -178,7 +178,7 @@
         <a:rtl val="0"/>
       </a:defRPr>
     </a:lvl6pPr>
-    <a:lvl7pPr lvl="6" marR="0" rtl="0" algn="l">
+    <a:lvl7pPr marR="0" lvl="6" algn="l" rtl="0">
       <a:lnSpc>
         <a:spcPct val="100000"/>
       </a:lnSpc>
@@ -189,7 +189,7 @@
         <a:spcPts val="0"/>
       </a:spcAft>
       <a:buNone/>
-      <a:defRPr b="0" i="0" sz="1400" u="none" cap="none" strike="noStrike">
+      <a:defRPr sz="1400" b="0" i="0" u="none" strike="noStrike" cap="none">
         <a:solidFill>
           <a:srgbClr val="000000"/>
         </a:solidFill>
@@ -200,7 +200,7 @@
         <a:rtl val="0"/>
       </a:defRPr>
     </a:lvl7pPr>
-    <a:lvl8pPr lvl="7" marR="0" rtl="0" algn="l">
+    <a:lvl8pPr marR="0" lvl="7" algn="l" rtl="0">
       <a:lnSpc>
         <a:spcPct val="100000"/>
       </a:lnSpc>
@@ -211,7 +211,7 @@
         <a:spcPts val="0"/>
       </a:spcAft>
       <a:buNone/>
-      <a:defRPr b="0" i="0" sz="1400" u="none" cap="none" strike="noStrike">
+      <a:defRPr sz="1400" b="0" i="0" u="none" strike="noStrike" cap="none">
         <a:solidFill>
           <a:srgbClr val="000000"/>
         </a:solidFill>
@@ -222,7 +222,7 @@
         <a:rtl val="0"/>
       </a:defRPr>
     </a:lvl8pPr>
-    <a:lvl9pPr lvl="8" marR="0" rtl="0" algn="l">
+    <a:lvl9pPr marR="0" lvl="8" algn="l" rtl="0">
       <a:lnSpc>
         <a:spcPct val="100000"/>
       </a:lnSpc>
@@ -233,7 +233,7 @@
         <a:spcPts val="0"/>
       </a:spcAft>
       <a:buNone/>
-      <a:defRPr b="0" i="0" sz="1400" u="none" cap="none" strike="noStrike">
+      <a:defRPr sz="1400" b="0" i="0" u="none" strike="noStrike" cap="none">
         <a:solidFill>
           <a:srgbClr val="000000"/>
         </a:solidFill>
@@ -248,12 +248,17 @@
 </p:presentation>
 </file>
 
-<file path=ppt/notesMasters/notesMaster.xml><?xml version="1.0" encoding="utf-8"?>
-<p:notesMaster xmlns:a="http://schemas.openxmlformats.org/drawingml/2006/main" xmlns:r="http://schemas.openxmlformats.org/officeDocument/2006/relationships" xmlns:mc="http://schemas.openxmlformats.org/markup-compatibility/2006" xmlns:mv="urn:schemas-microsoft-com:mac:vml" xmlns:p="http://schemas.openxmlformats.org/presentationml/2006/main" xmlns:c="http://schemas.openxmlformats.org/drawingml/2006/chart" xmlns:dgm="http://schemas.openxmlformats.org/drawingml/2006/diagram" xmlns:o="urn:schemas-microsoft-com:office:office" xmlns:v="urn:schemas-microsoft-com:vml" xmlns:pvml="urn:schemas-microsoft-com:office:powerpoint" xmlns:com="http://schemas.openxmlformats.org/drawingml/2006/compatibility" xmlns:p14="http://schemas.microsoft.com/office/powerpoint/2010/main">
+<file path=ppt/notesMasters/notesMaster1.xml><?xml version="1.0" encoding="utf-8"?>
+<p:notesMaster xmlns:a="http://schemas.openxmlformats.org/drawingml/2006/main" xmlns:r="http://schemas.openxmlformats.org/officeDocument/2006/relationships" xmlns:p="http://schemas.openxmlformats.org/presentationml/2006/main">
   <p:cSld>
+    <p:bg>
+      <p:bgRef idx="1001">
+        <a:schemeClr val="bg1"/>
+      </p:bgRef>
+    </p:bg>
     <p:spTree>
       <p:nvGrpSpPr>
-        <p:cNvPr id="2" name="Shape 2"/>
+        <p:cNvPr id="1" name="Shape 2"/>
         <p:cNvGrpSpPr/>
         <p:nvPr/>
       </p:nvGrpSpPr>
@@ -268,9 +273,11 @@
       <p:sp>
         <p:nvSpPr>
           <p:cNvPr id="3" name="Shape 3"/>
-          <p:cNvSpPr/>
+          <p:cNvSpPr>
+            <a:spLocks noGrp="1" noRot="1" noChangeAspect="1"/>
+          </p:cNvSpPr>
           <p:nvPr>
-            <p:ph idx="2" type="sldImg"/>
+            <p:ph type="sldImg" idx="2"/>
           </p:nvPr>
         </p:nvSpPr>
         <p:spPr>
@@ -279,8 +286,13 @@
             <a:ext cx="6096299" cy="3429000"/>
           </a:xfrm>
           <a:custGeom>
+            <a:avLst/>
+            <a:gdLst/>
+            <a:ahLst/>
+            <a:cxnLst/>
+            <a:rect l="0" t="0" r="0" b="0"/>
             <a:pathLst>
-              <a:path extrusionOk="0" h="120000" w="120000">
+              <a:path w="120000" h="120000" extrusionOk="0">
                 <a:moveTo>
                   <a:pt x="0" y="0"/>
                 </a:moveTo>
@@ -298,23 +310,25 @@
             </a:pathLst>
           </a:custGeom>
           <a:noFill/>
-          <a:ln cap="flat" cmpd="sng" w="9525">
+          <a:ln w="9525" cap="flat" cmpd="sng">
             <a:solidFill>
               <a:srgbClr val="000000"/>
             </a:solidFill>
             <a:prstDash val="solid"/>
             <a:round/>
-            <a:headEnd len="med" w="med" type="none"/>
-            <a:tailEnd len="med" w="med" type="none"/>
+            <a:headEnd type="none" w="med" len="med"/>
+            <a:tailEnd type="none" w="med" len="med"/>
           </a:ln>
         </p:spPr>
       </p:sp>
       <p:sp>
         <p:nvSpPr>
           <p:cNvPr id="4" name="Shape 4"/>
-          <p:cNvSpPr txBox="1"/>
+          <p:cNvSpPr txBox="1">
+            <a:spLocks noGrp="1"/>
+          </p:cNvSpPr>
           <p:nvPr>
-            <p:ph idx="1" type="body"/>
+            <p:ph type="body" idx="1"/>
           </p:nvPr>
         </p:nvSpPr>
         <p:spPr>
@@ -331,7 +345,7 @@
           </a:ln>
         </p:spPr>
         <p:txBody>
-          <a:bodyPr anchorCtr="0" anchor="t" bIns="91425" lIns="91425" rIns="91425" tIns="91425"/>
+          <a:bodyPr lIns="91425" tIns="91425" rIns="91425" bIns="91425" anchor="t" anchorCtr="0"/>
           <a:lstStyle>
             <a:lvl1pPr lvl="0">
               <a:spcBef>
@@ -388,21 +402,120 @@
               <a:defRPr sz="1100"/>
             </a:lvl9pPr>
           </a:lstStyle>
-          <a:p/>
+          <a:p>
+            <a:endParaRPr/>
+          </a:p>
         </p:txBody>
       </p:sp>
     </p:spTree>
+    <p:extLst>
+      <p:ext uri="{BB962C8B-B14F-4D97-AF65-F5344CB8AC3E}">
+        <p14:creationId xmlns:p14="http://schemas.microsoft.com/office/powerpoint/2010/main" val="3233026009"/>
+      </p:ext>
+    </p:extLst>
   </p:cSld>
-  <p:clrMap accent1="accent1" accent2="accent2" accent3="accent3" accent4="accent4" accent5="accent5" accent6="accent6" bg1="lt1" bg2="dk2" tx1="dk1" tx2="lt2" folHlink="folHlink" hlink="hlink"/>
+  <p:clrMap bg1="lt1" tx1="dk1" bg2="dk2" tx2="lt2" accent1="accent1" accent2="accent2" accent3="accent3" accent4="accent4" accent5="accent5" accent6="accent6" hlink="hlink" folHlink="folHlink"/>
+  <p:notesStyle>
+    <a:lvl1pPr marL="0" algn="l" defTabSz="914400" rtl="0" eaLnBrk="1" latinLnBrk="0" hangingPunct="1">
+      <a:defRPr sz="1200" kern="1200">
+        <a:solidFill>
+          <a:schemeClr val="tx1"/>
+        </a:solidFill>
+        <a:latin typeface="+mn-lt"/>
+        <a:ea typeface="+mn-ea"/>
+        <a:cs typeface="+mn-cs"/>
+      </a:defRPr>
+    </a:lvl1pPr>
+    <a:lvl2pPr marL="457200" algn="l" defTabSz="914400" rtl="0" eaLnBrk="1" latinLnBrk="0" hangingPunct="1">
+      <a:defRPr sz="1200" kern="1200">
+        <a:solidFill>
+          <a:schemeClr val="tx1"/>
+        </a:solidFill>
+        <a:latin typeface="+mn-lt"/>
+        <a:ea typeface="+mn-ea"/>
+        <a:cs typeface="+mn-cs"/>
+      </a:defRPr>
+    </a:lvl2pPr>
+    <a:lvl3pPr marL="914400" algn="l" defTabSz="914400" rtl="0" eaLnBrk="1" latinLnBrk="0" hangingPunct="1">
+      <a:defRPr sz="1200" kern="1200">
+        <a:solidFill>
+          <a:schemeClr val="tx1"/>
+        </a:solidFill>
+        <a:latin typeface="+mn-lt"/>
+        <a:ea typeface="+mn-ea"/>
+        <a:cs typeface="+mn-cs"/>
+      </a:defRPr>
+    </a:lvl3pPr>
+    <a:lvl4pPr marL="1371600" algn="l" defTabSz="914400" rtl="0" eaLnBrk="1" latinLnBrk="0" hangingPunct="1">
+      <a:defRPr sz="1200" kern="1200">
+        <a:solidFill>
+          <a:schemeClr val="tx1"/>
+        </a:solidFill>
+        <a:latin typeface="+mn-lt"/>
+        <a:ea typeface="+mn-ea"/>
+        <a:cs typeface="+mn-cs"/>
+      </a:defRPr>
+    </a:lvl4pPr>
+    <a:lvl5pPr marL="1828800" algn="l" defTabSz="914400" rtl="0" eaLnBrk="1" latinLnBrk="0" hangingPunct="1">
+      <a:defRPr sz="1200" kern="1200">
+        <a:solidFill>
+          <a:schemeClr val="tx1"/>
+        </a:solidFill>
+        <a:latin typeface="+mn-lt"/>
+        <a:ea typeface="+mn-ea"/>
+        <a:cs typeface="+mn-cs"/>
+      </a:defRPr>
+    </a:lvl5pPr>
+    <a:lvl6pPr marL="2286000" algn="l" defTabSz="914400" rtl="0" eaLnBrk="1" latinLnBrk="0" hangingPunct="1">
+      <a:defRPr sz="1200" kern="1200">
+        <a:solidFill>
+          <a:schemeClr val="tx1"/>
+        </a:solidFill>
+        <a:latin typeface="+mn-lt"/>
+        <a:ea typeface="+mn-ea"/>
+        <a:cs typeface="+mn-cs"/>
+      </a:defRPr>
+    </a:lvl6pPr>
+    <a:lvl7pPr marL="2743200" algn="l" defTabSz="914400" rtl="0" eaLnBrk="1" latinLnBrk="0" hangingPunct="1">
+      <a:defRPr sz="1200" kern="1200">
+        <a:solidFill>
+          <a:schemeClr val="tx1"/>
+        </a:solidFill>
+        <a:latin typeface="+mn-lt"/>
+        <a:ea typeface="+mn-ea"/>
+        <a:cs typeface="+mn-cs"/>
+      </a:defRPr>
+    </a:lvl7pPr>
+    <a:lvl8pPr marL="3200400" algn="l" defTabSz="914400" rtl="0" eaLnBrk="1" latinLnBrk="0" hangingPunct="1">
+      <a:defRPr sz="1200" kern="1200">
+        <a:solidFill>
+          <a:schemeClr val="tx1"/>
+        </a:solidFill>
+        <a:latin typeface="+mn-lt"/>
+        <a:ea typeface="+mn-ea"/>
+        <a:cs typeface="+mn-cs"/>
+      </a:defRPr>
+    </a:lvl8pPr>
+    <a:lvl9pPr marL="3657600" algn="l" defTabSz="914400" rtl="0" eaLnBrk="1" latinLnBrk="0" hangingPunct="1">
+      <a:defRPr sz="1200" kern="1200">
+        <a:solidFill>
+          <a:schemeClr val="tx1"/>
+        </a:solidFill>
+        <a:latin typeface="+mn-lt"/>
+        <a:ea typeface="+mn-ea"/>
+        <a:cs typeface="+mn-cs"/>
+      </a:defRPr>
+    </a:lvl9pPr>
+  </p:notesStyle>
 </p:notesMaster>
 </file>
 
-<file path=ppt/notesSlides/notesSlide.xml><?xml version="1.0" encoding="utf-8"?>
-<p:notes xmlns:a="http://schemas.openxmlformats.org/drawingml/2006/main" xmlns:r="http://schemas.openxmlformats.org/officeDocument/2006/relationships" xmlns:mc="http://schemas.openxmlformats.org/markup-compatibility/2006" xmlns:mv="urn:schemas-microsoft-com:mac:vml" xmlns:p="http://schemas.openxmlformats.org/presentationml/2006/main" xmlns:c="http://schemas.openxmlformats.org/drawingml/2006/chart" xmlns:dgm="http://schemas.openxmlformats.org/drawingml/2006/diagram" xmlns:o="urn:schemas-microsoft-com:office:office" xmlns:v="urn:schemas-microsoft-com:vml" xmlns:pvml="urn:schemas-microsoft-com:office:powerpoint" xmlns:com="http://schemas.openxmlformats.org/drawingml/2006/compatibility" xmlns:p14="http://schemas.microsoft.com/office/powerpoint/2010/main" showMasterPhAnim="0" showMasterSp="0">
+<file path=ppt/notesSlides/notesSlide1.xml><?xml version="1.0" encoding="utf-8"?>
+<p:notes xmlns:a="http://schemas.openxmlformats.org/drawingml/2006/main" xmlns:r="http://schemas.openxmlformats.org/officeDocument/2006/relationships" xmlns:p="http://schemas.openxmlformats.org/presentationml/2006/main" showMasterSp="0" showMasterPhAnim="0">
   <p:cSld>
     <p:spTree>
       <p:nvGrpSpPr>
-        <p:cNvPr id="41" name="Shape 41"/>
+        <p:cNvPr id="1" name="Shape 41"/>
         <p:cNvGrpSpPr/>
         <p:nvPr/>
       </p:nvGrpSpPr>
@@ -417,9 +530,11 @@
       <p:sp>
         <p:nvSpPr>
           <p:cNvPr id="42" name="Shape 42"/>
-          <p:cNvSpPr/>
+          <p:cNvSpPr>
+            <a:spLocks noGrp="1" noRot="1" noChangeAspect="1"/>
+          </p:cNvSpPr>
           <p:nvPr>
-            <p:ph idx="2" type="sldImg"/>
+            <p:ph type="sldImg" idx="2"/>
           </p:nvPr>
         </p:nvSpPr>
         <p:spPr>
@@ -428,8 +543,13 @@
             <a:ext cx="6096299" cy="3429000"/>
           </a:xfrm>
           <a:custGeom>
+            <a:avLst/>
+            <a:gdLst/>
+            <a:ahLst/>
+            <a:cxnLst/>
+            <a:rect l="0" t="0" r="0" b="0"/>
             <a:pathLst>
-              <a:path extrusionOk="0" h="120000" w="120000">
+              <a:path w="120000" h="120000" extrusionOk="0">
                 <a:moveTo>
                   <a:pt x="0" y="0"/>
                 </a:moveTo>
@@ -451,9 +571,11 @@
       <p:sp>
         <p:nvSpPr>
           <p:cNvPr id="43" name="Shape 43"/>
-          <p:cNvSpPr txBox="1"/>
+          <p:cNvSpPr txBox="1">
+            <a:spLocks noGrp="1"/>
+          </p:cNvSpPr>
           <p:nvPr>
-            <p:ph idx="1" type="body"/>
+            <p:ph type="body" idx="1"/>
           </p:nvPr>
         </p:nvSpPr>
         <p:spPr>
@@ -466,7 +588,7 @@
           </a:prstGeom>
         </p:spPr>
         <p:txBody>
-          <a:bodyPr anchorCtr="0" anchor="t" bIns="91425" lIns="91425" rIns="91425" tIns="91425">
+          <a:bodyPr lIns="91425" tIns="91425" rIns="91425" bIns="91425" anchor="t" anchorCtr="0">
             <a:noAutofit/>
           </a:bodyPr>
           <a:lstStyle/>
@@ -477,9 +599,6 @@
               </a:spcBef>
               <a:buNone/>
             </a:pPr>
-            <a:r>
-              <a:t/>
-            </a:r>
             <a:endParaRPr/>
           </a:p>
         </p:txBody>
@@ -492,12 +611,722 @@
 </p:notes>
 </file>
 
-<file path=ppt/notesSlides/notesSlide1.xml><?xml version="1.0" encoding="utf-8"?>
-<p:notes xmlns:a="http://schemas.openxmlformats.org/drawingml/2006/main" xmlns:r="http://schemas.openxmlformats.org/officeDocument/2006/relationships" xmlns:mc="http://schemas.openxmlformats.org/markup-compatibility/2006" xmlns:mv="urn:schemas-microsoft-com:mac:vml" xmlns:p="http://schemas.openxmlformats.org/presentationml/2006/main" xmlns:c="http://schemas.openxmlformats.org/drawingml/2006/chart" xmlns:dgm="http://schemas.openxmlformats.org/drawingml/2006/diagram" xmlns:o="urn:schemas-microsoft-com:office:office" xmlns:v="urn:schemas-microsoft-com:vml" xmlns:pvml="urn:schemas-microsoft-com:office:powerpoint" xmlns:com="http://schemas.openxmlformats.org/drawingml/2006/compatibility" xmlns:p14="http://schemas.microsoft.com/office/powerpoint/2010/main" showMasterPhAnim="0" showMasterSp="0">
+<file path=ppt/notesSlides/notesSlide10.xml><?xml version="1.0" encoding="utf-8"?>
+<p:notes xmlns:a="http://schemas.openxmlformats.org/drawingml/2006/main" xmlns:r="http://schemas.openxmlformats.org/officeDocument/2006/relationships" xmlns:p="http://schemas.openxmlformats.org/presentationml/2006/main" showMasterSp="0" showMasterPhAnim="0">
   <p:cSld>
     <p:spTree>
       <p:nvGrpSpPr>
-        <p:cNvPr id="47" name="Shape 47"/>
+        <p:cNvPr id="1" name="Shape 96"/>
+        <p:cNvGrpSpPr/>
+        <p:nvPr/>
+      </p:nvGrpSpPr>
+      <p:grpSpPr>
+        <a:xfrm>
+          <a:off x="0" y="0"/>
+          <a:ext cx="0" cy="0"/>
+          <a:chOff x="0" y="0"/>
+          <a:chExt cx="0" cy="0"/>
+        </a:xfrm>
+      </p:grpSpPr>
+      <p:sp>
+        <p:nvSpPr>
+          <p:cNvPr id="97" name="Shape 97"/>
+          <p:cNvSpPr>
+            <a:spLocks noGrp="1" noRot="1" noChangeAspect="1"/>
+          </p:cNvSpPr>
+          <p:nvPr>
+            <p:ph type="sldImg" idx="2"/>
+          </p:nvPr>
+        </p:nvSpPr>
+        <p:spPr>
+          <a:xfrm>
+            <a:off x="381187" y="685800"/>
+            <a:ext cx="6096299" cy="3429000"/>
+          </a:xfrm>
+          <a:custGeom>
+            <a:avLst/>
+            <a:gdLst/>
+            <a:ahLst/>
+            <a:cxnLst/>
+            <a:rect l="0" t="0" r="0" b="0"/>
+            <a:pathLst>
+              <a:path w="120000" h="120000" extrusionOk="0">
+                <a:moveTo>
+                  <a:pt x="0" y="0"/>
+                </a:moveTo>
+                <a:lnTo>
+                  <a:pt x="120000" y="0"/>
+                </a:lnTo>
+                <a:lnTo>
+                  <a:pt x="120000" y="120000"/>
+                </a:lnTo>
+                <a:lnTo>
+                  <a:pt x="0" y="120000"/>
+                </a:lnTo>
+                <a:close/>
+              </a:path>
+            </a:pathLst>
+          </a:custGeom>
+        </p:spPr>
+      </p:sp>
+      <p:sp>
+        <p:nvSpPr>
+          <p:cNvPr id="98" name="Shape 98"/>
+          <p:cNvSpPr txBox="1">
+            <a:spLocks noGrp="1"/>
+          </p:cNvSpPr>
+          <p:nvPr>
+            <p:ph type="body" idx="1"/>
+          </p:nvPr>
+        </p:nvSpPr>
+        <p:spPr>
+          <a:xfrm>
+            <a:off x="685800" y="4343400"/>
+            <a:ext cx="5486399" cy="4114800"/>
+          </a:xfrm>
+          <a:prstGeom prst="rect">
+            <a:avLst/>
+          </a:prstGeom>
+        </p:spPr>
+        <p:txBody>
+          <a:bodyPr lIns="91425" tIns="91425" rIns="91425" bIns="91425" anchor="t" anchorCtr="0">
+            <a:noAutofit/>
+          </a:bodyPr>
+          <a:lstStyle/>
+          <a:p>
+            <a:pPr lvl="0">
+              <a:spcBef>
+                <a:spcPts val="0"/>
+              </a:spcBef>
+              <a:buNone/>
+            </a:pPr>
+            <a:r>
+              <a:rPr lang="es"/>
+              <a:t>http://docs.oracle.com/javaee/6/tutorial/doc/gmhba.html</a:t>
+            </a:r>
+          </a:p>
+        </p:txBody>
+      </p:sp>
+    </p:spTree>
+  </p:cSld>
+  <p:clrMapOvr>
+    <a:masterClrMapping/>
+  </p:clrMapOvr>
+</p:notes>
+</file>
+
+<file path=ppt/notesSlides/notesSlide11.xml><?xml version="1.0" encoding="utf-8"?>
+<p:notes xmlns:a="http://schemas.openxmlformats.org/drawingml/2006/main" xmlns:r="http://schemas.openxmlformats.org/officeDocument/2006/relationships" xmlns:p="http://schemas.openxmlformats.org/presentationml/2006/main" showMasterSp="0" showMasterPhAnim="0">
+  <p:cSld>
+    <p:spTree>
+      <p:nvGrpSpPr>
+        <p:cNvPr id="1" name="Shape 103"/>
+        <p:cNvGrpSpPr/>
+        <p:nvPr/>
+      </p:nvGrpSpPr>
+      <p:grpSpPr>
+        <a:xfrm>
+          <a:off x="0" y="0"/>
+          <a:ext cx="0" cy="0"/>
+          <a:chOff x="0" y="0"/>
+          <a:chExt cx="0" cy="0"/>
+        </a:xfrm>
+      </p:grpSpPr>
+      <p:sp>
+        <p:nvSpPr>
+          <p:cNvPr id="104" name="Shape 104"/>
+          <p:cNvSpPr>
+            <a:spLocks noGrp="1" noRot="1" noChangeAspect="1"/>
+          </p:cNvSpPr>
+          <p:nvPr>
+            <p:ph type="sldImg" idx="2"/>
+          </p:nvPr>
+        </p:nvSpPr>
+        <p:spPr>
+          <a:xfrm>
+            <a:off x="381187" y="685800"/>
+            <a:ext cx="6096299" cy="3429000"/>
+          </a:xfrm>
+          <a:custGeom>
+            <a:avLst/>
+            <a:gdLst/>
+            <a:ahLst/>
+            <a:cxnLst/>
+            <a:rect l="0" t="0" r="0" b="0"/>
+            <a:pathLst>
+              <a:path w="120000" h="120000" extrusionOk="0">
+                <a:moveTo>
+                  <a:pt x="0" y="0"/>
+                </a:moveTo>
+                <a:lnTo>
+                  <a:pt x="120000" y="0"/>
+                </a:lnTo>
+                <a:lnTo>
+                  <a:pt x="120000" y="120000"/>
+                </a:lnTo>
+                <a:lnTo>
+                  <a:pt x="0" y="120000"/>
+                </a:lnTo>
+                <a:close/>
+              </a:path>
+            </a:pathLst>
+          </a:custGeom>
+        </p:spPr>
+      </p:sp>
+      <p:sp>
+        <p:nvSpPr>
+          <p:cNvPr id="105" name="Shape 105"/>
+          <p:cNvSpPr txBox="1">
+            <a:spLocks noGrp="1"/>
+          </p:cNvSpPr>
+          <p:nvPr>
+            <p:ph type="body" idx="1"/>
+          </p:nvPr>
+        </p:nvSpPr>
+        <p:spPr>
+          <a:xfrm>
+            <a:off x="685800" y="4343400"/>
+            <a:ext cx="5486399" cy="4114800"/>
+          </a:xfrm>
+          <a:prstGeom prst="rect">
+            <a:avLst/>
+          </a:prstGeom>
+        </p:spPr>
+        <p:txBody>
+          <a:bodyPr lIns="91425" tIns="91425" rIns="91425" bIns="91425" anchor="t" anchorCtr="0">
+            <a:noAutofit/>
+          </a:bodyPr>
+          <a:lstStyle/>
+          <a:p>
+            <a:pPr lvl="0">
+              <a:spcBef>
+                <a:spcPts val="0"/>
+              </a:spcBef>
+              <a:buNone/>
+            </a:pPr>
+            <a:endParaRPr/>
+          </a:p>
+        </p:txBody>
+      </p:sp>
+    </p:spTree>
+  </p:cSld>
+  <p:clrMapOvr>
+    <a:masterClrMapping/>
+  </p:clrMapOvr>
+</p:notes>
+</file>
+
+<file path=ppt/notesSlides/notesSlide12.xml><?xml version="1.0" encoding="utf-8"?>
+<p:notes xmlns:a="http://schemas.openxmlformats.org/drawingml/2006/main" xmlns:r="http://schemas.openxmlformats.org/officeDocument/2006/relationships" xmlns:p="http://schemas.openxmlformats.org/presentationml/2006/main" showMasterSp="0" showMasterPhAnim="0">
+  <p:cSld>
+    <p:spTree>
+      <p:nvGrpSpPr>
+        <p:cNvPr id="1" name="Shape 109"/>
+        <p:cNvGrpSpPr/>
+        <p:nvPr/>
+      </p:nvGrpSpPr>
+      <p:grpSpPr>
+        <a:xfrm>
+          <a:off x="0" y="0"/>
+          <a:ext cx="0" cy="0"/>
+          <a:chOff x="0" y="0"/>
+          <a:chExt cx="0" cy="0"/>
+        </a:xfrm>
+      </p:grpSpPr>
+      <p:sp>
+        <p:nvSpPr>
+          <p:cNvPr id="110" name="Shape 110"/>
+          <p:cNvSpPr>
+            <a:spLocks noGrp="1" noRot="1" noChangeAspect="1"/>
+          </p:cNvSpPr>
+          <p:nvPr>
+            <p:ph type="sldImg" idx="2"/>
+          </p:nvPr>
+        </p:nvSpPr>
+        <p:spPr>
+          <a:xfrm>
+            <a:off x="381187" y="685800"/>
+            <a:ext cx="6096299" cy="3429000"/>
+          </a:xfrm>
+          <a:custGeom>
+            <a:avLst/>
+            <a:gdLst/>
+            <a:ahLst/>
+            <a:cxnLst/>
+            <a:rect l="0" t="0" r="0" b="0"/>
+            <a:pathLst>
+              <a:path w="120000" h="120000" extrusionOk="0">
+                <a:moveTo>
+                  <a:pt x="0" y="0"/>
+                </a:moveTo>
+                <a:lnTo>
+                  <a:pt x="120000" y="0"/>
+                </a:lnTo>
+                <a:lnTo>
+                  <a:pt x="120000" y="120000"/>
+                </a:lnTo>
+                <a:lnTo>
+                  <a:pt x="0" y="120000"/>
+                </a:lnTo>
+                <a:close/>
+              </a:path>
+            </a:pathLst>
+          </a:custGeom>
+        </p:spPr>
+      </p:sp>
+      <p:sp>
+        <p:nvSpPr>
+          <p:cNvPr id="111" name="Shape 111"/>
+          <p:cNvSpPr txBox="1">
+            <a:spLocks noGrp="1"/>
+          </p:cNvSpPr>
+          <p:nvPr>
+            <p:ph type="body" idx="1"/>
+          </p:nvPr>
+        </p:nvSpPr>
+        <p:spPr>
+          <a:xfrm>
+            <a:off x="685800" y="4343400"/>
+            <a:ext cx="5486399" cy="4114800"/>
+          </a:xfrm>
+          <a:prstGeom prst="rect">
+            <a:avLst/>
+          </a:prstGeom>
+        </p:spPr>
+        <p:txBody>
+          <a:bodyPr lIns="91425" tIns="91425" rIns="91425" bIns="91425" anchor="t" anchorCtr="0">
+            <a:noAutofit/>
+          </a:bodyPr>
+          <a:lstStyle/>
+          <a:p>
+            <a:pPr lvl="0">
+              <a:spcBef>
+                <a:spcPts val="0"/>
+              </a:spcBef>
+              <a:buNone/>
+            </a:pPr>
+            <a:endParaRPr/>
+          </a:p>
+        </p:txBody>
+      </p:sp>
+    </p:spTree>
+  </p:cSld>
+  <p:clrMapOvr>
+    <a:masterClrMapping/>
+  </p:clrMapOvr>
+</p:notes>
+</file>
+
+<file path=ppt/notesSlides/notesSlide13.xml><?xml version="1.0" encoding="utf-8"?>
+<p:notes xmlns:a="http://schemas.openxmlformats.org/drawingml/2006/main" xmlns:r="http://schemas.openxmlformats.org/officeDocument/2006/relationships" xmlns:p="http://schemas.openxmlformats.org/presentationml/2006/main" showMasterSp="0" showMasterPhAnim="0">
+  <p:cSld>
+    <p:spTree>
+      <p:nvGrpSpPr>
+        <p:cNvPr id="1" name="Shape 115"/>
+        <p:cNvGrpSpPr/>
+        <p:nvPr/>
+      </p:nvGrpSpPr>
+      <p:grpSpPr>
+        <a:xfrm>
+          <a:off x="0" y="0"/>
+          <a:ext cx="0" cy="0"/>
+          <a:chOff x="0" y="0"/>
+          <a:chExt cx="0" cy="0"/>
+        </a:xfrm>
+      </p:grpSpPr>
+      <p:sp>
+        <p:nvSpPr>
+          <p:cNvPr id="116" name="Shape 116"/>
+          <p:cNvSpPr>
+            <a:spLocks noGrp="1" noRot="1" noChangeAspect="1"/>
+          </p:cNvSpPr>
+          <p:nvPr>
+            <p:ph type="sldImg" idx="2"/>
+          </p:nvPr>
+        </p:nvSpPr>
+        <p:spPr>
+          <a:xfrm>
+            <a:off x="381000" y="685800"/>
+            <a:ext cx="6096000" cy="3429000"/>
+          </a:xfrm>
+          <a:custGeom>
+            <a:avLst/>
+            <a:gdLst/>
+            <a:ahLst/>
+            <a:cxnLst/>
+            <a:rect l="0" t="0" r="0" b="0"/>
+            <a:pathLst>
+              <a:path w="120000" h="120000" extrusionOk="0">
+                <a:moveTo>
+                  <a:pt x="0" y="0"/>
+                </a:moveTo>
+                <a:lnTo>
+                  <a:pt x="120000" y="0"/>
+                </a:lnTo>
+                <a:lnTo>
+                  <a:pt x="120000" y="120000"/>
+                </a:lnTo>
+                <a:lnTo>
+                  <a:pt x="0" y="120000"/>
+                </a:lnTo>
+                <a:close/>
+              </a:path>
+            </a:pathLst>
+          </a:custGeom>
+        </p:spPr>
+      </p:sp>
+      <p:sp>
+        <p:nvSpPr>
+          <p:cNvPr id="117" name="Shape 117"/>
+          <p:cNvSpPr txBox="1">
+            <a:spLocks noGrp="1"/>
+          </p:cNvSpPr>
+          <p:nvPr>
+            <p:ph type="body" idx="1"/>
+          </p:nvPr>
+        </p:nvSpPr>
+        <p:spPr>
+          <a:xfrm>
+            <a:off x="685800" y="4343400"/>
+            <a:ext cx="5486399" cy="4114800"/>
+          </a:xfrm>
+          <a:prstGeom prst="rect">
+            <a:avLst/>
+          </a:prstGeom>
+        </p:spPr>
+        <p:txBody>
+          <a:bodyPr lIns="91425" tIns="91425" rIns="91425" bIns="91425" anchor="t" anchorCtr="0">
+            <a:noAutofit/>
+          </a:bodyPr>
+          <a:lstStyle/>
+          <a:p>
+            <a:pPr lvl="0">
+              <a:spcBef>
+                <a:spcPts val="0"/>
+              </a:spcBef>
+              <a:buNone/>
+            </a:pPr>
+            <a:endParaRPr/>
+          </a:p>
+        </p:txBody>
+      </p:sp>
+    </p:spTree>
+  </p:cSld>
+  <p:clrMapOvr>
+    <a:masterClrMapping/>
+  </p:clrMapOvr>
+</p:notes>
+</file>
+
+<file path=ppt/notesSlides/notesSlide14.xml><?xml version="1.0" encoding="utf-8"?>
+<p:notes xmlns:a="http://schemas.openxmlformats.org/drawingml/2006/main" xmlns:r="http://schemas.openxmlformats.org/officeDocument/2006/relationships" xmlns:p="http://schemas.openxmlformats.org/presentationml/2006/main" showMasterSp="0" showMasterPhAnim="0">
+  <p:cSld>
+    <p:spTree>
+      <p:nvGrpSpPr>
+        <p:cNvPr id="1" name="Shape 122"/>
+        <p:cNvGrpSpPr/>
+        <p:nvPr/>
+      </p:nvGrpSpPr>
+      <p:grpSpPr>
+        <a:xfrm>
+          <a:off x="0" y="0"/>
+          <a:ext cx="0" cy="0"/>
+          <a:chOff x="0" y="0"/>
+          <a:chExt cx="0" cy="0"/>
+        </a:xfrm>
+      </p:grpSpPr>
+      <p:sp>
+        <p:nvSpPr>
+          <p:cNvPr id="123" name="Shape 123"/>
+          <p:cNvSpPr>
+            <a:spLocks noGrp="1" noRot="1" noChangeAspect="1"/>
+          </p:cNvSpPr>
+          <p:nvPr>
+            <p:ph type="sldImg" idx="2"/>
+          </p:nvPr>
+        </p:nvSpPr>
+        <p:spPr>
+          <a:xfrm>
+            <a:off x="381187" y="685800"/>
+            <a:ext cx="6096299" cy="3429000"/>
+          </a:xfrm>
+          <a:custGeom>
+            <a:avLst/>
+            <a:gdLst/>
+            <a:ahLst/>
+            <a:cxnLst/>
+            <a:rect l="0" t="0" r="0" b="0"/>
+            <a:pathLst>
+              <a:path w="120000" h="120000" extrusionOk="0">
+                <a:moveTo>
+                  <a:pt x="0" y="0"/>
+                </a:moveTo>
+                <a:lnTo>
+                  <a:pt x="120000" y="0"/>
+                </a:lnTo>
+                <a:lnTo>
+                  <a:pt x="120000" y="120000"/>
+                </a:lnTo>
+                <a:lnTo>
+                  <a:pt x="0" y="120000"/>
+                </a:lnTo>
+                <a:close/>
+              </a:path>
+            </a:pathLst>
+          </a:custGeom>
+        </p:spPr>
+      </p:sp>
+      <p:sp>
+        <p:nvSpPr>
+          <p:cNvPr id="124" name="Shape 124"/>
+          <p:cNvSpPr txBox="1">
+            <a:spLocks noGrp="1"/>
+          </p:cNvSpPr>
+          <p:nvPr>
+            <p:ph type="body" idx="1"/>
+          </p:nvPr>
+        </p:nvSpPr>
+        <p:spPr>
+          <a:xfrm>
+            <a:off x="685800" y="4343400"/>
+            <a:ext cx="5486399" cy="4114800"/>
+          </a:xfrm>
+          <a:prstGeom prst="rect">
+            <a:avLst/>
+          </a:prstGeom>
+        </p:spPr>
+        <p:txBody>
+          <a:bodyPr lIns="91425" tIns="91425" rIns="91425" bIns="91425" anchor="t" anchorCtr="0">
+            <a:noAutofit/>
+          </a:bodyPr>
+          <a:lstStyle/>
+          <a:p>
+            <a:pPr lvl="0">
+              <a:spcBef>
+                <a:spcPts val="0"/>
+              </a:spcBef>
+              <a:buNone/>
+            </a:pPr>
+            <a:endParaRPr/>
+          </a:p>
+        </p:txBody>
+      </p:sp>
+    </p:spTree>
+  </p:cSld>
+  <p:clrMapOvr>
+    <a:masterClrMapping/>
+  </p:clrMapOvr>
+</p:notes>
+</file>
+
+<file path=ppt/notesSlides/notesSlide15.xml><?xml version="1.0" encoding="utf-8"?>
+<p:notes xmlns:a="http://schemas.openxmlformats.org/drawingml/2006/main" xmlns:r="http://schemas.openxmlformats.org/officeDocument/2006/relationships" xmlns:p="http://schemas.openxmlformats.org/presentationml/2006/main" showMasterSp="0" showMasterPhAnim="0">
+  <p:cSld>
+    <p:spTree>
+      <p:nvGrpSpPr>
+        <p:cNvPr id="1" name="Shape 128"/>
+        <p:cNvGrpSpPr/>
+        <p:nvPr/>
+      </p:nvGrpSpPr>
+      <p:grpSpPr>
+        <a:xfrm>
+          <a:off x="0" y="0"/>
+          <a:ext cx="0" cy="0"/>
+          <a:chOff x="0" y="0"/>
+          <a:chExt cx="0" cy="0"/>
+        </a:xfrm>
+      </p:grpSpPr>
+      <p:sp>
+        <p:nvSpPr>
+          <p:cNvPr id="129" name="Shape 129"/>
+          <p:cNvSpPr>
+            <a:spLocks noGrp="1" noRot="1" noChangeAspect="1"/>
+          </p:cNvSpPr>
+          <p:nvPr>
+            <p:ph type="sldImg" idx="2"/>
+          </p:nvPr>
+        </p:nvSpPr>
+        <p:spPr>
+          <a:xfrm>
+            <a:off x="381187" y="685800"/>
+            <a:ext cx="6096299" cy="3429000"/>
+          </a:xfrm>
+          <a:custGeom>
+            <a:avLst/>
+            <a:gdLst/>
+            <a:ahLst/>
+            <a:cxnLst/>
+            <a:rect l="0" t="0" r="0" b="0"/>
+            <a:pathLst>
+              <a:path w="120000" h="120000" extrusionOk="0">
+                <a:moveTo>
+                  <a:pt x="0" y="0"/>
+                </a:moveTo>
+                <a:lnTo>
+                  <a:pt x="120000" y="0"/>
+                </a:lnTo>
+                <a:lnTo>
+                  <a:pt x="120000" y="120000"/>
+                </a:lnTo>
+                <a:lnTo>
+                  <a:pt x="0" y="120000"/>
+                </a:lnTo>
+                <a:close/>
+              </a:path>
+            </a:pathLst>
+          </a:custGeom>
+        </p:spPr>
+      </p:sp>
+      <p:sp>
+        <p:nvSpPr>
+          <p:cNvPr id="130" name="Shape 130"/>
+          <p:cNvSpPr txBox="1">
+            <a:spLocks noGrp="1"/>
+          </p:cNvSpPr>
+          <p:nvPr>
+            <p:ph type="body" idx="1"/>
+          </p:nvPr>
+        </p:nvSpPr>
+        <p:spPr>
+          <a:xfrm>
+            <a:off x="685800" y="4343400"/>
+            <a:ext cx="5486399" cy="4114800"/>
+          </a:xfrm>
+          <a:prstGeom prst="rect">
+            <a:avLst/>
+          </a:prstGeom>
+        </p:spPr>
+        <p:txBody>
+          <a:bodyPr lIns="91425" tIns="91425" rIns="91425" bIns="91425" anchor="t" anchorCtr="0">
+            <a:noAutofit/>
+          </a:bodyPr>
+          <a:lstStyle/>
+          <a:p>
+            <a:pPr lvl="0">
+              <a:spcBef>
+                <a:spcPts val="0"/>
+              </a:spcBef>
+              <a:buNone/>
+            </a:pPr>
+            <a:endParaRPr/>
+          </a:p>
+        </p:txBody>
+      </p:sp>
+    </p:spTree>
+  </p:cSld>
+  <p:clrMapOvr>
+    <a:masterClrMapping/>
+  </p:clrMapOvr>
+</p:notes>
+</file>
+
+<file path=ppt/notesSlides/notesSlide16.xml><?xml version="1.0" encoding="utf-8"?>
+<p:notes xmlns:a="http://schemas.openxmlformats.org/drawingml/2006/main" xmlns:r="http://schemas.openxmlformats.org/officeDocument/2006/relationships" xmlns:p="http://schemas.openxmlformats.org/presentationml/2006/main" showMasterSp="0" showMasterPhAnim="0">
+  <p:cSld>
+    <p:spTree>
+      <p:nvGrpSpPr>
+        <p:cNvPr id="1" name="Shape 134"/>
+        <p:cNvGrpSpPr/>
+        <p:nvPr/>
+      </p:nvGrpSpPr>
+      <p:grpSpPr>
+        <a:xfrm>
+          <a:off x="0" y="0"/>
+          <a:ext cx="0" cy="0"/>
+          <a:chOff x="0" y="0"/>
+          <a:chExt cx="0" cy="0"/>
+        </a:xfrm>
+      </p:grpSpPr>
+      <p:sp>
+        <p:nvSpPr>
+          <p:cNvPr id="135" name="Shape 135"/>
+          <p:cNvSpPr>
+            <a:spLocks noGrp="1" noRot="1" noChangeAspect="1"/>
+          </p:cNvSpPr>
+          <p:nvPr>
+            <p:ph type="sldImg" idx="2"/>
+          </p:nvPr>
+        </p:nvSpPr>
+        <p:spPr>
+          <a:xfrm>
+            <a:off x="381187" y="685800"/>
+            <a:ext cx="6096299" cy="3429000"/>
+          </a:xfrm>
+          <a:custGeom>
+            <a:avLst/>
+            <a:gdLst/>
+            <a:ahLst/>
+            <a:cxnLst/>
+            <a:rect l="0" t="0" r="0" b="0"/>
+            <a:pathLst>
+              <a:path w="120000" h="120000" extrusionOk="0">
+                <a:moveTo>
+                  <a:pt x="0" y="0"/>
+                </a:moveTo>
+                <a:lnTo>
+                  <a:pt x="120000" y="0"/>
+                </a:lnTo>
+                <a:lnTo>
+                  <a:pt x="120000" y="120000"/>
+                </a:lnTo>
+                <a:lnTo>
+                  <a:pt x="0" y="120000"/>
+                </a:lnTo>
+                <a:close/>
+              </a:path>
+            </a:pathLst>
+          </a:custGeom>
+        </p:spPr>
+      </p:sp>
+      <p:sp>
+        <p:nvSpPr>
+          <p:cNvPr id="136" name="Shape 136"/>
+          <p:cNvSpPr txBox="1">
+            <a:spLocks noGrp="1"/>
+          </p:cNvSpPr>
+          <p:nvPr>
+            <p:ph type="body" idx="1"/>
+          </p:nvPr>
+        </p:nvSpPr>
+        <p:spPr>
+          <a:xfrm>
+            <a:off x="685800" y="4343400"/>
+            <a:ext cx="5486399" cy="4114800"/>
+          </a:xfrm>
+          <a:prstGeom prst="rect">
+            <a:avLst/>
+          </a:prstGeom>
+        </p:spPr>
+        <p:txBody>
+          <a:bodyPr lIns="91425" tIns="91425" rIns="91425" bIns="91425" anchor="t" anchorCtr="0">
+            <a:noAutofit/>
+          </a:bodyPr>
+          <a:lstStyle/>
+          <a:p>
+            <a:pPr lvl="0">
+              <a:spcBef>
+                <a:spcPts val="0"/>
+              </a:spcBef>
+              <a:buNone/>
+            </a:pPr>
+            <a:endParaRPr/>
+          </a:p>
+        </p:txBody>
+      </p:sp>
+    </p:spTree>
+  </p:cSld>
+  <p:clrMapOvr>
+    <a:masterClrMapping/>
+  </p:clrMapOvr>
+</p:notes>
+</file>
+
+<file path=ppt/notesSlides/notesSlide2.xml><?xml version="1.0" encoding="utf-8"?>
+<p:notes xmlns:a="http://schemas.openxmlformats.org/drawingml/2006/main" xmlns:r="http://schemas.openxmlformats.org/officeDocument/2006/relationships" xmlns:p="http://schemas.openxmlformats.org/presentationml/2006/main" showMasterSp="0" showMasterPhAnim="0">
+  <p:cSld>
+    <p:spTree>
+      <p:nvGrpSpPr>
+        <p:cNvPr id="1" name="Shape 47"/>
         <p:cNvGrpSpPr/>
         <p:nvPr/>
       </p:nvGrpSpPr>
@@ -512,9 +1341,11 @@
       <p:sp>
         <p:nvSpPr>
           <p:cNvPr id="48" name="Shape 48"/>
-          <p:cNvSpPr/>
+          <p:cNvSpPr>
+            <a:spLocks noGrp="1" noRot="1" noChangeAspect="1"/>
+          </p:cNvSpPr>
           <p:nvPr>
-            <p:ph idx="2" type="sldImg"/>
+            <p:ph type="sldImg" idx="2"/>
           </p:nvPr>
         </p:nvSpPr>
         <p:spPr>
@@ -523,8 +1354,13 @@
             <a:ext cx="6096299" cy="3429000"/>
           </a:xfrm>
           <a:custGeom>
+            <a:avLst/>
+            <a:gdLst/>
+            <a:ahLst/>
+            <a:cxnLst/>
+            <a:rect l="0" t="0" r="0" b="0"/>
             <a:pathLst>
-              <a:path extrusionOk="0" h="120000" w="120000">
+              <a:path w="120000" h="120000" extrusionOk="0">
                 <a:moveTo>
                   <a:pt x="0" y="0"/>
                 </a:moveTo>
@@ -546,9 +1382,11 @@
       <p:sp>
         <p:nvSpPr>
           <p:cNvPr id="49" name="Shape 49"/>
-          <p:cNvSpPr txBox="1"/>
+          <p:cNvSpPr txBox="1">
+            <a:spLocks noGrp="1"/>
+          </p:cNvSpPr>
           <p:nvPr>
-            <p:ph idx="1" type="body"/>
+            <p:ph type="body" idx="1"/>
           </p:nvPr>
         </p:nvSpPr>
         <p:spPr>
@@ -561,7 +1399,7 @@
           </a:prstGeom>
         </p:spPr>
         <p:txBody>
-          <a:bodyPr anchorCtr="0" anchor="t" bIns="91425" lIns="91425" rIns="91425" tIns="91425">
+          <a:bodyPr lIns="91425" tIns="91425" rIns="91425" bIns="91425" anchor="t" anchorCtr="0">
             <a:noAutofit/>
           </a:bodyPr>
           <a:lstStyle/>
@@ -572,9 +1410,6 @@
               </a:spcBef>
               <a:buNone/>
             </a:pPr>
-            <a:r>
-              <a:t/>
-            </a:r>
             <a:endParaRPr/>
           </a:p>
         </p:txBody>
@@ -587,582 +1422,12 @@
 </p:notes>
 </file>
 
-<file path=ppt/notesSlides/notesSlide10.xml><?xml version="1.0" encoding="utf-8"?>
-<p:notes xmlns:a="http://schemas.openxmlformats.org/drawingml/2006/main" xmlns:r="http://schemas.openxmlformats.org/officeDocument/2006/relationships" xmlns:mc="http://schemas.openxmlformats.org/markup-compatibility/2006" xmlns:mv="urn:schemas-microsoft-com:mac:vml" xmlns:p="http://schemas.openxmlformats.org/presentationml/2006/main" xmlns:c="http://schemas.openxmlformats.org/drawingml/2006/chart" xmlns:dgm="http://schemas.openxmlformats.org/drawingml/2006/diagram" xmlns:o="urn:schemas-microsoft-com:office:office" xmlns:v="urn:schemas-microsoft-com:vml" xmlns:pvml="urn:schemas-microsoft-com:office:powerpoint" xmlns:com="http://schemas.openxmlformats.org/drawingml/2006/compatibility" xmlns:p14="http://schemas.microsoft.com/office/powerpoint/2010/main" showMasterPhAnim="0" showMasterSp="0">
+<file path=ppt/notesSlides/notesSlide3.xml><?xml version="1.0" encoding="utf-8"?>
+<p:notes xmlns:a="http://schemas.openxmlformats.org/drawingml/2006/main" xmlns:r="http://schemas.openxmlformats.org/officeDocument/2006/relationships" xmlns:p="http://schemas.openxmlformats.org/presentationml/2006/main" showMasterSp="0" showMasterPhAnim="0">
   <p:cSld>
     <p:spTree>
       <p:nvGrpSpPr>
-        <p:cNvPr id="103" name="Shape 103"/>
-        <p:cNvGrpSpPr/>
-        <p:nvPr/>
-      </p:nvGrpSpPr>
-      <p:grpSpPr>
-        <a:xfrm>
-          <a:off x="0" y="0"/>
-          <a:ext cx="0" cy="0"/>
-          <a:chOff x="0" y="0"/>
-          <a:chExt cx="0" cy="0"/>
-        </a:xfrm>
-      </p:grpSpPr>
-      <p:sp>
-        <p:nvSpPr>
-          <p:cNvPr id="104" name="Shape 104"/>
-          <p:cNvSpPr/>
-          <p:nvPr>
-            <p:ph idx="2" type="sldImg"/>
-          </p:nvPr>
-        </p:nvSpPr>
-        <p:spPr>
-          <a:xfrm>
-            <a:off x="381187" y="685800"/>
-            <a:ext cx="6096299" cy="3429000"/>
-          </a:xfrm>
-          <a:custGeom>
-            <a:pathLst>
-              <a:path extrusionOk="0" h="120000" w="120000">
-                <a:moveTo>
-                  <a:pt x="0" y="0"/>
-                </a:moveTo>
-                <a:lnTo>
-                  <a:pt x="120000" y="0"/>
-                </a:lnTo>
-                <a:lnTo>
-                  <a:pt x="120000" y="120000"/>
-                </a:lnTo>
-                <a:lnTo>
-                  <a:pt x="0" y="120000"/>
-                </a:lnTo>
-                <a:close/>
-              </a:path>
-            </a:pathLst>
-          </a:custGeom>
-        </p:spPr>
-      </p:sp>
-      <p:sp>
-        <p:nvSpPr>
-          <p:cNvPr id="105" name="Shape 105"/>
-          <p:cNvSpPr txBox="1"/>
-          <p:nvPr>
-            <p:ph idx="1" type="body"/>
-          </p:nvPr>
-        </p:nvSpPr>
-        <p:spPr>
-          <a:xfrm>
-            <a:off x="685800" y="4343400"/>
-            <a:ext cx="5486399" cy="4114800"/>
-          </a:xfrm>
-          <a:prstGeom prst="rect">
-            <a:avLst/>
-          </a:prstGeom>
-        </p:spPr>
-        <p:txBody>
-          <a:bodyPr anchorCtr="0" anchor="t" bIns="91425" lIns="91425" rIns="91425" tIns="91425">
-            <a:noAutofit/>
-          </a:bodyPr>
-          <a:lstStyle/>
-          <a:p>
-            <a:pPr lvl="0">
-              <a:spcBef>
-                <a:spcPts val="0"/>
-              </a:spcBef>
-              <a:buNone/>
-            </a:pPr>
-            <a:r>
-              <a:t/>
-            </a:r>
-            <a:endParaRPr/>
-          </a:p>
-        </p:txBody>
-      </p:sp>
-    </p:spTree>
-  </p:cSld>
-  <p:clrMapOvr>
-    <a:masterClrMapping/>
-  </p:clrMapOvr>
-</p:notes>
-</file>
-
-<file path=ppt/notesSlides/notesSlide11.xml><?xml version="1.0" encoding="utf-8"?>
-<p:notes xmlns:a="http://schemas.openxmlformats.org/drawingml/2006/main" xmlns:r="http://schemas.openxmlformats.org/officeDocument/2006/relationships" xmlns:mc="http://schemas.openxmlformats.org/markup-compatibility/2006" xmlns:mv="urn:schemas-microsoft-com:mac:vml" xmlns:p="http://schemas.openxmlformats.org/presentationml/2006/main" xmlns:c="http://schemas.openxmlformats.org/drawingml/2006/chart" xmlns:dgm="http://schemas.openxmlformats.org/drawingml/2006/diagram" xmlns:o="urn:schemas-microsoft-com:office:office" xmlns:v="urn:schemas-microsoft-com:vml" xmlns:pvml="urn:schemas-microsoft-com:office:powerpoint" xmlns:com="http://schemas.openxmlformats.org/drawingml/2006/compatibility" xmlns:p14="http://schemas.microsoft.com/office/powerpoint/2010/main" showMasterPhAnim="0" showMasterSp="0">
-  <p:cSld>
-    <p:spTree>
-      <p:nvGrpSpPr>
-        <p:cNvPr id="109" name="Shape 109"/>
-        <p:cNvGrpSpPr/>
-        <p:nvPr/>
-      </p:nvGrpSpPr>
-      <p:grpSpPr>
-        <a:xfrm>
-          <a:off x="0" y="0"/>
-          <a:ext cx="0" cy="0"/>
-          <a:chOff x="0" y="0"/>
-          <a:chExt cx="0" cy="0"/>
-        </a:xfrm>
-      </p:grpSpPr>
-      <p:sp>
-        <p:nvSpPr>
-          <p:cNvPr id="110" name="Shape 110"/>
-          <p:cNvSpPr/>
-          <p:nvPr>
-            <p:ph idx="2" type="sldImg"/>
-          </p:nvPr>
-        </p:nvSpPr>
-        <p:spPr>
-          <a:xfrm>
-            <a:off x="381187" y="685800"/>
-            <a:ext cx="6096299" cy="3429000"/>
-          </a:xfrm>
-          <a:custGeom>
-            <a:pathLst>
-              <a:path extrusionOk="0" h="120000" w="120000">
-                <a:moveTo>
-                  <a:pt x="0" y="0"/>
-                </a:moveTo>
-                <a:lnTo>
-                  <a:pt x="120000" y="0"/>
-                </a:lnTo>
-                <a:lnTo>
-                  <a:pt x="120000" y="120000"/>
-                </a:lnTo>
-                <a:lnTo>
-                  <a:pt x="0" y="120000"/>
-                </a:lnTo>
-                <a:close/>
-              </a:path>
-            </a:pathLst>
-          </a:custGeom>
-        </p:spPr>
-      </p:sp>
-      <p:sp>
-        <p:nvSpPr>
-          <p:cNvPr id="111" name="Shape 111"/>
-          <p:cNvSpPr txBox="1"/>
-          <p:nvPr>
-            <p:ph idx="1" type="body"/>
-          </p:nvPr>
-        </p:nvSpPr>
-        <p:spPr>
-          <a:xfrm>
-            <a:off x="685800" y="4343400"/>
-            <a:ext cx="5486399" cy="4114800"/>
-          </a:xfrm>
-          <a:prstGeom prst="rect">
-            <a:avLst/>
-          </a:prstGeom>
-        </p:spPr>
-        <p:txBody>
-          <a:bodyPr anchorCtr="0" anchor="t" bIns="91425" lIns="91425" rIns="91425" tIns="91425">
-            <a:noAutofit/>
-          </a:bodyPr>
-          <a:lstStyle/>
-          <a:p>
-            <a:pPr lvl="0">
-              <a:spcBef>
-                <a:spcPts val="0"/>
-              </a:spcBef>
-              <a:buNone/>
-            </a:pPr>
-            <a:r>
-              <a:t/>
-            </a:r>
-            <a:endParaRPr/>
-          </a:p>
-        </p:txBody>
-      </p:sp>
-    </p:spTree>
-  </p:cSld>
-  <p:clrMapOvr>
-    <a:masterClrMapping/>
-  </p:clrMapOvr>
-</p:notes>
-</file>
-
-<file path=ppt/notesSlides/notesSlide12.xml><?xml version="1.0" encoding="utf-8"?>
-<p:notes xmlns:a="http://schemas.openxmlformats.org/drawingml/2006/main" xmlns:r="http://schemas.openxmlformats.org/officeDocument/2006/relationships" xmlns:mc="http://schemas.openxmlformats.org/markup-compatibility/2006" xmlns:mv="urn:schemas-microsoft-com:mac:vml" xmlns:p="http://schemas.openxmlformats.org/presentationml/2006/main" xmlns:c="http://schemas.openxmlformats.org/drawingml/2006/chart" xmlns:dgm="http://schemas.openxmlformats.org/drawingml/2006/diagram" xmlns:o="urn:schemas-microsoft-com:office:office" xmlns:v="urn:schemas-microsoft-com:vml" xmlns:pvml="urn:schemas-microsoft-com:office:powerpoint" xmlns:com="http://schemas.openxmlformats.org/drawingml/2006/compatibility" xmlns:p14="http://schemas.microsoft.com/office/powerpoint/2010/main" showMasterPhAnim="0" showMasterSp="0">
-  <p:cSld>
-    <p:spTree>
-      <p:nvGrpSpPr>
-        <p:cNvPr id="115" name="Shape 115"/>
-        <p:cNvGrpSpPr/>
-        <p:nvPr/>
-      </p:nvGrpSpPr>
-      <p:grpSpPr>
-        <a:xfrm>
-          <a:off x="0" y="0"/>
-          <a:ext cx="0" cy="0"/>
-          <a:chOff x="0" y="0"/>
-          <a:chExt cx="0" cy="0"/>
-        </a:xfrm>
-      </p:grpSpPr>
-      <p:sp>
-        <p:nvSpPr>
-          <p:cNvPr id="116" name="Shape 116"/>
-          <p:cNvSpPr/>
-          <p:nvPr>
-            <p:ph idx="2" type="sldImg"/>
-          </p:nvPr>
-        </p:nvSpPr>
-        <p:spPr>
-          <a:xfrm>
-            <a:off x="381187" y="685800"/>
-            <a:ext cx="6096299" cy="3429000"/>
-          </a:xfrm>
-          <a:custGeom>
-            <a:pathLst>
-              <a:path extrusionOk="0" h="120000" w="120000">
-                <a:moveTo>
-                  <a:pt x="0" y="0"/>
-                </a:moveTo>
-                <a:lnTo>
-                  <a:pt x="120000" y="0"/>
-                </a:lnTo>
-                <a:lnTo>
-                  <a:pt x="120000" y="120000"/>
-                </a:lnTo>
-                <a:lnTo>
-                  <a:pt x="0" y="120000"/>
-                </a:lnTo>
-                <a:close/>
-              </a:path>
-            </a:pathLst>
-          </a:custGeom>
-        </p:spPr>
-      </p:sp>
-      <p:sp>
-        <p:nvSpPr>
-          <p:cNvPr id="117" name="Shape 117"/>
-          <p:cNvSpPr txBox="1"/>
-          <p:nvPr>
-            <p:ph idx="1" type="body"/>
-          </p:nvPr>
-        </p:nvSpPr>
-        <p:spPr>
-          <a:xfrm>
-            <a:off x="685800" y="4343400"/>
-            <a:ext cx="5486399" cy="4114800"/>
-          </a:xfrm>
-          <a:prstGeom prst="rect">
-            <a:avLst/>
-          </a:prstGeom>
-        </p:spPr>
-        <p:txBody>
-          <a:bodyPr anchorCtr="0" anchor="t" bIns="91425" lIns="91425" rIns="91425" tIns="91425">
-            <a:noAutofit/>
-          </a:bodyPr>
-          <a:lstStyle/>
-          <a:p>
-            <a:pPr lvl="0">
-              <a:spcBef>
-                <a:spcPts val="0"/>
-              </a:spcBef>
-              <a:buNone/>
-            </a:pPr>
-            <a:r>
-              <a:t/>
-            </a:r>
-            <a:endParaRPr/>
-          </a:p>
-        </p:txBody>
-      </p:sp>
-    </p:spTree>
-  </p:cSld>
-  <p:clrMapOvr>
-    <a:masterClrMapping/>
-  </p:clrMapOvr>
-</p:notes>
-</file>
-
-<file path=ppt/notesSlides/notesSlide13.xml><?xml version="1.0" encoding="utf-8"?>
-<p:notes xmlns:a="http://schemas.openxmlformats.org/drawingml/2006/main" xmlns:r="http://schemas.openxmlformats.org/officeDocument/2006/relationships" xmlns:mc="http://schemas.openxmlformats.org/markup-compatibility/2006" xmlns:mv="urn:schemas-microsoft-com:mac:vml" xmlns:p="http://schemas.openxmlformats.org/presentationml/2006/main" xmlns:c="http://schemas.openxmlformats.org/drawingml/2006/chart" xmlns:dgm="http://schemas.openxmlformats.org/drawingml/2006/diagram" xmlns:o="urn:schemas-microsoft-com:office:office" xmlns:v="urn:schemas-microsoft-com:vml" xmlns:pvml="urn:schemas-microsoft-com:office:powerpoint" xmlns:com="http://schemas.openxmlformats.org/drawingml/2006/compatibility" xmlns:p14="http://schemas.microsoft.com/office/powerpoint/2010/main" showMasterPhAnim="0" showMasterSp="0">
-  <p:cSld>
-    <p:spTree>
-      <p:nvGrpSpPr>
-        <p:cNvPr id="122" name="Shape 122"/>
-        <p:cNvGrpSpPr/>
-        <p:nvPr/>
-      </p:nvGrpSpPr>
-      <p:grpSpPr>
-        <a:xfrm>
-          <a:off x="0" y="0"/>
-          <a:ext cx="0" cy="0"/>
-          <a:chOff x="0" y="0"/>
-          <a:chExt cx="0" cy="0"/>
-        </a:xfrm>
-      </p:grpSpPr>
-      <p:sp>
-        <p:nvSpPr>
-          <p:cNvPr id="123" name="Shape 123"/>
-          <p:cNvSpPr/>
-          <p:nvPr>
-            <p:ph idx="2" type="sldImg"/>
-          </p:nvPr>
-        </p:nvSpPr>
-        <p:spPr>
-          <a:xfrm>
-            <a:off x="381187" y="685800"/>
-            <a:ext cx="6096299" cy="3429000"/>
-          </a:xfrm>
-          <a:custGeom>
-            <a:pathLst>
-              <a:path extrusionOk="0" h="120000" w="120000">
-                <a:moveTo>
-                  <a:pt x="0" y="0"/>
-                </a:moveTo>
-                <a:lnTo>
-                  <a:pt x="120000" y="0"/>
-                </a:lnTo>
-                <a:lnTo>
-                  <a:pt x="120000" y="120000"/>
-                </a:lnTo>
-                <a:lnTo>
-                  <a:pt x="0" y="120000"/>
-                </a:lnTo>
-                <a:close/>
-              </a:path>
-            </a:pathLst>
-          </a:custGeom>
-        </p:spPr>
-      </p:sp>
-      <p:sp>
-        <p:nvSpPr>
-          <p:cNvPr id="124" name="Shape 124"/>
-          <p:cNvSpPr txBox="1"/>
-          <p:nvPr>
-            <p:ph idx="1" type="body"/>
-          </p:nvPr>
-        </p:nvSpPr>
-        <p:spPr>
-          <a:xfrm>
-            <a:off x="685800" y="4343400"/>
-            <a:ext cx="5486399" cy="4114800"/>
-          </a:xfrm>
-          <a:prstGeom prst="rect">
-            <a:avLst/>
-          </a:prstGeom>
-        </p:spPr>
-        <p:txBody>
-          <a:bodyPr anchorCtr="0" anchor="t" bIns="91425" lIns="91425" rIns="91425" tIns="91425">
-            <a:noAutofit/>
-          </a:bodyPr>
-          <a:lstStyle/>
-          <a:p>
-            <a:pPr lvl="0">
-              <a:spcBef>
-                <a:spcPts val="0"/>
-              </a:spcBef>
-              <a:buNone/>
-            </a:pPr>
-            <a:r>
-              <a:t/>
-            </a:r>
-            <a:endParaRPr/>
-          </a:p>
-        </p:txBody>
-      </p:sp>
-    </p:spTree>
-  </p:cSld>
-  <p:clrMapOvr>
-    <a:masterClrMapping/>
-  </p:clrMapOvr>
-</p:notes>
-</file>
-
-<file path=ppt/notesSlides/notesSlide14.xml><?xml version="1.0" encoding="utf-8"?>
-<p:notes xmlns:a="http://schemas.openxmlformats.org/drawingml/2006/main" xmlns:r="http://schemas.openxmlformats.org/officeDocument/2006/relationships" xmlns:mc="http://schemas.openxmlformats.org/markup-compatibility/2006" xmlns:mv="urn:schemas-microsoft-com:mac:vml" xmlns:p="http://schemas.openxmlformats.org/presentationml/2006/main" xmlns:c="http://schemas.openxmlformats.org/drawingml/2006/chart" xmlns:dgm="http://schemas.openxmlformats.org/drawingml/2006/diagram" xmlns:o="urn:schemas-microsoft-com:office:office" xmlns:v="urn:schemas-microsoft-com:vml" xmlns:pvml="urn:schemas-microsoft-com:office:powerpoint" xmlns:com="http://schemas.openxmlformats.org/drawingml/2006/compatibility" xmlns:p14="http://schemas.microsoft.com/office/powerpoint/2010/main" showMasterPhAnim="0" showMasterSp="0">
-  <p:cSld>
-    <p:spTree>
-      <p:nvGrpSpPr>
-        <p:cNvPr id="128" name="Shape 128"/>
-        <p:cNvGrpSpPr/>
-        <p:nvPr/>
-      </p:nvGrpSpPr>
-      <p:grpSpPr>
-        <a:xfrm>
-          <a:off x="0" y="0"/>
-          <a:ext cx="0" cy="0"/>
-          <a:chOff x="0" y="0"/>
-          <a:chExt cx="0" cy="0"/>
-        </a:xfrm>
-      </p:grpSpPr>
-      <p:sp>
-        <p:nvSpPr>
-          <p:cNvPr id="129" name="Shape 129"/>
-          <p:cNvSpPr/>
-          <p:nvPr>
-            <p:ph idx="2" type="sldImg"/>
-          </p:nvPr>
-        </p:nvSpPr>
-        <p:spPr>
-          <a:xfrm>
-            <a:off x="381187" y="685800"/>
-            <a:ext cx="6096299" cy="3429000"/>
-          </a:xfrm>
-          <a:custGeom>
-            <a:pathLst>
-              <a:path extrusionOk="0" h="120000" w="120000">
-                <a:moveTo>
-                  <a:pt x="0" y="0"/>
-                </a:moveTo>
-                <a:lnTo>
-                  <a:pt x="120000" y="0"/>
-                </a:lnTo>
-                <a:lnTo>
-                  <a:pt x="120000" y="120000"/>
-                </a:lnTo>
-                <a:lnTo>
-                  <a:pt x="0" y="120000"/>
-                </a:lnTo>
-                <a:close/>
-              </a:path>
-            </a:pathLst>
-          </a:custGeom>
-        </p:spPr>
-      </p:sp>
-      <p:sp>
-        <p:nvSpPr>
-          <p:cNvPr id="130" name="Shape 130"/>
-          <p:cNvSpPr txBox="1"/>
-          <p:nvPr>
-            <p:ph idx="1" type="body"/>
-          </p:nvPr>
-        </p:nvSpPr>
-        <p:spPr>
-          <a:xfrm>
-            <a:off x="685800" y="4343400"/>
-            <a:ext cx="5486399" cy="4114800"/>
-          </a:xfrm>
-          <a:prstGeom prst="rect">
-            <a:avLst/>
-          </a:prstGeom>
-        </p:spPr>
-        <p:txBody>
-          <a:bodyPr anchorCtr="0" anchor="t" bIns="91425" lIns="91425" rIns="91425" tIns="91425">
-            <a:noAutofit/>
-          </a:bodyPr>
-          <a:lstStyle/>
-          <a:p>
-            <a:pPr lvl="0">
-              <a:spcBef>
-                <a:spcPts val="0"/>
-              </a:spcBef>
-              <a:buNone/>
-            </a:pPr>
-            <a:r>
-              <a:t/>
-            </a:r>
-            <a:endParaRPr/>
-          </a:p>
-        </p:txBody>
-      </p:sp>
-    </p:spTree>
-  </p:cSld>
-  <p:clrMapOvr>
-    <a:masterClrMapping/>
-  </p:clrMapOvr>
-</p:notes>
-</file>
-
-<file path=ppt/notesSlides/notesSlide15.xml><?xml version="1.0" encoding="utf-8"?>
-<p:notes xmlns:a="http://schemas.openxmlformats.org/drawingml/2006/main" xmlns:r="http://schemas.openxmlformats.org/officeDocument/2006/relationships" xmlns:mc="http://schemas.openxmlformats.org/markup-compatibility/2006" xmlns:mv="urn:schemas-microsoft-com:mac:vml" xmlns:p="http://schemas.openxmlformats.org/presentationml/2006/main" xmlns:c="http://schemas.openxmlformats.org/drawingml/2006/chart" xmlns:dgm="http://schemas.openxmlformats.org/drawingml/2006/diagram" xmlns:o="urn:schemas-microsoft-com:office:office" xmlns:v="urn:schemas-microsoft-com:vml" xmlns:pvml="urn:schemas-microsoft-com:office:powerpoint" xmlns:com="http://schemas.openxmlformats.org/drawingml/2006/compatibility" xmlns:p14="http://schemas.microsoft.com/office/powerpoint/2010/main" showMasterPhAnim="0" showMasterSp="0">
-  <p:cSld>
-    <p:spTree>
-      <p:nvGrpSpPr>
-        <p:cNvPr id="134" name="Shape 134"/>
-        <p:cNvGrpSpPr/>
-        <p:nvPr/>
-      </p:nvGrpSpPr>
-      <p:grpSpPr>
-        <a:xfrm>
-          <a:off x="0" y="0"/>
-          <a:ext cx="0" cy="0"/>
-          <a:chOff x="0" y="0"/>
-          <a:chExt cx="0" cy="0"/>
-        </a:xfrm>
-      </p:grpSpPr>
-      <p:sp>
-        <p:nvSpPr>
-          <p:cNvPr id="135" name="Shape 135"/>
-          <p:cNvSpPr/>
-          <p:nvPr>
-            <p:ph idx="2" type="sldImg"/>
-          </p:nvPr>
-        </p:nvSpPr>
-        <p:spPr>
-          <a:xfrm>
-            <a:off x="381187" y="685800"/>
-            <a:ext cx="6096299" cy="3429000"/>
-          </a:xfrm>
-          <a:custGeom>
-            <a:pathLst>
-              <a:path extrusionOk="0" h="120000" w="120000">
-                <a:moveTo>
-                  <a:pt x="0" y="0"/>
-                </a:moveTo>
-                <a:lnTo>
-                  <a:pt x="120000" y="0"/>
-                </a:lnTo>
-                <a:lnTo>
-                  <a:pt x="120000" y="120000"/>
-                </a:lnTo>
-                <a:lnTo>
-                  <a:pt x="0" y="120000"/>
-                </a:lnTo>
-                <a:close/>
-              </a:path>
-            </a:pathLst>
-          </a:custGeom>
-        </p:spPr>
-      </p:sp>
-      <p:sp>
-        <p:nvSpPr>
-          <p:cNvPr id="136" name="Shape 136"/>
-          <p:cNvSpPr txBox="1"/>
-          <p:nvPr>
-            <p:ph idx="1" type="body"/>
-          </p:nvPr>
-        </p:nvSpPr>
-        <p:spPr>
-          <a:xfrm>
-            <a:off x="685800" y="4343400"/>
-            <a:ext cx="5486399" cy="4114800"/>
-          </a:xfrm>
-          <a:prstGeom prst="rect">
-            <a:avLst/>
-          </a:prstGeom>
-        </p:spPr>
-        <p:txBody>
-          <a:bodyPr anchorCtr="0" anchor="t" bIns="91425" lIns="91425" rIns="91425" tIns="91425">
-            <a:noAutofit/>
-          </a:bodyPr>
-          <a:lstStyle/>
-          <a:p>
-            <a:pPr lvl="0">
-              <a:spcBef>
-                <a:spcPts val="0"/>
-              </a:spcBef>
-              <a:buNone/>
-            </a:pPr>
-            <a:r>
-              <a:t/>
-            </a:r>
-            <a:endParaRPr/>
-          </a:p>
-        </p:txBody>
-      </p:sp>
-    </p:spTree>
-  </p:cSld>
-  <p:clrMapOvr>
-    <a:masterClrMapping/>
-  </p:clrMapOvr>
-</p:notes>
-</file>
-
-<file path=ppt/notesSlides/notesSlide2.xml><?xml version="1.0" encoding="utf-8"?>
-<p:notes xmlns:a="http://schemas.openxmlformats.org/drawingml/2006/main" xmlns:r="http://schemas.openxmlformats.org/officeDocument/2006/relationships" xmlns:mc="http://schemas.openxmlformats.org/markup-compatibility/2006" xmlns:mv="urn:schemas-microsoft-com:mac:vml" xmlns:p="http://schemas.openxmlformats.org/presentationml/2006/main" xmlns:c="http://schemas.openxmlformats.org/drawingml/2006/chart" xmlns:dgm="http://schemas.openxmlformats.org/drawingml/2006/diagram" xmlns:o="urn:schemas-microsoft-com:office:office" xmlns:v="urn:schemas-microsoft-com:vml" xmlns:pvml="urn:schemas-microsoft-com:office:powerpoint" xmlns:com="http://schemas.openxmlformats.org/drawingml/2006/compatibility" xmlns:p14="http://schemas.microsoft.com/office/powerpoint/2010/main" showMasterPhAnim="0" showMasterSp="0">
-  <p:cSld>
-    <p:spTree>
-      <p:nvGrpSpPr>
-        <p:cNvPr id="53" name="Shape 53"/>
+        <p:cNvPr id="1" name="Shape 53"/>
         <p:cNvGrpSpPr/>
         <p:nvPr/>
       </p:nvGrpSpPr>
@@ -1177,9 +1442,11 @@
       <p:sp>
         <p:nvSpPr>
           <p:cNvPr id="54" name="Shape 54"/>
-          <p:cNvSpPr/>
+          <p:cNvSpPr>
+            <a:spLocks noGrp="1" noRot="1" noChangeAspect="1"/>
+          </p:cNvSpPr>
           <p:nvPr>
-            <p:ph idx="2" type="sldImg"/>
+            <p:ph type="sldImg" idx="2"/>
           </p:nvPr>
         </p:nvSpPr>
         <p:spPr>
@@ -1188,8 +1455,13 @@
             <a:ext cx="6096299" cy="3429000"/>
           </a:xfrm>
           <a:custGeom>
+            <a:avLst/>
+            <a:gdLst/>
+            <a:ahLst/>
+            <a:cxnLst/>
+            <a:rect l="0" t="0" r="0" b="0"/>
             <a:pathLst>
-              <a:path extrusionOk="0" h="120000" w="120000">
+              <a:path w="120000" h="120000" extrusionOk="0">
                 <a:moveTo>
                   <a:pt x="0" y="0"/>
                 </a:moveTo>
@@ -1211,9 +1483,11 @@
       <p:sp>
         <p:nvSpPr>
           <p:cNvPr id="55" name="Shape 55"/>
-          <p:cNvSpPr txBox="1"/>
+          <p:cNvSpPr txBox="1">
+            <a:spLocks noGrp="1"/>
+          </p:cNvSpPr>
           <p:nvPr>
-            <p:ph idx="1" type="body"/>
+            <p:ph type="body" idx="1"/>
           </p:nvPr>
         </p:nvSpPr>
         <p:spPr>
@@ -1226,7 +1500,7 @@
           </a:prstGeom>
         </p:spPr>
         <p:txBody>
-          <a:bodyPr anchorCtr="0" anchor="t" bIns="91425" lIns="91425" rIns="91425" tIns="91425">
+          <a:bodyPr lIns="91425" tIns="91425" rIns="91425" bIns="91425" anchor="t" anchorCtr="0">
             <a:noAutofit/>
           </a:bodyPr>
           <a:lstStyle/>
@@ -1237,9 +1511,6 @@
               </a:spcBef>
               <a:buNone/>
             </a:pPr>
-            <a:r>
-              <a:t/>
-            </a:r>
             <a:endParaRPr/>
           </a:p>
         </p:txBody>
@@ -1252,12 +1523,12 @@
 </p:notes>
 </file>
 
-<file path=ppt/notesSlides/notesSlide3.xml><?xml version="1.0" encoding="utf-8"?>
-<p:notes xmlns:a="http://schemas.openxmlformats.org/drawingml/2006/main" xmlns:r="http://schemas.openxmlformats.org/officeDocument/2006/relationships" xmlns:mc="http://schemas.openxmlformats.org/markup-compatibility/2006" xmlns:mv="urn:schemas-microsoft-com:mac:vml" xmlns:p="http://schemas.openxmlformats.org/presentationml/2006/main" xmlns:c="http://schemas.openxmlformats.org/drawingml/2006/chart" xmlns:dgm="http://schemas.openxmlformats.org/drawingml/2006/diagram" xmlns:o="urn:schemas-microsoft-com:office:office" xmlns:v="urn:schemas-microsoft-com:vml" xmlns:pvml="urn:schemas-microsoft-com:office:powerpoint" xmlns:com="http://schemas.openxmlformats.org/drawingml/2006/compatibility" xmlns:p14="http://schemas.microsoft.com/office/powerpoint/2010/main" showMasterPhAnim="0" showMasterSp="0">
+<file path=ppt/notesSlides/notesSlide4.xml><?xml version="1.0" encoding="utf-8"?>
+<p:notes xmlns:a="http://schemas.openxmlformats.org/drawingml/2006/main" xmlns:r="http://schemas.openxmlformats.org/officeDocument/2006/relationships" xmlns:p="http://schemas.openxmlformats.org/presentationml/2006/main" showMasterSp="0" showMasterPhAnim="0">
   <p:cSld>
     <p:spTree>
       <p:nvGrpSpPr>
-        <p:cNvPr id="59" name="Shape 59"/>
+        <p:cNvPr id="1" name="Shape 59"/>
         <p:cNvGrpSpPr/>
         <p:nvPr/>
       </p:nvGrpSpPr>
@@ -1272,9 +1543,11 @@
       <p:sp>
         <p:nvSpPr>
           <p:cNvPr id="60" name="Shape 60"/>
-          <p:cNvSpPr/>
+          <p:cNvSpPr>
+            <a:spLocks noGrp="1" noRot="1" noChangeAspect="1"/>
+          </p:cNvSpPr>
           <p:nvPr>
-            <p:ph idx="2" type="sldImg"/>
+            <p:ph type="sldImg" idx="2"/>
           </p:nvPr>
         </p:nvSpPr>
         <p:spPr>
@@ -1283,8 +1556,13 @@
             <a:ext cx="6096299" cy="3429000"/>
           </a:xfrm>
           <a:custGeom>
+            <a:avLst/>
+            <a:gdLst/>
+            <a:ahLst/>
+            <a:cxnLst/>
+            <a:rect l="0" t="0" r="0" b="0"/>
             <a:pathLst>
-              <a:path extrusionOk="0" h="120000" w="120000">
+              <a:path w="120000" h="120000" extrusionOk="0">
                 <a:moveTo>
                   <a:pt x="0" y="0"/>
                 </a:moveTo>
@@ -1306,9 +1584,11 @@
       <p:sp>
         <p:nvSpPr>
           <p:cNvPr id="61" name="Shape 61"/>
-          <p:cNvSpPr txBox="1"/>
+          <p:cNvSpPr txBox="1">
+            <a:spLocks noGrp="1"/>
+          </p:cNvSpPr>
           <p:nvPr>
-            <p:ph idx="1" type="body"/>
+            <p:ph type="body" idx="1"/>
           </p:nvPr>
         </p:nvSpPr>
         <p:spPr>
@@ -1321,7 +1601,7 @@
           </a:prstGeom>
         </p:spPr>
         <p:txBody>
-          <a:bodyPr anchorCtr="0" anchor="t" bIns="91425" lIns="91425" rIns="91425" tIns="91425">
+          <a:bodyPr lIns="91425" tIns="91425" rIns="91425" bIns="91425" anchor="t" anchorCtr="0">
             <a:noAutofit/>
           </a:bodyPr>
           <a:lstStyle/>
@@ -1332,9 +1612,6 @@
               </a:spcBef>
               <a:buNone/>
             </a:pPr>
-            <a:r>
-              <a:t/>
-            </a:r>
             <a:endParaRPr/>
           </a:p>
         </p:txBody>
@@ -1347,12 +1624,12 @@
 </p:notes>
 </file>
 
-<file path=ppt/notesSlides/notesSlide4.xml><?xml version="1.0" encoding="utf-8"?>
-<p:notes xmlns:a="http://schemas.openxmlformats.org/drawingml/2006/main" xmlns:r="http://schemas.openxmlformats.org/officeDocument/2006/relationships" xmlns:mc="http://schemas.openxmlformats.org/markup-compatibility/2006" xmlns:mv="urn:schemas-microsoft-com:mac:vml" xmlns:p="http://schemas.openxmlformats.org/presentationml/2006/main" xmlns:c="http://schemas.openxmlformats.org/drawingml/2006/chart" xmlns:dgm="http://schemas.openxmlformats.org/drawingml/2006/diagram" xmlns:o="urn:schemas-microsoft-com:office:office" xmlns:v="urn:schemas-microsoft-com:vml" xmlns:pvml="urn:schemas-microsoft-com:office:powerpoint" xmlns:com="http://schemas.openxmlformats.org/drawingml/2006/compatibility" xmlns:p14="http://schemas.microsoft.com/office/powerpoint/2010/main" showMasterPhAnim="0" showMasterSp="0">
+<file path=ppt/notesSlides/notesSlide5.xml><?xml version="1.0" encoding="utf-8"?>
+<p:notes xmlns:a="http://schemas.openxmlformats.org/drawingml/2006/main" xmlns:r="http://schemas.openxmlformats.org/officeDocument/2006/relationships" xmlns:p="http://schemas.openxmlformats.org/presentationml/2006/main" showMasterSp="0" showMasterPhAnim="0">
   <p:cSld>
     <p:spTree>
       <p:nvGrpSpPr>
-        <p:cNvPr id="65" name="Shape 65"/>
+        <p:cNvPr id="1" name="Shape 65"/>
         <p:cNvGrpSpPr/>
         <p:nvPr/>
       </p:nvGrpSpPr>
@@ -1367,9 +1644,11 @@
       <p:sp>
         <p:nvSpPr>
           <p:cNvPr id="66" name="Shape 66"/>
-          <p:cNvSpPr/>
+          <p:cNvSpPr>
+            <a:spLocks noGrp="1" noRot="1" noChangeAspect="1"/>
+          </p:cNvSpPr>
           <p:nvPr>
-            <p:ph idx="2" type="sldImg"/>
+            <p:ph type="sldImg" idx="2"/>
           </p:nvPr>
         </p:nvSpPr>
         <p:spPr>
@@ -1378,8 +1657,13 @@
             <a:ext cx="6096299" cy="3429000"/>
           </a:xfrm>
           <a:custGeom>
+            <a:avLst/>
+            <a:gdLst/>
+            <a:ahLst/>
+            <a:cxnLst/>
+            <a:rect l="0" t="0" r="0" b="0"/>
             <a:pathLst>
-              <a:path extrusionOk="0" h="120000" w="120000">
+              <a:path w="120000" h="120000" extrusionOk="0">
                 <a:moveTo>
                   <a:pt x="0" y="0"/>
                 </a:moveTo>
@@ -1401,9 +1685,11 @@
       <p:sp>
         <p:nvSpPr>
           <p:cNvPr id="67" name="Shape 67"/>
-          <p:cNvSpPr txBox="1"/>
+          <p:cNvSpPr txBox="1">
+            <a:spLocks noGrp="1"/>
+          </p:cNvSpPr>
           <p:nvPr>
-            <p:ph idx="1" type="body"/>
+            <p:ph type="body" idx="1"/>
           </p:nvPr>
         </p:nvSpPr>
         <p:spPr>
@@ -1416,7 +1702,7 @@
           </a:prstGeom>
         </p:spPr>
         <p:txBody>
-          <a:bodyPr anchorCtr="0" anchor="t" bIns="91425" lIns="91425" rIns="91425" tIns="91425">
+          <a:bodyPr lIns="91425" tIns="91425" rIns="91425" bIns="91425" anchor="t" anchorCtr="0">
             <a:noAutofit/>
           </a:bodyPr>
           <a:lstStyle/>
@@ -1427,9 +1713,6 @@
               </a:spcBef>
               <a:buNone/>
             </a:pPr>
-            <a:r>
-              <a:t/>
-            </a:r>
             <a:endParaRPr/>
           </a:p>
         </p:txBody>
@@ -1442,12 +1725,12 @@
 </p:notes>
 </file>
 
-<file path=ppt/notesSlides/notesSlide5.xml><?xml version="1.0" encoding="utf-8"?>
-<p:notes xmlns:a="http://schemas.openxmlformats.org/drawingml/2006/main" xmlns:r="http://schemas.openxmlformats.org/officeDocument/2006/relationships" xmlns:mc="http://schemas.openxmlformats.org/markup-compatibility/2006" xmlns:mv="urn:schemas-microsoft-com:mac:vml" xmlns:p="http://schemas.openxmlformats.org/presentationml/2006/main" xmlns:c="http://schemas.openxmlformats.org/drawingml/2006/chart" xmlns:dgm="http://schemas.openxmlformats.org/drawingml/2006/diagram" xmlns:o="urn:schemas-microsoft-com:office:office" xmlns:v="urn:schemas-microsoft-com:vml" xmlns:pvml="urn:schemas-microsoft-com:office:powerpoint" xmlns:com="http://schemas.openxmlformats.org/drawingml/2006/compatibility" xmlns:p14="http://schemas.microsoft.com/office/powerpoint/2010/main" showMasterPhAnim="0" showMasterSp="0">
+<file path=ppt/notesSlides/notesSlide6.xml><?xml version="1.0" encoding="utf-8"?>
+<p:notes xmlns:a="http://schemas.openxmlformats.org/drawingml/2006/main" xmlns:r="http://schemas.openxmlformats.org/officeDocument/2006/relationships" xmlns:p="http://schemas.openxmlformats.org/presentationml/2006/main" showMasterSp="0" showMasterPhAnim="0">
   <p:cSld>
     <p:spTree>
       <p:nvGrpSpPr>
-        <p:cNvPr id="71" name="Shape 71"/>
+        <p:cNvPr id="1" name="Shape 71"/>
         <p:cNvGrpSpPr/>
         <p:nvPr/>
       </p:nvGrpSpPr>
@@ -1462,9 +1745,11 @@
       <p:sp>
         <p:nvSpPr>
           <p:cNvPr id="72" name="Shape 72"/>
-          <p:cNvSpPr/>
+          <p:cNvSpPr>
+            <a:spLocks noGrp="1" noRot="1" noChangeAspect="1"/>
+          </p:cNvSpPr>
           <p:nvPr>
-            <p:ph idx="2" type="sldImg"/>
+            <p:ph type="sldImg" idx="2"/>
           </p:nvPr>
         </p:nvSpPr>
         <p:spPr>
@@ -1473,8 +1758,13 @@
             <a:ext cx="6096299" cy="3429000"/>
           </a:xfrm>
           <a:custGeom>
+            <a:avLst/>
+            <a:gdLst/>
+            <a:ahLst/>
+            <a:cxnLst/>
+            <a:rect l="0" t="0" r="0" b="0"/>
             <a:pathLst>
-              <a:path extrusionOk="0" h="120000" w="120000">
+              <a:path w="120000" h="120000" extrusionOk="0">
                 <a:moveTo>
                   <a:pt x="0" y="0"/>
                 </a:moveTo>
@@ -1496,9 +1786,11 @@
       <p:sp>
         <p:nvSpPr>
           <p:cNvPr id="73" name="Shape 73"/>
-          <p:cNvSpPr txBox="1"/>
+          <p:cNvSpPr txBox="1">
+            <a:spLocks noGrp="1"/>
+          </p:cNvSpPr>
           <p:nvPr>
-            <p:ph idx="1" type="body"/>
+            <p:ph type="body" idx="1"/>
           </p:nvPr>
         </p:nvSpPr>
         <p:spPr>
@@ -1511,7 +1803,7 @@
           </a:prstGeom>
         </p:spPr>
         <p:txBody>
-          <a:bodyPr anchorCtr="0" anchor="t" bIns="91425" lIns="91425" rIns="91425" tIns="91425">
+          <a:bodyPr lIns="91425" tIns="91425" rIns="91425" bIns="91425" anchor="t" anchorCtr="0">
             <a:noAutofit/>
           </a:bodyPr>
           <a:lstStyle/>
@@ -1522,9 +1814,6 @@
               </a:spcBef>
               <a:buNone/>
             </a:pPr>
-            <a:r>
-              <a:t/>
-            </a:r>
             <a:endParaRPr/>
           </a:p>
         </p:txBody>
@@ -1537,12 +1826,12 @@
 </p:notes>
 </file>
 
-<file path=ppt/notesSlides/notesSlide6.xml><?xml version="1.0" encoding="utf-8"?>
-<p:notes xmlns:a="http://schemas.openxmlformats.org/drawingml/2006/main" xmlns:r="http://schemas.openxmlformats.org/officeDocument/2006/relationships" xmlns:mc="http://schemas.openxmlformats.org/markup-compatibility/2006" xmlns:mv="urn:schemas-microsoft-com:mac:vml" xmlns:p="http://schemas.openxmlformats.org/presentationml/2006/main" xmlns:c="http://schemas.openxmlformats.org/drawingml/2006/chart" xmlns:dgm="http://schemas.openxmlformats.org/drawingml/2006/diagram" xmlns:o="urn:schemas-microsoft-com:office:office" xmlns:v="urn:schemas-microsoft-com:vml" xmlns:pvml="urn:schemas-microsoft-com:office:powerpoint" xmlns:com="http://schemas.openxmlformats.org/drawingml/2006/compatibility" xmlns:p14="http://schemas.microsoft.com/office/powerpoint/2010/main" showMasterPhAnim="0" showMasterSp="0">
+<file path=ppt/notesSlides/notesSlide7.xml><?xml version="1.0" encoding="utf-8"?>
+<p:notes xmlns:a="http://schemas.openxmlformats.org/drawingml/2006/main" xmlns:r="http://schemas.openxmlformats.org/officeDocument/2006/relationships" xmlns:p="http://schemas.openxmlformats.org/presentationml/2006/main" showMasterSp="0" showMasterPhAnim="0">
   <p:cSld>
     <p:spTree>
       <p:nvGrpSpPr>
-        <p:cNvPr id="78" name="Shape 78"/>
+        <p:cNvPr id="1" name="Shape 78"/>
         <p:cNvGrpSpPr/>
         <p:nvPr/>
       </p:nvGrpSpPr>
@@ -1557,9 +1846,11 @@
       <p:sp>
         <p:nvSpPr>
           <p:cNvPr id="79" name="Shape 79"/>
-          <p:cNvSpPr/>
+          <p:cNvSpPr>
+            <a:spLocks noGrp="1" noRot="1" noChangeAspect="1"/>
+          </p:cNvSpPr>
           <p:nvPr>
-            <p:ph idx="2" type="sldImg"/>
+            <p:ph type="sldImg" idx="2"/>
           </p:nvPr>
         </p:nvSpPr>
         <p:spPr>
@@ -1568,8 +1859,13 @@
             <a:ext cx="6096299" cy="3429000"/>
           </a:xfrm>
           <a:custGeom>
+            <a:avLst/>
+            <a:gdLst/>
+            <a:ahLst/>
+            <a:cxnLst/>
+            <a:rect l="0" t="0" r="0" b="0"/>
             <a:pathLst>
-              <a:path extrusionOk="0" h="120000" w="120000">
+              <a:path w="120000" h="120000" extrusionOk="0">
                 <a:moveTo>
                   <a:pt x="0" y="0"/>
                 </a:moveTo>
@@ -1591,9 +1887,11 @@
       <p:sp>
         <p:nvSpPr>
           <p:cNvPr id="80" name="Shape 80"/>
-          <p:cNvSpPr txBox="1"/>
+          <p:cNvSpPr txBox="1">
+            <a:spLocks noGrp="1"/>
+          </p:cNvSpPr>
           <p:nvPr>
-            <p:ph idx="1" type="body"/>
+            <p:ph type="body" idx="1"/>
           </p:nvPr>
         </p:nvSpPr>
         <p:spPr>
@@ -1606,7 +1904,7 @@
           </a:prstGeom>
         </p:spPr>
         <p:txBody>
-          <a:bodyPr anchorCtr="0" anchor="t" bIns="91425" lIns="91425" rIns="91425" tIns="91425">
+          <a:bodyPr lIns="91425" tIns="91425" rIns="91425" bIns="91425" anchor="t" anchorCtr="0">
             <a:noAutofit/>
           </a:bodyPr>
           <a:lstStyle/>
@@ -1617,9 +1915,6 @@
               </a:spcBef>
               <a:buNone/>
             </a:pPr>
-            <a:r>
-              <a:t/>
-            </a:r>
             <a:endParaRPr/>
           </a:p>
         </p:txBody>
@@ -1632,12 +1927,12 @@
 </p:notes>
 </file>
 
-<file path=ppt/notesSlides/notesSlide7.xml><?xml version="1.0" encoding="utf-8"?>
-<p:notes xmlns:a="http://schemas.openxmlformats.org/drawingml/2006/main" xmlns:r="http://schemas.openxmlformats.org/officeDocument/2006/relationships" xmlns:mc="http://schemas.openxmlformats.org/markup-compatibility/2006" xmlns:mv="urn:schemas-microsoft-com:mac:vml" xmlns:p="http://schemas.openxmlformats.org/presentationml/2006/main" xmlns:c="http://schemas.openxmlformats.org/drawingml/2006/chart" xmlns:dgm="http://schemas.openxmlformats.org/drawingml/2006/diagram" xmlns:o="urn:schemas-microsoft-com:office:office" xmlns:v="urn:schemas-microsoft-com:vml" xmlns:pvml="urn:schemas-microsoft-com:office:powerpoint" xmlns:com="http://schemas.openxmlformats.org/drawingml/2006/compatibility" xmlns:p14="http://schemas.microsoft.com/office/powerpoint/2010/main" showMasterPhAnim="0" showMasterSp="0">
+<file path=ppt/notesSlides/notesSlide8.xml><?xml version="1.0" encoding="utf-8"?>
+<p:notes xmlns:a="http://schemas.openxmlformats.org/drawingml/2006/main" xmlns:r="http://schemas.openxmlformats.org/officeDocument/2006/relationships" xmlns:p="http://schemas.openxmlformats.org/presentationml/2006/main" showMasterSp="0" showMasterPhAnim="0">
   <p:cSld>
     <p:spTree>
       <p:nvGrpSpPr>
-        <p:cNvPr id="84" name="Shape 84"/>
+        <p:cNvPr id="1" name="Shape 84"/>
         <p:cNvGrpSpPr/>
         <p:nvPr/>
       </p:nvGrpSpPr>
@@ -1652,9 +1947,11 @@
       <p:sp>
         <p:nvSpPr>
           <p:cNvPr id="85" name="Shape 85"/>
-          <p:cNvSpPr/>
+          <p:cNvSpPr>
+            <a:spLocks noGrp="1" noRot="1" noChangeAspect="1"/>
+          </p:cNvSpPr>
           <p:nvPr>
-            <p:ph idx="2" type="sldImg"/>
+            <p:ph type="sldImg" idx="2"/>
           </p:nvPr>
         </p:nvSpPr>
         <p:spPr>
@@ -1663,8 +1960,13 @@
             <a:ext cx="6096299" cy="3429000"/>
           </a:xfrm>
           <a:custGeom>
+            <a:avLst/>
+            <a:gdLst/>
+            <a:ahLst/>
+            <a:cxnLst/>
+            <a:rect l="0" t="0" r="0" b="0"/>
             <a:pathLst>
-              <a:path extrusionOk="0" h="120000" w="120000">
+              <a:path w="120000" h="120000" extrusionOk="0">
                 <a:moveTo>
                   <a:pt x="0" y="0"/>
                 </a:moveTo>
@@ -1686,9 +1988,11 @@
       <p:sp>
         <p:nvSpPr>
           <p:cNvPr id="86" name="Shape 86"/>
-          <p:cNvSpPr txBox="1"/>
+          <p:cNvSpPr txBox="1">
+            <a:spLocks noGrp="1"/>
+          </p:cNvSpPr>
           <p:nvPr>
-            <p:ph idx="1" type="body"/>
+            <p:ph type="body" idx="1"/>
           </p:nvPr>
         </p:nvSpPr>
         <p:spPr>
@@ -1701,7 +2005,7 @@
           </a:prstGeom>
         </p:spPr>
         <p:txBody>
-          <a:bodyPr anchorCtr="0" anchor="t" bIns="91425" lIns="91425" rIns="91425" tIns="91425">
+          <a:bodyPr lIns="91425" tIns="91425" rIns="91425" bIns="91425" anchor="t" anchorCtr="0">
             <a:noAutofit/>
           </a:bodyPr>
           <a:lstStyle/>
@@ -1712,9 +2016,6 @@
               </a:spcBef>
               <a:buNone/>
             </a:pPr>
-            <a:r>
-              <a:t/>
-            </a:r>
             <a:endParaRPr/>
           </a:p>
         </p:txBody>
@@ -1727,12 +2028,12 @@
 </p:notes>
 </file>
 
-<file path=ppt/notesSlides/notesSlide8.xml><?xml version="1.0" encoding="utf-8"?>
-<p:notes xmlns:a="http://schemas.openxmlformats.org/drawingml/2006/main" xmlns:r="http://schemas.openxmlformats.org/officeDocument/2006/relationships" xmlns:mc="http://schemas.openxmlformats.org/markup-compatibility/2006" xmlns:mv="urn:schemas-microsoft-com:mac:vml" xmlns:p="http://schemas.openxmlformats.org/presentationml/2006/main" xmlns:c="http://schemas.openxmlformats.org/drawingml/2006/chart" xmlns:dgm="http://schemas.openxmlformats.org/drawingml/2006/diagram" xmlns:o="urn:schemas-microsoft-com:office:office" xmlns:v="urn:schemas-microsoft-com:vml" xmlns:pvml="urn:schemas-microsoft-com:office:powerpoint" xmlns:com="http://schemas.openxmlformats.org/drawingml/2006/compatibility" xmlns:p14="http://schemas.microsoft.com/office/powerpoint/2010/main" showMasterPhAnim="0" showMasterSp="0">
+<file path=ppt/notesSlides/notesSlide9.xml><?xml version="1.0" encoding="utf-8"?>
+<p:notes xmlns:a="http://schemas.openxmlformats.org/drawingml/2006/main" xmlns:r="http://schemas.openxmlformats.org/officeDocument/2006/relationships" xmlns:p="http://schemas.openxmlformats.org/presentationml/2006/main" showMasterSp="0" showMasterPhAnim="0">
   <p:cSld>
     <p:spTree>
       <p:nvGrpSpPr>
-        <p:cNvPr id="90" name="Shape 90"/>
+        <p:cNvPr id="1" name="Shape 90"/>
         <p:cNvGrpSpPr/>
         <p:nvPr/>
       </p:nvGrpSpPr>
@@ -1747,9 +2048,11 @@
       <p:sp>
         <p:nvSpPr>
           <p:cNvPr id="91" name="Shape 91"/>
-          <p:cNvSpPr/>
+          <p:cNvSpPr>
+            <a:spLocks noGrp="1" noRot="1" noChangeAspect="1"/>
+          </p:cNvSpPr>
           <p:nvPr>
-            <p:ph idx="2" type="sldImg"/>
+            <p:ph type="sldImg" idx="2"/>
           </p:nvPr>
         </p:nvSpPr>
         <p:spPr>
@@ -1758,8 +2061,13 @@
             <a:ext cx="6096299" cy="3429000"/>
           </a:xfrm>
           <a:custGeom>
+            <a:avLst/>
+            <a:gdLst/>
+            <a:ahLst/>
+            <a:cxnLst/>
+            <a:rect l="0" t="0" r="0" b="0"/>
             <a:pathLst>
-              <a:path extrusionOk="0" h="120000" w="120000">
+              <a:path w="120000" h="120000" extrusionOk="0">
                 <a:moveTo>
                   <a:pt x="0" y="0"/>
                 </a:moveTo>
@@ -1781,9 +2089,11 @@
       <p:sp>
         <p:nvSpPr>
           <p:cNvPr id="92" name="Shape 92"/>
-          <p:cNvSpPr txBox="1"/>
+          <p:cNvSpPr txBox="1">
+            <a:spLocks noGrp="1"/>
+          </p:cNvSpPr>
           <p:nvPr>
-            <p:ph idx="1" type="body"/>
+            <p:ph type="body" idx="1"/>
           </p:nvPr>
         </p:nvSpPr>
         <p:spPr>
@@ -1796,7 +2106,7 @@
           </a:prstGeom>
         </p:spPr>
         <p:txBody>
-          <a:bodyPr anchorCtr="0" anchor="t" bIns="91425" lIns="91425" rIns="91425" tIns="91425">
+          <a:bodyPr lIns="91425" tIns="91425" rIns="91425" bIns="91425" anchor="t" anchorCtr="0">
             <a:noAutofit/>
           </a:bodyPr>
           <a:lstStyle/>
@@ -1807,9 +2117,6 @@
               </a:spcBef>
               <a:buNone/>
             </a:pPr>
-            <a:r>
-              <a:t/>
-            </a:r>
             <a:endParaRPr/>
           </a:p>
         </p:txBody>
@@ -1822,107 +2129,12 @@
 </p:notes>
 </file>
 
-<file path=ppt/notesSlides/notesSlide9.xml><?xml version="1.0" encoding="utf-8"?>
-<p:notes xmlns:a="http://schemas.openxmlformats.org/drawingml/2006/main" xmlns:r="http://schemas.openxmlformats.org/officeDocument/2006/relationships" xmlns:mc="http://schemas.openxmlformats.org/markup-compatibility/2006" xmlns:mv="urn:schemas-microsoft-com:mac:vml" xmlns:p="http://schemas.openxmlformats.org/presentationml/2006/main" xmlns:c="http://schemas.openxmlformats.org/drawingml/2006/chart" xmlns:dgm="http://schemas.openxmlformats.org/drawingml/2006/diagram" xmlns:o="urn:schemas-microsoft-com:office:office" xmlns:v="urn:schemas-microsoft-com:vml" xmlns:pvml="urn:schemas-microsoft-com:office:powerpoint" xmlns:com="http://schemas.openxmlformats.org/drawingml/2006/compatibility" xmlns:p14="http://schemas.microsoft.com/office/powerpoint/2010/main" showMasterPhAnim="0" showMasterSp="0">
-  <p:cSld>
-    <p:spTree>
-      <p:nvGrpSpPr>
-        <p:cNvPr id="96" name="Shape 96"/>
-        <p:cNvGrpSpPr/>
-        <p:nvPr/>
-      </p:nvGrpSpPr>
-      <p:grpSpPr>
-        <a:xfrm>
-          <a:off x="0" y="0"/>
-          <a:ext cx="0" cy="0"/>
-          <a:chOff x="0" y="0"/>
-          <a:chExt cx="0" cy="0"/>
-        </a:xfrm>
-      </p:grpSpPr>
-      <p:sp>
-        <p:nvSpPr>
-          <p:cNvPr id="97" name="Shape 97"/>
-          <p:cNvSpPr/>
-          <p:nvPr>
-            <p:ph idx="2" type="sldImg"/>
-          </p:nvPr>
-        </p:nvSpPr>
-        <p:spPr>
-          <a:xfrm>
-            <a:off x="381187" y="685800"/>
-            <a:ext cx="6096299" cy="3429000"/>
-          </a:xfrm>
-          <a:custGeom>
-            <a:pathLst>
-              <a:path extrusionOk="0" h="120000" w="120000">
-                <a:moveTo>
-                  <a:pt x="0" y="0"/>
-                </a:moveTo>
-                <a:lnTo>
-                  <a:pt x="120000" y="0"/>
-                </a:lnTo>
-                <a:lnTo>
-                  <a:pt x="120000" y="120000"/>
-                </a:lnTo>
-                <a:lnTo>
-                  <a:pt x="0" y="120000"/>
-                </a:lnTo>
-                <a:close/>
-              </a:path>
-            </a:pathLst>
-          </a:custGeom>
-        </p:spPr>
-      </p:sp>
-      <p:sp>
-        <p:nvSpPr>
-          <p:cNvPr id="98" name="Shape 98"/>
-          <p:cNvSpPr txBox="1"/>
-          <p:nvPr>
-            <p:ph idx="1" type="body"/>
-          </p:nvPr>
-        </p:nvSpPr>
-        <p:spPr>
-          <a:xfrm>
-            <a:off x="685800" y="4343400"/>
-            <a:ext cx="5486399" cy="4114800"/>
-          </a:xfrm>
-          <a:prstGeom prst="rect">
-            <a:avLst/>
-          </a:prstGeom>
-        </p:spPr>
-        <p:txBody>
-          <a:bodyPr anchorCtr="0" anchor="t" bIns="91425" lIns="91425" rIns="91425" tIns="91425">
-            <a:noAutofit/>
-          </a:bodyPr>
-          <a:lstStyle/>
-          <a:p>
-            <a:pPr lvl="0">
-              <a:spcBef>
-                <a:spcPts val="0"/>
-              </a:spcBef>
-              <a:buNone/>
-            </a:pPr>
-            <a:r>
-              <a:rPr lang="es"/>
-              <a:t>http://docs.oracle.com/javaee/6/tutorial/doc/gmhba.html</a:t>
-            </a:r>
-          </a:p>
-        </p:txBody>
-      </p:sp>
-    </p:spTree>
-  </p:cSld>
-  <p:clrMapOvr>
-    <a:masterClrMapping/>
-  </p:clrMapOvr>
-</p:notes>
-</file>
-
-<file path=ppt/slideLayouts/slideLayout.xml><?xml version="1.0" encoding="utf-8"?>
-<p:sldLayout xmlns:a="http://schemas.openxmlformats.org/drawingml/2006/main" xmlns:r="http://schemas.openxmlformats.org/officeDocument/2006/relationships" xmlns:mc="http://schemas.openxmlformats.org/markup-compatibility/2006" xmlns:mv="urn:schemas-microsoft-com:mac:vml" xmlns:p="http://schemas.openxmlformats.org/presentationml/2006/main" xmlns:c="http://schemas.openxmlformats.org/drawingml/2006/chart" xmlns:dgm="http://schemas.openxmlformats.org/drawingml/2006/diagram" xmlns:o="urn:schemas-microsoft-com:office:office" xmlns:v="urn:schemas-microsoft-com:vml" xmlns:pvml="urn:schemas-microsoft-com:office:powerpoint" xmlns:com="http://schemas.openxmlformats.org/drawingml/2006/compatibility" xmlns:p14="http://schemas.microsoft.com/office/powerpoint/2010/main" type="title">
+<file path=ppt/slideLayouts/slideLayout1.xml><?xml version="1.0" encoding="utf-8"?>
+<p:sldLayout xmlns:a="http://schemas.openxmlformats.org/drawingml/2006/main" xmlns:r="http://schemas.openxmlformats.org/officeDocument/2006/relationships" xmlns:p="http://schemas.openxmlformats.org/presentationml/2006/main" type="title">
   <p:cSld name="Title slide">
     <p:spTree>
       <p:nvGrpSpPr>
-        <p:cNvPr id="9" name="Shape 9"/>
+        <p:cNvPr id="1" name="Shape 9"/>
         <p:cNvGrpSpPr/>
         <p:nvPr/>
       </p:nvGrpSpPr>
@@ -1947,7 +2159,7 @@
           </a:xfrm>
           <a:prstGeom prst="roundRect">
             <a:avLst>
-              <a:gd fmla="val 3653" name="adj"/>
+              <a:gd name="adj" fmla="val 3653"/>
             </a:avLst>
           </a:prstGeom>
           <a:solidFill>
@@ -1958,7 +2170,7 @@
           </a:ln>
         </p:spPr>
         <p:txBody>
-          <a:bodyPr anchorCtr="0" anchor="ctr" bIns="45700" lIns="91425" rIns="91425" tIns="45700">
+          <a:bodyPr lIns="91425" tIns="45700" rIns="91425" bIns="45700" anchor="ctr" anchorCtr="0">
             <a:noAutofit/>
           </a:bodyPr>
           <a:lstStyle/>
@@ -1969,9 +2181,6 @@
               </a:spcBef>
               <a:buNone/>
             </a:pPr>
-            <a:r>
-              <a:t/>
-            </a:r>
             <a:endParaRPr/>
           </a:p>
         </p:txBody>
@@ -1989,7 +2198,7 @@
           </a:xfrm>
           <a:prstGeom prst="roundRect">
             <a:avLst>
-              <a:gd fmla="val 15243" name="adj"/>
+              <a:gd name="adj" fmla="val 15243"/>
             </a:avLst>
           </a:prstGeom>
           <a:solidFill>
@@ -2000,7 +2209,7 @@
           </a:ln>
         </p:spPr>
         <p:txBody>
-          <a:bodyPr anchorCtr="0" anchor="ctr" bIns="45700" lIns="91425" rIns="91425" tIns="45700">
+          <a:bodyPr lIns="91425" tIns="45700" rIns="91425" bIns="45700" anchor="ctr" anchorCtr="0">
             <a:noAutofit/>
           </a:bodyPr>
           <a:lstStyle/>
@@ -2011,9 +2220,6 @@
               </a:spcBef>
               <a:buNone/>
             </a:pPr>
-            <a:r>
-              <a:t/>
-            </a:r>
             <a:endParaRPr/>
           </a:p>
         </p:txBody>
@@ -2021,7 +2227,9 @@
       <p:sp>
         <p:nvSpPr>
           <p:cNvPr id="12" name="Shape 12"/>
-          <p:cNvSpPr txBox="1"/>
+          <p:cNvSpPr txBox="1">
+            <a:spLocks noGrp="1"/>
+          </p:cNvSpPr>
           <p:nvPr>
             <p:ph type="ctrTitle"/>
           </p:nvPr>
@@ -2036,7 +2244,7 @@
           </a:prstGeom>
         </p:spPr>
         <p:txBody>
-          <a:bodyPr anchorCtr="0" anchor="b" bIns="91425" lIns="91425" rIns="91425" tIns="91425"/>
+          <a:bodyPr lIns="91425" tIns="91425" rIns="91425" bIns="91425" anchor="b" anchorCtr="0"/>
           <a:lstStyle>
             <a:lvl1pPr lvl="0">
               <a:spcBef>
@@ -2102,15 +2310,19 @@
               <a:defRPr sz="7200"/>
             </a:lvl9pPr>
           </a:lstStyle>
-          <a:p/>
+          <a:p>
+            <a:endParaRPr/>
+          </a:p>
         </p:txBody>
       </p:sp>
       <p:sp>
         <p:nvSpPr>
           <p:cNvPr id="13" name="Shape 13"/>
-          <p:cNvSpPr txBox="1"/>
+          <p:cNvSpPr txBox="1">
+            <a:spLocks noGrp="1"/>
+          </p:cNvSpPr>
           <p:nvPr>
-            <p:ph idx="1" type="subTitle"/>
+            <p:ph type="subTitle" idx="1"/>
           </p:nvPr>
         </p:nvSpPr>
         <p:spPr>
@@ -2123,7 +2335,7 @@
           </a:prstGeom>
         </p:spPr>
         <p:txBody>
-          <a:bodyPr anchorCtr="0" anchor="ctr" bIns="91425" lIns="91425" rIns="91425" tIns="91425"/>
+          <a:bodyPr lIns="91425" tIns="91425" rIns="91425" bIns="91425" anchor="ctr" anchorCtr="0"/>
           <a:lstStyle>
             <a:lvl1pPr lvl="0">
               <a:spcBef>
@@ -2197,15 +2409,19 @@
               <a:defRPr sz="3000"/>
             </a:lvl9pPr>
           </a:lstStyle>
-          <a:p/>
+          <a:p>
+            <a:endParaRPr/>
+          </a:p>
         </p:txBody>
       </p:sp>
       <p:sp>
         <p:nvSpPr>
           <p:cNvPr id="14" name="Shape 14"/>
-          <p:cNvSpPr txBox="1"/>
+          <p:cNvSpPr txBox="1">
+            <a:spLocks noGrp="1"/>
+          </p:cNvSpPr>
           <p:nvPr>
-            <p:ph idx="12" type="sldNum"/>
+            <p:ph type="sldNum" idx="12"/>
           </p:nvPr>
         </p:nvSpPr>
         <p:spPr>
@@ -2218,7 +2434,7 @@
           </a:prstGeom>
         </p:spPr>
         <p:txBody>
-          <a:bodyPr anchorCtr="0" anchor="ctr" bIns="91425" lIns="91425" rIns="91425" tIns="91425">
+          <a:bodyPr lIns="91425" tIns="91425" rIns="91425" bIns="91425" anchor="ctr" anchorCtr="0">
             <a:noAutofit/>
           </a:bodyPr>
           <a:lstStyle/>
@@ -2231,8 +2447,9 @@
             </a:pPr>
             <a:fld id="{00000000-1234-1234-1234-123412341234}" type="slidenum">
               <a:rPr lang="es"/>
-              <a:t>‹#›</a:t>
+              <a:t>‹Nº›</a:t>
             </a:fld>
+            <a:endParaRPr lang="es"/>
           </a:p>
         </p:txBody>
       </p:sp>
@@ -2244,12 +2461,12 @@
 </p:sldLayout>
 </file>
 
-<file path=ppt/slideLayouts/slideLayout1.xml><?xml version="1.0" encoding="utf-8"?>
-<p:sldLayout xmlns:a="http://schemas.openxmlformats.org/drawingml/2006/main" xmlns:r="http://schemas.openxmlformats.org/officeDocument/2006/relationships" xmlns:mc="http://schemas.openxmlformats.org/markup-compatibility/2006" xmlns:mv="urn:schemas-microsoft-com:mac:vml" xmlns:p="http://schemas.openxmlformats.org/presentationml/2006/main" xmlns:c="http://schemas.openxmlformats.org/drawingml/2006/chart" xmlns:dgm="http://schemas.openxmlformats.org/drawingml/2006/diagram" xmlns:o="urn:schemas-microsoft-com:office:office" xmlns:v="urn:schemas-microsoft-com:vml" xmlns:pvml="urn:schemas-microsoft-com:office:powerpoint" xmlns:com="http://schemas.openxmlformats.org/drawingml/2006/compatibility" xmlns:p14="http://schemas.microsoft.com/office/powerpoint/2010/main" type="tx">
+<file path=ppt/slideLayouts/slideLayout2.xml><?xml version="1.0" encoding="utf-8"?>
+<p:sldLayout xmlns:a="http://schemas.openxmlformats.org/drawingml/2006/main" xmlns:r="http://schemas.openxmlformats.org/officeDocument/2006/relationships" xmlns:p="http://schemas.openxmlformats.org/presentationml/2006/main" type="tx">
   <p:cSld name="Title and body">
     <p:spTree>
       <p:nvGrpSpPr>
-        <p:cNvPr id="15" name="Shape 15"/>
+        <p:cNvPr id="1" name="Shape 15"/>
         <p:cNvGrpSpPr/>
         <p:nvPr/>
       </p:nvGrpSpPr>
@@ -2274,7 +2491,7 @@
           </a:xfrm>
           <a:prstGeom prst="roundRect">
             <a:avLst>
-              <a:gd fmla="val 2970" name="adj"/>
+              <a:gd name="adj" fmla="val 2970"/>
             </a:avLst>
           </a:prstGeom>
           <a:solidFill>
@@ -2285,7 +2502,7 @@
           </a:ln>
         </p:spPr>
         <p:txBody>
-          <a:bodyPr anchorCtr="0" anchor="ctr" bIns="45700" lIns="91425" rIns="91425" tIns="45700">
+          <a:bodyPr lIns="91425" tIns="45700" rIns="91425" bIns="45700" anchor="ctr" anchorCtr="0">
             <a:noAutofit/>
           </a:bodyPr>
           <a:lstStyle/>
@@ -2296,9 +2513,6 @@
               </a:spcBef>
               <a:buNone/>
             </a:pPr>
-            <a:r>
-              <a:t/>
-            </a:r>
             <a:endParaRPr/>
           </a:p>
         </p:txBody>
@@ -2310,14 +2524,14 @@
           <p:nvPr/>
         </p:nvSpPr>
         <p:spPr>
-          <a:xfrm flipH="1" rot="10800000">
+          <a:xfrm rot="10800000" flipH="1">
             <a:off x="372035" y="59"/>
             <a:ext cx="8399999" cy="1049700"/>
           </a:xfrm>
           <a:prstGeom prst="round2SameRect">
             <a:avLst>
-              <a:gd fmla="val 10590" name="adj1"/>
-              <a:gd fmla="val 0" name="adj2"/>
+              <a:gd name="adj1" fmla="val 10590"/>
+              <a:gd name="adj2" fmla="val 0"/>
             </a:avLst>
           </a:prstGeom>
           <a:solidFill>
@@ -2328,7 +2542,7 @@
           </a:ln>
         </p:spPr>
         <p:txBody>
-          <a:bodyPr anchorCtr="0" anchor="ctr" bIns="45700" lIns="91425" rIns="91425" tIns="45700">
+          <a:bodyPr lIns="91425" tIns="45700" rIns="91425" bIns="45700" anchor="ctr" anchorCtr="0">
             <a:noAutofit/>
           </a:bodyPr>
           <a:lstStyle/>
@@ -2339,9 +2553,6 @@
               </a:spcBef>
               <a:buNone/>
             </a:pPr>
-            <a:r>
-              <a:t/>
-            </a:r>
             <a:endParaRPr/>
           </a:p>
         </p:txBody>
@@ -2349,7 +2560,9 @@
       <p:sp>
         <p:nvSpPr>
           <p:cNvPr id="18" name="Shape 18"/>
-          <p:cNvSpPr txBox="1"/>
+          <p:cNvSpPr txBox="1">
+            <a:spLocks noGrp="1"/>
+          </p:cNvSpPr>
           <p:nvPr>
             <p:ph type="title"/>
           </p:nvPr>
@@ -2364,7 +2577,7 @@
           </a:prstGeom>
         </p:spPr>
         <p:txBody>
-          <a:bodyPr anchorCtr="0" anchor="b" bIns="91425" lIns="91425" rIns="91425" tIns="91425"/>
+          <a:bodyPr lIns="91425" tIns="91425" rIns="91425" bIns="91425" anchor="b" anchorCtr="0"/>
           <a:lstStyle>
             <a:lvl1pPr lvl="0">
               <a:spcBef>
@@ -2421,15 +2634,19 @@
               <a:defRPr/>
             </a:lvl9pPr>
           </a:lstStyle>
-          <a:p/>
+          <a:p>
+            <a:endParaRPr/>
+          </a:p>
         </p:txBody>
       </p:sp>
       <p:sp>
         <p:nvSpPr>
           <p:cNvPr id="19" name="Shape 19"/>
-          <p:cNvSpPr txBox="1"/>
+          <p:cNvSpPr txBox="1">
+            <a:spLocks noGrp="1"/>
+          </p:cNvSpPr>
           <p:nvPr>
-            <p:ph idx="1" type="body"/>
+            <p:ph type="body" idx="1"/>
           </p:nvPr>
         </p:nvSpPr>
         <p:spPr>
@@ -2442,7 +2659,7 @@
           </a:prstGeom>
         </p:spPr>
         <p:txBody>
-          <a:bodyPr anchorCtr="0" anchor="t" bIns="91425" lIns="91425" rIns="91425" tIns="91425"/>
+          <a:bodyPr lIns="91425" tIns="91425" rIns="91425" bIns="91425" anchor="t" anchorCtr="0"/>
           <a:lstStyle>
             <a:lvl1pPr lvl="0">
               <a:spcBef>
@@ -2499,15 +2716,19 @@
               <a:defRPr/>
             </a:lvl9pPr>
           </a:lstStyle>
-          <a:p/>
+          <a:p>
+            <a:endParaRPr/>
+          </a:p>
         </p:txBody>
       </p:sp>
       <p:sp>
         <p:nvSpPr>
           <p:cNvPr id="20" name="Shape 20"/>
-          <p:cNvSpPr txBox="1"/>
+          <p:cNvSpPr txBox="1">
+            <a:spLocks noGrp="1"/>
+          </p:cNvSpPr>
           <p:nvPr>
-            <p:ph idx="12" type="sldNum"/>
+            <p:ph type="sldNum" idx="12"/>
           </p:nvPr>
         </p:nvSpPr>
         <p:spPr>
@@ -2520,7 +2741,7 @@
           </a:prstGeom>
         </p:spPr>
         <p:txBody>
-          <a:bodyPr anchorCtr="0" anchor="ctr" bIns="91425" lIns="91425" rIns="91425" tIns="91425">
+          <a:bodyPr lIns="91425" tIns="91425" rIns="91425" bIns="91425" anchor="ctr" anchorCtr="0">
             <a:noAutofit/>
           </a:bodyPr>
           <a:lstStyle/>
@@ -2533,8 +2754,9 @@
             </a:pPr>
             <a:fld id="{00000000-1234-1234-1234-123412341234}" type="slidenum">
               <a:rPr lang="es"/>
-              <a:t>‹#›</a:t>
+              <a:t>‹Nº›</a:t>
             </a:fld>
+            <a:endParaRPr lang="es"/>
           </a:p>
         </p:txBody>
       </p:sp>
@@ -2546,12 +2768,12 @@
 </p:sldLayout>
 </file>
 
-<file path=ppt/slideLayouts/slideLayout2.xml><?xml version="1.0" encoding="utf-8"?>
-<p:sldLayout xmlns:a="http://schemas.openxmlformats.org/drawingml/2006/main" xmlns:r="http://schemas.openxmlformats.org/officeDocument/2006/relationships" xmlns:mc="http://schemas.openxmlformats.org/markup-compatibility/2006" xmlns:mv="urn:schemas-microsoft-com:mac:vml" xmlns:p="http://schemas.openxmlformats.org/presentationml/2006/main" xmlns:c="http://schemas.openxmlformats.org/drawingml/2006/chart" xmlns:dgm="http://schemas.openxmlformats.org/drawingml/2006/diagram" xmlns:o="urn:schemas-microsoft-com:office:office" xmlns:v="urn:schemas-microsoft-com:vml" xmlns:pvml="urn:schemas-microsoft-com:office:powerpoint" xmlns:com="http://schemas.openxmlformats.org/drawingml/2006/compatibility" xmlns:p14="http://schemas.microsoft.com/office/powerpoint/2010/main" type="twoColTx">
+<file path=ppt/slideLayouts/slideLayout3.xml><?xml version="1.0" encoding="utf-8"?>
+<p:sldLayout xmlns:a="http://schemas.openxmlformats.org/drawingml/2006/main" xmlns:r="http://schemas.openxmlformats.org/officeDocument/2006/relationships" xmlns:p="http://schemas.openxmlformats.org/presentationml/2006/main" type="twoColTx">
   <p:cSld name="Title and two columns">
     <p:spTree>
       <p:nvGrpSpPr>
-        <p:cNvPr id="21" name="Shape 21"/>
+        <p:cNvPr id="1" name="Shape 21"/>
         <p:cNvGrpSpPr/>
         <p:nvPr/>
       </p:nvGrpSpPr>
@@ -2576,7 +2798,7 @@
           </a:xfrm>
           <a:prstGeom prst="roundRect">
             <a:avLst>
-              <a:gd fmla="val 3784" name="adj"/>
+              <a:gd name="adj" fmla="val 3784"/>
             </a:avLst>
           </a:prstGeom>
           <a:solidFill>
@@ -2587,7 +2809,7 @@
           </a:ln>
         </p:spPr>
         <p:txBody>
-          <a:bodyPr anchorCtr="0" anchor="ctr" bIns="45700" lIns="91425" rIns="91425" tIns="45700">
+          <a:bodyPr lIns="91425" tIns="45700" rIns="91425" bIns="45700" anchor="ctr" anchorCtr="0">
             <a:noAutofit/>
           </a:bodyPr>
           <a:lstStyle/>
@@ -2598,9 +2820,6 @@
               </a:spcBef>
               <a:buNone/>
             </a:pPr>
-            <a:r>
-              <a:t/>
-            </a:r>
             <a:endParaRPr/>
           </a:p>
         </p:txBody>
@@ -2612,14 +2831,14 @@
           <p:nvPr/>
         </p:nvSpPr>
         <p:spPr>
-          <a:xfrm flipH="1" rot="10800000">
+          <a:xfrm rot="10800000" flipH="1">
             <a:off x="372035" y="59"/>
             <a:ext cx="8399999" cy="1049700"/>
           </a:xfrm>
           <a:prstGeom prst="round2SameRect">
             <a:avLst>
-              <a:gd fmla="val 10590" name="adj1"/>
-              <a:gd fmla="val 0" name="adj2"/>
+              <a:gd name="adj1" fmla="val 10590"/>
+              <a:gd name="adj2" fmla="val 0"/>
             </a:avLst>
           </a:prstGeom>
           <a:solidFill>
@@ -2630,7 +2849,7 @@
           </a:ln>
         </p:spPr>
         <p:txBody>
-          <a:bodyPr anchorCtr="0" anchor="ctr" bIns="45700" lIns="91425" rIns="91425" tIns="45700">
+          <a:bodyPr lIns="91425" tIns="45700" rIns="91425" bIns="45700" anchor="ctr" anchorCtr="0">
             <a:noAutofit/>
           </a:bodyPr>
           <a:lstStyle/>
@@ -2641,9 +2860,6 @@
               </a:spcBef>
               <a:buNone/>
             </a:pPr>
-            <a:r>
-              <a:t/>
-            </a:r>
             <a:endParaRPr/>
           </a:p>
         </p:txBody>
@@ -2651,7 +2867,9 @@
       <p:sp>
         <p:nvSpPr>
           <p:cNvPr id="24" name="Shape 24"/>
-          <p:cNvSpPr txBox="1"/>
+          <p:cNvSpPr txBox="1">
+            <a:spLocks noGrp="1"/>
+          </p:cNvSpPr>
           <p:nvPr>
             <p:ph type="title"/>
           </p:nvPr>
@@ -2666,7 +2884,7 @@
           </a:prstGeom>
         </p:spPr>
         <p:txBody>
-          <a:bodyPr anchorCtr="0" anchor="b" bIns="91425" lIns="91425" rIns="91425" tIns="91425"/>
+          <a:bodyPr lIns="91425" tIns="91425" rIns="91425" bIns="91425" anchor="b" anchorCtr="0"/>
           <a:lstStyle>
             <a:lvl1pPr lvl="0">
               <a:spcBef>
@@ -2723,15 +2941,19 @@
               <a:defRPr/>
             </a:lvl9pPr>
           </a:lstStyle>
-          <a:p/>
+          <a:p>
+            <a:endParaRPr/>
+          </a:p>
         </p:txBody>
       </p:sp>
       <p:sp>
         <p:nvSpPr>
           <p:cNvPr id="25" name="Shape 25"/>
-          <p:cNvSpPr txBox="1"/>
+          <p:cNvSpPr txBox="1">
+            <a:spLocks noGrp="1"/>
+          </p:cNvSpPr>
           <p:nvPr>
-            <p:ph idx="1" type="body"/>
+            <p:ph type="body" idx="1"/>
           </p:nvPr>
         </p:nvSpPr>
         <p:spPr>
@@ -2744,7 +2966,7 @@
           </a:prstGeom>
         </p:spPr>
         <p:txBody>
-          <a:bodyPr anchorCtr="0" anchor="t" bIns="91425" lIns="91425" rIns="91425" tIns="91425"/>
+          <a:bodyPr lIns="91425" tIns="91425" rIns="91425" bIns="91425" anchor="t" anchorCtr="0"/>
           <a:lstStyle>
             <a:lvl1pPr lvl="0">
               <a:spcBef>
@@ -2801,7 +3023,9 @@
               <a:defRPr/>
             </a:lvl9pPr>
           </a:lstStyle>
-          <a:p/>
+          <a:p>
+            <a:endParaRPr/>
+          </a:p>
         </p:txBody>
       </p:sp>
       <p:sp>
@@ -2817,7 +3041,7 @@
           </a:xfrm>
           <a:prstGeom prst="roundRect">
             <a:avLst>
-              <a:gd fmla="val 3784" name="adj"/>
+              <a:gd name="adj" fmla="val 3784"/>
             </a:avLst>
           </a:prstGeom>
           <a:solidFill>
@@ -2828,7 +3052,7 @@
           </a:ln>
         </p:spPr>
         <p:txBody>
-          <a:bodyPr anchorCtr="0" anchor="ctr" bIns="45700" lIns="91425" rIns="91425" tIns="45700">
+          <a:bodyPr lIns="91425" tIns="45700" rIns="91425" bIns="45700" anchor="ctr" anchorCtr="0">
             <a:noAutofit/>
           </a:bodyPr>
           <a:lstStyle/>
@@ -2839,9 +3063,6 @@
               </a:spcBef>
               <a:buNone/>
             </a:pPr>
-            <a:r>
-              <a:t/>
-            </a:r>
             <a:endParaRPr/>
           </a:p>
         </p:txBody>
@@ -2849,9 +3070,11 @@
       <p:sp>
         <p:nvSpPr>
           <p:cNvPr id="27" name="Shape 27"/>
-          <p:cNvSpPr txBox="1"/>
+          <p:cNvSpPr txBox="1">
+            <a:spLocks noGrp="1"/>
+          </p:cNvSpPr>
           <p:nvPr>
-            <p:ph idx="2" type="body"/>
+            <p:ph type="body" idx="2"/>
           </p:nvPr>
         </p:nvSpPr>
         <p:spPr>
@@ -2864,7 +3087,7 @@
           </a:prstGeom>
         </p:spPr>
         <p:txBody>
-          <a:bodyPr anchorCtr="0" anchor="t" bIns="91425" lIns="91425" rIns="91425" tIns="91425"/>
+          <a:bodyPr lIns="91425" tIns="91425" rIns="91425" bIns="91425" anchor="t" anchorCtr="0"/>
           <a:lstStyle>
             <a:lvl1pPr lvl="0">
               <a:spcBef>
@@ -2921,15 +3144,19 @@
               <a:defRPr/>
             </a:lvl9pPr>
           </a:lstStyle>
-          <a:p/>
+          <a:p>
+            <a:endParaRPr/>
+          </a:p>
         </p:txBody>
       </p:sp>
       <p:sp>
         <p:nvSpPr>
           <p:cNvPr id="28" name="Shape 28"/>
-          <p:cNvSpPr txBox="1"/>
+          <p:cNvSpPr txBox="1">
+            <a:spLocks noGrp="1"/>
+          </p:cNvSpPr>
           <p:nvPr>
-            <p:ph idx="12" type="sldNum"/>
+            <p:ph type="sldNum" idx="12"/>
           </p:nvPr>
         </p:nvSpPr>
         <p:spPr>
@@ -2942,7 +3169,7 @@
           </a:prstGeom>
         </p:spPr>
         <p:txBody>
-          <a:bodyPr anchorCtr="0" anchor="ctr" bIns="91425" lIns="91425" rIns="91425" tIns="91425">
+          <a:bodyPr lIns="91425" tIns="91425" rIns="91425" bIns="91425" anchor="ctr" anchorCtr="0">
             <a:noAutofit/>
           </a:bodyPr>
           <a:lstStyle/>
@@ -2955,8 +3182,9 @@
             </a:pPr>
             <a:fld id="{00000000-1234-1234-1234-123412341234}" type="slidenum">
               <a:rPr lang="es"/>
-              <a:t>‹#›</a:t>
+              <a:t>‹Nº›</a:t>
             </a:fld>
+            <a:endParaRPr lang="es"/>
           </a:p>
         </p:txBody>
       </p:sp>
@@ -2968,12 +3196,12 @@
 </p:sldLayout>
 </file>
 
-<file path=ppt/slideLayouts/slideLayout3.xml><?xml version="1.0" encoding="utf-8"?>
-<p:sldLayout xmlns:a="http://schemas.openxmlformats.org/drawingml/2006/main" xmlns:r="http://schemas.openxmlformats.org/officeDocument/2006/relationships" xmlns:mc="http://schemas.openxmlformats.org/markup-compatibility/2006" xmlns:mv="urn:schemas-microsoft-com:mac:vml" xmlns:p="http://schemas.openxmlformats.org/presentationml/2006/main" xmlns:c="http://schemas.openxmlformats.org/drawingml/2006/chart" xmlns:dgm="http://schemas.openxmlformats.org/drawingml/2006/diagram" xmlns:o="urn:schemas-microsoft-com:office:office" xmlns:v="urn:schemas-microsoft-com:vml" xmlns:pvml="urn:schemas-microsoft-com:office:powerpoint" xmlns:com="http://schemas.openxmlformats.org/drawingml/2006/compatibility" xmlns:p14="http://schemas.microsoft.com/office/powerpoint/2010/main" type="titleOnly">
+<file path=ppt/slideLayouts/slideLayout4.xml><?xml version="1.0" encoding="utf-8"?>
+<p:sldLayout xmlns:a="http://schemas.openxmlformats.org/drawingml/2006/main" xmlns:r="http://schemas.openxmlformats.org/officeDocument/2006/relationships" xmlns:p="http://schemas.openxmlformats.org/presentationml/2006/main" type="titleOnly">
   <p:cSld name="Title only">
     <p:spTree>
       <p:nvGrpSpPr>
-        <p:cNvPr id="29" name="Shape 29"/>
+        <p:cNvPr id="1" name="Shape 29"/>
         <p:cNvGrpSpPr/>
         <p:nvPr/>
       </p:nvGrpSpPr>
@@ -2998,7 +3226,7 @@
           </a:xfrm>
           <a:prstGeom prst="roundRect">
             <a:avLst>
-              <a:gd fmla="val 2970" name="adj"/>
+              <a:gd name="adj" fmla="val 2970"/>
             </a:avLst>
           </a:prstGeom>
           <a:solidFill>
@@ -3009,7 +3237,7 @@
           </a:ln>
         </p:spPr>
         <p:txBody>
-          <a:bodyPr anchorCtr="0" anchor="ctr" bIns="45700" lIns="91425" rIns="91425" tIns="45700">
+          <a:bodyPr lIns="91425" tIns="45700" rIns="91425" bIns="45700" anchor="ctr" anchorCtr="0">
             <a:noAutofit/>
           </a:bodyPr>
           <a:lstStyle/>
@@ -3020,9 +3248,6 @@
               </a:spcBef>
               <a:buNone/>
             </a:pPr>
-            <a:r>
-              <a:t/>
-            </a:r>
             <a:endParaRPr/>
           </a:p>
         </p:txBody>
@@ -3034,14 +3259,14 @@
           <p:nvPr/>
         </p:nvSpPr>
         <p:spPr>
-          <a:xfrm flipH="1" rot="10800000">
+          <a:xfrm rot="10800000" flipH="1">
             <a:off x="372035" y="59"/>
             <a:ext cx="8399999" cy="1049700"/>
           </a:xfrm>
           <a:prstGeom prst="round2SameRect">
             <a:avLst>
-              <a:gd fmla="val 10590" name="adj1"/>
-              <a:gd fmla="val 0" name="adj2"/>
+              <a:gd name="adj1" fmla="val 10590"/>
+              <a:gd name="adj2" fmla="val 0"/>
             </a:avLst>
           </a:prstGeom>
           <a:solidFill>
@@ -3052,7 +3277,7 @@
           </a:ln>
         </p:spPr>
         <p:txBody>
-          <a:bodyPr anchorCtr="0" anchor="ctr" bIns="45700" lIns="91425" rIns="91425" tIns="45700">
+          <a:bodyPr lIns="91425" tIns="45700" rIns="91425" bIns="45700" anchor="ctr" anchorCtr="0">
             <a:noAutofit/>
           </a:bodyPr>
           <a:lstStyle/>
@@ -3063,9 +3288,6 @@
               </a:spcBef>
               <a:buNone/>
             </a:pPr>
-            <a:r>
-              <a:t/>
-            </a:r>
             <a:endParaRPr/>
           </a:p>
         </p:txBody>
@@ -3073,7 +3295,9 @@
       <p:sp>
         <p:nvSpPr>
           <p:cNvPr id="32" name="Shape 32"/>
-          <p:cNvSpPr txBox="1"/>
+          <p:cNvSpPr txBox="1">
+            <a:spLocks noGrp="1"/>
+          </p:cNvSpPr>
           <p:nvPr>
             <p:ph type="title"/>
           </p:nvPr>
@@ -3088,7 +3312,7 @@
           </a:prstGeom>
         </p:spPr>
         <p:txBody>
-          <a:bodyPr anchorCtr="0" anchor="b" bIns="91425" lIns="91425" rIns="91425" tIns="91425"/>
+          <a:bodyPr lIns="91425" tIns="91425" rIns="91425" bIns="91425" anchor="b" anchorCtr="0"/>
           <a:lstStyle>
             <a:lvl1pPr lvl="0">
               <a:spcBef>
@@ -3145,15 +3369,19 @@
               <a:defRPr/>
             </a:lvl9pPr>
           </a:lstStyle>
-          <a:p/>
+          <a:p>
+            <a:endParaRPr/>
+          </a:p>
         </p:txBody>
       </p:sp>
       <p:sp>
         <p:nvSpPr>
           <p:cNvPr id="33" name="Shape 33"/>
-          <p:cNvSpPr txBox="1"/>
+          <p:cNvSpPr txBox="1">
+            <a:spLocks noGrp="1"/>
+          </p:cNvSpPr>
           <p:nvPr>
-            <p:ph idx="12" type="sldNum"/>
+            <p:ph type="sldNum" idx="12"/>
           </p:nvPr>
         </p:nvSpPr>
         <p:spPr>
@@ -3166,7 +3394,7 @@
           </a:prstGeom>
         </p:spPr>
         <p:txBody>
-          <a:bodyPr anchorCtr="0" anchor="ctr" bIns="91425" lIns="91425" rIns="91425" tIns="91425">
+          <a:bodyPr lIns="91425" tIns="91425" rIns="91425" bIns="91425" anchor="ctr" anchorCtr="0">
             <a:noAutofit/>
           </a:bodyPr>
           <a:lstStyle/>
@@ -3179,8 +3407,9 @@
             </a:pPr>
             <a:fld id="{00000000-1234-1234-1234-123412341234}" type="slidenum">
               <a:rPr lang="es"/>
-              <a:t>‹#›</a:t>
+              <a:t>‹Nº›</a:t>
             </a:fld>
+            <a:endParaRPr lang="es"/>
           </a:p>
         </p:txBody>
       </p:sp>
@@ -3192,12 +3421,12 @@
 </p:sldLayout>
 </file>
 
-<file path=ppt/slideLayouts/slideLayout4.xml><?xml version="1.0" encoding="utf-8"?>
-<p:sldLayout xmlns:a="http://schemas.openxmlformats.org/drawingml/2006/main" xmlns:r="http://schemas.openxmlformats.org/officeDocument/2006/relationships" xmlns:mc="http://schemas.openxmlformats.org/markup-compatibility/2006" xmlns:mv="urn:schemas-microsoft-com:mac:vml" xmlns:p="http://schemas.openxmlformats.org/presentationml/2006/main" xmlns:c="http://schemas.openxmlformats.org/drawingml/2006/chart" xmlns:dgm="http://schemas.openxmlformats.org/drawingml/2006/diagram" xmlns:o="urn:schemas-microsoft-com:office:office" xmlns:v="urn:schemas-microsoft-com:vml" xmlns:pvml="urn:schemas-microsoft-com:office:powerpoint" xmlns:com="http://schemas.openxmlformats.org/drawingml/2006/compatibility" xmlns:p14="http://schemas.microsoft.com/office/powerpoint/2010/main">
+<file path=ppt/slideLayouts/slideLayout5.xml><?xml version="1.0" encoding="utf-8"?>
+<p:sldLayout xmlns:a="http://schemas.openxmlformats.org/drawingml/2006/main" xmlns:r="http://schemas.openxmlformats.org/officeDocument/2006/relationships" xmlns:p="http://schemas.openxmlformats.org/presentationml/2006/main">
   <p:cSld name="Caption">
     <p:spTree>
       <p:nvGrpSpPr>
-        <p:cNvPr id="34" name="Shape 34"/>
+        <p:cNvPr id="1" name="Shape 34"/>
         <p:cNvGrpSpPr/>
         <p:nvPr/>
       </p:nvGrpSpPr>
@@ -3212,9 +3441,11 @@
       <p:sp>
         <p:nvSpPr>
           <p:cNvPr id="35" name="Shape 35"/>
-          <p:cNvSpPr txBox="1"/>
+          <p:cNvSpPr txBox="1">
+            <a:spLocks noGrp="1"/>
+          </p:cNvSpPr>
           <p:nvPr>
-            <p:ph idx="1" type="body"/>
+            <p:ph type="body" idx="1"/>
           </p:nvPr>
         </p:nvSpPr>
         <p:spPr>
@@ -3227,7 +3458,7 @@
           </a:prstGeom>
         </p:spPr>
         <p:txBody>
-          <a:bodyPr anchorCtr="0" anchor="t" bIns="91425" lIns="91425" rIns="91425" tIns="91425"/>
+          <a:bodyPr lIns="91425" tIns="91425" rIns="91425" bIns="91425" anchor="t" anchorCtr="0"/>
           <a:lstStyle>
             <a:lvl1pPr lvl="0">
               <a:spcBef>
@@ -3238,14 +3469,16 @@
               </a:buClr>
               <a:buSzPct val="100000"/>
               <a:buNone/>
-              <a:defRPr b="1" sz="2400">
+              <a:defRPr sz="2400" b="1">
                 <a:solidFill>
                   <a:schemeClr val="lt1"/>
                 </a:solidFill>
               </a:defRPr>
             </a:lvl1pPr>
           </a:lstStyle>
-          <a:p/>
+          <a:p>
+            <a:endParaRPr/>
+          </a:p>
         </p:txBody>
       </p:sp>
       <p:sp>
@@ -3261,7 +3494,7 @@
           </a:xfrm>
           <a:prstGeom prst="roundRect">
             <a:avLst>
-              <a:gd fmla="val 2776" name="adj"/>
+              <a:gd name="adj" fmla="val 2776"/>
             </a:avLst>
           </a:prstGeom>
           <a:solidFill>
@@ -3272,7 +3505,7 @@
           </a:ln>
         </p:spPr>
         <p:txBody>
-          <a:bodyPr anchorCtr="0" anchor="ctr" bIns="45700" lIns="91425" rIns="91425" tIns="45700">
+          <a:bodyPr lIns="91425" tIns="45700" rIns="91425" bIns="45700" anchor="ctr" anchorCtr="0">
             <a:noAutofit/>
           </a:bodyPr>
           <a:lstStyle/>
@@ -3283,9 +3516,6 @@
               </a:spcBef>
               <a:buNone/>
             </a:pPr>
-            <a:r>
-              <a:t/>
-            </a:r>
             <a:endParaRPr/>
           </a:p>
         </p:txBody>
@@ -3293,9 +3523,11 @@
       <p:sp>
         <p:nvSpPr>
           <p:cNvPr id="37" name="Shape 37"/>
-          <p:cNvSpPr txBox="1"/>
+          <p:cNvSpPr txBox="1">
+            <a:spLocks noGrp="1"/>
+          </p:cNvSpPr>
           <p:nvPr>
-            <p:ph idx="12" type="sldNum"/>
+            <p:ph type="sldNum" idx="12"/>
           </p:nvPr>
         </p:nvSpPr>
         <p:spPr>
@@ -3308,7 +3540,7 @@
           </a:prstGeom>
         </p:spPr>
         <p:txBody>
-          <a:bodyPr anchorCtr="0" anchor="ctr" bIns="91425" lIns="91425" rIns="91425" tIns="91425">
+          <a:bodyPr lIns="91425" tIns="91425" rIns="91425" bIns="91425" anchor="ctr" anchorCtr="0">
             <a:noAutofit/>
           </a:bodyPr>
           <a:lstStyle/>
@@ -3321,8 +3553,9 @@
             </a:pPr>
             <a:fld id="{00000000-1234-1234-1234-123412341234}" type="slidenum">
               <a:rPr lang="es"/>
-              <a:t>‹#›</a:t>
+              <a:t>‹Nº›</a:t>
             </a:fld>
+            <a:endParaRPr lang="es"/>
           </a:p>
         </p:txBody>
       </p:sp>
@@ -3334,12 +3567,12 @@
 </p:sldLayout>
 </file>
 
-<file path=ppt/slideLayouts/slideLayout5.xml><?xml version="1.0" encoding="utf-8"?>
-<p:sldLayout xmlns:a="http://schemas.openxmlformats.org/drawingml/2006/main" xmlns:r="http://schemas.openxmlformats.org/officeDocument/2006/relationships" xmlns:mc="http://schemas.openxmlformats.org/markup-compatibility/2006" xmlns:mv="urn:schemas-microsoft-com:mac:vml" xmlns:p="http://schemas.openxmlformats.org/presentationml/2006/main" xmlns:c="http://schemas.openxmlformats.org/drawingml/2006/chart" xmlns:dgm="http://schemas.openxmlformats.org/drawingml/2006/diagram" xmlns:o="urn:schemas-microsoft-com:office:office" xmlns:v="urn:schemas-microsoft-com:vml" xmlns:pvml="urn:schemas-microsoft-com:office:powerpoint" xmlns:com="http://schemas.openxmlformats.org/drawingml/2006/compatibility" xmlns:p14="http://schemas.microsoft.com/office/powerpoint/2010/main" type="blank">
+<file path=ppt/slideLayouts/slideLayout6.xml><?xml version="1.0" encoding="utf-8"?>
+<p:sldLayout xmlns:a="http://schemas.openxmlformats.org/drawingml/2006/main" xmlns:r="http://schemas.openxmlformats.org/officeDocument/2006/relationships" xmlns:p="http://schemas.openxmlformats.org/presentationml/2006/main" type="blank">
   <p:cSld name="Blank">
     <p:spTree>
       <p:nvGrpSpPr>
-        <p:cNvPr id="38" name="Shape 38"/>
+        <p:cNvPr id="1" name="Shape 38"/>
         <p:cNvGrpSpPr/>
         <p:nvPr/>
       </p:nvGrpSpPr>
@@ -3364,7 +3597,7 @@
           </a:xfrm>
           <a:prstGeom prst="roundRect">
             <a:avLst>
-              <a:gd fmla="val 2255" name="adj"/>
+              <a:gd name="adj" fmla="val 2255"/>
             </a:avLst>
           </a:prstGeom>
           <a:solidFill>
@@ -3375,7 +3608,7 @@
           </a:ln>
         </p:spPr>
         <p:txBody>
-          <a:bodyPr anchorCtr="0" anchor="ctr" bIns="45700" lIns="91425" rIns="91425" tIns="45700">
+          <a:bodyPr lIns="91425" tIns="45700" rIns="91425" bIns="45700" anchor="ctr" anchorCtr="0">
             <a:noAutofit/>
           </a:bodyPr>
           <a:lstStyle/>
@@ -3386,9 +3619,6 @@
               </a:spcBef>
               <a:buNone/>
             </a:pPr>
-            <a:r>
-              <a:t/>
-            </a:r>
             <a:endParaRPr/>
           </a:p>
         </p:txBody>
@@ -3396,9 +3626,11 @@
       <p:sp>
         <p:nvSpPr>
           <p:cNvPr id="40" name="Shape 40"/>
-          <p:cNvSpPr txBox="1"/>
+          <p:cNvSpPr txBox="1">
+            <a:spLocks noGrp="1"/>
+          </p:cNvSpPr>
           <p:nvPr>
-            <p:ph idx="12" type="sldNum"/>
+            <p:ph type="sldNum" idx="12"/>
           </p:nvPr>
         </p:nvSpPr>
         <p:spPr>
@@ -3411,7 +3643,7 @@
           </a:prstGeom>
         </p:spPr>
         <p:txBody>
-          <a:bodyPr anchorCtr="0" anchor="ctr" bIns="91425" lIns="91425" rIns="91425" tIns="91425">
+          <a:bodyPr lIns="91425" tIns="91425" rIns="91425" bIns="91425" anchor="ctr" anchorCtr="0">
             <a:noAutofit/>
           </a:bodyPr>
           <a:lstStyle/>
@@ -3424,8 +3656,9 @@
             </a:pPr>
             <a:fld id="{00000000-1234-1234-1234-123412341234}" type="slidenum">
               <a:rPr lang="es"/>
-              <a:t>‹#›</a:t>
+              <a:t>‹Nº›</a:t>
             </a:fld>
+            <a:endParaRPr lang="es"/>
           </a:p>
         </p:txBody>
       </p:sp>
@@ -3437,19 +3670,20 @@
 </p:sldLayout>
 </file>
 
-<file path=ppt/slideMasters/slideMaster.xml><?xml version="1.0" encoding="utf-8"?>
-<p:sldMaster xmlns:a="http://schemas.openxmlformats.org/drawingml/2006/main" xmlns:r="http://schemas.openxmlformats.org/officeDocument/2006/relationships" xmlns:mc="http://schemas.openxmlformats.org/markup-compatibility/2006" xmlns:mv="urn:schemas-microsoft-com:mac:vml" xmlns:p="http://schemas.openxmlformats.org/presentationml/2006/main" xmlns:c="http://schemas.openxmlformats.org/drawingml/2006/chart" xmlns:dgm="http://schemas.openxmlformats.org/drawingml/2006/diagram" xmlns:o="urn:schemas-microsoft-com:office:office" xmlns:v="urn:schemas-microsoft-com:vml" xmlns:pvml="urn:schemas-microsoft-com:office:powerpoint" xmlns:com="http://schemas.openxmlformats.org/drawingml/2006/compatibility" xmlns:p14="http://schemas.microsoft.com/office/powerpoint/2010/main">
+<file path=ppt/slideMasters/slideMaster1.xml><?xml version="1.0" encoding="utf-8"?>
+<p:sldMaster xmlns:a="http://schemas.openxmlformats.org/drawingml/2006/main" xmlns:r="http://schemas.openxmlformats.org/officeDocument/2006/relationships" xmlns:p="http://schemas.openxmlformats.org/presentationml/2006/main">
   <p:cSld>
     <p:bg>
       <p:bgPr>
         <a:solidFill>
           <a:schemeClr val="dk2"/>
         </a:solidFill>
+        <a:effectLst/>
       </p:bgPr>
     </p:bg>
     <p:spTree>
       <p:nvGrpSpPr>
-        <p:cNvPr id="5" name="Shape 5"/>
+        <p:cNvPr id="1" name="Shape 5"/>
         <p:cNvGrpSpPr/>
         <p:nvPr/>
       </p:nvGrpSpPr>
@@ -3464,7 +3698,9 @@
       <p:sp>
         <p:nvSpPr>
           <p:cNvPr id="6" name="Shape 6"/>
-          <p:cNvSpPr txBox="1"/>
+          <p:cNvSpPr txBox="1">
+            <a:spLocks noGrp="1"/>
+          </p:cNvSpPr>
           <p:nvPr>
             <p:ph type="title"/>
           </p:nvPr>
@@ -3483,7 +3719,7 @@
           </a:ln>
         </p:spPr>
         <p:txBody>
-          <a:bodyPr anchorCtr="0" anchor="b" bIns="91425" lIns="91425" rIns="91425" tIns="91425"/>
+          <a:bodyPr lIns="91425" tIns="91425" rIns="91425" bIns="91425" anchor="b" anchorCtr="0"/>
           <a:lstStyle>
             <a:lvl1pPr lvl="0">
               <a:spcBef>
@@ -3494,7 +3730,7 @@
               </a:buClr>
               <a:buSzPct val="100000"/>
               <a:buNone/>
-              <a:defRPr b="1" sz="3600">
+              <a:defRPr sz="3600" b="1">
                 <a:solidFill>
                   <a:schemeClr val="dk2"/>
                 </a:solidFill>
@@ -3509,7 +3745,7 @@
               </a:buClr>
               <a:buSzPct val="100000"/>
               <a:buNone/>
-              <a:defRPr b="1" sz="3600">
+              <a:defRPr sz="3600" b="1">
                 <a:solidFill>
                   <a:schemeClr val="dk2"/>
                 </a:solidFill>
@@ -3524,7 +3760,7 @@
               </a:buClr>
               <a:buSzPct val="100000"/>
               <a:buNone/>
-              <a:defRPr b="1" sz="3600">
+              <a:defRPr sz="3600" b="1">
                 <a:solidFill>
                   <a:schemeClr val="dk2"/>
                 </a:solidFill>
@@ -3539,7 +3775,7 @@
               </a:buClr>
               <a:buSzPct val="100000"/>
               <a:buNone/>
-              <a:defRPr b="1" sz="3600">
+              <a:defRPr sz="3600" b="1">
                 <a:solidFill>
                   <a:schemeClr val="dk2"/>
                 </a:solidFill>
@@ -3554,7 +3790,7 @@
               </a:buClr>
               <a:buSzPct val="100000"/>
               <a:buNone/>
-              <a:defRPr b="1" sz="3600">
+              <a:defRPr sz="3600" b="1">
                 <a:solidFill>
                   <a:schemeClr val="dk2"/>
                 </a:solidFill>
@@ -3569,7 +3805,7 @@
               </a:buClr>
               <a:buSzPct val="100000"/>
               <a:buNone/>
-              <a:defRPr b="1" sz="3600">
+              <a:defRPr sz="3600" b="1">
                 <a:solidFill>
                   <a:schemeClr val="dk2"/>
                 </a:solidFill>
@@ -3584,7 +3820,7 @@
               </a:buClr>
               <a:buSzPct val="100000"/>
               <a:buNone/>
-              <a:defRPr b="1" sz="3600">
+              <a:defRPr sz="3600" b="1">
                 <a:solidFill>
                   <a:schemeClr val="dk2"/>
                 </a:solidFill>
@@ -3599,7 +3835,7 @@
               </a:buClr>
               <a:buSzPct val="100000"/>
               <a:buNone/>
-              <a:defRPr b="1" sz="3600">
+              <a:defRPr sz="3600" b="1">
                 <a:solidFill>
                   <a:schemeClr val="dk2"/>
                 </a:solidFill>
@@ -3614,22 +3850,26 @@
               </a:buClr>
               <a:buSzPct val="100000"/>
               <a:buNone/>
-              <a:defRPr b="1" sz="3600">
+              <a:defRPr sz="3600" b="1">
                 <a:solidFill>
                   <a:schemeClr val="dk2"/>
                 </a:solidFill>
               </a:defRPr>
             </a:lvl9pPr>
           </a:lstStyle>
-          <a:p/>
+          <a:p>
+            <a:endParaRPr/>
+          </a:p>
         </p:txBody>
       </p:sp>
       <p:sp>
         <p:nvSpPr>
           <p:cNvPr id="7" name="Shape 7"/>
-          <p:cNvSpPr txBox="1"/>
+          <p:cNvSpPr txBox="1">
+            <a:spLocks noGrp="1"/>
+          </p:cNvSpPr>
           <p:nvPr>
-            <p:ph idx="1" type="body"/>
+            <p:ph type="body" idx="1"/>
           </p:nvPr>
         </p:nvSpPr>
         <p:spPr>
@@ -3646,7 +3886,7 @@
           </a:ln>
         </p:spPr>
         <p:txBody>
-          <a:bodyPr anchorCtr="0" anchor="t" bIns="91425" lIns="91425" rIns="91425" tIns="91425"/>
+          <a:bodyPr lIns="91425" tIns="91425" rIns="91425" bIns="91425" anchor="t" anchorCtr="0"/>
           <a:lstStyle>
             <a:lvl1pPr lvl="0">
               <a:spcBef>
@@ -3775,15 +4015,19 @@
               </a:defRPr>
             </a:lvl9pPr>
           </a:lstStyle>
-          <a:p/>
+          <a:p>
+            <a:endParaRPr/>
+          </a:p>
         </p:txBody>
       </p:sp>
       <p:sp>
         <p:nvSpPr>
           <p:cNvPr id="8" name="Shape 8"/>
-          <p:cNvSpPr txBox="1"/>
+          <p:cNvSpPr txBox="1">
+            <a:spLocks noGrp="1"/>
+          </p:cNvSpPr>
           <p:nvPr>
-            <p:ph idx="12" type="sldNum"/>
+            <p:ph type="sldNum" idx="12"/>
           </p:nvPr>
         </p:nvSpPr>
         <p:spPr>
@@ -3800,7 +4044,7 @@
           </a:ln>
         </p:spPr>
         <p:txBody>
-          <a:bodyPr anchorCtr="0" anchor="ctr" bIns="91425" lIns="91425" rIns="91425" tIns="91425">
+          <a:bodyPr lIns="91425" tIns="91425" rIns="91425" bIns="91425" anchor="ctr" anchorCtr="0">
             <a:noAutofit/>
           </a:bodyPr>
           <a:lstStyle/>
@@ -3817,14 +4061,19 @@
                   <a:schemeClr val="lt1"/>
                 </a:solidFill>
               </a:rPr>
-              <a:t>‹#›</a:t>
+              <a:t>‹Nº›</a:t>
             </a:fld>
+            <a:endParaRPr lang="es" sz="1300">
+              <a:solidFill>
+                <a:schemeClr val="lt1"/>
+              </a:solidFill>
+            </a:endParaRPr>
           </a:p>
         </p:txBody>
       </p:sp>
     </p:spTree>
   </p:cSld>
-  <p:clrMap accent1="accent1" accent2="accent2" accent3="accent3" accent4="accent4" accent5="accent5" accent6="accent6" bg1="lt1" bg2="dk2" tx1="dk1" tx2="lt2" folHlink="folHlink" hlink="hlink"/>
+  <p:clrMap bg1="lt1" tx1="dk1" bg2="dk2" tx2="lt2" accent1="accent1" accent2="accent2" accent3="accent3" accent4="accent4" accent5="accent5" accent6="accent6" hlink="hlink" folHlink="folHlink"/>
   <p:sldLayoutIdLst>
     <p:sldLayoutId id="2147483648" r:id="rId1"/>
     <p:sldLayoutId id="2147483649" r:id="rId2"/>
@@ -3833,10 +4082,10 @@
     <p:sldLayoutId id="2147483652" r:id="rId5"/>
     <p:sldLayoutId id="2147483653" r:id="rId6"/>
   </p:sldLayoutIdLst>
-  <p:hf dt="0" ftr="0" hdr="0" sldNum="0"/>
+  <p:hf sldNum="0" hdr="0" ftr="0" dt="0"/>
   <p:txStyles>
     <p:titleStyle>
-      <a:defPPr lvl="0" marR="0" rtl="0" algn="l">
+      <a:defPPr marR="0" lvl="0" algn="l" rtl="0">
         <a:lnSpc>
           <a:spcPct val="100000"/>
         </a:lnSpc>
@@ -3847,7 +4096,7 @@
           <a:spcPts val="0"/>
         </a:spcAft>
       </a:defPPr>
-      <a:lvl1pPr lvl="0" marR="0" rtl="0" algn="l">
+      <a:lvl1pPr marR="0" lvl="0" algn="l" rtl="0">
         <a:lnSpc>
           <a:spcPct val="100000"/>
         </a:lnSpc>
@@ -3858,7 +4107,7 @@
           <a:spcPts val="0"/>
         </a:spcAft>
         <a:buNone/>
-        <a:defRPr b="0" i="0" sz="1400" u="none" cap="none" strike="noStrike">
+        <a:defRPr sz="1400" b="0" i="0" u="none" strike="noStrike" cap="none">
           <a:solidFill>
             <a:srgbClr val="000000"/>
           </a:solidFill>
@@ -3871,7 +4120,7 @@
       </a:lvl1pPr>
     </p:titleStyle>
     <p:bodyStyle>
-      <a:defPPr lvl="0" marR="0" rtl="0" algn="l">
+      <a:defPPr marR="0" lvl="0" algn="l" rtl="0">
         <a:lnSpc>
           <a:spcPct val="100000"/>
         </a:lnSpc>
@@ -3882,7 +4131,7 @@
           <a:spcPts val="0"/>
         </a:spcAft>
       </a:defPPr>
-      <a:lvl1pPr lvl="0" marR="0" rtl="0" algn="l">
+      <a:lvl1pPr marR="0" lvl="0" algn="l" rtl="0">
         <a:lnSpc>
           <a:spcPct val="100000"/>
         </a:lnSpc>
@@ -3893,7 +4142,7 @@
           <a:spcPts val="0"/>
         </a:spcAft>
         <a:buNone/>
-        <a:defRPr b="0" i="0" sz="1400" u="none" cap="none" strike="noStrike">
+        <a:defRPr sz="1400" b="0" i="0" u="none" strike="noStrike" cap="none">
           <a:solidFill>
             <a:srgbClr val="000000"/>
           </a:solidFill>
@@ -3904,7 +4153,7 @@
           <a:rtl val="0"/>
         </a:defRPr>
       </a:lvl1pPr>
-      <a:lvl2pPr lvl="1" marR="0" rtl="0" algn="l">
+      <a:lvl2pPr marR="0" lvl="1" algn="l" rtl="0">
         <a:lnSpc>
           <a:spcPct val="100000"/>
         </a:lnSpc>
@@ -3915,7 +4164,7 @@
           <a:spcPts val="0"/>
         </a:spcAft>
         <a:buNone/>
-        <a:defRPr b="0" i="0" sz="1400" u="none" cap="none" strike="noStrike">
+        <a:defRPr sz="1400" b="0" i="0" u="none" strike="noStrike" cap="none">
           <a:solidFill>
             <a:srgbClr val="000000"/>
           </a:solidFill>
@@ -3926,7 +4175,7 @@
           <a:rtl val="0"/>
         </a:defRPr>
       </a:lvl2pPr>
-      <a:lvl3pPr lvl="2" marR="0" rtl="0" algn="l">
+      <a:lvl3pPr marR="0" lvl="2" algn="l" rtl="0">
         <a:lnSpc>
           <a:spcPct val="100000"/>
         </a:lnSpc>
@@ -3937,7 +4186,7 @@
           <a:spcPts val="0"/>
         </a:spcAft>
         <a:buNone/>
-        <a:defRPr b="0" i="0" sz="1400" u="none" cap="none" strike="noStrike">
+        <a:defRPr sz="1400" b="0" i="0" u="none" strike="noStrike" cap="none">
           <a:solidFill>
             <a:srgbClr val="000000"/>
           </a:solidFill>
@@ -3948,7 +4197,7 @@
           <a:rtl val="0"/>
         </a:defRPr>
       </a:lvl3pPr>
-      <a:lvl4pPr lvl="3" marR="0" rtl="0" algn="l">
+      <a:lvl4pPr marR="0" lvl="3" algn="l" rtl="0">
         <a:lnSpc>
           <a:spcPct val="100000"/>
         </a:lnSpc>
@@ -3959,7 +4208,7 @@
           <a:spcPts val="0"/>
         </a:spcAft>
         <a:buNone/>
-        <a:defRPr b="0" i="0" sz="1400" u="none" cap="none" strike="noStrike">
+        <a:defRPr sz="1400" b="0" i="0" u="none" strike="noStrike" cap="none">
           <a:solidFill>
             <a:srgbClr val="000000"/>
           </a:solidFill>
@@ -3970,7 +4219,7 @@
           <a:rtl val="0"/>
         </a:defRPr>
       </a:lvl4pPr>
-      <a:lvl5pPr lvl="4" marR="0" rtl="0" algn="l">
+      <a:lvl5pPr marR="0" lvl="4" algn="l" rtl="0">
         <a:lnSpc>
           <a:spcPct val="100000"/>
         </a:lnSpc>
@@ -3981,7 +4230,7 @@
           <a:spcPts val="0"/>
         </a:spcAft>
         <a:buNone/>
-        <a:defRPr b="0" i="0" sz="1400" u="none" cap="none" strike="noStrike">
+        <a:defRPr sz="1400" b="0" i="0" u="none" strike="noStrike" cap="none">
           <a:solidFill>
             <a:srgbClr val="000000"/>
           </a:solidFill>
@@ -3992,7 +4241,7 @@
           <a:rtl val="0"/>
         </a:defRPr>
       </a:lvl5pPr>
-      <a:lvl6pPr lvl="5" marR="0" rtl="0" algn="l">
+      <a:lvl6pPr marR="0" lvl="5" algn="l" rtl="0">
         <a:lnSpc>
           <a:spcPct val="100000"/>
         </a:lnSpc>
@@ -4003,7 +4252,7 @@
           <a:spcPts val="0"/>
         </a:spcAft>
         <a:buNone/>
-        <a:defRPr b="0" i="0" sz="1400" u="none" cap="none" strike="noStrike">
+        <a:defRPr sz="1400" b="0" i="0" u="none" strike="noStrike" cap="none">
           <a:solidFill>
             <a:srgbClr val="000000"/>
           </a:solidFill>
@@ -4014,7 +4263,7 @@
           <a:rtl val="0"/>
         </a:defRPr>
       </a:lvl6pPr>
-      <a:lvl7pPr lvl="6" marR="0" rtl="0" algn="l">
+      <a:lvl7pPr marR="0" lvl="6" algn="l" rtl="0">
         <a:lnSpc>
           <a:spcPct val="100000"/>
         </a:lnSpc>
@@ -4025,7 +4274,7 @@
           <a:spcPts val="0"/>
         </a:spcAft>
         <a:buNone/>
-        <a:defRPr b="0" i="0" sz="1400" u="none" cap="none" strike="noStrike">
+        <a:defRPr sz="1400" b="0" i="0" u="none" strike="noStrike" cap="none">
           <a:solidFill>
             <a:srgbClr val="000000"/>
           </a:solidFill>
@@ -4036,7 +4285,7 @@
           <a:rtl val="0"/>
         </a:defRPr>
       </a:lvl7pPr>
-      <a:lvl8pPr lvl="7" marR="0" rtl="0" algn="l">
+      <a:lvl8pPr marR="0" lvl="7" algn="l" rtl="0">
         <a:lnSpc>
           <a:spcPct val="100000"/>
         </a:lnSpc>
@@ -4047,7 +4296,7 @@
           <a:spcPts val="0"/>
         </a:spcAft>
         <a:buNone/>
-        <a:defRPr b="0" i="0" sz="1400" u="none" cap="none" strike="noStrike">
+        <a:defRPr sz="1400" b="0" i="0" u="none" strike="noStrike" cap="none">
           <a:solidFill>
             <a:srgbClr val="000000"/>
           </a:solidFill>
@@ -4058,7 +4307,7 @@
           <a:rtl val="0"/>
         </a:defRPr>
       </a:lvl8pPr>
-      <a:lvl9pPr lvl="8" marR="0" rtl="0" algn="l">
+      <a:lvl9pPr marR="0" lvl="8" algn="l" rtl="0">
         <a:lnSpc>
           <a:spcPct val="100000"/>
         </a:lnSpc>
@@ -4069,7 +4318,7 @@
           <a:spcPts val="0"/>
         </a:spcAft>
         <a:buNone/>
-        <a:defRPr b="0" i="0" sz="1400" u="none" cap="none" strike="noStrike">
+        <a:defRPr sz="1400" b="0" i="0" u="none" strike="noStrike" cap="none">
           <a:solidFill>
             <a:srgbClr val="000000"/>
           </a:solidFill>
@@ -4082,7 +4331,7 @@
       </a:lvl9pPr>
     </p:bodyStyle>
     <p:otherStyle>
-      <a:defPPr lvl="0" marR="0" rtl="0" algn="l">
+      <a:defPPr marR="0" lvl="0" algn="l" rtl="0">
         <a:lnSpc>
           <a:spcPct val="100000"/>
         </a:lnSpc>
@@ -4093,7 +4342,7 @@
           <a:spcPts val="0"/>
         </a:spcAft>
       </a:defPPr>
-      <a:lvl1pPr lvl="0" marR="0" rtl="0" algn="l">
+      <a:lvl1pPr marR="0" lvl="0" algn="l" rtl="0">
         <a:lnSpc>
           <a:spcPct val="100000"/>
         </a:lnSpc>
@@ -4104,7 +4353,7 @@
           <a:spcPts val="0"/>
         </a:spcAft>
         <a:buNone/>
-        <a:defRPr b="0" i="0" sz="1400" u="none" cap="none" strike="noStrike">
+        <a:defRPr sz="1400" b="0" i="0" u="none" strike="noStrike" cap="none">
           <a:solidFill>
             <a:srgbClr val="000000"/>
           </a:solidFill>
@@ -4115,7 +4364,7 @@
           <a:rtl val="0"/>
         </a:defRPr>
       </a:lvl1pPr>
-      <a:lvl2pPr lvl="1" marR="0" rtl="0" algn="l">
+      <a:lvl2pPr marR="0" lvl="1" algn="l" rtl="0">
         <a:lnSpc>
           <a:spcPct val="100000"/>
         </a:lnSpc>
@@ -4126,7 +4375,7 @@
           <a:spcPts val="0"/>
         </a:spcAft>
         <a:buNone/>
-        <a:defRPr b="0" i="0" sz="1400" u="none" cap="none" strike="noStrike">
+        <a:defRPr sz="1400" b="0" i="0" u="none" strike="noStrike" cap="none">
           <a:solidFill>
             <a:srgbClr val="000000"/>
           </a:solidFill>
@@ -4137,7 +4386,7 @@
           <a:rtl val="0"/>
         </a:defRPr>
       </a:lvl2pPr>
-      <a:lvl3pPr lvl="2" marR="0" rtl="0" algn="l">
+      <a:lvl3pPr marR="0" lvl="2" algn="l" rtl="0">
         <a:lnSpc>
           <a:spcPct val="100000"/>
         </a:lnSpc>
@@ -4148,7 +4397,7 @@
           <a:spcPts val="0"/>
         </a:spcAft>
         <a:buNone/>
-        <a:defRPr b="0" i="0" sz="1400" u="none" cap="none" strike="noStrike">
+        <a:defRPr sz="1400" b="0" i="0" u="none" strike="noStrike" cap="none">
           <a:solidFill>
             <a:srgbClr val="000000"/>
           </a:solidFill>
@@ -4159,7 +4408,7 @@
           <a:rtl val="0"/>
         </a:defRPr>
       </a:lvl3pPr>
-      <a:lvl4pPr lvl="3" marR="0" rtl="0" algn="l">
+      <a:lvl4pPr marR="0" lvl="3" algn="l" rtl="0">
         <a:lnSpc>
           <a:spcPct val="100000"/>
         </a:lnSpc>
@@ -4170,7 +4419,7 @@
           <a:spcPts val="0"/>
         </a:spcAft>
         <a:buNone/>
-        <a:defRPr b="0" i="0" sz="1400" u="none" cap="none" strike="noStrike">
+        <a:defRPr sz="1400" b="0" i="0" u="none" strike="noStrike" cap="none">
           <a:solidFill>
             <a:srgbClr val="000000"/>
           </a:solidFill>
@@ -4181,7 +4430,7 @@
           <a:rtl val="0"/>
         </a:defRPr>
       </a:lvl4pPr>
-      <a:lvl5pPr lvl="4" marR="0" rtl="0" algn="l">
+      <a:lvl5pPr marR="0" lvl="4" algn="l" rtl="0">
         <a:lnSpc>
           <a:spcPct val="100000"/>
         </a:lnSpc>
@@ -4192,7 +4441,7 @@
           <a:spcPts val="0"/>
         </a:spcAft>
         <a:buNone/>
-        <a:defRPr b="0" i="0" sz="1400" u="none" cap="none" strike="noStrike">
+        <a:defRPr sz="1400" b="0" i="0" u="none" strike="noStrike" cap="none">
           <a:solidFill>
             <a:srgbClr val="000000"/>
           </a:solidFill>
@@ -4203,7 +4452,7 @@
           <a:rtl val="0"/>
         </a:defRPr>
       </a:lvl5pPr>
-      <a:lvl6pPr lvl="5" marR="0" rtl="0" algn="l">
+      <a:lvl6pPr marR="0" lvl="5" algn="l" rtl="0">
         <a:lnSpc>
           <a:spcPct val="100000"/>
         </a:lnSpc>
@@ -4214,7 +4463,7 @@
           <a:spcPts val="0"/>
         </a:spcAft>
         <a:buNone/>
-        <a:defRPr b="0" i="0" sz="1400" u="none" cap="none" strike="noStrike">
+        <a:defRPr sz="1400" b="0" i="0" u="none" strike="noStrike" cap="none">
           <a:solidFill>
             <a:srgbClr val="000000"/>
           </a:solidFill>
@@ -4225,7 +4474,7 @@
           <a:rtl val="0"/>
         </a:defRPr>
       </a:lvl6pPr>
-      <a:lvl7pPr lvl="6" marR="0" rtl="0" algn="l">
+      <a:lvl7pPr marR="0" lvl="6" algn="l" rtl="0">
         <a:lnSpc>
           <a:spcPct val="100000"/>
         </a:lnSpc>
@@ -4236,7 +4485,7 @@
           <a:spcPts val="0"/>
         </a:spcAft>
         <a:buNone/>
-        <a:defRPr b="0" i="0" sz="1400" u="none" cap="none" strike="noStrike">
+        <a:defRPr sz="1400" b="0" i="0" u="none" strike="noStrike" cap="none">
           <a:solidFill>
             <a:srgbClr val="000000"/>
           </a:solidFill>
@@ -4247,7 +4496,7 @@
           <a:rtl val="0"/>
         </a:defRPr>
       </a:lvl7pPr>
-      <a:lvl8pPr lvl="7" marR="0" rtl="0" algn="l">
+      <a:lvl8pPr marR="0" lvl="7" algn="l" rtl="0">
         <a:lnSpc>
           <a:spcPct val="100000"/>
         </a:lnSpc>
@@ -4258,7 +4507,7 @@
           <a:spcPts val="0"/>
         </a:spcAft>
         <a:buNone/>
-        <a:defRPr b="0" i="0" sz="1400" u="none" cap="none" strike="noStrike">
+        <a:defRPr sz="1400" b="0" i="0" u="none" strike="noStrike" cap="none">
           <a:solidFill>
             <a:srgbClr val="000000"/>
           </a:solidFill>
@@ -4269,7 +4518,7 @@
           <a:rtl val="0"/>
         </a:defRPr>
       </a:lvl8pPr>
-      <a:lvl9pPr lvl="8" marR="0" rtl="0" algn="l">
+      <a:lvl9pPr marR="0" lvl="8" algn="l" rtl="0">
         <a:lnSpc>
           <a:spcPct val="100000"/>
         </a:lnSpc>
@@ -4280,7 +4529,7 @@
           <a:spcPts val="0"/>
         </a:spcAft>
         <a:buNone/>
-        <a:defRPr b="0" i="0" sz="1400" u="none" cap="none" strike="noStrike">
+        <a:defRPr sz="1400" b="0" i="0" u="none" strike="noStrike" cap="none">
           <a:solidFill>
             <a:srgbClr val="000000"/>
           </a:solidFill>
@@ -4296,12 +4545,12 @@
 </p:sldMaster>
 </file>
 
-<file path=ppt/slides/slide.xml><?xml version="1.0" encoding="utf-8"?>
-<p:sld xmlns:a="http://schemas.openxmlformats.org/drawingml/2006/main" xmlns:r="http://schemas.openxmlformats.org/officeDocument/2006/relationships" xmlns:mc="http://schemas.openxmlformats.org/markup-compatibility/2006" xmlns:mv="urn:schemas-microsoft-com:mac:vml" xmlns:p="http://schemas.openxmlformats.org/presentationml/2006/main" xmlns:c="http://schemas.openxmlformats.org/drawingml/2006/chart" xmlns:dgm="http://schemas.openxmlformats.org/drawingml/2006/diagram" xmlns:o="urn:schemas-microsoft-com:office:office" xmlns:v="urn:schemas-microsoft-com:vml" xmlns:pvml="urn:schemas-microsoft-com:office:powerpoint" xmlns:com="http://schemas.openxmlformats.org/drawingml/2006/compatibility" xmlns:p14="http://schemas.microsoft.com/office/powerpoint/2010/main">
+<file path=ppt/slides/slide1.xml><?xml version="1.0" encoding="utf-8"?>
+<p:sld xmlns:a="http://schemas.openxmlformats.org/drawingml/2006/main" xmlns:r="http://schemas.openxmlformats.org/officeDocument/2006/relationships" xmlns:p="http://schemas.openxmlformats.org/presentationml/2006/main">
   <p:cSld>
     <p:spTree>
       <p:nvGrpSpPr>
-        <p:cNvPr id="44" name="Shape 44"/>
+        <p:cNvPr id="1" name="Shape 44"/>
         <p:cNvGrpSpPr/>
         <p:nvPr/>
       </p:nvGrpSpPr>
@@ -4316,7 +4565,9 @@
       <p:sp>
         <p:nvSpPr>
           <p:cNvPr id="45" name="Shape 45"/>
-          <p:cNvSpPr txBox="1"/>
+          <p:cNvSpPr txBox="1">
+            <a:spLocks noGrp="1"/>
+          </p:cNvSpPr>
           <p:nvPr>
             <p:ph type="ctrTitle"/>
           </p:nvPr>
@@ -4331,7 +4582,7 @@
           </a:prstGeom>
         </p:spPr>
         <p:txBody>
-          <a:bodyPr anchorCtr="0" anchor="b" bIns="91425" lIns="91425" rIns="91425" tIns="91425">
+          <a:bodyPr lIns="91425" tIns="91425" rIns="91425" bIns="91425" anchor="b" anchorCtr="0">
             <a:noAutofit/>
           </a:bodyPr>
           <a:lstStyle/>
@@ -4352,9 +4603,11 @@
       <p:sp>
         <p:nvSpPr>
           <p:cNvPr id="46" name="Shape 46"/>
-          <p:cNvSpPr txBox="1"/>
+          <p:cNvSpPr txBox="1">
+            <a:spLocks noGrp="1"/>
+          </p:cNvSpPr>
           <p:nvPr>
-            <p:ph idx="1" type="subTitle"/>
+            <p:ph type="subTitle" idx="1"/>
           </p:nvPr>
         </p:nvSpPr>
         <p:spPr>
@@ -4367,7 +4620,7 @@
           </a:prstGeom>
         </p:spPr>
         <p:txBody>
-          <a:bodyPr anchorCtr="0" anchor="ctr" bIns="91425" lIns="91425" rIns="91425" tIns="91425">
+          <a:bodyPr lIns="91425" tIns="91425" rIns="91425" bIns="91425" anchor="ctr" anchorCtr="0">
             <a:noAutofit/>
           </a:bodyPr>
           <a:lstStyle/>
@@ -4396,12 +4649,12 @@
 </p:sld>
 </file>
 
-<file path=ppt/slides/slide1.xml><?xml version="1.0" encoding="utf-8"?>
-<p:sld xmlns:a="http://schemas.openxmlformats.org/drawingml/2006/main" xmlns:r="http://schemas.openxmlformats.org/officeDocument/2006/relationships" xmlns:mc="http://schemas.openxmlformats.org/markup-compatibility/2006" xmlns:mv="urn:schemas-microsoft-com:mac:vml" xmlns:p="http://schemas.openxmlformats.org/presentationml/2006/main" xmlns:c="http://schemas.openxmlformats.org/drawingml/2006/chart" xmlns:dgm="http://schemas.openxmlformats.org/drawingml/2006/diagram" xmlns:o="urn:schemas-microsoft-com:office:office" xmlns:v="urn:schemas-microsoft-com:vml" xmlns:pvml="urn:schemas-microsoft-com:office:powerpoint" xmlns:com="http://schemas.openxmlformats.org/drawingml/2006/compatibility" xmlns:p14="http://schemas.microsoft.com/office/powerpoint/2010/main">
+<file path=ppt/slides/slide10.xml><?xml version="1.0" encoding="utf-8"?>
+<p:sld xmlns:a="http://schemas.openxmlformats.org/drawingml/2006/main" xmlns:r="http://schemas.openxmlformats.org/officeDocument/2006/relationships" xmlns:p="http://schemas.openxmlformats.org/presentationml/2006/main">
   <p:cSld>
     <p:spTree>
       <p:nvGrpSpPr>
-        <p:cNvPr id="50" name="Shape 50"/>
+        <p:cNvPr id="1" name="Shape 99"/>
         <p:cNvGrpSpPr/>
         <p:nvPr/>
       </p:nvGrpSpPr>
@@ -4415,8 +4668,10 @@
       </p:grpSpPr>
       <p:sp>
         <p:nvSpPr>
-          <p:cNvPr id="51" name="Shape 51"/>
-          <p:cNvSpPr txBox="1"/>
+          <p:cNvPr id="100" name="Shape 100"/>
+          <p:cNvSpPr txBox="1">
+            <a:spLocks noGrp="1"/>
+          </p:cNvSpPr>
           <p:nvPr>
             <p:ph type="title"/>
           </p:nvPr>
@@ -4431,7 +4686,7 @@
           </a:prstGeom>
         </p:spPr>
         <p:txBody>
-          <a:bodyPr anchorCtr="0" anchor="b" bIns="91425" lIns="91425" rIns="91425" tIns="91425">
+          <a:bodyPr lIns="91425" tIns="91425" rIns="91425" bIns="91425" anchor="b" anchorCtr="0">
             <a:noAutofit/>
           </a:bodyPr>
           <a:lstStyle/>
@@ -4444,137 +4699,426 @@
             </a:pPr>
             <a:r>
               <a:rPr lang="es"/>
-              <a:t>Resumen de contenidos</a:t>
+              <a:t>Subiendo ficheros</a:t>
             </a:r>
           </a:p>
         </p:txBody>
       </p:sp>
       <p:sp>
         <p:nvSpPr>
-          <p:cNvPr id="52" name="Shape 52"/>
-          <p:cNvSpPr txBox="1"/>
+          <p:cNvPr id="101" name="Shape 101"/>
+          <p:cNvSpPr txBox="1">
+            <a:spLocks noGrp="1"/>
+          </p:cNvSpPr>
           <p:nvPr>
-            <p:ph idx="1" type="body"/>
+            <p:ph type="body" idx="1"/>
           </p:nvPr>
         </p:nvSpPr>
         <p:spPr>
           <a:xfrm>
-            <a:off x="457200" y="1178375"/>
-            <a:ext cx="8229600" cy="3725699"/>
+            <a:off x="457200" y="1200150"/>
+            <a:ext cx="8229600" cy="1821899"/>
           </a:xfrm>
           <a:prstGeom prst="rect">
             <a:avLst/>
           </a:prstGeom>
         </p:spPr>
         <p:txBody>
-          <a:bodyPr anchorCtr="0" anchor="t" bIns="91425" lIns="91425" rIns="91425" tIns="91425">
+          <a:bodyPr lIns="91425" tIns="91425" rIns="91425" bIns="91425" anchor="t" anchorCtr="0">
             <a:noAutofit/>
           </a:bodyPr>
           <a:lstStyle/>
           <a:p>
-            <a:pPr indent="-457200" lvl="0" marL="457200" rtl="0">
-              <a:spcBef>
-                <a:spcPts val="0"/>
-              </a:spcBef>
-              <a:buSzPct val="100000"/>
-            </a:pPr>
-            <a:r>
-              <a:rPr lang="es" sz="3600" u="sng">
-                <a:solidFill>
-                  <a:schemeClr val="hlink"/>
-                </a:solidFill>
-                <a:hlinkClick r:id="rId3"/>
-              </a:rPr>
-              <a:t>Conceptos generales</a:t>
-            </a:r>
-          </a:p>
-          <a:p>
-            <a:pPr indent="-457200" lvl="0" marL="457200" rtl="0">
-              <a:spcBef>
-                <a:spcPts val="0"/>
-              </a:spcBef>
-              <a:buSzPct val="100000"/>
-            </a:pPr>
-            <a:r>
-              <a:rPr lang="es" sz="3600" u="sng">
-                <a:solidFill>
-                  <a:schemeClr val="hlink"/>
-                </a:solidFill>
-                <a:hlinkClick r:id="rId4"/>
-              </a:rPr>
-              <a:t>Creación y manejo general</a:t>
-            </a:r>
-          </a:p>
-          <a:p>
-            <a:pPr indent="-457200" lvl="0" marL="457200" rtl="0">
-              <a:spcBef>
-                <a:spcPts val="0"/>
-              </a:spcBef>
-              <a:buSzPct val="100000"/>
-            </a:pPr>
-            <a:r>
-              <a:rPr lang="es" sz="3600" u="sng">
-                <a:solidFill>
-                  <a:schemeClr val="hlink"/>
-                </a:solidFill>
-                <a:hlinkClick r:id="rId5"/>
-              </a:rPr>
-              <a:t>Ficheros</a:t>
-            </a:r>
-          </a:p>
-          <a:p>
-            <a:pPr indent="-457200" lvl="0" marL="457200" rtl="0">
-              <a:spcBef>
-                <a:spcPts val="0"/>
-              </a:spcBef>
-              <a:buSzPct val="100000"/>
-            </a:pPr>
-            <a:r>
-              <a:rPr lang="es" sz="3600" u="sng">
-                <a:solidFill>
-                  <a:schemeClr val="hlink"/>
-                </a:solidFill>
-                <a:hlinkClick r:id="rId6"/>
-              </a:rPr>
-              <a:t>Cookies</a:t>
-            </a:r>
-          </a:p>
-          <a:p>
-            <a:pPr indent="-457200" lvl="0" marL="457200" rtl="0">
-              <a:spcBef>
-                <a:spcPts val="0"/>
-              </a:spcBef>
-              <a:buSzPct val="100000"/>
-            </a:pPr>
-            <a:r>
-              <a:rPr lang="es" sz="3600" u="sng">
-                <a:solidFill>
-                  <a:schemeClr val="hlink"/>
-                </a:solidFill>
-                <a:hlinkClick r:id="rId7"/>
-              </a:rPr>
-              <a:t>Sesiones</a:t>
-            </a:r>
-          </a:p>
-          <a:p>
-            <a:pPr indent="-457200" lvl="0" marL="457200" rtl="0">
-              <a:spcBef>
-                <a:spcPts val="0"/>
-              </a:spcBef>
-              <a:buSzPct val="100000"/>
-            </a:pPr>
-            <a:r>
-              <a:rPr lang="es" sz="3600" u="sng">
-                <a:solidFill>
-                  <a:schemeClr val="hlink"/>
-                </a:solidFill>
-                <a:hlinkClick r:id="rId8"/>
-              </a:rPr>
-              <a:t>Acceso a datos</a:t>
-            </a:r>
+            <a:pPr marL="457200" lvl="0" indent="-304800" rtl="0">
+              <a:spcBef>
+                <a:spcPts val="0"/>
+              </a:spcBef>
+              <a:buSzPct val="100000"/>
+            </a:pPr>
+            <a:r>
+              <a:rPr lang="es" sz="1200"/>
+              <a:t>Igual que en PHP, es importante incluir en el &lt;form&gt; de subida el atributo</a:t>
+            </a:r>
+          </a:p>
+          <a:p>
+            <a:pPr marL="914400" lvl="1" indent="-304800" rtl="0">
+              <a:spcBef>
+                <a:spcPts val="0"/>
+              </a:spcBef>
+              <a:buSzPct val="100000"/>
+              <a:buFont typeface="Source Code Pro"/>
+            </a:pPr>
+            <a:r>
+              <a:rPr lang="es" sz="1200">
+                <a:solidFill>
+                  <a:srgbClr val="0000FF"/>
+                </a:solidFill>
+                <a:latin typeface="Source Code Pro"/>
+                <a:ea typeface="Source Code Pro"/>
+                <a:cs typeface="Source Code Pro"/>
+                <a:sym typeface="Source Code Pro"/>
+              </a:rPr>
+              <a:t>enctype</a:t>
+            </a:r>
+            <a:r>
+              <a:rPr lang="es" sz="1200">
+                <a:latin typeface="Source Code Pro"/>
+                <a:ea typeface="Source Code Pro"/>
+                <a:cs typeface="Source Code Pro"/>
+                <a:sym typeface="Source Code Pro"/>
+              </a:rPr>
+              <a:t>="multipart/form-data"</a:t>
+            </a:r>
+          </a:p>
+          <a:p>
+            <a:pPr marL="457200" lvl="0" indent="-304800" rtl="0">
+              <a:spcBef>
+                <a:spcPts val="0"/>
+              </a:spcBef>
+              <a:buSzPct val="100000"/>
+            </a:pPr>
+            <a:r>
+              <a:rPr lang="es" sz="1200"/>
+              <a:t>Hay que “anotar” el servlet con la carpeta objetivo y el tamaño máximo.</a:t>
+            </a:r>
+          </a:p>
+          <a:p>
+            <a:pPr marL="914400" lvl="1" indent="-304800" rtl="0">
+              <a:spcBef>
+                <a:spcPts val="0"/>
+              </a:spcBef>
+              <a:buSzPct val="100000"/>
+              <a:buFont typeface="Source Code Pro"/>
+            </a:pPr>
+            <a:r>
+              <a:rPr lang="es" sz="1200">
+                <a:solidFill>
+                  <a:srgbClr val="0000FF"/>
+                </a:solidFill>
+                <a:latin typeface="Source Code Pro"/>
+                <a:ea typeface="Source Code Pro"/>
+                <a:cs typeface="Source Code Pro"/>
+                <a:sym typeface="Source Code Pro"/>
+              </a:rPr>
+              <a:t>@MultipartConfig</a:t>
+            </a:r>
+            <a:r>
+              <a:rPr lang="es" sz="1200">
+                <a:latin typeface="Source Code Pro"/>
+                <a:ea typeface="Source Code Pro"/>
+                <a:cs typeface="Source Code Pro"/>
+                <a:sym typeface="Source Code Pro"/>
+              </a:rPr>
+              <a:t>(</a:t>
+            </a:r>
+            <a:r>
+              <a:rPr lang="es" sz="1200">
+                <a:solidFill>
+                  <a:srgbClr val="980000"/>
+                </a:solidFill>
+                <a:latin typeface="Source Code Pro"/>
+                <a:ea typeface="Source Code Pro"/>
+                <a:cs typeface="Source Code Pro"/>
+                <a:sym typeface="Source Code Pro"/>
+              </a:rPr>
+              <a:t>location</a:t>
+            </a:r>
+            <a:r>
+              <a:rPr lang="es" sz="1200">
+                <a:latin typeface="Source Code Pro"/>
+                <a:ea typeface="Source Code Pro"/>
+                <a:cs typeface="Source Code Pro"/>
+                <a:sym typeface="Source Code Pro"/>
+              </a:rPr>
+              <a:t> = "c:\\upload", </a:t>
+            </a:r>
+            <a:r>
+              <a:rPr lang="es" sz="1200">
+                <a:solidFill>
+                  <a:srgbClr val="980000"/>
+                </a:solidFill>
+                <a:latin typeface="Source Code Pro"/>
+                <a:ea typeface="Source Code Pro"/>
+                <a:cs typeface="Source Code Pro"/>
+                <a:sym typeface="Source Code Pro"/>
+              </a:rPr>
+              <a:t>maxFileSize</a:t>
+            </a:r>
+            <a:r>
+              <a:rPr lang="es" sz="1200">
+                <a:latin typeface="Source Code Pro"/>
+                <a:ea typeface="Source Code Pro"/>
+                <a:cs typeface="Source Code Pro"/>
+                <a:sym typeface="Source Code Pro"/>
+              </a:rPr>
+              <a:t> = 10485760L) </a:t>
+            </a:r>
+            <a:r>
+              <a:rPr lang="es" sz="1200">
+                <a:solidFill>
+                  <a:srgbClr val="38761D"/>
+                </a:solidFill>
+                <a:latin typeface="Source Code Pro"/>
+                <a:ea typeface="Source Code Pro"/>
+                <a:cs typeface="Source Code Pro"/>
+                <a:sym typeface="Source Code Pro"/>
+              </a:rPr>
+              <a:t>// 10MB</a:t>
+            </a:r>
+          </a:p>
+          <a:p>
+            <a:pPr marL="457200" marR="0" lvl="0" indent="-304800" algn="l" rtl="0">
+              <a:lnSpc>
+                <a:spcPct val="100000"/>
+              </a:lnSpc>
+              <a:spcBef>
+                <a:spcPts val="600"/>
+              </a:spcBef>
+              <a:spcAft>
+                <a:spcPts val="0"/>
+              </a:spcAft>
+              <a:buSzPct val="100000"/>
+            </a:pPr>
+            <a:r>
+              <a:rPr lang="es" sz="1200"/>
+              <a:t>El archivo (proveniente del </a:t>
+            </a:r>
+            <a:r>
+              <a:rPr lang="es" sz="1200">
+                <a:latin typeface="Source Code Pro"/>
+                <a:ea typeface="Source Code Pro"/>
+                <a:cs typeface="Source Code Pro"/>
+                <a:sym typeface="Source Code Pro"/>
+              </a:rPr>
+              <a:t>&lt;input tipe=”file” name=”miArchivo”&gt;</a:t>
+            </a:r>
+            <a:r>
+              <a:rPr lang="es" sz="1200"/>
+              <a:t>) se recupera así:</a:t>
+            </a:r>
+          </a:p>
+          <a:p>
+            <a:pPr marL="914400" marR="0" lvl="1" indent="-304800" algn="l" rtl="0">
+              <a:lnSpc>
+                <a:spcPct val="100000"/>
+              </a:lnSpc>
+              <a:spcBef>
+                <a:spcPts val="480"/>
+              </a:spcBef>
+              <a:spcAft>
+                <a:spcPts val="0"/>
+              </a:spcAft>
+              <a:buSzPct val="100000"/>
+              <a:buFont typeface="Source Code Pro"/>
+            </a:pPr>
+            <a:r>
+              <a:rPr lang="es" sz="1200">
+                <a:solidFill>
+                  <a:srgbClr val="0000FF"/>
+                </a:solidFill>
+                <a:latin typeface="Source Code Pro"/>
+                <a:ea typeface="Source Code Pro"/>
+                <a:cs typeface="Source Code Pro"/>
+                <a:sym typeface="Source Code Pro"/>
+              </a:rPr>
+              <a:t>Part</a:t>
+            </a:r>
+            <a:r>
+              <a:rPr lang="es" sz="1200">
+                <a:latin typeface="Source Code Pro"/>
+                <a:ea typeface="Source Code Pro"/>
+                <a:cs typeface="Source Code Pro"/>
+                <a:sym typeface="Source Code Pro"/>
+              </a:rPr>
+              <a:t> parteArchivo = </a:t>
+            </a:r>
+            <a:r>
+              <a:rPr lang="es" sz="1200">
+                <a:solidFill>
+                  <a:srgbClr val="980000"/>
+                </a:solidFill>
+                <a:latin typeface="Source Code Pro"/>
+                <a:ea typeface="Source Code Pro"/>
+                <a:cs typeface="Source Code Pro"/>
+                <a:sym typeface="Source Code Pro"/>
+              </a:rPr>
+              <a:t>request</a:t>
+            </a:r>
+            <a:r>
+              <a:rPr lang="es" sz="1200">
+                <a:latin typeface="Source Code Pro"/>
+                <a:ea typeface="Source Code Pro"/>
+                <a:cs typeface="Source Code Pro"/>
+                <a:sym typeface="Source Code Pro"/>
+              </a:rPr>
+              <a:t>.</a:t>
+            </a:r>
+            <a:r>
+              <a:rPr lang="es" sz="1200">
+                <a:solidFill>
+                  <a:srgbClr val="0000FF"/>
+                </a:solidFill>
+                <a:latin typeface="Source Code Pro"/>
+                <a:ea typeface="Source Code Pro"/>
+                <a:cs typeface="Source Code Pro"/>
+                <a:sym typeface="Source Code Pro"/>
+              </a:rPr>
+              <a:t>getPart</a:t>
+            </a:r>
+            <a:r>
+              <a:rPr lang="es" sz="1200">
+                <a:latin typeface="Source Code Pro"/>
+                <a:ea typeface="Source Code Pro"/>
+                <a:cs typeface="Source Code Pro"/>
+                <a:sym typeface="Source Code Pro"/>
+              </a:rPr>
+              <a:t>("miArchivo"); </a:t>
+            </a:r>
+          </a:p>
+          <a:p>
+            <a:pPr marL="457200" marR="0" lvl="0" indent="-304800" algn="l" rtl="0">
+              <a:lnSpc>
+                <a:spcPct val="100000"/>
+              </a:lnSpc>
+              <a:spcBef>
+                <a:spcPts val="600"/>
+              </a:spcBef>
+              <a:spcAft>
+                <a:spcPts val="0"/>
+              </a:spcAft>
+              <a:buSzPct val="100000"/>
+            </a:pPr>
+            <a:r>
+              <a:rPr lang="es" sz="1200"/>
+              <a:t>Hay que renombrar el archivo temporal con el nombre original</a:t>
+            </a:r>
+          </a:p>
+          <a:p>
+            <a:pPr marL="914400" marR="0" lvl="1" indent="-304800" algn="l" rtl="0">
+              <a:lnSpc>
+                <a:spcPct val="100000"/>
+              </a:lnSpc>
+              <a:spcBef>
+                <a:spcPts val="480"/>
+              </a:spcBef>
+              <a:spcAft>
+                <a:spcPts val="0"/>
+              </a:spcAft>
+              <a:buSzPct val="100000"/>
+              <a:buFont typeface="Source Code Pro"/>
+            </a:pPr>
+            <a:r>
+              <a:rPr lang="es" sz="1200">
+                <a:solidFill>
+                  <a:srgbClr val="980000"/>
+                </a:solidFill>
+                <a:latin typeface="Source Code Pro"/>
+                <a:ea typeface="Source Code Pro"/>
+                <a:cs typeface="Source Code Pro"/>
+                <a:sym typeface="Source Code Pro"/>
+              </a:rPr>
+              <a:t>parteArchivo</a:t>
+            </a:r>
+            <a:r>
+              <a:rPr lang="es" sz="1200">
+                <a:latin typeface="Source Code Pro"/>
+                <a:ea typeface="Source Code Pro"/>
+                <a:cs typeface="Source Code Pro"/>
+                <a:sym typeface="Source Code Pro"/>
+              </a:rPr>
+              <a:t>.</a:t>
+            </a:r>
+            <a:r>
+              <a:rPr lang="es" sz="1200">
+                <a:solidFill>
+                  <a:srgbClr val="0000FF"/>
+                </a:solidFill>
+                <a:latin typeface="Source Code Pro"/>
+                <a:ea typeface="Source Code Pro"/>
+                <a:cs typeface="Source Code Pro"/>
+                <a:sym typeface="Source Code Pro"/>
+              </a:rPr>
+              <a:t>write</a:t>
+            </a:r>
+            <a:r>
+              <a:rPr lang="es" sz="1200">
+                <a:latin typeface="Source Code Pro"/>
+                <a:ea typeface="Source Code Pro"/>
+                <a:cs typeface="Source Code Pro"/>
+                <a:sym typeface="Source Code Pro"/>
+              </a:rPr>
+              <a:t>(nombreArchivo);</a:t>
+            </a:r>
+          </a:p>
+          <a:p>
+            <a:pPr marL="457200" marR="0" lvl="0" indent="-304800" algn="l" rtl="0">
+              <a:lnSpc>
+                <a:spcPct val="100000"/>
+              </a:lnSpc>
+              <a:spcBef>
+                <a:spcPts val="600"/>
+              </a:spcBef>
+              <a:spcAft>
+                <a:spcPts val="0"/>
+              </a:spcAft>
+              <a:buSzPct val="100000"/>
+            </a:pPr>
+            <a:r>
+              <a:rPr lang="es" sz="1200"/>
+              <a:t>El nombre original del archivo se obtiene así.</a:t>
+            </a:r>
+          </a:p>
+          <a:p>
+            <a:pPr marL="0" marR="0" lvl="0" indent="0" algn="l" rtl="0">
+              <a:lnSpc>
+                <a:spcPct val="100000"/>
+              </a:lnSpc>
+              <a:spcBef>
+                <a:spcPts val="600"/>
+              </a:spcBef>
+              <a:spcAft>
+                <a:spcPts val="0"/>
+              </a:spcAft>
+              <a:buNone/>
+            </a:pPr>
+            <a:endParaRPr sz="1200"/>
           </a:p>
         </p:txBody>
       </p:sp>
+      <p:pic>
+        <p:nvPicPr>
+          <p:cNvPr id="102" name="Shape 102"/>
+          <p:cNvPicPr preferRelativeResize="0"/>
+          <p:nvPr/>
+        </p:nvPicPr>
+        <p:blipFill>
+          <a:blip r:embed="rId3">
+            <a:alphaModFix/>
+          </a:blip>
+          <a:stretch>
+            <a:fillRect/>
+          </a:stretch>
+        </p:blipFill>
+        <p:spPr>
+          <a:xfrm>
+            <a:off x="1034000" y="3022150"/>
+            <a:ext cx="5933338" cy="1903700"/>
+          </a:xfrm>
+          <a:prstGeom prst="rect">
+            <a:avLst/>
+          </a:prstGeom>
+          <a:noFill/>
+          <a:ln w="9525" cap="flat" cmpd="sng">
+            <a:solidFill>
+              <a:srgbClr val="980000"/>
+            </a:solidFill>
+            <a:prstDash val="solid"/>
+            <a:round/>
+            <a:headEnd type="none" w="med" len="med"/>
+            <a:tailEnd type="none" w="med" len="med"/>
+          </a:ln>
+        </p:spPr>
+      </p:pic>
     </p:spTree>
   </p:cSld>
   <p:clrMapOvr>
@@ -4586,12 +5130,12 @@
 </p:sld>
 </file>
 
-<file path=ppt/slides/slide10.xml><?xml version="1.0" encoding="utf-8"?>
-<p:sld xmlns:a="http://schemas.openxmlformats.org/drawingml/2006/main" xmlns:r="http://schemas.openxmlformats.org/officeDocument/2006/relationships" xmlns:mc="http://schemas.openxmlformats.org/markup-compatibility/2006" xmlns:mv="urn:schemas-microsoft-com:mac:vml" xmlns:p="http://schemas.openxmlformats.org/presentationml/2006/main" xmlns:c="http://schemas.openxmlformats.org/drawingml/2006/chart" xmlns:dgm="http://schemas.openxmlformats.org/drawingml/2006/diagram" xmlns:o="urn:schemas-microsoft-com:office:office" xmlns:v="urn:schemas-microsoft-com:vml" xmlns:pvml="urn:schemas-microsoft-com:office:powerpoint" xmlns:com="http://schemas.openxmlformats.org/drawingml/2006/compatibility" xmlns:p14="http://schemas.microsoft.com/office/powerpoint/2010/main">
+<file path=ppt/slides/slide11.xml><?xml version="1.0" encoding="utf-8"?>
+<p:sld xmlns:a="http://schemas.openxmlformats.org/drawingml/2006/main" xmlns:r="http://schemas.openxmlformats.org/officeDocument/2006/relationships" xmlns:p="http://schemas.openxmlformats.org/presentationml/2006/main">
   <p:cSld>
     <p:spTree>
       <p:nvGrpSpPr>
-        <p:cNvPr id="106" name="Shape 106"/>
+        <p:cNvPr id="1" name="Shape 106"/>
         <p:cNvGrpSpPr/>
         <p:nvPr/>
       </p:nvGrpSpPr>
@@ -4606,7 +5150,9 @@
       <p:sp>
         <p:nvSpPr>
           <p:cNvPr id="107" name="Shape 107"/>
-          <p:cNvSpPr txBox="1"/>
+          <p:cNvSpPr txBox="1">
+            <a:spLocks noGrp="1"/>
+          </p:cNvSpPr>
           <p:nvPr>
             <p:ph type="title"/>
           </p:nvPr>
@@ -4621,7 +5167,7 @@
           </a:prstGeom>
         </p:spPr>
         <p:txBody>
-          <a:bodyPr anchorCtr="0" anchor="b" bIns="91425" lIns="91425" rIns="91425" tIns="91425">
+          <a:bodyPr lIns="91425" tIns="91425" rIns="91425" bIns="91425" anchor="b" anchorCtr="0">
             <a:noAutofit/>
           </a:bodyPr>
           <a:lstStyle/>
@@ -4642,9 +5188,11 @@
       <p:sp>
         <p:nvSpPr>
           <p:cNvPr id="108" name="Shape 108"/>
-          <p:cNvSpPr txBox="1"/>
+          <p:cNvSpPr txBox="1">
+            <a:spLocks noGrp="1"/>
+          </p:cNvSpPr>
           <p:nvPr>
-            <p:ph idx="1" type="body"/>
+            <p:ph type="body" idx="1"/>
           </p:nvPr>
         </p:nvSpPr>
         <p:spPr>
@@ -4657,24 +5205,24 @@
           </a:prstGeom>
         </p:spPr>
         <p:txBody>
-          <a:bodyPr anchorCtr="0" anchor="t" bIns="91425" lIns="91425" rIns="91425" tIns="91425">
+          <a:bodyPr lIns="91425" tIns="91425" rIns="91425" bIns="91425" anchor="t" anchorCtr="0">
             <a:noAutofit/>
           </a:bodyPr>
           <a:lstStyle/>
           <a:p>
-            <a:pPr indent="-323850" lvl="0" marL="457200" rtl="0">
-              <a:spcBef>
-                <a:spcPts val="0"/>
-              </a:spcBef>
-              <a:buSzPct val="100000"/>
-            </a:pPr>
-            <a:r>
-              <a:rPr lang="es" sz="1500"/>
+            <a:pPr marL="457200" lvl="0" indent="-323850" rtl="0">
+              <a:spcBef>
+                <a:spcPts val="0"/>
+              </a:spcBef>
+              <a:buSzPct val="100000"/>
+            </a:pPr>
+            <a:r>
+              <a:rPr lang="es" sz="1500" dirty="0"/>
               <a:t>Crear una cookie</a:t>
             </a:r>
           </a:p>
           <a:p>
-            <a:pPr indent="-323850" lvl="1" marL="914400" rtl="0">
+            <a:pPr marL="914400" lvl="1" indent="-323850" rtl="0">
               <a:spcBef>
                 <a:spcPts val="0"/>
               </a:spcBef>
@@ -4685,7 +5233,7 @@
               <a:buFont typeface="Source Code Pro"/>
             </a:pPr>
             <a:r>
-              <a:rPr lang="es" sz="1500">
+              <a:rPr lang="es" sz="1500" dirty="0">
                 <a:solidFill>
                   <a:srgbClr val="0000FF"/>
                 </a:solidFill>
@@ -4697,7 +5245,7 @@
               <a:t>Cookie </a:t>
             </a:r>
             <a:r>
-              <a:rPr lang="es" sz="1500">
+              <a:rPr lang="es" sz="1500" dirty="0">
                 <a:solidFill>
                   <a:srgbClr val="980000"/>
                 </a:solidFill>
@@ -4709,7 +5257,7 @@
               <a:t>c</a:t>
             </a:r>
             <a:r>
-              <a:rPr lang="es" sz="1500">
+              <a:rPr lang="es" sz="1500" dirty="0">
                 <a:solidFill>
                   <a:srgbClr val="0000FF"/>
                 </a:solidFill>
@@ -4722,7 +5270,7 @@
             </a:r>
           </a:p>
           <a:p>
-            <a:pPr indent="-323850" lvl="0" marL="457200" marR="0" rtl="0" algn="l">
+            <a:pPr marL="457200" marR="0" lvl="0" indent="-323850" algn="l" rtl="0">
               <a:lnSpc>
                 <a:spcPct val="100000"/>
               </a:lnSpc>
@@ -4735,12 +5283,12 @@
               <a:buSzPct val="100000"/>
             </a:pPr>
             <a:r>
-              <a:rPr lang="es" sz="1500"/>
+              <a:rPr lang="es" sz="1500" dirty="0"/>
               <a:t>Modificar la cookie</a:t>
             </a:r>
           </a:p>
           <a:p>
-            <a:pPr indent="-323850" lvl="1" marL="914400" rtl="0">
+            <a:pPr marL="914400" lvl="1" indent="-323850" rtl="0">
               <a:spcBef>
                 <a:spcPts val="0"/>
               </a:spcBef>
@@ -4751,7 +5299,7 @@
               <a:buFont typeface="Source Code Pro"/>
             </a:pPr>
             <a:r>
-              <a:rPr lang="es" sz="1500">
+              <a:rPr lang="es" sz="1500" dirty="0">
                 <a:solidFill>
                   <a:srgbClr val="980000"/>
                 </a:solidFill>
@@ -4763,7 +5311,7 @@
               <a:t>c</a:t>
             </a:r>
             <a:r>
-              <a:rPr lang="es" sz="1500">
+              <a:rPr lang="es" sz="1500" dirty="0">
                 <a:solidFill>
                   <a:srgbClr val="0000FF"/>
                 </a:solidFill>
@@ -4775,7 +5323,7 @@
               <a:t>.setValue(”Otro valor”); </a:t>
             </a:r>
             <a:r>
-              <a:rPr lang="es" sz="1500">
+              <a:rPr lang="es" sz="1500" dirty="0">
                 <a:solidFill>
                   <a:srgbClr val="980000"/>
                 </a:solidFill>
@@ -4787,7 +5335,7 @@
               <a:t>c</a:t>
             </a:r>
             <a:r>
-              <a:rPr lang="es" sz="1500">
+              <a:rPr lang="es" sz="1500" dirty="0">
                 <a:solidFill>
                   <a:srgbClr val="0000FF"/>
                 </a:solidFill>
@@ -4799,7 +5347,7 @@
               <a:t>.setMaxAge(24000); </a:t>
             </a:r>
             <a:r>
-              <a:rPr lang="es" sz="1500">
+              <a:rPr lang="es" sz="1500" dirty="0">
                 <a:solidFill>
                   <a:srgbClr val="38761D"/>
                 </a:solidFill>
@@ -4812,19 +5360,19 @@
             </a:r>
           </a:p>
           <a:p>
-            <a:pPr indent="-323850" lvl="0" marL="457200" rtl="0">
-              <a:spcBef>
-                <a:spcPts val="0"/>
-              </a:spcBef>
-              <a:buSzPct val="100000"/>
-            </a:pPr>
-            <a:r>
-              <a:rPr lang="es" sz="1500"/>
+            <a:pPr marL="457200" lvl="0" indent="-323850" rtl="0">
+              <a:spcBef>
+                <a:spcPts val="0"/>
+              </a:spcBef>
+              <a:buSzPct val="100000"/>
+            </a:pPr>
+            <a:r>
+              <a:rPr lang="es" sz="1500" dirty="0"/>
               <a:t>Enviarla al cliente (antes del primer “print”)</a:t>
             </a:r>
           </a:p>
           <a:p>
-            <a:pPr indent="-323850" lvl="1" marL="914400" rtl="0">
+            <a:pPr marL="914400" lvl="1" indent="-323850" rtl="0">
               <a:spcBef>
                 <a:spcPts val="0"/>
               </a:spcBef>
@@ -4835,7 +5383,7 @@
               <a:buFont typeface="Source Code Pro"/>
             </a:pPr>
             <a:r>
-              <a:rPr lang="es" sz="1500">
+              <a:rPr lang="es" sz="1500" dirty="0">
                 <a:solidFill>
                   <a:srgbClr val="0000FF"/>
                 </a:solidFill>
@@ -4847,7 +5395,7 @@
               <a:t>response.addCookie(</a:t>
             </a:r>
             <a:r>
-              <a:rPr lang="es" sz="1500">
+              <a:rPr lang="es" sz="1500" dirty="0">
                 <a:solidFill>
                   <a:srgbClr val="980000"/>
                 </a:solidFill>
@@ -4859,7 +5407,7 @@
               <a:t>c</a:t>
             </a:r>
             <a:r>
-              <a:rPr lang="es" sz="1500">
+              <a:rPr lang="es" sz="1500" dirty="0">
                 <a:solidFill>
                   <a:srgbClr val="0000FF"/>
                 </a:solidFill>
@@ -4872,19 +5420,19 @@
             </a:r>
           </a:p>
           <a:p>
-            <a:pPr indent="-323850" lvl="0" marL="457200" rtl="0">
-              <a:spcBef>
-                <a:spcPts val="0"/>
-              </a:spcBef>
-              <a:buSzPct val="100000"/>
-            </a:pPr>
-            <a:r>
-              <a:rPr lang="es" sz="1500"/>
+            <a:pPr marL="457200" lvl="0" indent="-323850" rtl="0">
+              <a:spcBef>
+                <a:spcPts val="0"/>
+              </a:spcBef>
+              <a:buSzPct val="100000"/>
+            </a:pPr>
+            <a:r>
+              <a:rPr lang="es" sz="1500" dirty="0"/>
               <a:t>Recuperar cookies</a:t>
             </a:r>
           </a:p>
           <a:p>
-            <a:pPr indent="-323850" lvl="1" marL="914400" rtl="0">
+            <a:pPr marL="914400" lvl="1" indent="-323850" rtl="0">
               <a:spcBef>
                 <a:spcPts val="0"/>
               </a:spcBef>
@@ -4895,7 +5443,7 @@
               <a:buFont typeface="Source Code Pro"/>
             </a:pPr>
             <a:r>
-              <a:rPr lang="es" sz="1500">
+              <a:rPr lang="es" sz="1500" dirty="0">
                 <a:solidFill>
                   <a:srgbClr val="0000FF"/>
                 </a:solidFill>
@@ -4907,7 +5455,7 @@
               <a:t>Cookie[ ] </a:t>
             </a:r>
             <a:r>
-              <a:rPr lang="es" sz="1500">
+              <a:rPr lang="es" sz="1500" dirty="0">
                 <a:solidFill>
                   <a:srgbClr val="980000"/>
                 </a:solidFill>
@@ -4919,7 +5467,7 @@
               <a:t>cs</a:t>
             </a:r>
             <a:r>
-              <a:rPr lang="es" sz="1500">
+              <a:rPr lang="es" sz="1500" dirty="0">
                 <a:solidFill>
                   <a:srgbClr val="0000FF"/>
                 </a:solidFill>
@@ -4932,19 +5480,19 @@
             </a:r>
           </a:p>
           <a:p>
-            <a:pPr indent="-323850" lvl="0" marL="457200" rtl="0">
-              <a:spcBef>
-                <a:spcPts val="0"/>
-              </a:spcBef>
-              <a:buSzPct val="100000"/>
-            </a:pPr>
-            <a:r>
-              <a:rPr lang="es" sz="1500"/>
+            <a:pPr marL="457200" lvl="0" indent="-323850" rtl="0">
+              <a:spcBef>
+                <a:spcPts val="0"/>
+              </a:spcBef>
+              <a:buSzPct val="100000"/>
+            </a:pPr>
+            <a:r>
+              <a:rPr lang="es" sz="1500" dirty="0"/>
               <a:t>Comprobar si hay alguna cookie</a:t>
             </a:r>
           </a:p>
           <a:p>
-            <a:pPr indent="-323850" lvl="1" marL="914400" rtl="0">
+            <a:pPr marL="914400" lvl="1" indent="-323850" rtl="0">
               <a:spcBef>
                 <a:spcPts val="0"/>
               </a:spcBef>
@@ -4955,7 +5503,7 @@
               <a:buFont typeface="Source Code Pro"/>
             </a:pPr>
             <a:r>
-              <a:rPr lang="es" sz="1500">
+              <a:rPr lang="es" sz="1500" dirty="0">
                 <a:solidFill>
                   <a:srgbClr val="0000FF"/>
                 </a:solidFill>
@@ -4967,7 +5515,7 @@
               <a:t>if (</a:t>
             </a:r>
             <a:r>
-              <a:rPr lang="es" sz="1500">
+              <a:rPr lang="es" sz="1500" dirty="0">
                 <a:solidFill>
                   <a:srgbClr val="980000"/>
                 </a:solidFill>
@@ -4979,7 +5527,7 @@
               <a:t>cs</a:t>
             </a:r>
             <a:r>
-              <a:rPr lang="es" sz="1500">
+              <a:rPr lang="es" sz="1500" dirty="0">
                 <a:solidFill>
                   <a:srgbClr val="0000FF"/>
                 </a:solidFill>
@@ -4991,7 +5539,7 @@
               <a:t> != null &amp;&amp; </a:t>
             </a:r>
             <a:r>
-              <a:rPr lang="es" sz="1500">
+              <a:rPr lang="es" sz="1500" dirty="0">
                 <a:solidFill>
                   <a:srgbClr val="980000"/>
                 </a:solidFill>
@@ -5003,7 +5551,7 @@
               <a:t>cs</a:t>
             </a:r>
             <a:r>
-              <a:rPr lang="es" sz="1500">
+              <a:rPr lang="es" sz="1500" dirty="0">
                 <a:solidFill>
                   <a:srgbClr val="0000FF"/>
                 </a:solidFill>
@@ -5016,19 +5564,19 @@
             </a:r>
           </a:p>
           <a:p>
-            <a:pPr indent="-323850" lvl="0" marL="457200" rtl="0">
-              <a:spcBef>
-                <a:spcPts val="0"/>
-              </a:spcBef>
-              <a:buSzPct val="100000"/>
-            </a:pPr>
-            <a:r>
-              <a:rPr lang="es" sz="1500"/>
+            <a:pPr marL="457200" lvl="0" indent="-323850" rtl="0">
+              <a:spcBef>
+                <a:spcPts val="0"/>
+              </a:spcBef>
+              <a:buSzPct val="100000"/>
+            </a:pPr>
+            <a:r>
+              <a:rPr lang="es" sz="1500" dirty="0"/>
               <a:t>Acceso a los datos de cada cookie del array</a:t>
             </a:r>
           </a:p>
           <a:p>
-            <a:pPr indent="-323850" lvl="1" marL="914400" rtl="0">
+            <a:pPr marL="914400" lvl="1" indent="-323850" rtl="0">
               <a:spcBef>
                 <a:spcPts val="0"/>
               </a:spcBef>
@@ -5039,7 +5587,7 @@
               <a:buFont typeface="Source Code Pro"/>
             </a:pPr>
             <a:r>
-              <a:rPr lang="es" sz="1500">
+              <a:rPr lang="es" sz="1500" dirty="0">
                 <a:solidFill>
                   <a:srgbClr val="980000"/>
                 </a:solidFill>
@@ -5051,7 +5599,7 @@
               <a:t>cs</a:t>
             </a:r>
             <a:r>
-              <a:rPr lang="es" sz="1500">
+              <a:rPr lang="es" sz="1500" dirty="0">
                 <a:solidFill>
                   <a:srgbClr val="0000FF"/>
                 </a:solidFill>
@@ -5064,7 +5612,7 @@
             </a:r>
           </a:p>
           <a:p>
-            <a:pPr indent="-323850" lvl="1" marL="914400" rtl="0">
+            <a:pPr marL="914400" lvl="1" indent="-323850" rtl="0">
               <a:spcBef>
                 <a:spcPts val="0"/>
               </a:spcBef>
@@ -5075,7 +5623,7 @@
               <a:buFont typeface="Source Code Pro"/>
             </a:pPr>
             <a:r>
-              <a:rPr lang="es" sz="1500">
+              <a:rPr lang="es" sz="1500" dirty="0">
                 <a:solidFill>
                   <a:srgbClr val="980000"/>
                 </a:solidFill>
@@ -5087,7 +5635,7 @@
               <a:t>cs</a:t>
             </a:r>
             <a:r>
-              <a:rPr lang="es" sz="1500">
+              <a:rPr lang="es" sz="1500" dirty="0">
                 <a:solidFill>
                   <a:srgbClr val="0000FF"/>
                 </a:solidFill>
@@ -5100,7 +5648,7 @@
             </a:r>
           </a:p>
           <a:p>
-            <a:pPr indent="-323850" lvl="0" marL="457200" marR="0" rtl="0" algn="l">
+            <a:pPr marL="457200" marR="0" lvl="0" indent="-323850" algn="l" rtl="0">
               <a:lnSpc>
                 <a:spcPct val="100000"/>
               </a:lnSpc>
@@ -5113,12 +5661,12 @@
               <a:buSzPct val="100000"/>
             </a:pPr>
             <a:r>
-              <a:rPr lang="es" sz="1500"/>
+              <a:rPr lang="es" sz="1500" dirty="0"/>
               <a:t>Codificando / decodificando los caracteres “raros” de las cookies (nombre y/o valor)</a:t>
             </a:r>
           </a:p>
           <a:p>
-            <a:pPr indent="-323850" lvl="1" marL="914400" rtl="0">
+            <a:pPr marL="914400" lvl="1" indent="-323850" rtl="0">
               <a:spcBef>
                 <a:spcPts val="0"/>
               </a:spcBef>
@@ -5129,7 +5677,7 @@
               <a:buFont typeface="Source Code Pro"/>
             </a:pPr>
             <a:r>
-              <a:rPr lang="es" sz="1500">
+              <a:rPr lang="es" sz="1500" dirty="0">
                 <a:solidFill>
                   <a:srgbClr val="0000FF"/>
                 </a:solidFill>
@@ -5142,7 +5690,7 @@
             </a:r>
           </a:p>
           <a:p>
-            <a:pPr indent="-323850" lvl="1" marL="914400">
+            <a:pPr marL="914400" lvl="1" indent="-323850">
               <a:spcBef>
                 <a:spcPts val="0"/>
               </a:spcBef>
@@ -5153,7 +5701,7 @@
               <a:buFont typeface="Source Code Pro"/>
             </a:pPr>
             <a:r>
-              <a:rPr lang="es" sz="1500">
+              <a:rPr lang="es" sz="1500" dirty="0">
                 <a:solidFill>
                   <a:srgbClr val="0000FF"/>
                 </a:solidFill>
@@ -5178,12 +5726,12 @@
 </p:sld>
 </file>
 
-<file path=ppt/slides/slide11.xml><?xml version="1.0" encoding="utf-8"?>
-<p:sld xmlns:a="http://schemas.openxmlformats.org/drawingml/2006/main" xmlns:r="http://schemas.openxmlformats.org/officeDocument/2006/relationships" xmlns:mc="http://schemas.openxmlformats.org/markup-compatibility/2006" xmlns:mv="urn:schemas-microsoft-com:mac:vml" xmlns:p="http://schemas.openxmlformats.org/presentationml/2006/main" xmlns:c="http://schemas.openxmlformats.org/drawingml/2006/chart" xmlns:dgm="http://schemas.openxmlformats.org/drawingml/2006/diagram" xmlns:o="urn:schemas-microsoft-com:office:office" xmlns:v="urn:schemas-microsoft-com:vml" xmlns:pvml="urn:schemas-microsoft-com:office:powerpoint" xmlns:com="http://schemas.openxmlformats.org/drawingml/2006/compatibility" xmlns:p14="http://schemas.microsoft.com/office/powerpoint/2010/main">
+<file path=ppt/slides/slide12.xml><?xml version="1.0" encoding="utf-8"?>
+<p:sld xmlns:a="http://schemas.openxmlformats.org/drawingml/2006/main" xmlns:r="http://schemas.openxmlformats.org/officeDocument/2006/relationships" xmlns:p="http://schemas.openxmlformats.org/presentationml/2006/main">
   <p:cSld>
     <p:spTree>
       <p:nvGrpSpPr>
-        <p:cNvPr id="112" name="Shape 112"/>
+        <p:cNvPr id="1" name="Shape 112"/>
         <p:cNvGrpSpPr/>
         <p:nvPr/>
       </p:nvGrpSpPr>
@@ -5198,7 +5746,9 @@
       <p:sp>
         <p:nvSpPr>
           <p:cNvPr id="113" name="Shape 113"/>
-          <p:cNvSpPr txBox="1"/>
+          <p:cNvSpPr txBox="1">
+            <a:spLocks noGrp="1"/>
+          </p:cNvSpPr>
           <p:nvPr>
             <p:ph type="title"/>
           </p:nvPr>
@@ -5213,7 +5763,7 @@
           </a:prstGeom>
         </p:spPr>
         <p:txBody>
-          <a:bodyPr anchorCtr="0" anchor="b" bIns="91425" lIns="91425" rIns="91425" tIns="91425">
+          <a:bodyPr lIns="91425" tIns="91425" rIns="91425" bIns="91425" anchor="b" anchorCtr="0">
             <a:noAutofit/>
           </a:bodyPr>
           <a:lstStyle/>
@@ -5234,9 +5784,11 @@
       <p:sp>
         <p:nvSpPr>
           <p:cNvPr id="114" name="Shape 114"/>
-          <p:cNvSpPr txBox="1"/>
+          <p:cNvSpPr txBox="1">
+            <a:spLocks noGrp="1"/>
+          </p:cNvSpPr>
           <p:nvPr>
-            <p:ph idx="1" type="body"/>
+            <p:ph type="body" idx="1"/>
           </p:nvPr>
         </p:nvSpPr>
         <p:spPr>
@@ -5249,24 +5801,24 @@
           </a:prstGeom>
         </p:spPr>
         <p:txBody>
-          <a:bodyPr anchorCtr="0" anchor="t" bIns="91425" lIns="91425" rIns="91425" tIns="91425">
+          <a:bodyPr lIns="91425" tIns="91425" rIns="91425" bIns="91425" anchor="t" anchorCtr="0">
             <a:noAutofit/>
           </a:bodyPr>
           <a:lstStyle/>
           <a:p>
-            <a:pPr indent="-336550" lvl="0" marL="457200" rtl="0">
-              <a:spcBef>
-                <a:spcPts val="0"/>
-              </a:spcBef>
-              <a:buSzPct val="100000"/>
-            </a:pPr>
-            <a:r>
-              <a:rPr lang="es" sz="1700"/>
+            <a:pPr marL="457200" lvl="0" indent="-336550" rtl="0">
+              <a:spcBef>
+                <a:spcPts val="0"/>
+              </a:spcBef>
+              <a:buSzPct val="100000"/>
+            </a:pPr>
+            <a:r>
+              <a:rPr lang="es" sz="1700" dirty="0"/>
               <a:t>Crear u obtener una sesión ya iniciada.</a:t>
             </a:r>
           </a:p>
           <a:p>
-            <a:pPr indent="-336550" lvl="1" marL="914400" rtl="0">
+            <a:pPr marL="914400" lvl="1" indent="-336550" rtl="0">
               <a:spcBef>
                 <a:spcPts val="0"/>
               </a:spcBef>
@@ -5276,7 +5828,7 @@
               <a:buSzPct val="100000"/>
             </a:pPr>
             <a:r>
-              <a:rPr lang="es" sz="1700">
+              <a:rPr lang="es" sz="1700" dirty="0">
                 <a:solidFill>
                   <a:srgbClr val="0000FF"/>
                 </a:solidFill>
@@ -5284,7 +5836,7 @@
               <a:t>HttpSession </a:t>
             </a:r>
             <a:r>
-              <a:rPr lang="es" sz="1700">
+              <a:rPr lang="es" sz="1700" dirty="0">
                 <a:solidFill>
                   <a:srgbClr val="980000"/>
                 </a:solidFill>
@@ -5292,7 +5844,7 @@
               <a:t>sesion</a:t>
             </a:r>
             <a:r>
-              <a:rPr lang="es" sz="1700">
+              <a:rPr lang="es" sz="1700" dirty="0">
                 <a:solidFill>
                   <a:srgbClr val="0000FF"/>
                 </a:solidFill>
@@ -5301,19 +5853,19 @@
             </a:r>
           </a:p>
           <a:p>
-            <a:pPr indent="-336550" lvl="0" marL="457200" rtl="0">
-              <a:spcBef>
-                <a:spcPts val="0"/>
-              </a:spcBef>
-              <a:buSzPct val="100000"/>
-            </a:pPr>
-            <a:r>
-              <a:rPr lang="es" sz="1700"/>
+            <a:pPr marL="457200" lvl="0" indent="-336550" rtl="0">
+              <a:spcBef>
+                <a:spcPts val="0"/>
+              </a:spcBef>
+              <a:buSzPct val="100000"/>
+            </a:pPr>
+            <a:r>
+              <a:rPr lang="es" sz="1700" dirty="0"/>
               <a:t>Consultar datos de sesión</a:t>
             </a:r>
           </a:p>
           <a:p>
-            <a:pPr indent="-336550" lvl="1" marL="914400" rtl="0">
+            <a:pPr marL="914400" lvl="1" indent="-336550" rtl="0">
               <a:spcBef>
                 <a:spcPts val="0"/>
               </a:spcBef>
@@ -5323,7 +5875,7 @@
               <a:buSzPct val="100000"/>
             </a:pPr>
             <a:r>
-              <a:rPr lang="es" sz="1700">
+              <a:rPr lang="es" sz="1700" dirty="0">
                 <a:solidFill>
                   <a:srgbClr val="980000"/>
                 </a:solidFill>
@@ -5331,7 +5883,7 @@
               <a:t>sesion</a:t>
             </a:r>
             <a:r>
-              <a:rPr lang="es" sz="1700">
+              <a:rPr lang="es" sz="1700" dirty="0">
                 <a:solidFill>
                   <a:srgbClr val="0000FF"/>
                 </a:solidFill>
@@ -5340,7 +5892,7 @@
             </a:r>
           </a:p>
           <a:p>
-            <a:pPr indent="-336550" lvl="1" marL="914400" rtl="0">
+            <a:pPr marL="914400" lvl="1" indent="-336550" rtl="0">
               <a:spcBef>
                 <a:spcPts val="0"/>
               </a:spcBef>
@@ -5350,7 +5902,7 @@
               <a:buSzPct val="100000"/>
             </a:pPr>
             <a:r>
-              <a:rPr lang="es" sz="1700">
+              <a:rPr lang="es" sz="1700" dirty="0">
                 <a:solidFill>
                   <a:srgbClr val="0000FF"/>
                 </a:solidFill>
@@ -5358,7 +5910,7 @@
               <a:t>new Date(</a:t>
             </a:r>
             <a:r>
-              <a:rPr lang="es" sz="1700">
+              <a:rPr lang="es" sz="1700" dirty="0">
                 <a:solidFill>
                   <a:srgbClr val="980000"/>
                 </a:solidFill>
@@ -5366,7 +5918,7 @@
               <a:t>sesion</a:t>
             </a:r>
             <a:r>
-              <a:rPr lang="es" sz="1700">
+              <a:rPr lang="es" sz="1700" dirty="0">
                 <a:solidFill>
                   <a:srgbClr val="0000FF"/>
                 </a:solidFill>
@@ -5375,7 +5927,7 @@
             </a:r>
           </a:p>
           <a:p>
-            <a:pPr indent="-336550" lvl="1" marL="914400" rtl="0">
+            <a:pPr marL="914400" lvl="1" indent="-336550" rtl="0">
               <a:spcBef>
                 <a:spcPts val="0"/>
               </a:spcBef>
@@ -5385,7 +5937,7 @@
               <a:buSzPct val="100000"/>
             </a:pPr>
             <a:r>
-              <a:rPr lang="es" sz="1700">
+              <a:rPr lang="es" sz="1700" dirty="0">
                 <a:solidFill>
                   <a:srgbClr val="0000FF"/>
                 </a:solidFill>
@@ -5393,7 +5945,7 @@
               <a:t>new Date(</a:t>
             </a:r>
             <a:r>
-              <a:rPr lang="es" sz="1700">
+              <a:rPr lang="es" sz="1700" dirty="0">
                 <a:solidFill>
                   <a:srgbClr val="980000"/>
                 </a:solidFill>
@@ -5401,7 +5953,7 @@
               <a:t>sesion</a:t>
             </a:r>
             <a:r>
-              <a:rPr lang="es" sz="1700">
+              <a:rPr lang="es" sz="1700" dirty="0">
                 <a:solidFill>
                   <a:srgbClr val="0000FF"/>
                 </a:solidFill>
@@ -5410,19 +5962,19 @@
             </a:r>
           </a:p>
           <a:p>
-            <a:pPr indent="-336550" lvl="0" marL="457200" rtl="0">
-              <a:spcBef>
-                <a:spcPts val="0"/>
-              </a:spcBef>
-              <a:buSzPct val="100000"/>
-            </a:pPr>
-            <a:r>
-              <a:rPr lang="es" sz="1700"/>
+            <a:pPr marL="457200" lvl="0" indent="-336550" rtl="0">
+              <a:spcBef>
+                <a:spcPts val="0"/>
+              </a:spcBef>
+              <a:buSzPct val="100000"/>
+            </a:pPr>
+            <a:r>
+              <a:rPr lang="es" sz="1700" dirty="0"/>
               <a:t>Guardar datos en la sesión</a:t>
             </a:r>
           </a:p>
           <a:p>
-            <a:pPr indent="-336550" lvl="1" marL="914400" rtl="0">
+            <a:pPr marL="914400" lvl="1" indent="-336550" rtl="0">
               <a:spcBef>
                 <a:spcPts val="0"/>
               </a:spcBef>
@@ -5432,7 +5984,7 @@
               <a:buSzPct val="100000"/>
             </a:pPr>
             <a:r>
-              <a:rPr lang="es" sz="1700">
+              <a:rPr lang="es" sz="1700" dirty="0">
                 <a:solidFill>
                   <a:srgbClr val="980000"/>
                 </a:solidFill>
@@ -5440,7 +5992,7 @@
               <a:t>sesion</a:t>
             </a:r>
             <a:r>
-              <a:rPr lang="es" sz="1700">
+              <a:rPr lang="es" sz="1700" dirty="0">
                 <a:solidFill>
                   <a:srgbClr val="0000FF"/>
                 </a:solidFill>
@@ -5449,19 +6001,19 @@
             </a:r>
           </a:p>
           <a:p>
-            <a:pPr indent="-336550" lvl="0" marL="457200" rtl="0">
-              <a:spcBef>
-                <a:spcPts val="0"/>
-              </a:spcBef>
-              <a:buSzPct val="100000"/>
-            </a:pPr>
-            <a:r>
-              <a:rPr lang="es" sz="1700"/>
+            <a:pPr marL="457200" lvl="0" indent="-336550" rtl="0">
+              <a:spcBef>
+                <a:spcPts val="0"/>
+              </a:spcBef>
+              <a:buSzPct val="100000"/>
+            </a:pPr>
+            <a:r>
+              <a:rPr lang="es" sz="1700" dirty="0"/>
               <a:t>Recuperar datos de sesión</a:t>
             </a:r>
           </a:p>
           <a:p>
-            <a:pPr indent="-336550" lvl="1" marL="914400" rtl="0">
+            <a:pPr marL="914400" lvl="1" indent="-336550" rtl="0">
               <a:spcBef>
                 <a:spcPts val="0"/>
               </a:spcBef>
@@ -5471,7 +6023,7 @@
               <a:buSzPct val="100000"/>
             </a:pPr>
             <a:r>
-              <a:rPr lang="es" sz="1700">
+              <a:rPr lang="es" sz="1700" dirty="0">
                 <a:solidFill>
                   <a:srgbClr val="0000FF"/>
                 </a:solidFill>
@@ -5479,7 +6031,7 @@
               <a:t>(Integer) </a:t>
             </a:r>
             <a:r>
-              <a:rPr lang="es" sz="1700">
+              <a:rPr lang="es" sz="1700" dirty="0">
                 <a:solidFill>
                   <a:srgbClr val="980000"/>
                 </a:solidFill>
@@ -5487,7 +6039,7 @@
               <a:t>sesion</a:t>
             </a:r>
             <a:r>
-              <a:rPr lang="es" sz="1700">
+              <a:rPr lang="es" sz="1700" dirty="0">
                 <a:solidFill>
                   <a:srgbClr val="0000FF"/>
                 </a:solidFill>
@@ -5496,26 +6048,26 @@
             </a:r>
           </a:p>
           <a:p>
-            <a:pPr indent="-336550" lvl="0" marL="457200" rtl="0">
-              <a:spcBef>
-                <a:spcPts val="0"/>
-              </a:spcBef>
-              <a:buSzPct val="100000"/>
-            </a:pPr>
-            <a:r>
-              <a:rPr lang="es" sz="1700"/>
+            <a:pPr marL="457200" lvl="0" indent="-336550" rtl="0">
+              <a:spcBef>
+                <a:spcPts val="0"/>
+              </a:spcBef>
+              <a:buSzPct val="100000"/>
+            </a:pPr>
+            <a:r>
+              <a:rPr lang="es" sz="1700" dirty="0"/>
               <a:t>Eliminar un dato de la sesión</a:t>
             </a:r>
           </a:p>
           <a:p>
-            <a:pPr indent="-336550" lvl="1" marL="914400" rtl="0">
-              <a:spcBef>
-                <a:spcPts val="0"/>
-              </a:spcBef>
-              <a:buSzPct val="100000"/>
-            </a:pPr>
-            <a:r>
-              <a:rPr lang="es" sz="1700">
+            <a:pPr marL="914400" lvl="1" indent="-336550" rtl="0">
+              <a:spcBef>
+                <a:spcPts val="0"/>
+              </a:spcBef>
+              <a:buSzPct val="100000"/>
+            </a:pPr>
+            <a:r>
+              <a:rPr lang="es" sz="1700" dirty="0">
                 <a:solidFill>
                   <a:srgbClr val="980000"/>
                 </a:solidFill>
@@ -5523,7 +6075,7 @@
               <a:t>sesion</a:t>
             </a:r>
             <a:r>
-              <a:rPr lang="es" sz="1700">
+              <a:rPr lang="es" sz="1700" dirty="0">
                 <a:solidFill>
                   <a:srgbClr val="0000FF"/>
                 </a:solidFill>
@@ -5532,19 +6084,19 @@
             </a:r>
           </a:p>
           <a:p>
-            <a:pPr indent="-336550" lvl="0" marL="457200" rtl="0">
-              <a:spcBef>
-                <a:spcPts val="0"/>
-              </a:spcBef>
-              <a:buSzPct val="100000"/>
-            </a:pPr>
-            <a:r>
-              <a:rPr lang="es" sz="1700"/>
+            <a:pPr marL="457200" lvl="0" indent="-336550" rtl="0">
+              <a:spcBef>
+                <a:spcPts val="0"/>
+              </a:spcBef>
+              <a:buSzPct val="100000"/>
+            </a:pPr>
+            <a:r>
+              <a:rPr lang="es" sz="1700" dirty="0"/>
               <a:t>Destruir sesión</a:t>
             </a:r>
           </a:p>
           <a:p>
-            <a:pPr indent="-336550" lvl="1" marL="914400">
+            <a:pPr marL="914400" lvl="1" indent="-336550">
               <a:spcBef>
                 <a:spcPts val="0"/>
               </a:spcBef>
@@ -5554,7 +6106,7 @@
               <a:buSzPct val="100000"/>
             </a:pPr>
             <a:r>
-              <a:rPr lang="es" sz="1700">
+              <a:rPr lang="es" sz="1700" dirty="0">
                 <a:solidFill>
                   <a:srgbClr val="980000"/>
                 </a:solidFill>
@@ -5562,7 +6114,7 @@
               <a:t>sesion</a:t>
             </a:r>
             <a:r>
-              <a:rPr lang="es" sz="1700">
+              <a:rPr lang="es" sz="1700" dirty="0">
                 <a:solidFill>
                   <a:srgbClr val="0000FF"/>
                 </a:solidFill>
@@ -5583,12 +6135,12 @@
 </p:sld>
 </file>
 
-<file path=ppt/slides/slide12.xml><?xml version="1.0" encoding="utf-8"?>
-<p:sld xmlns:a="http://schemas.openxmlformats.org/drawingml/2006/main" xmlns:r="http://schemas.openxmlformats.org/officeDocument/2006/relationships" xmlns:mc="http://schemas.openxmlformats.org/markup-compatibility/2006" xmlns:mv="urn:schemas-microsoft-com:mac:vml" xmlns:p="http://schemas.openxmlformats.org/presentationml/2006/main" xmlns:c="http://schemas.openxmlformats.org/drawingml/2006/chart" xmlns:dgm="http://schemas.openxmlformats.org/drawingml/2006/diagram" xmlns:o="urn:schemas-microsoft-com:office:office" xmlns:v="urn:schemas-microsoft-com:vml" xmlns:pvml="urn:schemas-microsoft-com:office:powerpoint" xmlns:com="http://schemas.openxmlformats.org/drawingml/2006/compatibility" xmlns:p14="http://schemas.microsoft.com/office/powerpoint/2010/main">
+<file path=ppt/slides/slide13.xml><?xml version="1.0" encoding="utf-8"?>
+<p:sld xmlns:a="http://schemas.openxmlformats.org/drawingml/2006/main" xmlns:r="http://schemas.openxmlformats.org/officeDocument/2006/relationships" xmlns:p="http://schemas.openxmlformats.org/presentationml/2006/main">
   <p:cSld>
     <p:spTree>
       <p:nvGrpSpPr>
-        <p:cNvPr id="118" name="Shape 118"/>
+        <p:cNvPr id="1" name="Shape 118"/>
         <p:cNvGrpSpPr/>
         <p:nvPr/>
       </p:nvGrpSpPr>
@@ -5603,7 +6155,9 @@
       <p:sp>
         <p:nvSpPr>
           <p:cNvPr id="119" name="Shape 119"/>
-          <p:cNvSpPr txBox="1"/>
+          <p:cNvSpPr txBox="1">
+            <a:spLocks noGrp="1"/>
+          </p:cNvSpPr>
           <p:nvPr>
             <p:ph type="title"/>
           </p:nvPr>
@@ -5618,7 +6172,7 @@
           </a:prstGeom>
         </p:spPr>
         <p:txBody>
-          <a:bodyPr anchorCtr="0" anchor="b" bIns="91425" lIns="91425" rIns="91425" tIns="91425">
+          <a:bodyPr lIns="91425" tIns="91425" rIns="91425" bIns="91425" anchor="b" anchorCtr="0">
             <a:noAutofit/>
           </a:bodyPr>
           <a:lstStyle/>
@@ -5639,9 +6193,11 @@
       <p:sp>
         <p:nvSpPr>
           <p:cNvPr id="120" name="Shape 120"/>
-          <p:cNvSpPr txBox="1"/>
+          <p:cNvSpPr txBox="1">
+            <a:spLocks noGrp="1"/>
+          </p:cNvSpPr>
           <p:nvPr>
-            <p:ph idx="1" type="body"/>
+            <p:ph type="body" idx="1"/>
           </p:nvPr>
         </p:nvSpPr>
         <p:spPr>
@@ -5654,23 +6210,23 @@
           </a:prstGeom>
         </p:spPr>
         <p:txBody>
-          <a:bodyPr anchorCtr="0" anchor="t" bIns="91425" lIns="91425" rIns="91425" tIns="91425">
+          <a:bodyPr lIns="91425" tIns="91425" rIns="91425" bIns="91425" anchor="t" anchorCtr="0">
             <a:noAutofit/>
           </a:bodyPr>
           <a:lstStyle/>
           <a:p>
-            <a:pPr indent="-336550" lvl="0" marL="457200" rtl="0">
-              <a:spcBef>
-                <a:spcPts val="0"/>
-              </a:spcBef>
-              <a:buSzPct val="100000"/>
-            </a:pPr>
-            <a:r>
-              <a:rPr lang="es" sz="1700"/>
+            <a:pPr marL="457200" lvl="0" indent="-336550" rtl="0">
+              <a:spcBef>
+                <a:spcPts val="0"/>
+              </a:spcBef>
+              <a:buSzPct val="100000"/>
+            </a:pPr>
+            <a:r>
+              <a:rPr lang="es" sz="1700" dirty="0"/>
               <a:t>Una sesión (con todos sus datos de sesión asociados) se mantiene hasta que se ejecuta </a:t>
             </a:r>
             <a:r>
-              <a:rPr lang="es" sz="1700">
+              <a:rPr lang="es" sz="1700" dirty="0">
                 <a:solidFill>
                   <a:srgbClr val="980000"/>
                 </a:solidFill>
@@ -5678,23 +6234,23 @@
               <a:t>invalidate</a:t>
             </a:r>
             <a:r>
-              <a:rPr lang="es" sz="1700"/>
+              <a:rPr lang="es" sz="1700" dirty="0"/>
               <a:t>().</a:t>
             </a:r>
           </a:p>
           <a:p>
-            <a:pPr indent="-336550" lvl="0" marL="457200" rtl="0">
-              <a:spcBef>
-                <a:spcPts val="0"/>
-              </a:spcBef>
-              <a:buSzPct val="100000"/>
-            </a:pPr>
-            <a:r>
-              <a:rPr lang="es" sz="1700"/>
+            <a:pPr marL="457200" lvl="0" indent="-336550" rtl="0">
+              <a:spcBef>
+                <a:spcPts val="0"/>
+              </a:spcBef>
+              <a:buSzPct val="100000"/>
+            </a:pPr>
+            <a:r>
+              <a:rPr lang="es" sz="1700" dirty="0"/>
               <a:t>Las sesiones se autoinvalidan cuando vence el timeout de validez, de manera que al llamar a </a:t>
             </a:r>
             <a:r>
-              <a:rPr lang="es" sz="1700">
+              <a:rPr lang="es" sz="1700" dirty="0">
                 <a:solidFill>
                   <a:srgbClr val="980000"/>
                 </a:solidFill>
@@ -5702,23 +6258,23 @@
               <a:t>getSession</a:t>
             </a:r>
             <a:r>
-              <a:rPr lang="es" sz="1700"/>
+              <a:rPr lang="es" sz="1700" dirty="0"/>
               <a:t>(...) se obtiene una nueva (con nuevos datos).</a:t>
             </a:r>
           </a:p>
           <a:p>
-            <a:pPr indent="-336550" lvl="0" marL="457200" rtl="0">
-              <a:spcBef>
-                <a:spcPts val="0"/>
-              </a:spcBef>
-              <a:buSzPct val="100000"/>
-            </a:pPr>
-            <a:r>
-              <a:rPr lang="es" sz="1700"/>
+            <a:pPr marL="457200" lvl="0" indent="-336550" rtl="0">
+              <a:spcBef>
+                <a:spcPts val="0"/>
+              </a:spcBef>
+              <a:buSzPct val="100000"/>
+            </a:pPr>
+            <a:r>
+              <a:rPr lang="es" sz="1700" dirty="0"/>
               <a:t>El tiempo de validez de una sesión se controla editando la entrada “</a:t>
             </a:r>
             <a:r>
-              <a:rPr lang="es" sz="1700">
+              <a:rPr lang="es" sz="1700" dirty="0">
                 <a:solidFill>
                   <a:srgbClr val="980000"/>
                 </a:solidFill>
@@ -5726,29 +6282,26 @@
               <a:t>session-timeout</a:t>
             </a:r>
             <a:r>
-              <a:rPr lang="es" sz="1700"/>
+              <a:rPr lang="es" sz="1700" dirty="0"/>
               <a:t>” en el fichero “web-content/WEB-INF/</a:t>
             </a:r>
             <a:r>
-              <a:rPr b="1" lang="es" sz="1700"/>
+              <a:rPr lang="es" sz="1700" b="1" dirty="0"/>
               <a:t>web.xml</a:t>
             </a:r>
             <a:r>
-              <a:rPr lang="es" sz="1700"/>
+              <a:rPr lang="es" sz="1700" dirty="0"/>
               <a:t>”</a:t>
             </a:r>
           </a:p>
           <a:p>
-            <a:pPr indent="457200" lvl="0" rtl="0">
+            <a:pPr lvl="0" indent="457200" rtl="0">
               <a:spcBef>
                 <a:spcPts val="0"/>
               </a:spcBef>
               <a:buNone/>
             </a:pPr>
-            <a:r>
-              <a:t/>
-            </a:r>
-            <a:endParaRPr sz="1700"/>
+            <a:endParaRPr sz="1700" dirty="0"/>
           </a:p>
           <a:p>
             <a:pPr lvl="0" rtl="0">
@@ -5757,10 +6310,7 @@
               </a:spcBef>
               <a:buNone/>
             </a:pPr>
-            <a:r>
-              <a:t/>
-            </a:r>
-            <a:endParaRPr sz="1700"/>
+            <a:endParaRPr sz="1700" dirty="0"/>
           </a:p>
           <a:p>
             <a:pPr lvl="0" rtl="0">
@@ -5769,40 +6319,55 @@
               </a:spcBef>
               <a:buNone/>
             </a:pPr>
-            <a:r>
-              <a:t/>
-            </a:r>
-            <a:endParaRPr sz="1700"/>
-          </a:p>
-          <a:p>
-            <a:pPr indent="-336550" lvl="0" marL="457200" rtl="0">
-              <a:spcBef>
-                <a:spcPts val="0"/>
-              </a:spcBef>
-              <a:buSzPct val="100000"/>
-            </a:pPr>
-            <a:r>
-              <a:rPr lang="es" sz="1700"/>
+            <a:endParaRPr lang="es-ES" sz="1700" dirty="0" smtClean="0"/>
+          </a:p>
+          <a:p>
+            <a:pPr lvl="0" rtl="0">
+              <a:spcBef>
+                <a:spcPts val="0"/>
+              </a:spcBef>
+              <a:buNone/>
+            </a:pPr>
+            <a:endParaRPr lang="es-ES" sz="1700" dirty="0" smtClean="0"/>
+          </a:p>
+          <a:p>
+            <a:pPr lvl="0" rtl="0">
+              <a:spcBef>
+                <a:spcPts val="0"/>
+              </a:spcBef>
+              <a:buNone/>
+            </a:pPr>
+            <a:endParaRPr sz="1700" dirty="0"/>
+          </a:p>
+          <a:p>
+            <a:pPr marL="457200" lvl="0" indent="-336550" rtl="0">
+              <a:spcBef>
+                <a:spcPts val="0"/>
+              </a:spcBef>
+              <a:buSzPct val="100000"/>
+            </a:pPr>
+            <a:r>
+              <a:rPr lang="es" sz="1700" dirty="0"/>
               <a:t>En este ejemplo, la sesión se invalidaría a los 15 minutos sin </a:t>
             </a:r>
             <a:r>
-              <a:rPr lang="es" sz="1700" u="sng"/>
+              <a:rPr lang="es" sz="1700" u="sng" dirty="0"/>
               <a:t>usarse</a:t>
             </a:r>
             <a:r>
-              <a:rPr lang="es" sz="1700"/>
+              <a:rPr lang="es" sz="1700" dirty="0"/>
               <a:t>.</a:t>
             </a:r>
           </a:p>
           <a:p>
-            <a:pPr indent="-336550" lvl="0" marL="457200" rtl="0">
-              <a:spcBef>
-                <a:spcPts val="0"/>
-              </a:spcBef>
-              <a:buSzPct val="100000"/>
-            </a:pPr>
-            <a:r>
-              <a:rPr lang="es" sz="1700"/>
+            <a:pPr marL="457200" lvl="0" indent="-336550" rtl="0">
+              <a:spcBef>
+                <a:spcPts val="0"/>
+              </a:spcBef>
+              <a:buSzPct val="100000"/>
+            </a:pPr>
+            <a:r>
+              <a:rPr lang="es" sz="1700" dirty="0"/>
               <a:t>Para que el fichero web.xml sea “visible” en Eclipse hacer clic-derecho sobre el proyecto, “Java EE tools”, “Generate deployment descriptor stub”</a:t>
             </a:r>
           </a:p>
@@ -5823,23 +6388,23 @@
             <a:avLst/>
           </a:prstGeom>
           <a:noFill/>
-          <a:ln cap="flat" cmpd="sng" w="9525">
+          <a:ln w="9525" cap="flat" cmpd="sng">
             <a:solidFill>
               <a:srgbClr val="980000"/>
             </a:solidFill>
             <a:prstDash val="solid"/>
             <a:round/>
-            <a:headEnd len="med" w="med" type="none"/>
-            <a:tailEnd len="med" w="med" type="none"/>
+            <a:headEnd type="none" w="med" len="med"/>
+            <a:tailEnd type="none" w="med" len="med"/>
           </a:ln>
         </p:spPr>
         <p:txBody>
-          <a:bodyPr anchorCtr="0" anchor="ctr" bIns="91425" lIns="91425" rIns="91425" tIns="91425">
+          <a:bodyPr lIns="91425" tIns="91425" rIns="91425" bIns="91425" anchor="ctr" anchorCtr="0">
             <a:noAutofit/>
           </a:bodyPr>
           <a:lstStyle/>
           <a:p>
-            <a:pPr indent="457200" lvl="0" rtl="0">
+            <a:pPr lvl="0" indent="457200" rtl="0">
               <a:spcBef>
                 <a:spcPts val="600"/>
               </a:spcBef>
@@ -5859,7 +6424,7 @@
             </a:r>
           </a:p>
           <a:p>
-            <a:pPr indent="457200" lvl="0" marL="457200" rtl="0">
+            <a:pPr marL="457200" lvl="0" indent="457200" rtl="0">
               <a:spcBef>
                 <a:spcPts val="600"/>
               </a:spcBef>
@@ -5903,7 +6468,7 @@
             </a:r>
           </a:p>
           <a:p>
-            <a:pPr indent="457200" lvl="0" rtl="0">
+            <a:pPr lvl="0" indent="457200" rtl="0">
               <a:spcBef>
                 <a:spcPts val="600"/>
               </a:spcBef>
@@ -5935,12 +6500,12 @@
 </p:sld>
 </file>
 
-<file path=ppt/slides/slide13.xml><?xml version="1.0" encoding="utf-8"?>
-<p:sld xmlns:a="http://schemas.openxmlformats.org/drawingml/2006/main" xmlns:r="http://schemas.openxmlformats.org/officeDocument/2006/relationships" xmlns:mc="http://schemas.openxmlformats.org/markup-compatibility/2006" xmlns:mv="urn:schemas-microsoft-com:mac:vml" xmlns:p="http://schemas.openxmlformats.org/presentationml/2006/main" xmlns:c="http://schemas.openxmlformats.org/drawingml/2006/chart" xmlns:dgm="http://schemas.openxmlformats.org/drawingml/2006/diagram" xmlns:o="urn:schemas-microsoft-com:office:office" xmlns:v="urn:schemas-microsoft-com:vml" xmlns:pvml="urn:schemas-microsoft-com:office:powerpoint" xmlns:com="http://schemas.openxmlformats.org/drawingml/2006/compatibility" xmlns:p14="http://schemas.microsoft.com/office/powerpoint/2010/main">
+<file path=ppt/slides/slide14.xml><?xml version="1.0" encoding="utf-8"?>
+<p:sld xmlns:a="http://schemas.openxmlformats.org/drawingml/2006/main" xmlns:r="http://schemas.openxmlformats.org/officeDocument/2006/relationships" xmlns:p="http://schemas.openxmlformats.org/presentationml/2006/main">
   <p:cSld>
     <p:spTree>
       <p:nvGrpSpPr>
-        <p:cNvPr id="125" name="Shape 125"/>
+        <p:cNvPr id="1" name="Shape 125"/>
         <p:cNvGrpSpPr/>
         <p:nvPr/>
       </p:nvGrpSpPr>
@@ -5955,7 +6520,9 @@
       <p:sp>
         <p:nvSpPr>
           <p:cNvPr id="126" name="Shape 126"/>
-          <p:cNvSpPr txBox="1"/>
+          <p:cNvSpPr txBox="1">
+            <a:spLocks noGrp="1"/>
+          </p:cNvSpPr>
           <p:nvPr>
             <p:ph type="title"/>
           </p:nvPr>
@@ -5970,7 +6537,7 @@
           </a:prstGeom>
         </p:spPr>
         <p:txBody>
-          <a:bodyPr anchorCtr="0" anchor="b" bIns="91425" lIns="91425" rIns="91425" tIns="91425">
+          <a:bodyPr lIns="91425" tIns="91425" rIns="91425" bIns="91425" anchor="b" anchorCtr="0">
             <a:noAutofit/>
           </a:bodyPr>
           <a:lstStyle/>
@@ -5991,9 +6558,11 @@
       <p:sp>
         <p:nvSpPr>
           <p:cNvPr id="127" name="Shape 127"/>
-          <p:cNvSpPr txBox="1"/>
+          <p:cNvSpPr txBox="1">
+            <a:spLocks noGrp="1"/>
+          </p:cNvSpPr>
           <p:nvPr>
-            <p:ph idx="1" type="body"/>
+            <p:ph type="body" idx="1"/>
           </p:nvPr>
         </p:nvSpPr>
         <p:spPr>
@@ -6006,12 +6575,12 @@
           </a:prstGeom>
         </p:spPr>
         <p:txBody>
-          <a:bodyPr anchorCtr="0" anchor="t" bIns="91425" lIns="91425" rIns="91425" tIns="91425">
+          <a:bodyPr lIns="91425" tIns="91425" rIns="91425" bIns="91425" anchor="t" anchorCtr="0">
             <a:noAutofit/>
           </a:bodyPr>
           <a:lstStyle/>
           <a:p>
-            <a:pPr indent="-228600" lvl="0" marL="457200" rtl="0">
+            <a:pPr marL="457200" lvl="0" indent="-228600" rtl="0">
               <a:spcBef>
                 <a:spcPts val="0"/>
               </a:spcBef>
@@ -6022,7 +6591,7 @@
             </a:r>
           </a:p>
           <a:p>
-            <a:pPr indent="-361950" lvl="1" marL="914400" rtl="0">
+            <a:pPr marL="914400" lvl="1" indent="-361950" rtl="0">
               <a:spcBef>
                 <a:spcPts val="0"/>
               </a:spcBef>
@@ -6034,7 +6603,7 @@
             </a:r>
           </a:p>
           <a:p>
-            <a:pPr indent="-361950" lvl="2" marL="1371600" rtl="0">
+            <a:pPr marL="1371600" lvl="2" indent="-361950" rtl="0">
               <a:spcBef>
                 <a:spcPts val="0"/>
               </a:spcBef>
@@ -6066,7 +6635,7 @@
             </a:r>
           </a:p>
           <a:p>
-            <a:pPr indent="-330200" lvl="1" marL="914400" rtl="0">
+            <a:pPr marL="914400" lvl="1" indent="-330200" rtl="0">
               <a:spcBef>
                 <a:spcPts val="0"/>
               </a:spcBef>
@@ -6078,7 +6647,7 @@
             </a:r>
           </a:p>
           <a:p>
-            <a:pPr indent="-330200" lvl="2" marL="1371600" rtl="0">
+            <a:pPr marL="1371600" lvl="2" indent="-330200" rtl="0">
               <a:spcBef>
                 <a:spcPts val="0"/>
               </a:spcBef>
@@ -6134,7 +6703,7 @@
             </a:r>
           </a:p>
           <a:p>
-            <a:pPr indent="-361950" lvl="1" marL="914400" rtl="0">
+            <a:pPr marL="914400" lvl="1" indent="-361950" rtl="0">
               <a:spcBef>
                 <a:spcPts val="0"/>
               </a:spcBef>
@@ -6149,7 +6718,7 @@
             </a:r>
           </a:p>
           <a:p>
-            <a:pPr indent="-361950" lvl="2" marL="1371600" rtl="0">
+            <a:pPr marL="1371600" lvl="2" indent="-361950" rtl="0">
               <a:spcBef>
                 <a:spcPts val="0"/>
               </a:spcBef>
@@ -6204,12 +6773,12 @@
 </p:sld>
 </file>
 
-<file path=ppt/slides/slide14.xml><?xml version="1.0" encoding="utf-8"?>
-<p:sld xmlns:a="http://schemas.openxmlformats.org/drawingml/2006/main" xmlns:r="http://schemas.openxmlformats.org/officeDocument/2006/relationships" xmlns:mc="http://schemas.openxmlformats.org/markup-compatibility/2006" xmlns:mv="urn:schemas-microsoft-com:mac:vml" xmlns:p="http://schemas.openxmlformats.org/presentationml/2006/main" xmlns:c="http://schemas.openxmlformats.org/drawingml/2006/chart" xmlns:dgm="http://schemas.openxmlformats.org/drawingml/2006/diagram" xmlns:o="urn:schemas-microsoft-com:office:office" xmlns:v="urn:schemas-microsoft-com:vml" xmlns:pvml="urn:schemas-microsoft-com:office:powerpoint" xmlns:com="http://schemas.openxmlformats.org/drawingml/2006/compatibility" xmlns:p14="http://schemas.microsoft.com/office/powerpoint/2010/main">
+<file path=ppt/slides/slide15.xml><?xml version="1.0" encoding="utf-8"?>
+<p:sld xmlns:a="http://schemas.openxmlformats.org/drawingml/2006/main" xmlns:r="http://schemas.openxmlformats.org/officeDocument/2006/relationships" xmlns:p="http://schemas.openxmlformats.org/presentationml/2006/main">
   <p:cSld>
     <p:spTree>
       <p:nvGrpSpPr>
-        <p:cNvPr id="131" name="Shape 131"/>
+        <p:cNvPr id="1" name="Shape 131"/>
         <p:cNvGrpSpPr/>
         <p:nvPr/>
       </p:nvGrpSpPr>
@@ -6224,7 +6793,9 @@
       <p:sp>
         <p:nvSpPr>
           <p:cNvPr id="132" name="Shape 132"/>
-          <p:cNvSpPr txBox="1"/>
+          <p:cNvSpPr txBox="1">
+            <a:spLocks noGrp="1"/>
+          </p:cNvSpPr>
           <p:nvPr>
             <p:ph type="title"/>
           </p:nvPr>
@@ -6239,7 +6810,7 @@
           </a:prstGeom>
         </p:spPr>
         <p:txBody>
-          <a:bodyPr anchorCtr="0" anchor="b" bIns="91425" lIns="91425" rIns="91425" tIns="91425">
+          <a:bodyPr lIns="91425" tIns="91425" rIns="91425" bIns="91425" anchor="b" anchorCtr="0">
             <a:noAutofit/>
           </a:bodyPr>
           <a:lstStyle/>
@@ -6260,9 +6831,11 @@
       <p:sp>
         <p:nvSpPr>
           <p:cNvPr id="133" name="Shape 133"/>
-          <p:cNvSpPr txBox="1"/>
+          <p:cNvSpPr txBox="1">
+            <a:spLocks noGrp="1"/>
+          </p:cNvSpPr>
           <p:nvPr>
-            <p:ph idx="1" type="body"/>
+            <p:ph type="body" idx="1"/>
           </p:nvPr>
         </p:nvSpPr>
         <p:spPr>
@@ -6275,12 +6848,12 @@
           </a:prstGeom>
         </p:spPr>
         <p:txBody>
-          <a:bodyPr anchorCtr="0" anchor="t" bIns="91425" lIns="91425" rIns="91425" tIns="91425">
+          <a:bodyPr lIns="91425" tIns="91425" rIns="91425" bIns="91425" anchor="t" anchorCtr="0">
             <a:noAutofit/>
           </a:bodyPr>
           <a:lstStyle/>
           <a:p>
-            <a:pPr indent="-317500" lvl="0" marL="457200" rtl="0">
+            <a:pPr marL="457200" lvl="0" indent="-317500" rtl="0">
               <a:spcBef>
                 <a:spcPts val="0"/>
               </a:spcBef>
@@ -6305,7 +6878,7 @@
             </a:r>
           </a:p>
           <a:p>
-            <a:pPr indent="-317500" lvl="0" marL="457200" rtl="0">
+            <a:pPr marL="457200" lvl="0" indent="-317500" rtl="0">
               <a:spcBef>
                 <a:spcPts val="0"/>
               </a:spcBef>
@@ -6317,7 +6890,7 @@
             </a:r>
           </a:p>
           <a:p>
-            <a:pPr indent="-317500" lvl="1" marL="914400" rtl="0">
+            <a:pPr marL="914400" lvl="1" indent="-317500" rtl="0">
               <a:spcBef>
                 <a:spcPts val="0"/>
               </a:spcBef>
@@ -6341,7 +6914,7 @@
             </a:r>
           </a:p>
           <a:p>
-            <a:pPr indent="-317500" lvl="0" marL="457200" rtl="0">
+            <a:pPr marL="457200" lvl="0" indent="-317500" rtl="0">
               <a:spcBef>
                 <a:spcPts val="0"/>
               </a:spcBef>
@@ -6353,7 +6926,7 @@
             </a:r>
           </a:p>
           <a:p>
-            <a:pPr indent="-317500" lvl="1" marL="914400" rtl="0">
+            <a:pPr marL="914400" lvl="1" indent="-317500" rtl="0">
               <a:spcBef>
                 <a:spcPts val="0"/>
               </a:spcBef>
@@ -6377,7 +6950,7 @@
             </a:r>
           </a:p>
           <a:p>
-            <a:pPr indent="-317500" lvl="0" marL="457200" rtl="0">
+            <a:pPr marL="457200" lvl="0" indent="-317500" rtl="0">
               <a:spcBef>
                 <a:spcPts val="0"/>
               </a:spcBef>
@@ -6389,7 +6962,7 @@
             </a:r>
           </a:p>
           <a:p>
-            <a:pPr indent="-304800" lvl="1" marL="914400" rtl="0">
+            <a:pPr marL="914400" lvl="1" indent="-304800" rtl="0">
               <a:spcBef>
                 <a:spcPts val="0"/>
               </a:spcBef>
@@ -6425,7 +6998,7 @@
             </a:r>
           </a:p>
           <a:p>
-            <a:pPr indent="-317500" lvl="0" marL="457200" rtl="0">
+            <a:pPr marL="457200" lvl="0" indent="-317500" rtl="0">
               <a:spcBef>
                 <a:spcPts val="0"/>
               </a:spcBef>
@@ -6437,7 +7010,7 @@
             </a:r>
           </a:p>
           <a:p>
-            <a:pPr indent="-317500" lvl="1" marL="914400" rtl="0">
+            <a:pPr marL="914400" lvl="1" indent="-317500" rtl="0">
               <a:spcBef>
                 <a:spcPts val="0"/>
               </a:spcBef>
@@ -6473,7 +7046,7 @@
             </a:r>
           </a:p>
           <a:p>
-            <a:pPr indent="-317500" lvl="0" marL="457200" rtl="0">
+            <a:pPr marL="457200" lvl="0" indent="-317500" rtl="0">
               <a:spcBef>
                 <a:spcPts val="0"/>
               </a:spcBef>
@@ -6485,7 +7058,7 @@
             </a:r>
           </a:p>
           <a:p>
-            <a:pPr indent="-317500" lvl="1" marL="914400" rtl="0">
+            <a:pPr marL="914400" lvl="1" indent="-317500" rtl="0">
               <a:spcBef>
                 <a:spcPts val="0"/>
               </a:spcBef>
@@ -6533,7 +7106,7 @@
             </a:r>
           </a:p>
           <a:p>
-            <a:pPr indent="-317500" lvl="0" marL="457200" rtl="0">
+            <a:pPr marL="457200" lvl="0" indent="-317500" rtl="0">
               <a:spcBef>
                 <a:spcPts val="0"/>
               </a:spcBef>
@@ -6545,7 +7118,7 @@
             </a:r>
           </a:p>
           <a:p>
-            <a:pPr indent="-317500" lvl="1" marL="914400" rtl="0">
+            <a:pPr marL="914400" lvl="1" indent="-317500" rtl="0">
               <a:spcBef>
                 <a:spcPts val="0"/>
               </a:spcBef>
@@ -6581,7 +7154,7 @@
             </a:r>
           </a:p>
           <a:p>
-            <a:pPr indent="-317500" lvl="0" marL="457200" rtl="0">
+            <a:pPr marL="457200" lvl="0" indent="-317500" rtl="0">
               <a:spcBef>
                 <a:spcPts val="0"/>
               </a:spcBef>
@@ -6593,7 +7166,7 @@
             </a:r>
           </a:p>
           <a:p>
-            <a:pPr indent="-317500" lvl="1" marL="914400" rtl="0">
+            <a:pPr marL="914400" lvl="1" indent="-317500" rtl="0">
               <a:spcBef>
                 <a:spcPts val="0"/>
               </a:spcBef>
@@ -6629,7 +7202,7 @@
             </a:r>
           </a:p>
           <a:p>
-            <a:pPr indent="-317500" lvl="0" marL="457200" rtl="0">
+            <a:pPr marL="457200" lvl="0" indent="-317500" rtl="0">
               <a:spcBef>
                 <a:spcPts val="0"/>
               </a:spcBef>
@@ -6658,12 +7231,12 @@
 </p:sld>
 </file>
 
-<file path=ppt/slides/slide15.xml><?xml version="1.0" encoding="utf-8"?>
-<p:sld xmlns:a="http://schemas.openxmlformats.org/drawingml/2006/main" xmlns:r="http://schemas.openxmlformats.org/officeDocument/2006/relationships" xmlns:mc="http://schemas.openxmlformats.org/markup-compatibility/2006" xmlns:mv="urn:schemas-microsoft-com:mac:vml" xmlns:p="http://schemas.openxmlformats.org/presentationml/2006/main" xmlns:c="http://schemas.openxmlformats.org/drawingml/2006/chart" xmlns:dgm="http://schemas.openxmlformats.org/drawingml/2006/diagram" xmlns:o="urn:schemas-microsoft-com:office:office" xmlns:v="urn:schemas-microsoft-com:vml" xmlns:pvml="urn:schemas-microsoft-com:office:powerpoint" xmlns:com="http://schemas.openxmlformats.org/drawingml/2006/compatibility" xmlns:p14="http://schemas.microsoft.com/office/powerpoint/2010/main">
+<file path=ppt/slides/slide16.xml><?xml version="1.0" encoding="utf-8"?>
+<p:sld xmlns:a="http://schemas.openxmlformats.org/drawingml/2006/main" xmlns:r="http://schemas.openxmlformats.org/officeDocument/2006/relationships" xmlns:p="http://schemas.openxmlformats.org/presentationml/2006/main">
   <p:cSld>
     <p:spTree>
       <p:nvGrpSpPr>
-        <p:cNvPr id="137" name="Shape 137"/>
+        <p:cNvPr id="1" name="Shape 137"/>
         <p:cNvGrpSpPr/>
         <p:nvPr/>
       </p:nvGrpSpPr>
@@ -6678,7 +7251,9 @@
       <p:sp>
         <p:nvSpPr>
           <p:cNvPr id="138" name="Shape 138"/>
-          <p:cNvSpPr txBox="1"/>
+          <p:cNvSpPr txBox="1">
+            <a:spLocks noGrp="1"/>
+          </p:cNvSpPr>
           <p:nvPr>
             <p:ph type="title"/>
           </p:nvPr>
@@ -6693,7 +7268,7 @@
           </a:prstGeom>
         </p:spPr>
         <p:txBody>
-          <a:bodyPr anchorCtr="0" anchor="b" bIns="91425" lIns="91425" rIns="91425" tIns="91425">
+          <a:bodyPr lIns="91425" tIns="91425" rIns="91425" bIns="91425" anchor="b" anchorCtr="0">
             <a:noAutofit/>
           </a:bodyPr>
           <a:lstStyle/>
@@ -6719,7 +7294,7 @@
         </p:nvGraphicFramePr>
         <p:xfrm>
           <a:off x="952500" y="1238250"/>
-          <a:ext cx="3000000" cy="3000000"/>
+          <a:ext cx="7239000" cy="3505020"/>
         </p:xfrm>
         <a:graphic>
           <a:graphicData uri="http://schemas.openxmlformats.org/drawingml/2006/table">
@@ -6735,9 +7310,7 @@
               <a:tr h="381000">
                 <a:tc>
                   <a:txBody>
-                    <a:bodyPr>
-                      <a:noAutofit/>
-                    </a:bodyPr>
+                    <a:bodyPr/>
                     <a:lstStyle/>
                     <a:p>
                       <a:pPr lvl="0" algn="ctr">
@@ -6747,12 +7320,12 @@
                         <a:buNone/>
                       </a:pPr>
                       <a:r>
-                        <a:rPr b="1" lang="es"/>
+                        <a:rPr lang="es" b="1" dirty="0"/>
                         <a:t>PHP</a:t>
                       </a:r>
                     </a:p>
                   </a:txBody>
-                  <a:tcPr marT="91425" marB="91425" marR="91425" marL="91425">
+                  <a:tcPr marL="91425" marR="91425" marT="91425" marB="91425">
                     <a:solidFill>
                       <a:srgbClr val="F9CB9C"/>
                     </a:solidFill>
@@ -6760,9 +7333,7 @@
                 </a:tc>
                 <a:tc>
                   <a:txBody>
-                    <a:bodyPr>
-                      <a:noAutofit/>
-                    </a:bodyPr>
+                    <a:bodyPr/>
                     <a:lstStyle/>
                     <a:p>
                       <a:pPr lvl="0" algn="ctr">
@@ -6772,12 +7343,12 @@
                         <a:buNone/>
                       </a:pPr>
                       <a:r>
-                        <a:rPr b="1" lang="es"/>
+                        <a:rPr lang="es" b="1"/>
                         <a:t>JAVA</a:t>
                       </a:r>
                     </a:p>
                   </a:txBody>
-                  <a:tcPr marT="91425" marB="91425" marR="91425" marL="91425">
+                  <a:tcPr marL="91425" marR="91425" marT="91425" marB="91425">
                     <a:solidFill>
                       <a:srgbClr val="F9CB9C"/>
                     </a:solidFill>
@@ -6787,9 +7358,7 @@
               <a:tr h="381000">
                 <a:tc>
                   <a:txBody>
-                    <a:bodyPr>
-                      <a:noAutofit/>
-                    </a:bodyPr>
+                    <a:bodyPr/>
                     <a:lstStyle/>
                     <a:p>
                       <a:pPr lvl="0">
@@ -6804,13 +7373,11 @@
                       </a:r>
                     </a:p>
                   </a:txBody>
-                  <a:tcPr marT="91425" marB="91425" marR="91425" marL="91425"/>
+                  <a:tcPr marL="91425" marR="91425" marT="91425" marB="91425"/>
                 </a:tc>
                 <a:tc>
                   <a:txBody>
-                    <a:bodyPr>
-                      <a:noAutofit/>
-                    </a:bodyPr>
+                    <a:bodyPr/>
                     <a:lstStyle/>
                     <a:p>
                       <a:pPr lvl="0" rtl="0">
@@ -6837,15 +7404,13 @@
                       </a:r>
                     </a:p>
                   </a:txBody>
-                  <a:tcPr marT="91425" marB="91425" marR="91425" marL="91425"/>
+                  <a:tcPr marL="91425" marR="91425" marT="91425" marB="91425"/>
                 </a:tc>
               </a:tr>
               <a:tr h="381000">
                 <a:tc>
                   <a:txBody>
-                    <a:bodyPr>
-                      <a:noAutofit/>
-                    </a:bodyPr>
+                    <a:bodyPr/>
                     <a:lstStyle/>
                     <a:p>
                       <a:pPr lvl="0">
@@ -6860,13 +7425,11 @@
                       </a:r>
                     </a:p>
                   </a:txBody>
-                  <a:tcPr marT="91425" marB="91425" marR="91425" marL="91425"/>
+                  <a:tcPr marL="91425" marR="91425" marT="91425" marB="91425"/>
                 </a:tc>
                 <a:tc>
                   <a:txBody>
-                    <a:bodyPr>
-                      <a:noAutofit/>
-                    </a:bodyPr>
+                    <a:bodyPr/>
                     <a:lstStyle/>
                     <a:p>
                       <a:pPr lvl="0">
@@ -6881,15 +7444,13 @@
                       </a:r>
                     </a:p>
                   </a:txBody>
-                  <a:tcPr marT="91425" marB="91425" marR="91425" marL="91425"/>
+                  <a:tcPr marL="91425" marR="91425" marT="91425" marB="91425"/>
                 </a:tc>
               </a:tr>
               <a:tr h="381000">
                 <a:tc>
                   <a:txBody>
-                    <a:bodyPr>
-                      <a:noAutofit/>
-                    </a:bodyPr>
+                    <a:bodyPr/>
                     <a:lstStyle/>
                     <a:p>
                       <a:pPr lvl="0">
@@ -6904,13 +7465,11 @@
                       </a:r>
                     </a:p>
                   </a:txBody>
-                  <a:tcPr marT="91425" marB="91425" marR="91425" marL="91425"/>
+                  <a:tcPr marL="91425" marR="91425" marT="91425" marB="91425"/>
                 </a:tc>
                 <a:tc>
                   <a:txBody>
-                    <a:bodyPr>
-                      <a:noAutofit/>
-                    </a:bodyPr>
+                    <a:bodyPr/>
                     <a:lstStyle/>
                     <a:p>
                       <a:pPr lvl="0">
@@ -6925,15 +7484,13 @@
                       </a:r>
                     </a:p>
                   </a:txBody>
-                  <a:tcPr marT="91425" marB="91425" marR="91425" marL="91425"/>
+                  <a:tcPr marL="91425" marR="91425" marT="91425" marB="91425"/>
                 </a:tc>
               </a:tr>
               <a:tr h="381000">
                 <a:tc>
                   <a:txBody>
-                    <a:bodyPr>
-                      <a:noAutofit/>
-                    </a:bodyPr>
+                    <a:bodyPr/>
                     <a:lstStyle/>
                     <a:p>
                       <a:pPr lvl="0" rtl="0">
@@ -6960,13 +7517,11 @@
                       </a:r>
                     </a:p>
                   </a:txBody>
-                  <a:tcPr marT="91425" marB="91425" marR="91425" marL="91425"/>
+                  <a:tcPr marL="91425" marR="91425" marT="91425" marB="91425"/>
                 </a:tc>
                 <a:tc>
                   <a:txBody>
-                    <a:bodyPr>
-                      <a:noAutofit/>
-                    </a:bodyPr>
+                    <a:bodyPr/>
                     <a:lstStyle/>
                     <a:p>
                       <a:pPr lvl="0" rtl="0">
@@ -6993,15 +7548,13 @@
                       </a:r>
                     </a:p>
                   </a:txBody>
-                  <a:tcPr marT="91425" marB="91425" marR="91425" marL="91425"/>
+                  <a:tcPr marL="91425" marR="91425" marT="91425" marB="91425"/>
                 </a:tc>
               </a:tr>
               <a:tr h="381000">
                 <a:tc>
                   <a:txBody>
-                    <a:bodyPr>
-                      <a:noAutofit/>
-                    </a:bodyPr>
+                    <a:bodyPr/>
                     <a:lstStyle/>
                     <a:p>
                       <a:pPr lvl="0" rtl="0">
@@ -7028,13 +7581,11 @@
                       </a:r>
                     </a:p>
                   </a:txBody>
-                  <a:tcPr marT="91425" marB="91425" marR="91425" marL="91425"/>
+                  <a:tcPr marL="91425" marR="91425" marT="91425" marB="91425"/>
                 </a:tc>
                 <a:tc>
                   <a:txBody>
-                    <a:bodyPr>
-                      <a:noAutofit/>
-                    </a:bodyPr>
+                    <a:bodyPr/>
                     <a:lstStyle/>
                     <a:p>
                       <a:pPr lvl="0" rtl="0">
@@ -7044,7 +7595,7 @@
                         <a:buNone/>
                       </a:pPr>
                       <a:r>
-                        <a:rPr lang="es" sz="1600"/>
+                        <a:rPr lang="es" sz="1600" dirty="0"/>
                         <a:t>for (String k:comida.keySet()) {</a:t>
                       </a:r>
                     </a:p>
@@ -7056,12 +7607,12 @@
                         <a:buNone/>
                       </a:pPr>
                       <a:r>
-                        <a:rPr lang="es" sz="1600"/>
+                        <a:rPr lang="es" sz="1600" dirty="0"/>
                         <a:t>	System.out.println(k+" "+comida.get(k)); }</a:t>
                       </a:r>
                     </a:p>
                   </a:txBody>
-                  <a:tcPr marT="91425" marB="91425" marR="91425" marL="91425"/>
+                  <a:tcPr marL="91425" marR="91425" marT="91425" marB="91425"/>
                 </a:tc>
               </a:tr>
             </a:tbl>
@@ -7080,11 +7631,205 @@
 </file>
 
 <file path=ppt/slides/slide2.xml><?xml version="1.0" encoding="utf-8"?>
-<p:sld xmlns:a="http://schemas.openxmlformats.org/drawingml/2006/main" xmlns:r="http://schemas.openxmlformats.org/officeDocument/2006/relationships" xmlns:mc="http://schemas.openxmlformats.org/markup-compatibility/2006" xmlns:mv="urn:schemas-microsoft-com:mac:vml" xmlns:p="http://schemas.openxmlformats.org/presentationml/2006/main" xmlns:c="http://schemas.openxmlformats.org/drawingml/2006/chart" xmlns:dgm="http://schemas.openxmlformats.org/drawingml/2006/diagram" xmlns:o="urn:schemas-microsoft-com:office:office" xmlns:v="urn:schemas-microsoft-com:vml" xmlns:pvml="urn:schemas-microsoft-com:office:powerpoint" xmlns:com="http://schemas.openxmlformats.org/drawingml/2006/compatibility" xmlns:p14="http://schemas.microsoft.com/office/powerpoint/2010/main">
+<p:sld xmlns:a="http://schemas.openxmlformats.org/drawingml/2006/main" xmlns:r="http://schemas.openxmlformats.org/officeDocument/2006/relationships" xmlns:p="http://schemas.openxmlformats.org/presentationml/2006/main">
   <p:cSld>
     <p:spTree>
       <p:nvGrpSpPr>
-        <p:cNvPr id="56" name="Shape 56"/>
+        <p:cNvPr id="1" name="Shape 50"/>
+        <p:cNvGrpSpPr/>
+        <p:nvPr/>
+      </p:nvGrpSpPr>
+      <p:grpSpPr>
+        <a:xfrm>
+          <a:off x="0" y="0"/>
+          <a:ext cx="0" cy="0"/>
+          <a:chOff x="0" y="0"/>
+          <a:chExt cx="0" cy="0"/>
+        </a:xfrm>
+      </p:grpSpPr>
+      <p:sp>
+        <p:nvSpPr>
+          <p:cNvPr id="51" name="Shape 51"/>
+          <p:cNvSpPr txBox="1">
+            <a:spLocks noGrp="1"/>
+          </p:cNvSpPr>
+          <p:nvPr>
+            <p:ph type="title"/>
+          </p:nvPr>
+        </p:nvSpPr>
+        <p:spPr>
+          <a:xfrm>
+            <a:off x="457200" y="139527"/>
+            <a:ext cx="8229600" cy="857400"/>
+          </a:xfrm>
+          <a:prstGeom prst="rect">
+            <a:avLst/>
+          </a:prstGeom>
+        </p:spPr>
+        <p:txBody>
+          <a:bodyPr lIns="91425" tIns="91425" rIns="91425" bIns="91425" anchor="b" anchorCtr="0">
+            <a:noAutofit/>
+          </a:bodyPr>
+          <a:lstStyle/>
+          <a:p>
+            <a:pPr lvl="0">
+              <a:spcBef>
+                <a:spcPts val="0"/>
+              </a:spcBef>
+              <a:buNone/>
+            </a:pPr>
+            <a:r>
+              <a:rPr lang="es"/>
+              <a:t>Resumen de contenidos</a:t>
+            </a:r>
+          </a:p>
+        </p:txBody>
+      </p:sp>
+      <p:sp>
+        <p:nvSpPr>
+          <p:cNvPr id="52" name="Shape 52"/>
+          <p:cNvSpPr txBox="1">
+            <a:spLocks noGrp="1"/>
+          </p:cNvSpPr>
+          <p:nvPr>
+            <p:ph type="body" idx="1"/>
+          </p:nvPr>
+        </p:nvSpPr>
+        <p:spPr>
+          <a:xfrm>
+            <a:off x="457200" y="1178375"/>
+            <a:ext cx="8229600" cy="3725699"/>
+          </a:xfrm>
+          <a:prstGeom prst="rect">
+            <a:avLst/>
+          </a:prstGeom>
+        </p:spPr>
+        <p:txBody>
+          <a:bodyPr lIns="91425" tIns="91425" rIns="91425" bIns="91425" anchor="t" anchorCtr="0">
+            <a:noAutofit/>
+          </a:bodyPr>
+          <a:lstStyle/>
+          <a:p>
+            <a:pPr marL="457200" lvl="0" indent="-457200" rtl="0">
+              <a:spcBef>
+                <a:spcPts val="0"/>
+              </a:spcBef>
+              <a:buSzPct val="100000"/>
+            </a:pPr>
+            <a:r>
+              <a:rPr lang="es" sz="3600" u="sng">
+                <a:solidFill>
+                  <a:schemeClr val="hlink"/>
+                </a:solidFill>
+                <a:hlinkClick r:id="rId3"/>
+              </a:rPr>
+              <a:t>Conceptos generales</a:t>
+            </a:r>
+          </a:p>
+          <a:p>
+            <a:pPr marL="457200" lvl="0" indent="-457200" rtl="0">
+              <a:spcBef>
+                <a:spcPts val="0"/>
+              </a:spcBef>
+              <a:buSzPct val="100000"/>
+            </a:pPr>
+            <a:r>
+              <a:rPr lang="es" sz="3600" u="sng">
+                <a:solidFill>
+                  <a:schemeClr val="hlink"/>
+                </a:solidFill>
+                <a:hlinkClick r:id="rId4"/>
+              </a:rPr>
+              <a:t>Creación y manejo general</a:t>
+            </a:r>
+          </a:p>
+          <a:p>
+            <a:pPr marL="457200" lvl="0" indent="-457200" rtl="0">
+              <a:spcBef>
+                <a:spcPts val="0"/>
+              </a:spcBef>
+              <a:buSzPct val="100000"/>
+            </a:pPr>
+            <a:r>
+              <a:rPr lang="es" sz="3600" u="sng">
+                <a:solidFill>
+                  <a:schemeClr val="hlink"/>
+                </a:solidFill>
+                <a:hlinkClick r:id="rId5"/>
+              </a:rPr>
+              <a:t>Ficheros</a:t>
+            </a:r>
+          </a:p>
+          <a:p>
+            <a:pPr marL="457200" lvl="0" indent="-457200" rtl="0">
+              <a:spcBef>
+                <a:spcPts val="0"/>
+              </a:spcBef>
+              <a:buSzPct val="100000"/>
+            </a:pPr>
+            <a:r>
+              <a:rPr lang="es" sz="3600" u="sng">
+                <a:solidFill>
+                  <a:schemeClr val="hlink"/>
+                </a:solidFill>
+                <a:hlinkClick r:id="rId6"/>
+              </a:rPr>
+              <a:t>Cookies</a:t>
+            </a:r>
+          </a:p>
+          <a:p>
+            <a:pPr marL="457200" lvl="0" indent="-457200" rtl="0">
+              <a:spcBef>
+                <a:spcPts val="0"/>
+              </a:spcBef>
+              <a:buSzPct val="100000"/>
+            </a:pPr>
+            <a:r>
+              <a:rPr lang="es" sz="3600" u="sng">
+                <a:solidFill>
+                  <a:schemeClr val="hlink"/>
+                </a:solidFill>
+                <a:hlinkClick r:id="rId7"/>
+              </a:rPr>
+              <a:t>Sesiones</a:t>
+            </a:r>
+          </a:p>
+          <a:p>
+            <a:pPr marL="457200" lvl="0" indent="-457200" rtl="0">
+              <a:spcBef>
+                <a:spcPts val="0"/>
+              </a:spcBef>
+              <a:buSzPct val="100000"/>
+            </a:pPr>
+            <a:r>
+              <a:rPr lang="es" sz="3600" u="sng">
+                <a:solidFill>
+                  <a:schemeClr val="hlink"/>
+                </a:solidFill>
+                <a:hlinkClick r:id="rId8"/>
+              </a:rPr>
+              <a:t>Acceso a datos</a:t>
+            </a:r>
+          </a:p>
+        </p:txBody>
+      </p:sp>
+    </p:spTree>
+  </p:cSld>
+  <p:clrMapOvr>
+    <a:masterClrMapping/>
+  </p:clrMapOvr>
+  <p:transition spd="slow">
+    <p:cut/>
+  </p:transition>
+</p:sld>
+</file>
+
+<file path=ppt/slides/slide3.xml><?xml version="1.0" encoding="utf-8"?>
+<p:sld xmlns:a="http://schemas.openxmlformats.org/drawingml/2006/main" xmlns:r="http://schemas.openxmlformats.org/officeDocument/2006/relationships" xmlns:p="http://schemas.openxmlformats.org/presentationml/2006/main">
+  <p:cSld>
+    <p:spTree>
+      <p:nvGrpSpPr>
+        <p:cNvPr id="1" name="Shape 56"/>
         <p:cNvGrpSpPr/>
         <p:nvPr/>
       </p:nvGrpSpPr>
@@ -7099,7 +7844,9 @@
       <p:sp>
         <p:nvSpPr>
           <p:cNvPr id="57" name="Shape 57"/>
-          <p:cNvSpPr txBox="1"/>
+          <p:cNvSpPr txBox="1">
+            <a:spLocks noGrp="1"/>
+          </p:cNvSpPr>
           <p:nvPr>
             <p:ph type="title"/>
           </p:nvPr>
@@ -7114,7 +7861,7 @@
           </a:prstGeom>
         </p:spPr>
         <p:txBody>
-          <a:bodyPr anchorCtr="0" anchor="b" bIns="91425" lIns="91425" rIns="91425" tIns="91425">
+          <a:bodyPr lIns="91425" tIns="91425" rIns="91425" bIns="91425" anchor="b" anchorCtr="0">
             <a:noAutofit/>
           </a:bodyPr>
           <a:lstStyle/>
@@ -7135,9 +7882,11 @@
       <p:sp>
         <p:nvSpPr>
           <p:cNvPr id="58" name="Shape 58"/>
-          <p:cNvSpPr txBox="1"/>
+          <p:cNvSpPr txBox="1">
+            <a:spLocks noGrp="1"/>
+          </p:cNvSpPr>
           <p:nvPr>
-            <p:ph idx="1" type="body"/>
+            <p:ph type="body" idx="1"/>
           </p:nvPr>
         </p:nvSpPr>
         <p:spPr>
@@ -7150,12 +7899,12 @@
           </a:prstGeom>
         </p:spPr>
         <p:txBody>
-          <a:bodyPr anchorCtr="0" anchor="t" bIns="91425" lIns="91425" rIns="91425" tIns="91425">
+          <a:bodyPr lIns="91425" tIns="91425" rIns="91425" bIns="91425" anchor="t" anchorCtr="0">
             <a:noAutofit/>
           </a:bodyPr>
           <a:lstStyle/>
           <a:p>
-            <a:pPr indent="-349250" lvl="0" marL="457200" rtl="0">
+            <a:pPr marL="457200" lvl="0" indent="-349250" rtl="0">
               <a:spcBef>
                 <a:spcPts val="0"/>
               </a:spcBef>
@@ -7167,7 +7916,7 @@
             </a:r>
           </a:p>
           <a:p>
-            <a:pPr indent="-349250" lvl="0" marL="457200" rtl="0">
+            <a:pPr marL="457200" lvl="0" indent="-349250" rtl="0">
               <a:spcBef>
                 <a:spcPts val="0"/>
               </a:spcBef>
@@ -7179,7 +7928,7 @@
             </a:r>
           </a:p>
           <a:p>
-            <a:pPr indent="-349250" lvl="0" marL="457200" rtl="0">
+            <a:pPr marL="457200" lvl="0" indent="-349250" rtl="0">
               <a:spcBef>
                 <a:spcPts val="0"/>
               </a:spcBef>
@@ -7191,7 +7940,7 @@
             </a:r>
           </a:p>
           <a:p>
-            <a:pPr indent="-349250" lvl="0" marL="457200" rtl="0">
+            <a:pPr marL="457200" lvl="0" indent="-349250" rtl="0">
               <a:spcBef>
                 <a:spcPts val="0"/>
               </a:spcBef>
@@ -7203,7 +7952,7 @@
             </a:r>
           </a:p>
           <a:p>
-            <a:pPr indent="-349250" lvl="0" marL="457200">
+            <a:pPr marL="457200" lvl="0" indent="-349250">
               <a:spcBef>
                 <a:spcPts val="0"/>
               </a:spcBef>
@@ -7227,12 +7976,12 @@
 </p:sld>
 </file>
 
-<file path=ppt/slides/slide3.xml><?xml version="1.0" encoding="utf-8"?>
-<p:sld xmlns:a="http://schemas.openxmlformats.org/drawingml/2006/main" xmlns:r="http://schemas.openxmlformats.org/officeDocument/2006/relationships" xmlns:mc="http://schemas.openxmlformats.org/markup-compatibility/2006" xmlns:mv="urn:schemas-microsoft-com:mac:vml" xmlns:p="http://schemas.openxmlformats.org/presentationml/2006/main" xmlns:c="http://schemas.openxmlformats.org/drawingml/2006/chart" xmlns:dgm="http://schemas.openxmlformats.org/drawingml/2006/diagram" xmlns:o="urn:schemas-microsoft-com:office:office" xmlns:v="urn:schemas-microsoft-com:vml" xmlns:pvml="urn:schemas-microsoft-com:office:powerpoint" xmlns:com="http://schemas.openxmlformats.org/drawingml/2006/compatibility" xmlns:p14="http://schemas.microsoft.com/office/powerpoint/2010/main">
+<file path=ppt/slides/slide4.xml><?xml version="1.0" encoding="utf-8"?>
+<p:sld xmlns:a="http://schemas.openxmlformats.org/drawingml/2006/main" xmlns:r="http://schemas.openxmlformats.org/officeDocument/2006/relationships" xmlns:p="http://schemas.openxmlformats.org/presentationml/2006/main">
   <p:cSld>
     <p:spTree>
       <p:nvGrpSpPr>
-        <p:cNvPr id="62" name="Shape 62"/>
+        <p:cNvPr id="1" name="Shape 62"/>
         <p:cNvGrpSpPr/>
         <p:nvPr/>
       </p:nvGrpSpPr>
@@ -7247,7 +7996,9 @@
       <p:sp>
         <p:nvSpPr>
           <p:cNvPr id="63" name="Shape 63"/>
-          <p:cNvSpPr txBox="1"/>
+          <p:cNvSpPr txBox="1">
+            <a:spLocks noGrp="1"/>
+          </p:cNvSpPr>
           <p:nvPr>
             <p:ph type="title"/>
           </p:nvPr>
@@ -7262,7 +8013,7 @@
           </a:prstGeom>
         </p:spPr>
         <p:txBody>
-          <a:bodyPr anchorCtr="0" anchor="b" bIns="91425" lIns="91425" rIns="91425" tIns="91425">
+          <a:bodyPr lIns="91425" tIns="91425" rIns="91425" bIns="91425" anchor="b" anchorCtr="0">
             <a:noAutofit/>
           </a:bodyPr>
           <a:lstStyle/>
@@ -7283,9 +8034,11 @@
       <p:sp>
         <p:nvSpPr>
           <p:cNvPr id="64" name="Shape 64"/>
-          <p:cNvSpPr txBox="1"/>
+          <p:cNvSpPr txBox="1">
+            <a:spLocks noGrp="1"/>
+          </p:cNvSpPr>
           <p:nvPr>
-            <p:ph idx="1" type="body"/>
+            <p:ph type="body" idx="1"/>
           </p:nvPr>
         </p:nvSpPr>
         <p:spPr>
@@ -7298,12 +8051,12 @@
           </a:prstGeom>
         </p:spPr>
         <p:txBody>
-          <a:bodyPr anchorCtr="0" anchor="t" bIns="91425" lIns="91425" rIns="91425" tIns="91425">
+          <a:bodyPr lIns="91425" tIns="91425" rIns="91425" bIns="91425" anchor="t" anchorCtr="0">
             <a:noAutofit/>
           </a:bodyPr>
           <a:lstStyle/>
           <a:p>
-            <a:pPr indent="-330200" lvl="0" marL="457200" rtl="0">
+            <a:pPr marL="457200" lvl="0" indent="-330200" rtl="0">
               <a:spcBef>
                 <a:spcPts val="0"/>
               </a:spcBef>
@@ -7315,14 +8068,14 @@
             </a:r>
           </a:p>
           <a:p>
-            <a:pPr indent="-330200" lvl="1" marL="914400" rtl="0">
-              <a:spcBef>
-                <a:spcPts val="0"/>
-              </a:spcBef>
-              <a:buSzPct val="100000"/>
-            </a:pPr>
-            <a:r>
-              <a:rPr b="1" lang="es" sz="1600"/>
+            <a:pPr marL="914400" lvl="1" indent="-330200" rtl="0">
+              <a:spcBef>
+                <a:spcPts val="0"/>
+              </a:spcBef>
+              <a:buSzPct val="100000"/>
+            </a:pPr>
+            <a:r>
+              <a:rPr lang="es" sz="1600" b="1"/>
               <a:t>init</a:t>
             </a:r>
             <a:r>
@@ -7331,14 +8084,14 @@
             </a:r>
           </a:p>
           <a:p>
-            <a:pPr indent="-330200" lvl="1" marL="914400" rtl="0">
-              <a:spcBef>
-                <a:spcPts val="0"/>
-              </a:spcBef>
-              <a:buSzPct val="100000"/>
-            </a:pPr>
-            <a:r>
-              <a:rPr b="1" lang="es" sz="1600"/>
+            <a:pPr marL="914400" lvl="1" indent="-330200" rtl="0">
+              <a:spcBef>
+                <a:spcPts val="0"/>
+              </a:spcBef>
+              <a:buSzPct val="100000"/>
+            </a:pPr>
+            <a:r>
+              <a:rPr lang="es" sz="1600" b="1"/>
               <a:t>service</a:t>
             </a:r>
             <a:r>
@@ -7347,7 +8100,7 @@
             </a:r>
           </a:p>
           <a:p>
-            <a:pPr indent="-330200" lvl="0" marL="457200" rtl="0">
+            <a:pPr marL="457200" lvl="0" indent="-330200" rtl="0">
               <a:spcBef>
                 <a:spcPts val="0"/>
               </a:spcBef>
@@ -7359,14 +8112,14 @@
             </a:r>
           </a:p>
           <a:p>
-            <a:pPr indent="-330200" lvl="1" marL="914400" rtl="0">
-              <a:spcBef>
-                <a:spcPts val="0"/>
-              </a:spcBef>
-              <a:buSzPct val="100000"/>
-            </a:pPr>
-            <a:r>
-              <a:rPr b="1" lang="es" sz="1600"/>
+            <a:pPr marL="914400" lvl="1" indent="-330200" rtl="0">
+              <a:spcBef>
+                <a:spcPts val="0"/>
+              </a:spcBef>
+              <a:buSzPct val="100000"/>
+            </a:pPr>
+            <a:r>
+              <a:rPr lang="es" sz="1600" b="1"/>
               <a:t>doGet</a:t>
             </a:r>
             <a:r>
@@ -7375,14 +8128,14 @@
             </a:r>
           </a:p>
           <a:p>
-            <a:pPr indent="-330200" lvl="1" marL="914400" rtl="0">
-              <a:spcBef>
-                <a:spcPts val="0"/>
-              </a:spcBef>
-              <a:buSzPct val="100000"/>
-            </a:pPr>
-            <a:r>
-              <a:rPr b="1" lang="es" sz="1600"/>
+            <a:pPr marL="914400" lvl="1" indent="-330200" rtl="0">
+              <a:spcBef>
+                <a:spcPts val="0"/>
+              </a:spcBef>
+              <a:buSzPct val="100000"/>
+            </a:pPr>
+            <a:r>
+              <a:rPr lang="es" sz="1600" b="1"/>
               <a:t>doPost</a:t>
             </a:r>
             <a:r>
@@ -7391,14 +8144,14 @@
             </a:r>
           </a:p>
           <a:p>
-            <a:pPr indent="-330200" lvl="1" marL="914400" rtl="0">
-              <a:spcBef>
-                <a:spcPts val="0"/>
-              </a:spcBef>
-              <a:buSzPct val="100000"/>
-            </a:pPr>
-            <a:r>
-              <a:rPr b="1" lang="es" sz="1600"/>
+            <a:pPr marL="914400" lvl="1" indent="-330200" rtl="0">
+              <a:spcBef>
+                <a:spcPts val="0"/>
+              </a:spcBef>
+              <a:buSzPct val="100000"/>
+            </a:pPr>
+            <a:r>
+              <a:rPr lang="es" sz="1600" b="1"/>
               <a:t>doPut</a:t>
             </a:r>
             <a:r>
@@ -7406,7 +8159,7 @@
               <a:t>(), </a:t>
             </a:r>
             <a:r>
-              <a:rPr b="1" lang="es" sz="1600"/>
+              <a:rPr lang="es" sz="1600" b="1"/>
               <a:t>doDelete</a:t>
             </a:r>
             <a:r>
@@ -7415,7 +8168,7 @@
             </a:r>
           </a:p>
           <a:p>
-            <a:pPr indent="-330200" lvl="0" marL="457200" rtl="0">
+            <a:pPr marL="457200" lvl="0" indent="-330200" rtl="0">
               <a:spcBef>
                 <a:spcPts val="0"/>
               </a:spcBef>
@@ -7427,14 +8180,14 @@
             </a:r>
           </a:p>
           <a:p>
-            <a:pPr indent="-330200" lvl="1" marL="914400" rtl="0">
-              <a:spcBef>
-                <a:spcPts val="0"/>
-              </a:spcBef>
-              <a:buSzPct val="100000"/>
-            </a:pPr>
-            <a:r>
-              <a:rPr b="1" lang="es" sz="1600"/>
+            <a:pPr marL="914400" lvl="1" indent="-330200" rtl="0">
+              <a:spcBef>
+                <a:spcPts val="0"/>
+              </a:spcBef>
+              <a:buSzPct val="100000"/>
+            </a:pPr>
+            <a:r>
+              <a:rPr lang="es" sz="1600" b="1"/>
               <a:t>destroy</a:t>
             </a:r>
             <a:r>
@@ -7455,12 +8208,12 @@
 </p:sld>
 </file>
 
-<file path=ppt/slides/slide4.xml><?xml version="1.0" encoding="utf-8"?>
-<p:sld xmlns:a="http://schemas.openxmlformats.org/drawingml/2006/main" xmlns:r="http://schemas.openxmlformats.org/officeDocument/2006/relationships" xmlns:mc="http://schemas.openxmlformats.org/markup-compatibility/2006" xmlns:mv="urn:schemas-microsoft-com:mac:vml" xmlns:p="http://schemas.openxmlformats.org/presentationml/2006/main" xmlns:c="http://schemas.openxmlformats.org/drawingml/2006/chart" xmlns:dgm="http://schemas.openxmlformats.org/drawingml/2006/diagram" xmlns:o="urn:schemas-microsoft-com:office:office" xmlns:v="urn:schemas-microsoft-com:vml" xmlns:pvml="urn:schemas-microsoft-com:office:powerpoint" xmlns:com="http://schemas.openxmlformats.org/drawingml/2006/compatibility" xmlns:p14="http://schemas.microsoft.com/office/powerpoint/2010/main">
+<file path=ppt/slides/slide5.xml><?xml version="1.0" encoding="utf-8"?>
+<p:sld xmlns:a="http://schemas.openxmlformats.org/drawingml/2006/main" xmlns:r="http://schemas.openxmlformats.org/officeDocument/2006/relationships" xmlns:p="http://schemas.openxmlformats.org/presentationml/2006/main">
   <p:cSld>
     <p:spTree>
       <p:nvGrpSpPr>
-        <p:cNvPr id="68" name="Shape 68"/>
+        <p:cNvPr id="1" name="Shape 68"/>
         <p:cNvGrpSpPr/>
         <p:nvPr/>
       </p:nvGrpSpPr>
@@ -7475,7 +8228,9 @@
       <p:sp>
         <p:nvSpPr>
           <p:cNvPr id="69" name="Shape 69"/>
-          <p:cNvSpPr txBox="1"/>
+          <p:cNvSpPr txBox="1">
+            <a:spLocks noGrp="1"/>
+          </p:cNvSpPr>
           <p:nvPr>
             <p:ph type="title"/>
           </p:nvPr>
@@ -7490,7 +8245,7 @@
           </a:prstGeom>
         </p:spPr>
         <p:txBody>
-          <a:bodyPr anchorCtr="0" anchor="b" bIns="91425" lIns="91425" rIns="91425" tIns="91425">
+          <a:bodyPr lIns="91425" tIns="91425" rIns="91425" bIns="91425" anchor="b" anchorCtr="0">
             <a:noAutofit/>
           </a:bodyPr>
           <a:lstStyle/>
@@ -7511,9 +8266,11 @@
       <p:sp>
         <p:nvSpPr>
           <p:cNvPr id="70" name="Shape 70"/>
-          <p:cNvSpPr txBox="1"/>
+          <p:cNvSpPr txBox="1">
+            <a:spLocks noGrp="1"/>
+          </p:cNvSpPr>
           <p:nvPr>
-            <p:ph idx="1" type="body"/>
+            <p:ph type="body" idx="1"/>
           </p:nvPr>
         </p:nvSpPr>
         <p:spPr>
@@ -7526,12 +8283,12 @@
           </a:prstGeom>
         </p:spPr>
         <p:txBody>
-          <a:bodyPr anchorCtr="0" anchor="t" bIns="91425" lIns="91425" rIns="91425" tIns="91425">
+          <a:bodyPr lIns="91425" tIns="91425" rIns="91425" bIns="91425" anchor="t" anchorCtr="0">
             <a:noAutofit/>
           </a:bodyPr>
           <a:lstStyle/>
           <a:p>
-            <a:pPr indent="-330200" lvl="0" marL="457200" rtl="0">
+            <a:pPr marL="457200" lvl="0" indent="-330200" rtl="0">
               <a:spcBef>
                 <a:spcPts val="0"/>
               </a:spcBef>
@@ -7543,7 +8300,7 @@
             </a:r>
           </a:p>
           <a:p>
-            <a:pPr indent="-330200" lvl="0" marL="457200" rtl="0">
+            <a:pPr marL="457200" lvl="0" indent="-330200" rtl="0">
               <a:spcBef>
                 <a:spcPts val="0"/>
               </a:spcBef>
@@ -7651,7 +8408,7 @@
             </a:r>
           </a:p>
           <a:p>
-            <a:pPr indent="-330200" lvl="1" marL="914400" rtl="0">
+            <a:pPr marL="914400" lvl="1" indent="-330200" rtl="0">
               <a:spcBef>
                 <a:spcPts val="0"/>
               </a:spcBef>
@@ -7671,7 +8428,7 @@
             </a:r>
           </a:p>
           <a:p>
-            <a:pPr indent="-330200" lvl="1" marL="914400" rtl="0">
+            <a:pPr marL="914400" lvl="1" indent="-330200" rtl="0">
               <a:spcBef>
                 <a:spcPts val="0"/>
               </a:spcBef>
@@ -7691,7 +8448,7 @@
             </a:r>
           </a:p>
           <a:p>
-            <a:pPr indent="-330200" lvl="0" marL="457200" rtl="0">
+            <a:pPr marL="457200" lvl="0" indent="-330200" rtl="0">
               <a:spcBef>
                 <a:spcPts val="0"/>
               </a:spcBef>
@@ -7703,7 +8460,7 @@
             </a:r>
           </a:p>
           <a:p>
-            <a:pPr indent="-330200" lvl="1" marL="914400" rtl="0">
+            <a:pPr marL="914400" lvl="1" indent="-330200" rtl="0">
               <a:spcBef>
                 <a:spcPts val="0"/>
               </a:spcBef>
@@ -7723,7 +8480,7 @@
             </a:r>
           </a:p>
           <a:p>
-            <a:pPr indent="-330200" lvl="1" marL="914400" rtl="0">
+            <a:pPr marL="914400" lvl="1" indent="-330200" rtl="0">
               <a:spcBef>
                 <a:spcPts val="0"/>
               </a:spcBef>
@@ -7755,12 +8512,12 @@
 </p:sld>
 </file>
 
-<file path=ppt/slides/slide5.xml><?xml version="1.0" encoding="utf-8"?>
-<p:sld xmlns:a="http://schemas.openxmlformats.org/drawingml/2006/main" xmlns:r="http://schemas.openxmlformats.org/officeDocument/2006/relationships" xmlns:mc="http://schemas.openxmlformats.org/markup-compatibility/2006" xmlns:mv="urn:schemas-microsoft-com:mac:vml" xmlns:p="http://schemas.openxmlformats.org/presentationml/2006/main" xmlns:c="http://schemas.openxmlformats.org/drawingml/2006/chart" xmlns:dgm="http://schemas.openxmlformats.org/drawingml/2006/diagram" xmlns:o="urn:schemas-microsoft-com:office:office" xmlns:v="urn:schemas-microsoft-com:vml" xmlns:pvml="urn:schemas-microsoft-com:office:powerpoint" xmlns:com="http://schemas.openxmlformats.org/drawingml/2006/compatibility" xmlns:p14="http://schemas.microsoft.com/office/powerpoint/2010/main">
+<file path=ppt/slides/slide6.xml><?xml version="1.0" encoding="utf-8"?>
+<p:sld xmlns:a="http://schemas.openxmlformats.org/drawingml/2006/main" xmlns:r="http://schemas.openxmlformats.org/officeDocument/2006/relationships" xmlns:p="http://schemas.openxmlformats.org/presentationml/2006/main">
   <p:cSld>
     <p:spTree>
       <p:nvGrpSpPr>
-        <p:cNvPr id="74" name="Shape 74"/>
+        <p:cNvPr id="1" name="Shape 74"/>
         <p:cNvGrpSpPr/>
         <p:nvPr/>
       </p:nvGrpSpPr>
@@ -7775,7 +8532,9 @@
       <p:sp>
         <p:nvSpPr>
           <p:cNvPr id="75" name="Shape 75"/>
-          <p:cNvSpPr txBox="1"/>
+          <p:cNvSpPr txBox="1">
+            <a:spLocks noGrp="1"/>
+          </p:cNvSpPr>
           <p:nvPr>
             <p:ph type="title"/>
           </p:nvPr>
@@ -7790,7 +8549,7 @@
           </a:prstGeom>
         </p:spPr>
         <p:txBody>
-          <a:bodyPr anchorCtr="0" anchor="b" bIns="91425" lIns="91425" rIns="91425" tIns="91425">
+          <a:bodyPr lIns="91425" tIns="91425" rIns="91425" bIns="91425" anchor="b" anchorCtr="0">
             <a:noAutofit/>
           </a:bodyPr>
           <a:lstStyle/>
@@ -7828,12 +8587,12 @@
           </a:ln>
         </p:spPr>
         <p:txBody>
-          <a:bodyPr anchorCtr="0" anchor="t" bIns="91425" lIns="91425" rIns="91425" tIns="91425">
+          <a:bodyPr lIns="91425" tIns="91425" rIns="91425" bIns="91425" anchor="t" anchorCtr="0">
             <a:noAutofit/>
           </a:bodyPr>
           <a:lstStyle/>
           <a:p>
-            <a:pPr indent="-533400" lvl="0" marL="457200" rtl="0">
+            <a:pPr marL="457200" lvl="0" indent="-533400" rtl="0">
               <a:spcBef>
                 <a:spcPts val="0"/>
               </a:spcBef>
@@ -7870,14 +8629,14 @@
             <a:avLst/>
           </a:prstGeom>
           <a:noFill/>
-          <a:ln cap="flat" cmpd="sng" w="9525">
+          <a:ln w="9525" cap="flat" cmpd="sng">
             <a:solidFill>
               <a:srgbClr val="980000"/>
             </a:solidFill>
             <a:prstDash val="solid"/>
             <a:round/>
-            <a:headEnd len="med" w="med" type="none"/>
-            <a:tailEnd len="med" w="med" type="none"/>
+            <a:headEnd type="none" w="med" len="med"/>
+            <a:tailEnd type="none" w="med" len="med"/>
           </a:ln>
         </p:spPr>
       </p:pic>
@@ -7892,12 +8651,12 @@
 </p:sld>
 </file>
 
-<file path=ppt/slides/slide6.xml><?xml version="1.0" encoding="utf-8"?>
-<p:sld xmlns:a="http://schemas.openxmlformats.org/drawingml/2006/main" xmlns:r="http://schemas.openxmlformats.org/officeDocument/2006/relationships" xmlns:mc="http://schemas.openxmlformats.org/markup-compatibility/2006" xmlns:mv="urn:schemas-microsoft-com:mac:vml" xmlns:p="http://schemas.openxmlformats.org/presentationml/2006/main" xmlns:c="http://schemas.openxmlformats.org/drawingml/2006/chart" xmlns:dgm="http://schemas.openxmlformats.org/drawingml/2006/diagram" xmlns:o="urn:schemas-microsoft-com:office:office" xmlns:v="urn:schemas-microsoft-com:vml" xmlns:pvml="urn:schemas-microsoft-com:office:powerpoint" xmlns:com="http://schemas.openxmlformats.org/drawingml/2006/compatibility" xmlns:p14="http://schemas.microsoft.com/office/powerpoint/2010/main">
+<file path=ppt/slides/slide7.xml><?xml version="1.0" encoding="utf-8"?>
+<p:sld xmlns:a="http://schemas.openxmlformats.org/drawingml/2006/main" xmlns:r="http://schemas.openxmlformats.org/officeDocument/2006/relationships" xmlns:p="http://schemas.openxmlformats.org/presentationml/2006/main">
   <p:cSld>
     <p:spTree>
       <p:nvGrpSpPr>
-        <p:cNvPr id="81" name="Shape 81"/>
+        <p:cNvPr id="1" name="Shape 81"/>
         <p:cNvGrpSpPr/>
         <p:nvPr/>
       </p:nvGrpSpPr>
@@ -7912,7 +8671,9 @@
       <p:sp>
         <p:nvSpPr>
           <p:cNvPr id="82" name="Shape 82"/>
-          <p:cNvSpPr txBox="1"/>
+          <p:cNvSpPr txBox="1">
+            <a:spLocks noGrp="1"/>
+          </p:cNvSpPr>
           <p:nvPr>
             <p:ph type="title"/>
           </p:nvPr>
@@ -7927,7 +8688,7 @@
           </a:prstGeom>
         </p:spPr>
         <p:txBody>
-          <a:bodyPr anchorCtr="0" anchor="b" bIns="91425" lIns="91425" rIns="91425" tIns="91425">
+          <a:bodyPr lIns="91425" tIns="91425" rIns="91425" bIns="91425" anchor="b" anchorCtr="0">
             <a:noAutofit/>
           </a:bodyPr>
           <a:lstStyle/>
@@ -7948,9 +8709,11 @@
       <p:sp>
         <p:nvSpPr>
           <p:cNvPr id="83" name="Shape 83"/>
-          <p:cNvSpPr txBox="1"/>
+          <p:cNvSpPr txBox="1">
+            <a:spLocks noGrp="1"/>
+          </p:cNvSpPr>
           <p:nvPr>
-            <p:ph idx="1" type="body"/>
+            <p:ph type="body" idx="1"/>
           </p:nvPr>
         </p:nvSpPr>
         <p:spPr>
@@ -7963,12 +8726,12 @@
           </a:prstGeom>
         </p:spPr>
         <p:txBody>
-          <a:bodyPr anchorCtr="0" anchor="t" bIns="91425" lIns="91425" rIns="91425" tIns="91425">
+          <a:bodyPr lIns="91425" tIns="91425" rIns="91425" bIns="91425" anchor="t" anchorCtr="0">
             <a:noAutofit/>
           </a:bodyPr>
           <a:lstStyle/>
           <a:p>
-            <a:pPr indent="-368300" lvl="0" marL="457200" rtl="0">
+            <a:pPr marL="457200" lvl="0" indent="-368300" rtl="0">
               <a:spcBef>
                 <a:spcPts val="0"/>
               </a:spcBef>
@@ -7980,7 +8743,7 @@
             </a:r>
           </a:p>
           <a:p>
-            <a:pPr indent="-368300" lvl="1" marL="914400" rtl="0">
+            <a:pPr marL="914400" lvl="1" indent="-368300" rtl="0">
               <a:spcBef>
                 <a:spcPts val="0"/>
               </a:spcBef>
@@ -8015,7 +8778,7 @@
             </a:r>
           </a:p>
           <a:p>
-            <a:pPr indent="-368300" lvl="0" marL="457200" rtl="0">
+            <a:pPr marL="457200" lvl="0" indent="-368300" rtl="0">
               <a:spcBef>
                 <a:spcPts val="0"/>
               </a:spcBef>
@@ -8027,7 +8790,7 @@
             </a:r>
           </a:p>
           <a:p>
-            <a:pPr indent="-342900" lvl="1" marL="914400" rtl="0">
+            <a:pPr marL="914400" lvl="1" indent="-342900" rtl="0">
               <a:spcBef>
                 <a:spcPts val="0"/>
               </a:spcBef>
@@ -8062,7 +8825,7 @@
             </a:r>
           </a:p>
           <a:p>
-            <a:pPr indent="-368300" lvl="0" marL="457200" rtl="0">
+            <a:pPr marL="457200" lvl="0" indent="-368300" rtl="0">
               <a:spcBef>
                 <a:spcPts val="0"/>
               </a:spcBef>
@@ -8074,7 +8837,7 @@
             </a:r>
           </a:p>
           <a:p>
-            <a:pPr indent="-368300" lvl="1" marL="914400" rtl="0">
+            <a:pPr marL="914400" lvl="1" indent="-368300" rtl="0">
               <a:spcBef>
                 <a:spcPts val="0"/>
               </a:spcBef>
@@ -8109,7 +8872,7 @@
             </a:r>
           </a:p>
           <a:p>
-            <a:pPr indent="-368300" lvl="0" marL="457200" rtl="0">
+            <a:pPr marL="457200" lvl="0" indent="-368300" rtl="0">
               <a:spcBef>
                 <a:spcPts val="0"/>
               </a:spcBef>
@@ -8121,7 +8884,7 @@
             </a:r>
           </a:p>
           <a:p>
-            <a:pPr indent="-330200" lvl="1" marL="914400" rtl="0">
+            <a:pPr marL="914400" lvl="1" indent="-330200" rtl="0">
               <a:spcBef>
                 <a:spcPts val="0"/>
               </a:spcBef>
@@ -8140,7 +8903,7 @@
             </a:r>
           </a:p>
           <a:p>
-            <a:pPr indent="-330200" lvl="1" marL="914400" rtl="0">
+            <a:pPr marL="914400" lvl="1" indent="-330200" rtl="0">
               <a:spcBef>
                 <a:spcPts val="0"/>
               </a:spcBef>
@@ -8179,12 +8942,12 @@
 </p:sld>
 </file>
 
-<file path=ppt/slides/slide7.xml><?xml version="1.0" encoding="utf-8"?>
-<p:sld xmlns:a="http://schemas.openxmlformats.org/drawingml/2006/main" xmlns:r="http://schemas.openxmlformats.org/officeDocument/2006/relationships" xmlns:mc="http://schemas.openxmlformats.org/markup-compatibility/2006" xmlns:mv="urn:schemas-microsoft-com:mac:vml" xmlns:p="http://schemas.openxmlformats.org/presentationml/2006/main" xmlns:c="http://schemas.openxmlformats.org/drawingml/2006/chart" xmlns:dgm="http://schemas.openxmlformats.org/drawingml/2006/diagram" xmlns:o="urn:schemas-microsoft-com:office:office" xmlns:v="urn:schemas-microsoft-com:vml" xmlns:pvml="urn:schemas-microsoft-com:office:powerpoint" xmlns:com="http://schemas.openxmlformats.org/drawingml/2006/compatibility" xmlns:p14="http://schemas.microsoft.com/office/powerpoint/2010/main">
+<file path=ppt/slides/slide8.xml><?xml version="1.0" encoding="utf-8"?>
+<p:sld xmlns:a="http://schemas.openxmlformats.org/drawingml/2006/main" xmlns:r="http://schemas.openxmlformats.org/officeDocument/2006/relationships" xmlns:p="http://schemas.openxmlformats.org/presentationml/2006/main">
   <p:cSld>
     <p:spTree>
       <p:nvGrpSpPr>
-        <p:cNvPr id="87" name="Shape 87"/>
+        <p:cNvPr id="1" name="Shape 87"/>
         <p:cNvGrpSpPr/>
         <p:nvPr/>
       </p:nvGrpSpPr>
@@ -8199,7 +8962,9 @@
       <p:sp>
         <p:nvSpPr>
           <p:cNvPr id="88" name="Shape 88"/>
-          <p:cNvSpPr txBox="1"/>
+          <p:cNvSpPr txBox="1">
+            <a:spLocks noGrp="1"/>
+          </p:cNvSpPr>
           <p:nvPr>
             <p:ph type="title"/>
           </p:nvPr>
@@ -8214,7 +8979,7 @@
           </a:prstGeom>
         </p:spPr>
         <p:txBody>
-          <a:bodyPr anchorCtr="0" anchor="b" bIns="91425" lIns="91425" rIns="91425" tIns="91425">
+          <a:bodyPr lIns="91425" tIns="91425" rIns="91425" bIns="91425" anchor="b" anchorCtr="0">
             <a:noAutofit/>
           </a:bodyPr>
           <a:lstStyle/>
@@ -8235,9 +9000,11 @@
       <p:sp>
         <p:nvSpPr>
           <p:cNvPr id="89" name="Shape 89"/>
-          <p:cNvSpPr txBox="1"/>
+          <p:cNvSpPr txBox="1">
+            <a:spLocks noGrp="1"/>
+          </p:cNvSpPr>
           <p:nvPr>
-            <p:ph idx="1" type="body"/>
+            <p:ph type="body" idx="1"/>
           </p:nvPr>
         </p:nvSpPr>
         <p:spPr>
@@ -8250,12 +9017,12 @@
           </a:prstGeom>
         </p:spPr>
         <p:txBody>
-          <a:bodyPr anchorCtr="0" anchor="t" bIns="91425" lIns="91425" rIns="91425" tIns="91425">
+          <a:bodyPr lIns="91425" tIns="91425" rIns="91425" bIns="91425" anchor="t" anchorCtr="0">
             <a:noAutofit/>
           </a:bodyPr>
           <a:lstStyle/>
           <a:p>
-            <a:pPr indent="-361950" lvl="0" marL="457200" rtl="0">
+            <a:pPr marL="457200" lvl="0" indent="-361950" rtl="0">
               <a:spcBef>
                 <a:spcPts val="0"/>
               </a:spcBef>
@@ -8290,7 +9057,7 @@
             </a:r>
           </a:p>
           <a:p>
-            <a:pPr indent="-361950" lvl="1" marL="914400" rtl="0">
+            <a:pPr marL="914400" lvl="1" indent="-361950" rtl="0">
               <a:spcBef>
                 <a:spcPts val="0"/>
               </a:spcBef>
@@ -8302,7 +9069,7 @@
             </a:r>
           </a:p>
           <a:p>
-            <a:pPr indent="-361950" lvl="0" marL="457200" rtl="0">
+            <a:pPr marL="457200" lvl="0" indent="-361950" rtl="0">
               <a:spcBef>
                 <a:spcPts val="0"/>
               </a:spcBef>
@@ -8353,7 +9120,7 @@
             </a:r>
           </a:p>
           <a:p>
-            <a:pPr indent="-361950" lvl="1" marL="914400" rtl="0">
+            <a:pPr marL="914400" lvl="1" indent="-361950" rtl="0">
               <a:spcBef>
                 <a:spcPts val="0"/>
               </a:spcBef>
@@ -8365,7 +9132,7 @@
             </a:r>
           </a:p>
           <a:p>
-            <a:pPr indent="-361950" lvl="1" marL="914400" rtl="0">
+            <a:pPr marL="914400" lvl="1" indent="-361950" rtl="0">
               <a:spcBef>
                 <a:spcPts val="0"/>
               </a:spcBef>
@@ -8377,7 +9144,7 @@
             </a:r>
           </a:p>
           <a:p>
-            <a:pPr indent="-361950" lvl="1" marL="914400">
+            <a:pPr marL="914400" lvl="1" indent="-361950">
               <a:spcBef>
                 <a:spcPts val="0"/>
               </a:spcBef>
@@ -8401,12 +9168,12 @@
 </p:sld>
 </file>
 
-<file path=ppt/slides/slide8.xml><?xml version="1.0" encoding="utf-8"?>
-<p:sld xmlns:a="http://schemas.openxmlformats.org/drawingml/2006/main" xmlns:r="http://schemas.openxmlformats.org/officeDocument/2006/relationships" xmlns:mc="http://schemas.openxmlformats.org/markup-compatibility/2006" xmlns:mv="urn:schemas-microsoft-com:mac:vml" xmlns:p="http://schemas.openxmlformats.org/presentationml/2006/main" xmlns:c="http://schemas.openxmlformats.org/drawingml/2006/chart" xmlns:dgm="http://schemas.openxmlformats.org/drawingml/2006/diagram" xmlns:o="urn:schemas-microsoft-com:office:office" xmlns:v="urn:schemas-microsoft-com:vml" xmlns:pvml="urn:schemas-microsoft-com:office:powerpoint" xmlns:com="http://schemas.openxmlformats.org/drawingml/2006/compatibility" xmlns:p14="http://schemas.microsoft.com/office/powerpoint/2010/main">
+<file path=ppt/slides/slide9.xml><?xml version="1.0" encoding="utf-8"?>
+<p:sld xmlns:a="http://schemas.openxmlformats.org/drawingml/2006/main" xmlns:r="http://schemas.openxmlformats.org/officeDocument/2006/relationships" xmlns:p="http://schemas.openxmlformats.org/presentationml/2006/main">
   <p:cSld>
     <p:spTree>
       <p:nvGrpSpPr>
-        <p:cNvPr id="93" name="Shape 93"/>
+        <p:cNvPr id="1" name="Shape 93"/>
         <p:cNvGrpSpPr/>
         <p:nvPr/>
       </p:nvGrpSpPr>
@@ -8421,7 +9188,9 @@
       <p:sp>
         <p:nvSpPr>
           <p:cNvPr id="94" name="Shape 94"/>
-          <p:cNvSpPr txBox="1"/>
+          <p:cNvSpPr txBox="1">
+            <a:spLocks noGrp="1"/>
+          </p:cNvSpPr>
           <p:nvPr>
             <p:ph type="title"/>
           </p:nvPr>
@@ -8436,7 +9205,7 @@
           </a:prstGeom>
         </p:spPr>
         <p:txBody>
-          <a:bodyPr anchorCtr="0" anchor="b" bIns="91425" lIns="91425" rIns="91425" tIns="91425">
+          <a:bodyPr lIns="91425" tIns="91425" rIns="91425" bIns="91425" anchor="b" anchorCtr="0">
             <a:noAutofit/>
           </a:bodyPr>
           <a:lstStyle/>
@@ -8457,9 +9226,11 @@
       <p:sp>
         <p:nvSpPr>
           <p:cNvPr id="95" name="Shape 95"/>
-          <p:cNvSpPr txBox="1"/>
+          <p:cNvSpPr txBox="1">
+            <a:spLocks noGrp="1"/>
+          </p:cNvSpPr>
           <p:nvPr>
-            <p:ph idx="1" type="body"/>
+            <p:ph type="body" idx="1"/>
           </p:nvPr>
         </p:nvSpPr>
         <p:spPr>
@@ -8472,12 +9243,12 @@
           </a:prstGeom>
         </p:spPr>
         <p:txBody>
-          <a:bodyPr anchorCtr="0" anchor="t" bIns="91425" lIns="91425" rIns="91425" tIns="91425">
+          <a:bodyPr lIns="91425" tIns="91425" rIns="91425" bIns="91425" anchor="t" anchorCtr="0">
             <a:noAutofit/>
           </a:bodyPr>
           <a:lstStyle/>
           <a:p>
-            <a:pPr indent="-381000" lvl="0" marL="457200" rtl="0">
+            <a:pPr marL="457200" lvl="0" indent="-381000" rtl="0">
               <a:spcBef>
                 <a:spcPts val="0"/>
               </a:spcBef>
@@ -8489,7 +9260,7 @@
             </a:r>
           </a:p>
           <a:p>
-            <a:pPr indent="-381000" lvl="0" marL="457200" rtl="0">
+            <a:pPr marL="457200" lvl="0" indent="-381000" rtl="0">
               <a:spcBef>
                 <a:spcPts val="0"/>
               </a:spcBef>
@@ -8501,7 +9272,7 @@
             </a:r>
           </a:p>
           <a:p>
-            <a:pPr indent="-342900" lvl="1" marL="914400" rtl="0">
+            <a:pPr marL="914400" lvl="1" indent="-342900" rtl="0">
               <a:spcBef>
                 <a:spcPts val="0"/>
               </a:spcBef>
@@ -8545,7 +9316,7 @@
             </a:r>
           </a:p>
           <a:p>
-            <a:pPr indent="-381000" lvl="0" marL="457200" marR="0" rtl="0" algn="l">
+            <a:pPr marL="457200" marR="0" lvl="0" indent="-381000" algn="l" rtl="0">
               <a:lnSpc>
                 <a:spcPct val="100000"/>
               </a:lnSpc>
@@ -8575,488 +9346,8 @@
 </p:sld>
 </file>
 
-<file path=ppt/slides/slide9.xml><?xml version="1.0" encoding="utf-8"?>
-<p:sld xmlns:a="http://schemas.openxmlformats.org/drawingml/2006/main" xmlns:r="http://schemas.openxmlformats.org/officeDocument/2006/relationships" xmlns:mc="http://schemas.openxmlformats.org/markup-compatibility/2006" xmlns:mv="urn:schemas-microsoft-com:mac:vml" xmlns:p="http://schemas.openxmlformats.org/presentationml/2006/main" xmlns:c="http://schemas.openxmlformats.org/drawingml/2006/chart" xmlns:dgm="http://schemas.openxmlformats.org/drawingml/2006/diagram" xmlns:o="urn:schemas-microsoft-com:office:office" xmlns:v="urn:schemas-microsoft-com:vml" xmlns:pvml="urn:schemas-microsoft-com:office:powerpoint" xmlns:com="http://schemas.openxmlformats.org/drawingml/2006/compatibility" xmlns:p14="http://schemas.microsoft.com/office/powerpoint/2010/main">
-  <p:cSld>
-    <p:spTree>
-      <p:nvGrpSpPr>
-        <p:cNvPr id="99" name="Shape 99"/>
-        <p:cNvGrpSpPr/>
-        <p:nvPr/>
-      </p:nvGrpSpPr>
-      <p:grpSpPr>
-        <a:xfrm>
-          <a:off x="0" y="0"/>
-          <a:ext cx="0" cy="0"/>
-          <a:chOff x="0" y="0"/>
-          <a:chExt cx="0" cy="0"/>
-        </a:xfrm>
-      </p:grpSpPr>
-      <p:sp>
-        <p:nvSpPr>
-          <p:cNvPr id="100" name="Shape 100"/>
-          <p:cNvSpPr txBox="1"/>
-          <p:nvPr>
-            <p:ph type="title"/>
-          </p:nvPr>
-        </p:nvSpPr>
-        <p:spPr>
-          <a:xfrm>
-            <a:off x="457200" y="139527"/>
-            <a:ext cx="8229600" cy="857400"/>
-          </a:xfrm>
-          <a:prstGeom prst="rect">
-            <a:avLst/>
-          </a:prstGeom>
-        </p:spPr>
-        <p:txBody>
-          <a:bodyPr anchorCtr="0" anchor="b" bIns="91425" lIns="91425" rIns="91425" tIns="91425">
-            <a:noAutofit/>
-          </a:bodyPr>
-          <a:lstStyle/>
-          <a:p>
-            <a:pPr lvl="0">
-              <a:spcBef>
-                <a:spcPts val="0"/>
-              </a:spcBef>
-              <a:buNone/>
-            </a:pPr>
-            <a:r>
-              <a:rPr lang="es"/>
-              <a:t>Subiendo ficheros</a:t>
-            </a:r>
-          </a:p>
-        </p:txBody>
-      </p:sp>
-      <p:sp>
-        <p:nvSpPr>
-          <p:cNvPr id="101" name="Shape 101"/>
-          <p:cNvSpPr txBox="1"/>
-          <p:nvPr>
-            <p:ph idx="1" type="body"/>
-          </p:nvPr>
-        </p:nvSpPr>
-        <p:spPr>
-          <a:xfrm>
-            <a:off x="457200" y="1200150"/>
-            <a:ext cx="8229600" cy="1821899"/>
-          </a:xfrm>
-          <a:prstGeom prst="rect">
-            <a:avLst/>
-          </a:prstGeom>
-        </p:spPr>
-        <p:txBody>
-          <a:bodyPr anchorCtr="0" anchor="t" bIns="91425" lIns="91425" rIns="91425" tIns="91425">
-            <a:noAutofit/>
-          </a:bodyPr>
-          <a:lstStyle/>
-          <a:p>
-            <a:pPr indent="-304800" lvl="0" marL="457200" rtl="0">
-              <a:spcBef>
-                <a:spcPts val="0"/>
-              </a:spcBef>
-              <a:buSzPct val="100000"/>
-            </a:pPr>
-            <a:r>
-              <a:rPr lang="es" sz="1200"/>
-              <a:t>Igual que en PHP, es importante incluir en el &lt;form&gt; de subida el atributo</a:t>
-            </a:r>
-          </a:p>
-          <a:p>
-            <a:pPr indent="-304800" lvl="1" marL="914400" rtl="0">
-              <a:spcBef>
-                <a:spcPts val="0"/>
-              </a:spcBef>
-              <a:buSzPct val="100000"/>
-              <a:buFont typeface="Source Code Pro"/>
-            </a:pPr>
-            <a:r>
-              <a:rPr lang="es" sz="1200">
-                <a:solidFill>
-                  <a:srgbClr val="0000FF"/>
-                </a:solidFill>
-                <a:latin typeface="Source Code Pro"/>
-                <a:ea typeface="Source Code Pro"/>
-                <a:cs typeface="Source Code Pro"/>
-                <a:sym typeface="Source Code Pro"/>
-              </a:rPr>
-              <a:t>enctype</a:t>
-            </a:r>
-            <a:r>
-              <a:rPr lang="es" sz="1200">
-                <a:latin typeface="Source Code Pro"/>
-                <a:ea typeface="Source Code Pro"/>
-                <a:cs typeface="Source Code Pro"/>
-                <a:sym typeface="Source Code Pro"/>
-              </a:rPr>
-              <a:t>="multipart/form-data"</a:t>
-            </a:r>
-          </a:p>
-          <a:p>
-            <a:pPr indent="-304800" lvl="0" marL="457200" rtl="0">
-              <a:spcBef>
-                <a:spcPts val="0"/>
-              </a:spcBef>
-              <a:buSzPct val="100000"/>
-            </a:pPr>
-            <a:r>
-              <a:rPr lang="es" sz="1200"/>
-              <a:t>Hay que “anotar” el servlet con la carpeta objetivo y el tamaño máximo.</a:t>
-            </a:r>
-          </a:p>
-          <a:p>
-            <a:pPr indent="-304800" lvl="1" marL="914400" rtl="0">
-              <a:spcBef>
-                <a:spcPts val="0"/>
-              </a:spcBef>
-              <a:buSzPct val="100000"/>
-              <a:buFont typeface="Source Code Pro"/>
-            </a:pPr>
-            <a:r>
-              <a:rPr lang="es" sz="1200">
-                <a:solidFill>
-                  <a:srgbClr val="0000FF"/>
-                </a:solidFill>
-                <a:latin typeface="Source Code Pro"/>
-                <a:ea typeface="Source Code Pro"/>
-                <a:cs typeface="Source Code Pro"/>
-                <a:sym typeface="Source Code Pro"/>
-              </a:rPr>
-              <a:t>@MultipartConfig</a:t>
-            </a:r>
-            <a:r>
-              <a:rPr lang="es" sz="1200">
-                <a:latin typeface="Source Code Pro"/>
-                <a:ea typeface="Source Code Pro"/>
-                <a:cs typeface="Source Code Pro"/>
-                <a:sym typeface="Source Code Pro"/>
-              </a:rPr>
-              <a:t>(</a:t>
-            </a:r>
-            <a:r>
-              <a:rPr lang="es" sz="1200">
-                <a:solidFill>
-                  <a:srgbClr val="980000"/>
-                </a:solidFill>
-                <a:latin typeface="Source Code Pro"/>
-                <a:ea typeface="Source Code Pro"/>
-                <a:cs typeface="Source Code Pro"/>
-                <a:sym typeface="Source Code Pro"/>
-              </a:rPr>
-              <a:t>location</a:t>
-            </a:r>
-            <a:r>
-              <a:rPr lang="es" sz="1200">
-                <a:latin typeface="Source Code Pro"/>
-                <a:ea typeface="Source Code Pro"/>
-                <a:cs typeface="Source Code Pro"/>
-                <a:sym typeface="Source Code Pro"/>
-              </a:rPr>
-              <a:t> = "c:\\upload", </a:t>
-            </a:r>
-            <a:r>
-              <a:rPr lang="es" sz="1200">
-                <a:solidFill>
-                  <a:srgbClr val="980000"/>
-                </a:solidFill>
-                <a:latin typeface="Source Code Pro"/>
-                <a:ea typeface="Source Code Pro"/>
-                <a:cs typeface="Source Code Pro"/>
-                <a:sym typeface="Source Code Pro"/>
-              </a:rPr>
-              <a:t>maxFileSize</a:t>
-            </a:r>
-            <a:r>
-              <a:rPr lang="es" sz="1200">
-                <a:latin typeface="Source Code Pro"/>
-                <a:ea typeface="Source Code Pro"/>
-                <a:cs typeface="Source Code Pro"/>
-                <a:sym typeface="Source Code Pro"/>
-              </a:rPr>
-              <a:t> = 10485760L) </a:t>
-            </a:r>
-            <a:r>
-              <a:rPr lang="es" sz="1200">
-                <a:solidFill>
-                  <a:srgbClr val="38761D"/>
-                </a:solidFill>
-                <a:latin typeface="Source Code Pro"/>
-                <a:ea typeface="Source Code Pro"/>
-                <a:cs typeface="Source Code Pro"/>
-                <a:sym typeface="Source Code Pro"/>
-              </a:rPr>
-              <a:t>// 10MB</a:t>
-            </a:r>
-          </a:p>
-          <a:p>
-            <a:pPr indent="-304800" lvl="0" marL="457200" marR="0" rtl="0" algn="l">
-              <a:lnSpc>
-                <a:spcPct val="100000"/>
-              </a:lnSpc>
-              <a:spcBef>
-                <a:spcPts val="600"/>
-              </a:spcBef>
-              <a:spcAft>
-                <a:spcPts val="0"/>
-              </a:spcAft>
-              <a:buSzPct val="100000"/>
-            </a:pPr>
-            <a:r>
-              <a:rPr lang="es" sz="1200"/>
-              <a:t>El archivo (proveniente del </a:t>
-            </a:r>
-            <a:r>
-              <a:rPr lang="es" sz="1200">
-                <a:latin typeface="Source Code Pro"/>
-                <a:ea typeface="Source Code Pro"/>
-                <a:cs typeface="Source Code Pro"/>
-                <a:sym typeface="Source Code Pro"/>
-              </a:rPr>
-              <a:t>&lt;input tipe=”file” name=”miArchivo”&gt;</a:t>
-            </a:r>
-            <a:r>
-              <a:rPr lang="es" sz="1200"/>
-              <a:t>) se recupera así:</a:t>
-            </a:r>
-          </a:p>
-          <a:p>
-            <a:pPr indent="-304800" lvl="1" marL="914400" marR="0" rtl="0" algn="l">
-              <a:lnSpc>
-                <a:spcPct val="100000"/>
-              </a:lnSpc>
-              <a:spcBef>
-                <a:spcPts val="480"/>
-              </a:spcBef>
-              <a:spcAft>
-                <a:spcPts val="0"/>
-              </a:spcAft>
-              <a:buSzPct val="100000"/>
-              <a:buFont typeface="Source Code Pro"/>
-            </a:pPr>
-            <a:r>
-              <a:rPr lang="es" sz="1200">
-                <a:solidFill>
-                  <a:srgbClr val="0000FF"/>
-                </a:solidFill>
-                <a:latin typeface="Source Code Pro"/>
-                <a:ea typeface="Source Code Pro"/>
-                <a:cs typeface="Source Code Pro"/>
-                <a:sym typeface="Source Code Pro"/>
-              </a:rPr>
-              <a:t>Part</a:t>
-            </a:r>
-            <a:r>
-              <a:rPr lang="es" sz="1200">
-                <a:latin typeface="Source Code Pro"/>
-                <a:ea typeface="Source Code Pro"/>
-                <a:cs typeface="Source Code Pro"/>
-                <a:sym typeface="Source Code Pro"/>
-              </a:rPr>
-              <a:t> parteArchivo = </a:t>
-            </a:r>
-            <a:r>
-              <a:rPr lang="es" sz="1200">
-                <a:solidFill>
-                  <a:srgbClr val="980000"/>
-                </a:solidFill>
-                <a:latin typeface="Source Code Pro"/>
-                <a:ea typeface="Source Code Pro"/>
-                <a:cs typeface="Source Code Pro"/>
-                <a:sym typeface="Source Code Pro"/>
-              </a:rPr>
-              <a:t>request</a:t>
-            </a:r>
-            <a:r>
-              <a:rPr lang="es" sz="1200">
-                <a:latin typeface="Source Code Pro"/>
-                <a:ea typeface="Source Code Pro"/>
-                <a:cs typeface="Source Code Pro"/>
-                <a:sym typeface="Source Code Pro"/>
-              </a:rPr>
-              <a:t>.</a:t>
-            </a:r>
-            <a:r>
-              <a:rPr lang="es" sz="1200">
-                <a:solidFill>
-                  <a:srgbClr val="0000FF"/>
-                </a:solidFill>
-                <a:latin typeface="Source Code Pro"/>
-                <a:ea typeface="Source Code Pro"/>
-                <a:cs typeface="Source Code Pro"/>
-                <a:sym typeface="Source Code Pro"/>
-              </a:rPr>
-              <a:t>getPart</a:t>
-            </a:r>
-            <a:r>
-              <a:rPr lang="es" sz="1200">
-                <a:latin typeface="Source Code Pro"/>
-                <a:ea typeface="Source Code Pro"/>
-                <a:cs typeface="Source Code Pro"/>
-                <a:sym typeface="Source Code Pro"/>
-              </a:rPr>
-              <a:t>("miArchivo"); </a:t>
-            </a:r>
-          </a:p>
-          <a:p>
-            <a:pPr indent="-304800" lvl="0" marL="457200" marR="0" rtl="0" algn="l">
-              <a:lnSpc>
-                <a:spcPct val="100000"/>
-              </a:lnSpc>
-              <a:spcBef>
-                <a:spcPts val="600"/>
-              </a:spcBef>
-              <a:spcAft>
-                <a:spcPts val="0"/>
-              </a:spcAft>
-              <a:buSzPct val="100000"/>
-            </a:pPr>
-            <a:r>
-              <a:rPr lang="es" sz="1200"/>
-              <a:t>Hay que renombrar el archivo temporal con el nombre original</a:t>
-            </a:r>
-          </a:p>
-          <a:p>
-            <a:pPr indent="-304800" lvl="1" marL="914400" marR="0" rtl="0" algn="l">
-              <a:lnSpc>
-                <a:spcPct val="100000"/>
-              </a:lnSpc>
-              <a:spcBef>
-                <a:spcPts val="480"/>
-              </a:spcBef>
-              <a:spcAft>
-                <a:spcPts val="0"/>
-              </a:spcAft>
-              <a:buSzPct val="100000"/>
-              <a:buFont typeface="Source Code Pro"/>
-            </a:pPr>
-            <a:r>
-              <a:rPr lang="es" sz="1200">
-                <a:solidFill>
-                  <a:srgbClr val="980000"/>
-                </a:solidFill>
-                <a:latin typeface="Source Code Pro"/>
-                <a:ea typeface="Source Code Pro"/>
-                <a:cs typeface="Source Code Pro"/>
-                <a:sym typeface="Source Code Pro"/>
-              </a:rPr>
-              <a:t>parteArchivo</a:t>
-            </a:r>
-            <a:r>
-              <a:rPr lang="es" sz="1200">
-                <a:latin typeface="Source Code Pro"/>
-                <a:ea typeface="Source Code Pro"/>
-                <a:cs typeface="Source Code Pro"/>
-                <a:sym typeface="Source Code Pro"/>
-              </a:rPr>
-              <a:t>.</a:t>
-            </a:r>
-            <a:r>
-              <a:rPr lang="es" sz="1200">
-                <a:solidFill>
-                  <a:srgbClr val="0000FF"/>
-                </a:solidFill>
-                <a:latin typeface="Source Code Pro"/>
-                <a:ea typeface="Source Code Pro"/>
-                <a:cs typeface="Source Code Pro"/>
-                <a:sym typeface="Source Code Pro"/>
-              </a:rPr>
-              <a:t>write</a:t>
-            </a:r>
-            <a:r>
-              <a:rPr lang="es" sz="1200">
-                <a:latin typeface="Source Code Pro"/>
-                <a:ea typeface="Source Code Pro"/>
-                <a:cs typeface="Source Code Pro"/>
-                <a:sym typeface="Source Code Pro"/>
-              </a:rPr>
-              <a:t>(nombreArchivo);</a:t>
-            </a:r>
-          </a:p>
-          <a:p>
-            <a:pPr indent="-304800" lvl="0" marL="457200" marR="0" rtl="0" algn="l">
-              <a:lnSpc>
-                <a:spcPct val="100000"/>
-              </a:lnSpc>
-              <a:spcBef>
-                <a:spcPts val="600"/>
-              </a:spcBef>
-              <a:spcAft>
-                <a:spcPts val="0"/>
-              </a:spcAft>
-              <a:buSzPct val="100000"/>
-            </a:pPr>
-            <a:r>
-              <a:rPr lang="es" sz="1200"/>
-              <a:t>El nombre original del archivo se obtiene así.</a:t>
-            </a:r>
-          </a:p>
-          <a:p>
-            <a:pPr indent="0" lvl="0" marL="0" marR="0" rtl="0" algn="l">
-              <a:lnSpc>
-                <a:spcPct val="100000"/>
-              </a:lnSpc>
-              <a:spcBef>
-                <a:spcPts val="600"/>
-              </a:spcBef>
-              <a:spcAft>
-                <a:spcPts val="0"/>
-              </a:spcAft>
-              <a:buNone/>
-            </a:pPr>
-            <a:r>
-              <a:t/>
-            </a:r>
-            <a:endParaRPr sz="1200"/>
-          </a:p>
-        </p:txBody>
-      </p:sp>
-      <p:pic>
-        <p:nvPicPr>
-          <p:cNvPr id="102" name="Shape 102"/>
-          <p:cNvPicPr preferRelativeResize="0"/>
-          <p:nvPr/>
-        </p:nvPicPr>
-        <p:blipFill>
-          <a:blip r:embed="rId3">
-            <a:alphaModFix/>
-          </a:blip>
-          <a:stretch>
-            <a:fillRect/>
-          </a:stretch>
-        </p:blipFill>
-        <p:spPr>
-          <a:xfrm>
-            <a:off x="1034000" y="3022150"/>
-            <a:ext cx="5933338" cy="1903700"/>
-          </a:xfrm>
-          <a:prstGeom prst="rect">
-            <a:avLst/>
-          </a:prstGeom>
-          <a:noFill/>
-          <a:ln cap="flat" cmpd="sng" w="9525">
-            <a:solidFill>
-              <a:srgbClr val="980000"/>
-            </a:solidFill>
-            <a:prstDash val="solid"/>
-            <a:round/>
-            <a:headEnd len="med" w="med" type="none"/>
-            <a:tailEnd len="med" w="med" type="none"/>
-          </a:ln>
-        </p:spPr>
-      </p:pic>
-    </p:spTree>
-  </p:cSld>
-  <p:clrMapOvr>
-    <a:masterClrMapping/>
-  </p:clrMapOvr>
-  <p:transition spd="slow">
-    <p:cut/>
-  </p:transition>
-</p:sld>
-</file>
-
-<file path=ppt/theme/theme.xml><?xml version="1.0" encoding="utf-8"?>
-<a:theme xmlns:a="http://schemas.openxmlformats.org/drawingml/2006/main" xmlns:r="http://schemas.openxmlformats.org/officeDocument/2006/relationships" name="label">
+<file path=ppt/theme/theme1.xml><?xml version="1.0" encoding="utf-8"?>
+<a:theme xmlns:a="http://schemas.openxmlformats.org/drawingml/2006/main" name="label">
   <a:themeElements>
     <a:clrScheme name="Custom 352">
       <a:dk1>
@@ -9331,11 +9622,13 @@
       </a:bgFillStyleLst>
     </a:fmtScheme>
   </a:themeElements>
+  <a:objectDefaults/>
+  <a:extraClrSchemeLst/>
 </a:theme>
 </file>
 
-<file path=ppt/theme/theme1.xml><?xml version="1.0" encoding="utf-8"?>
-<a:theme xmlns:a="http://schemas.openxmlformats.org/drawingml/2006/main" xmlns:r="http://schemas.openxmlformats.org/officeDocument/2006/relationships" name="Custom Theme">
+<file path=ppt/theme/theme2.xml><?xml version="1.0" encoding="utf-8"?>
+<a:theme xmlns:a="http://schemas.openxmlformats.org/drawingml/2006/main" name="Custom Theme">
   <a:themeElements>
     <a:clrScheme name="Default">
       <a:dk1>
@@ -9610,5 +9903,7 @@
       </a:bgFillStyleLst>
     </a:fmtScheme>
   </a:themeElements>
+  <a:objectDefaults/>
+  <a:extraClrSchemeLst/>
 </a:theme>
 </file>